--- a/單元5.Jenkins與Docker的CICD使用詳解.pptx
+++ b/單元5.Jenkins與Docker的CICD使用詳解.pptx
@@ -5,78 +5,86 @@
     <p:sldMasterId id="2147483648" r:id="rId1"/>
   </p:sldMasterIdLst>
   <p:notesMasterIdLst>
-    <p:notesMasterId r:id="rId45"/>
+    <p:notesMasterId r:id="rId4"/>
   </p:notesMasterIdLst>
   <p:sldIdLst>
-    <p:sldId id="257" r:id="rId2"/>
-    <p:sldId id="258" r:id="rId3"/>
-    <p:sldId id="259" r:id="rId4"/>
-    <p:sldId id="260" r:id="rId5"/>
-    <p:sldId id="261" r:id="rId6"/>
-    <p:sldId id="262" r:id="rId7"/>
-    <p:sldId id="263" r:id="rId8"/>
-    <p:sldId id="264" r:id="rId9"/>
-    <p:sldId id="265" r:id="rId10"/>
-    <p:sldId id="266" r:id="rId11"/>
-    <p:sldId id="267" r:id="rId12"/>
-    <p:sldId id="268" r:id="rId13"/>
-    <p:sldId id="269" r:id="rId14"/>
-    <p:sldId id="270" r:id="rId15"/>
-    <p:sldId id="271" r:id="rId16"/>
-    <p:sldId id="272" r:id="rId17"/>
-    <p:sldId id="273" r:id="rId18"/>
-    <p:sldId id="274" r:id="rId19"/>
-    <p:sldId id="275" r:id="rId20"/>
-    <p:sldId id="276" r:id="rId21"/>
-    <p:sldId id="277" r:id="rId22"/>
-    <p:sldId id="278" r:id="rId23"/>
-    <p:sldId id="279" r:id="rId24"/>
-    <p:sldId id="280" r:id="rId25"/>
-    <p:sldId id="281" r:id="rId26"/>
-    <p:sldId id="282" r:id="rId27"/>
-    <p:sldId id="283" r:id="rId28"/>
-    <p:sldId id="284" r:id="rId29"/>
-    <p:sldId id="290" r:id="rId30"/>
-    <p:sldId id="289" r:id="rId31"/>
-    <p:sldId id="285" r:id="rId32"/>
-    <p:sldId id="286" r:id="rId33"/>
-    <p:sldId id="287" r:id="rId34"/>
-    <p:sldId id="288" r:id="rId35"/>
-    <p:sldId id="299" r:id="rId36"/>
-    <p:sldId id="292" r:id="rId37"/>
-    <p:sldId id="291" r:id="rId38"/>
-    <p:sldId id="293" r:id="rId39"/>
-    <p:sldId id="294" r:id="rId40"/>
-    <p:sldId id="295" r:id="rId41"/>
-    <p:sldId id="296" r:id="rId42"/>
-    <p:sldId id="297" r:id="rId43"/>
-    <p:sldId id="298" r:id="rId44"/>
+    <p:sldId id="257" r:id="rId3"/>
+    <p:sldId id="258" r:id="rId5"/>
+    <p:sldId id="259" r:id="rId6"/>
+    <p:sldId id="260" r:id="rId7"/>
+    <p:sldId id="261" r:id="rId8"/>
+    <p:sldId id="262" r:id="rId9"/>
+    <p:sldId id="263" r:id="rId10"/>
+    <p:sldId id="264" r:id="rId11"/>
+    <p:sldId id="265" r:id="rId12"/>
+    <p:sldId id="266" r:id="rId13"/>
+    <p:sldId id="267" r:id="rId14"/>
+    <p:sldId id="268" r:id="rId15"/>
+    <p:sldId id="269" r:id="rId16"/>
+    <p:sldId id="270" r:id="rId17"/>
+    <p:sldId id="271" r:id="rId18"/>
+    <p:sldId id="272" r:id="rId19"/>
+    <p:sldId id="273" r:id="rId20"/>
+    <p:sldId id="274" r:id="rId21"/>
+    <p:sldId id="275" r:id="rId22"/>
+    <p:sldId id="276" r:id="rId23"/>
+    <p:sldId id="277" r:id="rId24"/>
+    <p:sldId id="278" r:id="rId25"/>
+    <p:sldId id="279" r:id="rId26"/>
+    <p:sldId id="280" r:id="rId27"/>
+    <p:sldId id="281" r:id="rId28"/>
+    <p:sldId id="282" r:id="rId29"/>
+    <p:sldId id="283" r:id="rId30"/>
+    <p:sldId id="284" r:id="rId31"/>
+    <p:sldId id="290" r:id="rId32"/>
+    <p:sldId id="289" r:id="rId33"/>
+    <p:sldId id="285" r:id="rId34"/>
+    <p:sldId id="286" r:id="rId35"/>
+    <p:sldId id="287" r:id="rId36"/>
+    <p:sldId id="288" r:id="rId37"/>
+    <p:sldId id="299" r:id="rId38"/>
+    <p:sldId id="292" r:id="rId39"/>
+    <p:sldId id="291" r:id="rId40"/>
+    <p:sldId id="293" r:id="rId41"/>
+    <p:sldId id="294" r:id="rId42"/>
+    <p:sldId id="295" r:id="rId43"/>
+    <p:sldId id="296" r:id="rId44"/>
+    <p:sldId id="297" r:id="rId45"/>
+    <p:sldId id="298" r:id="rId46"/>
   </p:sldIdLst>
   <p:sldSz cx="9144000" cy="5143500" type="screen16x9"/>
   <p:notesSz cx="6858000" cy="9144000"/>
   <p:embeddedFontLst>
     <p:embeddedFont>
-      <p:font typeface="Consolas" panose="020B0609020204030204" pitchFamily="49" charset="0"/>
-      <p:regular r:id="rId46"/>
-      <p:bold r:id="rId47"/>
-      <p:italic r:id="rId48"/>
-      <p:boldItalic r:id="rId49"/>
+      <p:font typeface="Trebuchet MS" panose="020B0603020202020204"/>
+      <p:regular r:id="rId50"/>
+    </p:embeddedFont>
+    <p:embeddedFont>
+      <p:font typeface="Trebuchet MS" panose="020B0603020202020204" charset="0"/>
+      <p:regular r:id="rId51"/>
+      <p:bold r:id="rId52"/>
+      <p:italic r:id="rId53"/>
+      <p:boldItalic r:id="rId54"/>
+    </p:embeddedFont>
+    <p:embeddedFont>
+      <p:font typeface="Play" panose="00000500000000000000"/>
+      <p:regular r:id="rId55"/>
+      <p:bold r:id="rId56"/>
     </p:embeddedFont>
     <p:embeddedFont>
       <p:font typeface="Arial Rounded MT Bold" panose="020F0704030504030204" pitchFamily="34" charset="0"/>
-      <p:regular r:id="rId50"/>
+      <p:regular r:id="rId57"/>
     </p:embeddedFont>
     <p:embeddedFont>
-      <p:font typeface="Play" panose="02020500000000000000" charset="0"/>
-      <p:regular r:id="rId51"/>
-      <p:bold r:id="rId52"/>
+      <p:font typeface="Consolas" panose="020B0609020204030204"/>
+      <p:regular r:id="rId58"/>
+      <p:bold r:id="rId59"/>
+      <p:italic r:id="rId60"/>
+      <p:boldItalic r:id="rId61"/>
     </p:embeddedFont>
     <p:embeddedFont>
-      <p:font typeface="Trebuchet MS" panose="020B0603020202020204" pitchFamily="34" charset="0"/>
-      <p:regular r:id="rId53"/>
-      <p:bold r:id="rId54"/>
-      <p:italic r:id="rId55"/>
-      <p:boldItalic r:id="rId56"/>
+      <p:font typeface="PMingLiU" panose="02020500000000000000" charset="-120"/>
+      <p:regular r:id="rId62"/>
     </p:embeddedFont>
   </p:embeddedFontLst>
   <p:defaultTextStyle>
@@ -528,9 +536,7 @@
               <a:defRPr sz="1100"/>
             </a:lvl9pPr>
           </a:lstStyle>
-          <a:p>
-            <a:endParaRPr/>
-          </a:p>
+          <a:p/>
         </p:txBody>
       </p:sp>
     </p:spTree>
@@ -769,7 +775,7 @@
 </file>
 
 <file path=ppt/notesSlides/notesSlide1.xml><?xml version="1.0" encoding="utf-8"?>
-<p:notes xmlns:a="http://schemas.openxmlformats.org/drawingml/2006/main" xmlns:r="http://schemas.openxmlformats.org/officeDocument/2006/relationships" xmlns:p="http://schemas.openxmlformats.org/presentationml/2006/main" showMasterSp="0" showMasterPhAnim="0">
+<p:notes xmlns:a="http://schemas.openxmlformats.org/drawingml/2006/main" xmlns:r="http://schemas.openxmlformats.org/officeDocument/2006/relationships" xmlns:p="http://schemas.openxmlformats.org/presentationml/2006/main" showMasterPhAnim="0" showMasterSp="0">
   <p:cSld>
     <p:spTree>
       <p:nvGrpSpPr>
@@ -819,7 +825,6 @@
               </a:spcAft>
               <a:buNone/>
             </a:pPr>
-            <a:endParaRPr/>
           </a:p>
         </p:txBody>
       </p:sp>
@@ -873,7 +878,7 @@
 </file>
 
 <file path=ppt/notesSlides/notesSlide10.xml><?xml version="1.0" encoding="utf-8"?>
-<p:notes xmlns:a="http://schemas.openxmlformats.org/drawingml/2006/main" xmlns:r="http://schemas.openxmlformats.org/officeDocument/2006/relationships" xmlns:p="http://schemas.openxmlformats.org/presentationml/2006/main" showMasterSp="0" showMasterPhAnim="0">
+<p:notes xmlns:a="http://schemas.openxmlformats.org/drawingml/2006/main" xmlns:r="http://schemas.openxmlformats.org/officeDocument/2006/relationships" xmlns:p="http://schemas.openxmlformats.org/presentationml/2006/main" showMasterPhAnim="0" showMasterSp="0">
   <p:cSld>
     <p:spTree>
       <p:nvGrpSpPr>
@@ -923,7 +928,6 @@
               </a:spcAft>
               <a:buNone/>
             </a:pPr>
-            <a:endParaRPr/>
           </a:p>
         </p:txBody>
       </p:sp>
@@ -977,7 +981,7 @@
 </file>
 
 <file path=ppt/notesSlides/notesSlide11.xml><?xml version="1.0" encoding="utf-8"?>
-<p:notes xmlns:a="http://schemas.openxmlformats.org/drawingml/2006/main" xmlns:r="http://schemas.openxmlformats.org/officeDocument/2006/relationships" xmlns:p="http://schemas.openxmlformats.org/presentationml/2006/main" showMasterSp="0" showMasterPhAnim="0">
+<p:notes xmlns:a="http://schemas.openxmlformats.org/drawingml/2006/main" xmlns:r="http://schemas.openxmlformats.org/officeDocument/2006/relationships" xmlns:p="http://schemas.openxmlformats.org/presentationml/2006/main" showMasterPhAnim="0" showMasterSp="0">
   <p:cSld>
     <p:spTree>
       <p:nvGrpSpPr>
@@ -1027,7 +1031,6 @@
               </a:spcAft>
               <a:buNone/>
             </a:pPr>
-            <a:endParaRPr/>
           </a:p>
         </p:txBody>
       </p:sp>
@@ -1081,7 +1084,7 @@
 </file>
 
 <file path=ppt/notesSlides/notesSlide12.xml><?xml version="1.0" encoding="utf-8"?>
-<p:notes xmlns:a="http://schemas.openxmlformats.org/drawingml/2006/main" xmlns:r="http://schemas.openxmlformats.org/officeDocument/2006/relationships" xmlns:p="http://schemas.openxmlformats.org/presentationml/2006/main" showMasterSp="0" showMasterPhAnim="0">
+<p:notes xmlns:a="http://schemas.openxmlformats.org/drawingml/2006/main" xmlns:r="http://schemas.openxmlformats.org/officeDocument/2006/relationships" xmlns:p="http://schemas.openxmlformats.org/presentationml/2006/main" showMasterPhAnim="0" showMasterSp="0">
   <p:cSld>
     <p:spTree>
       <p:nvGrpSpPr>
@@ -1131,7 +1134,6 @@
               </a:spcAft>
               <a:buNone/>
             </a:pPr>
-            <a:endParaRPr/>
           </a:p>
         </p:txBody>
       </p:sp>
@@ -1185,7 +1187,7 @@
 </file>
 
 <file path=ppt/notesSlides/notesSlide13.xml><?xml version="1.0" encoding="utf-8"?>
-<p:notes xmlns:a="http://schemas.openxmlformats.org/drawingml/2006/main" xmlns:r="http://schemas.openxmlformats.org/officeDocument/2006/relationships" xmlns:p="http://schemas.openxmlformats.org/presentationml/2006/main" showMasterSp="0" showMasterPhAnim="0">
+<p:notes xmlns:a="http://schemas.openxmlformats.org/drawingml/2006/main" xmlns:r="http://schemas.openxmlformats.org/officeDocument/2006/relationships" xmlns:p="http://schemas.openxmlformats.org/presentationml/2006/main" showMasterPhAnim="0" showMasterSp="0">
   <p:cSld>
     <p:spTree>
       <p:nvGrpSpPr>
@@ -1235,7 +1237,6 @@
               </a:spcAft>
               <a:buNone/>
             </a:pPr>
-            <a:endParaRPr/>
           </a:p>
         </p:txBody>
       </p:sp>
@@ -1289,7 +1290,7 @@
 </file>
 
 <file path=ppt/notesSlides/notesSlide14.xml><?xml version="1.0" encoding="utf-8"?>
-<p:notes xmlns:a="http://schemas.openxmlformats.org/drawingml/2006/main" xmlns:r="http://schemas.openxmlformats.org/officeDocument/2006/relationships" xmlns:p="http://schemas.openxmlformats.org/presentationml/2006/main" showMasterSp="0" showMasterPhAnim="0">
+<p:notes xmlns:a="http://schemas.openxmlformats.org/drawingml/2006/main" xmlns:r="http://schemas.openxmlformats.org/officeDocument/2006/relationships" xmlns:p="http://schemas.openxmlformats.org/presentationml/2006/main" showMasterPhAnim="0" showMasterSp="0">
   <p:cSld>
     <p:spTree>
       <p:nvGrpSpPr>
@@ -1339,7 +1340,6 @@
               </a:spcAft>
               <a:buNone/>
             </a:pPr>
-            <a:endParaRPr/>
           </a:p>
         </p:txBody>
       </p:sp>
@@ -1393,7 +1393,7 @@
 </file>
 
 <file path=ppt/notesSlides/notesSlide15.xml><?xml version="1.0" encoding="utf-8"?>
-<p:notes xmlns:a="http://schemas.openxmlformats.org/drawingml/2006/main" xmlns:r="http://schemas.openxmlformats.org/officeDocument/2006/relationships" xmlns:p="http://schemas.openxmlformats.org/presentationml/2006/main" showMasterSp="0" showMasterPhAnim="0">
+<p:notes xmlns:a="http://schemas.openxmlformats.org/drawingml/2006/main" xmlns:r="http://schemas.openxmlformats.org/officeDocument/2006/relationships" xmlns:p="http://schemas.openxmlformats.org/presentationml/2006/main" showMasterPhAnim="0" showMasterSp="0">
   <p:cSld>
     <p:spTree>
       <p:nvGrpSpPr>
@@ -1443,7 +1443,6 @@
               </a:spcAft>
               <a:buNone/>
             </a:pPr>
-            <a:endParaRPr/>
           </a:p>
         </p:txBody>
       </p:sp>
@@ -1497,7 +1496,7 @@
 </file>
 
 <file path=ppt/notesSlides/notesSlide16.xml><?xml version="1.0" encoding="utf-8"?>
-<p:notes xmlns:a="http://schemas.openxmlformats.org/drawingml/2006/main" xmlns:r="http://schemas.openxmlformats.org/officeDocument/2006/relationships" xmlns:p="http://schemas.openxmlformats.org/presentationml/2006/main" showMasterSp="0" showMasterPhAnim="0">
+<p:notes xmlns:a="http://schemas.openxmlformats.org/drawingml/2006/main" xmlns:r="http://schemas.openxmlformats.org/officeDocument/2006/relationships" xmlns:p="http://schemas.openxmlformats.org/presentationml/2006/main" showMasterPhAnim="0" showMasterSp="0">
   <p:cSld>
     <p:spTree>
       <p:nvGrpSpPr>
@@ -1547,7 +1546,6 @@
               </a:spcAft>
               <a:buNone/>
             </a:pPr>
-            <a:endParaRPr/>
           </a:p>
         </p:txBody>
       </p:sp>
@@ -1601,7 +1599,7 @@
 </file>
 
 <file path=ppt/notesSlides/notesSlide17.xml><?xml version="1.0" encoding="utf-8"?>
-<p:notes xmlns:a="http://schemas.openxmlformats.org/drawingml/2006/main" xmlns:r="http://schemas.openxmlformats.org/officeDocument/2006/relationships" xmlns:p="http://schemas.openxmlformats.org/presentationml/2006/main" showMasterSp="0" showMasterPhAnim="0">
+<p:notes xmlns:a="http://schemas.openxmlformats.org/drawingml/2006/main" xmlns:r="http://schemas.openxmlformats.org/officeDocument/2006/relationships" xmlns:p="http://schemas.openxmlformats.org/presentationml/2006/main" showMasterPhAnim="0" showMasterSp="0">
   <p:cSld>
     <p:spTree>
       <p:nvGrpSpPr>
@@ -1651,7 +1649,6 @@
               </a:spcAft>
               <a:buNone/>
             </a:pPr>
-            <a:endParaRPr/>
           </a:p>
         </p:txBody>
       </p:sp>
@@ -1705,7 +1702,7 @@
 </file>
 
 <file path=ppt/notesSlides/notesSlide18.xml><?xml version="1.0" encoding="utf-8"?>
-<p:notes xmlns:a="http://schemas.openxmlformats.org/drawingml/2006/main" xmlns:r="http://schemas.openxmlformats.org/officeDocument/2006/relationships" xmlns:p="http://schemas.openxmlformats.org/presentationml/2006/main" showMasterSp="0" showMasterPhAnim="0">
+<p:notes xmlns:a="http://schemas.openxmlformats.org/drawingml/2006/main" xmlns:r="http://schemas.openxmlformats.org/officeDocument/2006/relationships" xmlns:p="http://schemas.openxmlformats.org/presentationml/2006/main" showMasterPhAnim="0" showMasterSp="0">
   <p:cSld>
     <p:spTree>
       <p:nvGrpSpPr>
@@ -1796,7 +1793,6 @@
               </a:spcAft>
               <a:buNone/>
             </a:pPr>
-            <a:endParaRPr/>
           </a:p>
         </p:txBody>
       </p:sp>
@@ -1809,7 +1805,7 @@
 </file>
 
 <file path=ppt/notesSlides/notesSlide19.xml><?xml version="1.0" encoding="utf-8"?>
-<p:notes xmlns:a="http://schemas.openxmlformats.org/drawingml/2006/main" xmlns:r="http://schemas.openxmlformats.org/officeDocument/2006/relationships" xmlns:p="http://schemas.openxmlformats.org/presentationml/2006/main" showMasterSp="0" showMasterPhAnim="0">
+<p:notes xmlns:a="http://schemas.openxmlformats.org/drawingml/2006/main" xmlns:r="http://schemas.openxmlformats.org/officeDocument/2006/relationships" xmlns:p="http://schemas.openxmlformats.org/presentationml/2006/main" showMasterPhAnim="0" showMasterSp="0">
   <p:cSld>
     <p:spTree>
       <p:nvGrpSpPr>
@@ -1900,7 +1896,6 @@
               </a:spcAft>
               <a:buNone/>
             </a:pPr>
-            <a:endParaRPr/>
           </a:p>
         </p:txBody>
       </p:sp>
@@ -1913,7 +1908,7 @@
 </file>
 
 <file path=ppt/notesSlides/notesSlide2.xml><?xml version="1.0" encoding="utf-8"?>
-<p:notes xmlns:a="http://schemas.openxmlformats.org/drawingml/2006/main" xmlns:r="http://schemas.openxmlformats.org/officeDocument/2006/relationships" xmlns:p="http://schemas.openxmlformats.org/presentationml/2006/main" showMasterSp="0" showMasterPhAnim="0">
+<p:notes xmlns:a="http://schemas.openxmlformats.org/drawingml/2006/main" xmlns:r="http://schemas.openxmlformats.org/officeDocument/2006/relationships" xmlns:p="http://schemas.openxmlformats.org/presentationml/2006/main" showMasterPhAnim="0" showMasterSp="0">
   <p:cSld>
     <p:spTree>
       <p:nvGrpSpPr>
@@ -1963,7 +1958,6 @@
               </a:spcAft>
               <a:buNone/>
             </a:pPr>
-            <a:endParaRPr/>
           </a:p>
         </p:txBody>
       </p:sp>
@@ -2017,7 +2011,7 @@
 </file>
 
 <file path=ppt/notesSlides/notesSlide20.xml><?xml version="1.0" encoding="utf-8"?>
-<p:notes xmlns:a="http://schemas.openxmlformats.org/drawingml/2006/main" xmlns:r="http://schemas.openxmlformats.org/officeDocument/2006/relationships" xmlns:p="http://schemas.openxmlformats.org/presentationml/2006/main" showMasterSp="0" showMasterPhAnim="0">
+<p:notes xmlns:a="http://schemas.openxmlformats.org/drawingml/2006/main" xmlns:r="http://schemas.openxmlformats.org/officeDocument/2006/relationships" xmlns:p="http://schemas.openxmlformats.org/presentationml/2006/main" showMasterPhAnim="0" showMasterSp="0">
   <p:cSld>
     <p:spTree>
       <p:nvGrpSpPr>
@@ -2067,7 +2061,6 @@
               </a:spcAft>
               <a:buNone/>
             </a:pPr>
-            <a:endParaRPr/>
           </a:p>
         </p:txBody>
       </p:sp>
@@ -2121,7 +2114,7 @@
 </file>
 
 <file path=ppt/notesSlides/notesSlide21.xml><?xml version="1.0" encoding="utf-8"?>
-<p:notes xmlns:a="http://schemas.openxmlformats.org/drawingml/2006/main" xmlns:r="http://schemas.openxmlformats.org/officeDocument/2006/relationships" xmlns:p="http://schemas.openxmlformats.org/presentationml/2006/main" showMasterSp="0" showMasterPhAnim="0">
+<p:notes xmlns:a="http://schemas.openxmlformats.org/drawingml/2006/main" xmlns:r="http://schemas.openxmlformats.org/officeDocument/2006/relationships" xmlns:p="http://schemas.openxmlformats.org/presentationml/2006/main" showMasterPhAnim="0" showMasterSp="0">
   <p:cSld>
     <p:spTree>
       <p:nvGrpSpPr>
@@ -2171,7 +2164,6 @@
               </a:spcAft>
               <a:buNone/>
             </a:pPr>
-            <a:endParaRPr/>
           </a:p>
         </p:txBody>
       </p:sp>
@@ -2225,7 +2217,7 @@
 </file>
 
 <file path=ppt/notesSlides/notesSlide22.xml><?xml version="1.0" encoding="utf-8"?>
-<p:notes xmlns:a="http://schemas.openxmlformats.org/drawingml/2006/main" xmlns:r="http://schemas.openxmlformats.org/officeDocument/2006/relationships" xmlns:p="http://schemas.openxmlformats.org/presentationml/2006/main" showMasterSp="0" showMasterPhAnim="0">
+<p:notes xmlns:a="http://schemas.openxmlformats.org/drawingml/2006/main" xmlns:r="http://schemas.openxmlformats.org/officeDocument/2006/relationships" xmlns:p="http://schemas.openxmlformats.org/presentationml/2006/main" showMasterPhAnim="0" showMasterSp="0">
   <p:cSld>
     <p:spTree>
       <p:nvGrpSpPr>
@@ -2275,7 +2267,6 @@
               </a:spcAft>
               <a:buNone/>
             </a:pPr>
-            <a:endParaRPr/>
           </a:p>
         </p:txBody>
       </p:sp>
@@ -2329,7 +2320,7 @@
 </file>
 
 <file path=ppt/notesSlides/notesSlide23.xml><?xml version="1.0" encoding="utf-8"?>
-<p:notes xmlns:a="http://schemas.openxmlformats.org/drawingml/2006/main" xmlns:r="http://schemas.openxmlformats.org/officeDocument/2006/relationships" xmlns:p="http://schemas.openxmlformats.org/presentationml/2006/main" showMasterSp="0" showMasterPhAnim="0">
+<p:notes xmlns:a="http://schemas.openxmlformats.org/drawingml/2006/main" xmlns:r="http://schemas.openxmlformats.org/officeDocument/2006/relationships" xmlns:p="http://schemas.openxmlformats.org/presentationml/2006/main" showMasterPhAnim="0" showMasterSp="0">
   <p:cSld>
     <p:spTree>
       <p:nvGrpSpPr>
@@ -2379,7 +2370,6 @@
               </a:spcAft>
               <a:buNone/>
             </a:pPr>
-            <a:endParaRPr/>
           </a:p>
         </p:txBody>
       </p:sp>
@@ -2433,7 +2423,7 @@
 </file>
 
 <file path=ppt/notesSlides/notesSlide24.xml><?xml version="1.0" encoding="utf-8"?>
-<p:notes xmlns:a="http://schemas.openxmlformats.org/drawingml/2006/main" xmlns:r="http://schemas.openxmlformats.org/officeDocument/2006/relationships" xmlns:p="http://schemas.openxmlformats.org/presentationml/2006/main" showMasterSp="0" showMasterPhAnim="0">
+<p:notes xmlns:a="http://schemas.openxmlformats.org/drawingml/2006/main" xmlns:r="http://schemas.openxmlformats.org/officeDocument/2006/relationships" xmlns:p="http://schemas.openxmlformats.org/presentationml/2006/main" showMasterPhAnim="0" showMasterSp="0">
   <p:cSld>
     <p:spTree>
       <p:nvGrpSpPr>
@@ -2483,7 +2473,6 @@
               </a:spcAft>
               <a:buNone/>
             </a:pPr>
-            <a:endParaRPr/>
           </a:p>
         </p:txBody>
       </p:sp>
@@ -2537,7 +2526,7 @@
 </file>
 
 <file path=ppt/notesSlides/notesSlide25.xml><?xml version="1.0" encoding="utf-8"?>
-<p:notes xmlns:a="http://schemas.openxmlformats.org/drawingml/2006/main" xmlns:r="http://schemas.openxmlformats.org/officeDocument/2006/relationships" xmlns:p="http://schemas.openxmlformats.org/presentationml/2006/main" showMasterSp="0" showMasterPhAnim="0">
+<p:notes xmlns:a="http://schemas.openxmlformats.org/drawingml/2006/main" xmlns:r="http://schemas.openxmlformats.org/officeDocument/2006/relationships" xmlns:p="http://schemas.openxmlformats.org/presentationml/2006/main" showMasterPhAnim="0" showMasterSp="0">
   <p:cSld>
     <p:spTree>
       <p:nvGrpSpPr>
@@ -2587,7 +2576,6 @@
               </a:spcAft>
               <a:buNone/>
             </a:pPr>
-            <a:endParaRPr/>
           </a:p>
         </p:txBody>
       </p:sp>
@@ -2641,7 +2629,7 @@
 </file>
 
 <file path=ppt/notesSlides/notesSlide26.xml><?xml version="1.0" encoding="utf-8"?>
-<p:notes xmlns:a="http://schemas.openxmlformats.org/drawingml/2006/main" xmlns:r="http://schemas.openxmlformats.org/officeDocument/2006/relationships" xmlns:p="http://schemas.openxmlformats.org/presentationml/2006/main" showMasterSp="0" showMasterPhAnim="0">
+<p:notes xmlns:a="http://schemas.openxmlformats.org/drawingml/2006/main" xmlns:r="http://schemas.openxmlformats.org/officeDocument/2006/relationships" xmlns:p="http://schemas.openxmlformats.org/presentationml/2006/main" showMasterPhAnim="0" showMasterSp="0">
   <p:cSld>
     <p:spTree>
       <p:nvGrpSpPr>
@@ -2691,7 +2679,6 @@
               </a:spcAft>
               <a:buNone/>
             </a:pPr>
-            <a:endParaRPr/>
           </a:p>
         </p:txBody>
       </p:sp>
@@ -2745,7 +2732,7 @@
 </file>
 
 <file path=ppt/notesSlides/notesSlide27.xml><?xml version="1.0" encoding="utf-8"?>
-<p:notes xmlns:a="http://schemas.openxmlformats.org/drawingml/2006/main" xmlns:r="http://schemas.openxmlformats.org/officeDocument/2006/relationships" xmlns:p="http://schemas.openxmlformats.org/presentationml/2006/main" showMasterSp="0" showMasterPhAnim="0">
+<p:notes xmlns:a="http://schemas.openxmlformats.org/drawingml/2006/main" xmlns:r="http://schemas.openxmlformats.org/officeDocument/2006/relationships" xmlns:p="http://schemas.openxmlformats.org/presentationml/2006/main" showMasterPhAnim="0" showMasterSp="0">
   <p:cSld>
     <p:spTree>
       <p:nvGrpSpPr>
@@ -2795,7 +2782,6 @@
               </a:spcAft>
               <a:buNone/>
             </a:pPr>
-            <a:endParaRPr/>
           </a:p>
         </p:txBody>
       </p:sp>
@@ -2849,7 +2835,7 @@
 </file>
 
 <file path=ppt/notesSlides/notesSlide28.xml><?xml version="1.0" encoding="utf-8"?>
-<p:notes xmlns:a="http://schemas.openxmlformats.org/drawingml/2006/main" xmlns:r="http://schemas.openxmlformats.org/officeDocument/2006/relationships" xmlns:p="http://schemas.openxmlformats.org/presentationml/2006/main" showMasterSp="0" showMasterPhAnim="0">
+<p:notes xmlns:a="http://schemas.openxmlformats.org/drawingml/2006/main" xmlns:r="http://schemas.openxmlformats.org/officeDocument/2006/relationships" xmlns:p="http://schemas.openxmlformats.org/presentationml/2006/main" showMasterPhAnim="0" showMasterSp="0">
   <p:cSld>
     <p:spTree>
       <p:nvGrpSpPr>
@@ -2899,7 +2885,6 @@
               </a:spcAft>
               <a:buNone/>
             </a:pPr>
-            <a:endParaRPr/>
           </a:p>
         </p:txBody>
       </p:sp>
@@ -2953,7 +2938,7 @@
 </file>
 
 <file path=ppt/notesSlides/notesSlide29.xml><?xml version="1.0" encoding="utf-8"?>
-<p:notes xmlns:a="http://schemas.openxmlformats.org/drawingml/2006/main" xmlns:r="http://schemas.openxmlformats.org/officeDocument/2006/relationships" xmlns:p="http://schemas.openxmlformats.org/presentationml/2006/main" showMasterSp="0" showMasterPhAnim="0">
+<p:notes xmlns:a="http://schemas.openxmlformats.org/drawingml/2006/main" xmlns:r="http://schemas.openxmlformats.org/officeDocument/2006/relationships" xmlns:p="http://schemas.openxmlformats.org/presentationml/2006/main" showMasterPhAnim="0" showMasterSp="0">
   <p:cSld>
     <p:spTree>
       <p:nvGrpSpPr>
@@ -3003,7 +2988,6 @@
               </a:spcAft>
               <a:buNone/>
             </a:pPr>
-            <a:endParaRPr/>
           </a:p>
         </p:txBody>
       </p:sp>
@@ -3057,7 +3041,7 @@
 </file>
 
 <file path=ppt/notesSlides/notesSlide3.xml><?xml version="1.0" encoding="utf-8"?>
-<p:notes xmlns:a="http://schemas.openxmlformats.org/drawingml/2006/main" xmlns:r="http://schemas.openxmlformats.org/officeDocument/2006/relationships" xmlns:p="http://schemas.openxmlformats.org/presentationml/2006/main" showMasterSp="0" showMasterPhAnim="0">
+<p:notes xmlns:a="http://schemas.openxmlformats.org/drawingml/2006/main" xmlns:r="http://schemas.openxmlformats.org/officeDocument/2006/relationships" xmlns:p="http://schemas.openxmlformats.org/presentationml/2006/main" showMasterPhAnim="0" showMasterSp="0">
   <p:cSld>
     <p:spTree>
       <p:nvGrpSpPr>
@@ -3107,7 +3091,6 @@
               </a:spcAft>
               <a:buNone/>
             </a:pPr>
-            <a:endParaRPr/>
           </a:p>
         </p:txBody>
       </p:sp>
@@ -3161,7 +3144,7 @@
 </file>
 
 <file path=ppt/notesSlides/notesSlide30.xml><?xml version="1.0" encoding="utf-8"?>
-<p:notes xmlns:a="http://schemas.openxmlformats.org/drawingml/2006/main" xmlns:r="http://schemas.openxmlformats.org/officeDocument/2006/relationships" xmlns:p="http://schemas.openxmlformats.org/presentationml/2006/main" showMasterSp="0" showMasterPhAnim="0">
+<p:notes xmlns:a="http://schemas.openxmlformats.org/drawingml/2006/main" xmlns:r="http://schemas.openxmlformats.org/officeDocument/2006/relationships" xmlns:p="http://schemas.openxmlformats.org/presentationml/2006/main" showMasterPhAnim="0" showMasterSp="0">
   <p:cSld>
     <p:spTree>
       <p:nvGrpSpPr>
@@ -3211,7 +3194,6 @@
               </a:spcAft>
               <a:buNone/>
             </a:pPr>
-            <a:endParaRPr/>
           </a:p>
         </p:txBody>
       </p:sp>
@@ -3265,7 +3247,7 @@
 </file>
 
 <file path=ppt/notesSlides/notesSlide31.xml><?xml version="1.0" encoding="utf-8"?>
-<p:notes xmlns:a="http://schemas.openxmlformats.org/drawingml/2006/main" xmlns:r="http://schemas.openxmlformats.org/officeDocument/2006/relationships" xmlns:p="http://schemas.openxmlformats.org/presentationml/2006/main" showMasterSp="0" showMasterPhAnim="0">
+<p:notes xmlns:a="http://schemas.openxmlformats.org/drawingml/2006/main" xmlns:r="http://schemas.openxmlformats.org/officeDocument/2006/relationships" xmlns:p="http://schemas.openxmlformats.org/presentationml/2006/main" showMasterPhAnim="0" showMasterSp="0">
   <p:cSld>
     <p:spTree>
       <p:nvGrpSpPr>
@@ -3315,7 +3297,6 @@
               </a:spcAft>
               <a:buNone/>
             </a:pPr>
-            <a:endParaRPr/>
           </a:p>
         </p:txBody>
       </p:sp>
@@ -3369,7 +3350,7 @@
 </file>
 
 <file path=ppt/notesSlides/notesSlide32.xml><?xml version="1.0" encoding="utf-8"?>
-<p:notes xmlns:a="http://schemas.openxmlformats.org/drawingml/2006/main" xmlns:r="http://schemas.openxmlformats.org/officeDocument/2006/relationships" xmlns:p="http://schemas.openxmlformats.org/presentationml/2006/main" showMasterSp="0" showMasterPhAnim="0">
+<p:notes xmlns:a="http://schemas.openxmlformats.org/drawingml/2006/main" xmlns:r="http://schemas.openxmlformats.org/officeDocument/2006/relationships" xmlns:p="http://schemas.openxmlformats.org/presentationml/2006/main" showMasterPhAnim="0" showMasterSp="0">
   <p:cSld>
     <p:spTree>
       <p:nvGrpSpPr>
@@ -3419,7 +3400,6 @@
               </a:spcAft>
               <a:buNone/>
             </a:pPr>
-            <a:endParaRPr/>
           </a:p>
         </p:txBody>
       </p:sp>
@@ -3473,7 +3453,7 @@
 </file>
 
 <file path=ppt/notesSlides/notesSlide33.xml><?xml version="1.0" encoding="utf-8"?>
-<p:notes xmlns:a="http://schemas.openxmlformats.org/drawingml/2006/main" xmlns:r="http://schemas.openxmlformats.org/officeDocument/2006/relationships" xmlns:p="http://schemas.openxmlformats.org/presentationml/2006/main" showMasterSp="0" showMasterPhAnim="0">
+<p:notes xmlns:a="http://schemas.openxmlformats.org/drawingml/2006/main" xmlns:r="http://schemas.openxmlformats.org/officeDocument/2006/relationships" xmlns:p="http://schemas.openxmlformats.org/presentationml/2006/main" showMasterPhAnim="0" showMasterSp="0">
   <p:cSld>
     <p:spTree>
       <p:nvGrpSpPr>
@@ -3523,7 +3503,6 @@
               </a:spcAft>
               <a:buNone/>
             </a:pPr>
-            <a:endParaRPr/>
           </a:p>
         </p:txBody>
       </p:sp>
@@ -3577,7 +3556,7 @@
 </file>
 
 <file path=ppt/notesSlides/notesSlide34.xml><?xml version="1.0" encoding="utf-8"?>
-<p:notes xmlns:a="http://schemas.openxmlformats.org/drawingml/2006/main" xmlns:r="http://schemas.openxmlformats.org/officeDocument/2006/relationships" xmlns:p="http://schemas.openxmlformats.org/presentationml/2006/main" showMasterSp="0" showMasterPhAnim="0">
+<p:notes xmlns:a="http://schemas.openxmlformats.org/drawingml/2006/main" xmlns:r="http://schemas.openxmlformats.org/officeDocument/2006/relationships" xmlns:p="http://schemas.openxmlformats.org/presentationml/2006/main" showMasterPhAnim="0" showMasterSp="0">
   <p:cSld>
     <p:spTree>
       <p:nvGrpSpPr>
@@ -3627,7 +3606,6 @@
               </a:spcAft>
               <a:buNone/>
             </a:pPr>
-            <a:endParaRPr/>
           </a:p>
         </p:txBody>
       </p:sp>
@@ -3673,11 +3651,6 @@
         </p:spPr>
       </p:sp>
     </p:spTree>
-    <p:extLst>
-      <p:ext uri="{BB962C8B-B14F-4D97-AF65-F5344CB8AC3E}">
-        <p14:creationId xmlns:p14="http://schemas.microsoft.com/office/powerpoint/2010/main" val="3782509242"/>
-      </p:ext>
-    </p:extLst>
   </p:cSld>
   <p:clrMapOvr>
     <a:masterClrMapping/>
@@ -3686,7 +3659,7 @@
 </file>
 
 <file path=ppt/notesSlides/notesSlide35.xml><?xml version="1.0" encoding="utf-8"?>
-<p:notes xmlns:a="http://schemas.openxmlformats.org/drawingml/2006/main" xmlns:r="http://schemas.openxmlformats.org/officeDocument/2006/relationships" xmlns:p="http://schemas.openxmlformats.org/presentationml/2006/main" showMasterSp="0" showMasterPhAnim="0">
+<p:notes xmlns:a="http://schemas.openxmlformats.org/drawingml/2006/main" xmlns:r="http://schemas.openxmlformats.org/officeDocument/2006/relationships" xmlns:p="http://schemas.openxmlformats.org/presentationml/2006/main" showMasterPhAnim="0" showMasterSp="0">
   <p:cSld>
     <p:spTree>
       <p:nvGrpSpPr>
@@ -3736,7 +3709,6 @@
               </a:spcAft>
               <a:buNone/>
             </a:pPr>
-            <a:endParaRPr/>
           </a:p>
         </p:txBody>
       </p:sp>
@@ -3790,7 +3762,7 @@
 </file>
 
 <file path=ppt/notesSlides/notesSlide36.xml><?xml version="1.0" encoding="utf-8"?>
-<p:notes xmlns:a="http://schemas.openxmlformats.org/drawingml/2006/main" xmlns:r="http://schemas.openxmlformats.org/officeDocument/2006/relationships" xmlns:p="http://schemas.openxmlformats.org/presentationml/2006/main" showMasterSp="0" showMasterPhAnim="0">
+<p:notes xmlns:a="http://schemas.openxmlformats.org/drawingml/2006/main" xmlns:r="http://schemas.openxmlformats.org/officeDocument/2006/relationships" xmlns:p="http://schemas.openxmlformats.org/presentationml/2006/main" showMasterPhAnim="0" showMasterSp="0">
   <p:cSld>
     <p:spTree>
       <p:nvGrpSpPr>
@@ -3840,7 +3812,6 @@
               </a:spcAft>
               <a:buNone/>
             </a:pPr>
-            <a:endParaRPr/>
           </a:p>
         </p:txBody>
       </p:sp>
@@ -3894,7 +3865,7 @@
 </file>
 
 <file path=ppt/notesSlides/notesSlide37.xml><?xml version="1.0" encoding="utf-8"?>
-<p:notes xmlns:a="http://schemas.openxmlformats.org/drawingml/2006/main" xmlns:r="http://schemas.openxmlformats.org/officeDocument/2006/relationships" xmlns:p="http://schemas.openxmlformats.org/presentationml/2006/main" showMasterSp="0" showMasterPhAnim="0">
+<p:notes xmlns:a="http://schemas.openxmlformats.org/drawingml/2006/main" xmlns:r="http://schemas.openxmlformats.org/officeDocument/2006/relationships" xmlns:p="http://schemas.openxmlformats.org/presentationml/2006/main" showMasterPhAnim="0" showMasterSp="0">
   <p:cSld>
     <p:spTree>
       <p:nvGrpSpPr>
@@ -3944,7 +3915,6 @@
               </a:spcAft>
               <a:buNone/>
             </a:pPr>
-            <a:endParaRPr/>
           </a:p>
         </p:txBody>
       </p:sp>
@@ -3998,7 +3968,7 @@
 </file>
 
 <file path=ppt/notesSlides/notesSlide38.xml><?xml version="1.0" encoding="utf-8"?>
-<p:notes xmlns:a="http://schemas.openxmlformats.org/drawingml/2006/main" xmlns:r="http://schemas.openxmlformats.org/officeDocument/2006/relationships" xmlns:p="http://schemas.openxmlformats.org/presentationml/2006/main" showMasterSp="0" showMasterPhAnim="0">
+<p:notes xmlns:a="http://schemas.openxmlformats.org/drawingml/2006/main" xmlns:r="http://schemas.openxmlformats.org/officeDocument/2006/relationships" xmlns:p="http://schemas.openxmlformats.org/presentationml/2006/main" showMasterPhAnim="0" showMasterSp="0">
   <p:cSld>
     <p:spTree>
       <p:nvGrpSpPr>
@@ -4048,7 +4018,6 @@
               </a:spcAft>
               <a:buNone/>
             </a:pPr>
-            <a:endParaRPr/>
           </a:p>
         </p:txBody>
       </p:sp>
@@ -4102,7 +4071,7 @@
 </file>
 
 <file path=ppt/notesSlides/notesSlide39.xml><?xml version="1.0" encoding="utf-8"?>
-<p:notes xmlns:a="http://schemas.openxmlformats.org/drawingml/2006/main" xmlns:r="http://schemas.openxmlformats.org/officeDocument/2006/relationships" xmlns:p="http://schemas.openxmlformats.org/presentationml/2006/main" showMasterSp="0" showMasterPhAnim="0">
+<p:notes xmlns:a="http://schemas.openxmlformats.org/drawingml/2006/main" xmlns:r="http://schemas.openxmlformats.org/officeDocument/2006/relationships" xmlns:p="http://schemas.openxmlformats.org/presentationml/2006/main" showMasterPhAnim="0" showMasterSp="0">
   <p:cSld>
     <p:spTree>
       <p:nvGrpSpPr>
@@ -4152,7 +4121,6 @@
               </a:spcAft>
               <a:buNone/>
             </a:pPr>
-            <a:endParaRPr/>
           </a:p>
         </p:txBody>
       </p:sp>
@@ -4206,7 +4174,7 @@
 </file>
 
 <file path=ppt/notesSlides/notesSlide4.xml><?xml version="1.0" encoding="utf-8"?>
-<p:notes xmlns:a="http://schemas.openxmlformats.org/drawingml/2006/main" xmlns:r="http://schemas.openxmlformats.org/officeDocument/2006/relationships" xmlns:p="http://schemas.openxmlformats.org/presentationml/2006/main" showMasterSp="0" showMasterPhAnim="0">
+<p:notes xmlns:a="http://schemas.openxmlformats.org/drawingml/2006/main" xmlns:r="http://schemas.openxmlformats.org/officeDocument/2006/relationships" xmlns:p="http://schemas.openxmlformats.org/presentationml/2006/main" showMasterPhAnim="0" showMasterSp="0">
   <p:cSld>
     <p:spTree>
       <p:nvGrpSpPr>
@@ -4256,7 +4224,6 @@
               </a:spcAft>
               <a:buNone/>
             </a:pPr>
-            <a:endParaRPr/>
           </a:p>
         </p:txBody>
       </p:sp>
@@ -4310,7 +4277,7 @@
 </file>
 
 <file path=ppt/notesSlides/notesSlide40.xml><?xml version="1.0" encoding="utf-8"?>
-<p:notes xmlns:a="http://schemas.openxmlformats.org/drawingml/2006/main" xmlns:r="http://schemas.openxmlformats.org/officeDocument/2006/relationships" xmlns:p="http://schemas.openxmlformats.org/presentationml/2006/main" showMasterSp="0" showMasterPhAnim="0">
+<p:notes xmlns:a="http://schemas.openxmlformats.org/drawingml/2006/main" xmlns:r="http://schemas.openxmlformats.org/officeDocument/2006/relationships" xmlns:p="http://schemas.openxmlformats.org/presentationml/2006/main" showMasterPhAnim="0" showMasterSp="0">
   <p:cSld>
     <p:spTree>
       <p:nvGrpSpPr>
@@ -4360,7 +4327,6 @@
               </a:spcAft>
               <a:buNone/>
             </a:pPr>
-            <a:endParaRPr/>
           </a:p>
         </p:txBody>
       </p:sp>
@@ -4414,7 +4380,7 @@
 </file>
 
 <file path=ppt/notesSlides/notesSlide41.xml><?xml version="1.0" encoding="utf-8"?>
-<p:notes xmlns:a="http://schemas.openxmlformats.org/drawingml/2006/main" xmlns:r="http://schemas.openxmlformats.org/officeDocument/2006/relationships" xmlns:p="http://schemas.openxmlformats.org/presentationml/2006/main" showMasterSp="0" showMasterPhAnim="0">
+<p:notes xmlns:a="http://schemas.openxmlformats.org/drawingml/2006/main" xmlns:r="http://schemas.openxmlformats.org/officeDocument/2006/relationships" xmlns:p="http://schemas.openxmlformats.org/presentationml/2006/main" showMasterPhAnim="0" showMasterSp="0">
   <p:cSld>
     <p:spTree>
       <p:nvGrpSpPr>
@@ -4464,7 +4430,6 @@
               </a:spcAft>
               <a:buNone/>
             </a:pPr>
-            <a:endParaRPr/>
           </a:p>
         </p:txBody>
       </p:sp>
@@ -4510,11 +4475,6 @@
         </p:spPr>
       </p:sp>
     </p:spTree>
-    <p:extLst>
-      <p:ext uri="{BB962C8B-B14F-4D97-AF65-F5344CB8AC3E}">
-        <p14:creationId xmlns:p14="http://schemas.microsoft.com/office/powerpoint/2010/main" val="2413428171"/>
-      </p:ext>
-    </p:extLst>
   </p:cSld>
   <p:clrMapOvr>
     <a:masterClrMapping/>
@@ -4523,7 +4483,7 @@
 </file>
 
 <file path=ppt/notesSlides/notesSlide42.xml><?xml version="1.0" encoding="utf-8"?>
-<p:notes xmlns:a="http://schemas.openxmlformats.org/drawingml/2006/main" xmlns:r="http://schemas.openxmlformats.org/officeDocument/2006/relationships" xmlns:p="http://schemas.openxmlformats.org/presentationml/2006/main" showMasterSp="0" showMasterPhAnim="0">
+<p:notes xmlns:a="http://schemas.openxmlformats.org/drawingml/2006/main" xmlns:r="http://schemas.openxmlformats.org/officeDocument/2006/relationships" xmlns:p="http://schemas.openxmlformats.org/presentationml/2006/main" showMasterPhAnim="0" showMasterSp="0">
   <p:cSld>
     <p:spTree>
       <p:nvGrpSpPr>
@@ -4573,7 +4533,6 @@
               </a:spcAft>
               <a:buNone/>
             </a:pPr>
-            <a:endParaRPr/>
           </a:p>
         </p:txBody>
       </p:sp>
@@ -4619,11 +4578,6 @@
         </p:spPr>
       </p:sp>
     </p:spTree>
-    <p:extLst>
-      <p:ext uri="{BB962C8B-B14F-4D97-AF65-F5344CB8AC3E}">
-        <p14:creationId xmlns:p14="http://schemas.microsoft.com/office/powerpoint/2010/main" val="1633558267"/>
-      </p:ext>
-    </p:extLst>
   </p:cSld>
   <p:clrMapOvr>
     <a:masterClrMapping/>
@@ -4632,7 +4586,7 @@
 </file>
 
 <file path=ppt/notesSlides/notesSlide5.xml><?xml version="1.0" encoding="utf-8"?>
-<p:notes xmlns:a="http://schemas.openxmlformats.org/drawingml/2006/main" xmlns:r="http://schemas.openxmlformats.org/officeDocument/2006/relationships" xmlns:p="http://schemas.openxmlformats.org/presentationml/2006/main" showMasterSp="0" showMasterPhAnim="0">
+<p:notes xmlns:a="http://schemas.openxmlformats.org/drawingml/2006/main" xmlns:r="http://schemas.openxmlformats.org/officeDocument/2006/relationships" xmlns:p="http://schemas.openxmlformats.org/presentationml/2006/main" showMasterPhAnim="0" showMasterSp="0">
   <p:cSld>
     <p:spTree>
       <p:nvGrpSpPr>
@@ -4682,7 +4636,6 @@
               </a:spcAft>
               <a:buNone/>
             </a:pPr>
-            <a:endParaRPr/>
           </a:p>
         </p:txBody>
       </p:sp>
@@ -4736,7 +4689,7 @@
 </file>
 
 <file path=ppt/notesSlides/notesSlide6.xml><?xml version="1.0" encoding="utf-8"?>
-<p:notes xmlns:a="http://schemas.openxmlformats.org/drawingml/2006/main" xmlns:r="http://schemas.openxmlformats.org/officeDocument/2006/relationships" xmlns:p="http://schemas.openxmlformats.org/presentationml/2006/main" showMasterSp="0" showMasterPhAnim="0">
+<p:notes xmlns:a="http://schemas.openxmlformats.org/drawingml/2006/main" xmlns:r="http://schemas.openxmlformats.org/officeDocument/2006/relationships" xmlns:p="http://schemas.openxmlformats.org/presentationml/2006/main" showMasterPhAnim="0" showMasterSp="0">
   <p:cSld>
     <p:spTree>
       <p:nvGrpSpPr>
@@ -4786,7 +4739,6 @@
               </a:spcAft>
               <a:buNone/>
             </a:pPr>
-            <a:endParaRPr/>
           </a:p>
         </p:txBody>
       </p:sp>
@@ -4840,7 +4792,7 @@
 </file>
 
 <file path=ppt/notesSlides/notesSlide7.xml><?xml version="1.0" encoding="utf-8"?>
-<p:notes xmlns:a="http://schemas.openxmlformats.org/drawingml/2006/main" xmlns:r="http://schemas.openxmlformats.org/officeDocument/2006/relationships" xmlns:p="http://schemas.openxmlformats.org/presentationml/2006/main" showMasterSp="0" showMasterPhAnim="0">
+<p:notes xmlns:a="http://schemas.openxmlformats.org/drawingml/2006/main" xmlns:r="http://schemas.openxmlformats.org/officeDocument/2006/relationships" xmlns:p="http://schemas.openxmlformats.org/presentationml/2006/main" showMasterPhAnim="0" showMasterSp="0">
   <p:cSld>
     <p:spTree>
       <p:nvGrpSpPr>
@@ -4890,7 +4842,6 @@
               </a:spcAft>
               <a:buNone/>
             </a:pPr>
-            <a:endParaRPr/>
           </a:p>
         </p:txBody>
       </p:sp>
@@ -4944,7 +4895,7 @@
 </file>
 
 <file path=ppt/notesSlides/notesSlide8.xml><?xml version="1.0" encoding="utf-8"?>
-<p:notes xmlns:a="http://schemas.openxmlformats.org/drawingml/2006/main" xmlns:r="http://schemas.openxmlformats.org/officeDocument/2006/relationships" xmlns:p="http://schemas.openxmlformats.org/presentationml/2006/main" showMasterSp="0" showMasterPhAnim="0">
+<p:notes xmlns:a="http://schemas.openxmlformats.org/drawingml/2006/main" xmlns:r="http://schemas.openxmlformats.org/officeDocument/2006/relationships" xmlns:p="http://schemas.openxmlformats.org/presentationml/2006/main" showMasterPhAnim="0" showMasterSp="0">
   <p:cSld>
     <p:spTree>
       <p:nvGrpSpPr>
@@ -4994,7 +4945,6 @@
               </a:spcAft>
               <a:buNone/>
             </a:pPr>
-            <a:endParaRPr/>
           </a:p>
         </p:txBody>
       </p:sp>
@@ -5048,7 +4998,7 @@
 </file>
 
 <file path=ppt/notesSlides/notesSlide9.xml><?xml version="1.0" encoding="utf-8"?>
-<p:notes xmlns:a="http://schemas.openxmlformats.org/drawingml/2006/main" xmlns:r="http://schemas.openxmlformats.org/officeDocument/2006/relationships" xmlns:p="http://schemas.openxmlformats.org/presentationml/2006/main" showMasterSp="0" showMasterPhAnim="0">
+<p:notes xmlns:a="http://schemas.openxmlformats.org/drawingml/2006/main" xmlns:r="http://schemas.openxmlformats.org/officeDocument/2006/relationships" xmlns:p="http://schemas.openxmlformats.org/presentationml/2006/main" showMasterPhAnim="0" showMasterSp="0">
   <p:cSld>
     <p:spTree>
       <p:nvGrpSpPr>
@@ -5098,7 +5048,6 @@
               </a:spcAft>
               <a:buNone/>
             </a:pPr>
-            <a:endParaRPr/>
           </a:p>
         </p:txBody>
       </p:sp>
@@ -5152,7 +5101,7 @@
 </file>
 
 <file path=ppt/slideLayouts/slideLayout1.xml><?xml version="1.0" encoding="utf-8"?>
-<p:sldLayout xmlns:a="http://schemas.openxmlformats.org/drawingml/2006/main" xmlns:r="http://schemas.openxmlformats.org/officeDocument/2006/relationships" xmlns:p="http://schemas.openxmlformats.org/presentationml/2006/main" showMasterSp="0" matchingName="標題投影片" type="title">
+<p:sldLayout xmlns:a="http://schemas.openxmlformats.org/drawingml/2006/main" xmlns:r="http://schemas.openxmlformats.org/officeDocument/2006/relationships" xmlns:p="http://schemas.openxmlformats.org/presentationml/2006/main" type="title" showMasterSp="0" matchingName="標題投影片">
   <p:cSld name="TITLE">
     <p:spTree>
       <p:nvGrpSpPr>
@@ -5370,7 +5319,6 @@
                 </a:spcAft>
                 <a:buNone/>
               </a:pPr>
-              <a:endParaRPr/>
             </a:p>
           </p:txBody>
         </p:sp>
@@ -5558,7 +5506,6 @@
                 </a:spcAft>
                 <a:buNone/>
               </a:pPr>
-              <a:endParaRPr/>
             </a:p>
           </p:txBody>
         </p:sp>
@@ -5602,7 +5549,6 @@
                 </a:spcAft>
                 <a:buNone/>
               </a:pPr>
-              <a:endParaRPr/>
             </a:p>
           </p:txBody>
         </p:sp>
@@ -5743,9 +5689,7 @@
               <a:defRPr/>
             </a:lvl9pPr>
           </a:lstStyle>
-          <a:p>
-            <a:endParaRPr/>
-          </a:p>
+          <a:p/>
         </p:txBody>
       </p:sp>
       <p:sp>
@@ -5912,9 +5856,7 @@
               </a:defRPr>
             </a:lvl9pPr>
           </a:lstStyle>
-          <a:p>
-            <a:endParaRPr/>
-          </a:p>
+          <a:p/>
         </p:txBody>
       </p:sp>
       <p:sp>
@@ -6045,9 +5987,7 @@
               <a:defRPr/>
             </a:lvl9pPr>
           </a:lstStyle>
-          <a:p>
-            <a:endParaRPr/>
-          </a:p>
+          <a:p/>
         </p:txBody>
       </p:sp>
       <p:sp>
@@ -6178,9 +6118,7 @@
               <a:defRPr/>
             </a:lvl9pPr>
           </a:lstStyle>
-          <a:p>
-            <a:endParaRPr/>
-          </a:p>
+          <a:p/>
         </p:txBody>
       </p:sp>
       <p:sp>
@@ -6287,7 +6225,6 @@
             </a:pPr>
             <a:fld id="{00000000-1234-1234-1234-123412341234}" type="slidenum">
               <a:rPr lang="en-US" altLang="zh-TW"/>
-              <a:t>‹#›</a:t>
             </a:fld>
             <a:endParaRPr lang="zh-TW"/>
           </a:p>
@@ -6450,9 +6387,7 @@
               <a:defRPr/>
             </a:lvl9pPr>
           </a:lstStyle>
-          <a:p>
-            <a:endParaRPr/>
-          </a:p>
+          <a:p/>
         </p:txBody>
       </p:sp>
       <p:sp>
@@ -6619,9 +6554,7 @@
               </a:defRPr>
             </a:lvl9pPr>
           </a:lstStyle>
-          <a:p>
-            <a:endParaRPr/>
-          </a:p>
+          <a:p/>
         </p:txBody>
       </p:sp>
       <p:sp>
@@ -6752,9 +6685,7 @@
               <a:defRPr/>
             </a:lvl9pPr>
           </a:lstStyle>
-          <a:p>
-            <a:endParaRPr/>
-          </a:p>
+          <a:p/>
         </p:txBody>
       </p:sp>
       <p:sp>
@@ -6885,9 +6816,7 @@
               <a:defRPr/>
             </a:lvl9pPr>
           </a:lstStyle>
-          <a:p>
-            <a:endParaRPr/>
-          </a:p>
+          <a:p/>
         </p:txBody>
       </p:sp>
       <p:sp>
@@ -6994,7 +6923,6 @@
             </a:pPr>
             <a:fld id="{00000000-1234-1234-1234-123412341234}" type="slidenum">
               <a:rPr lang="en-US" altLang="zh-TW"/>
-              <a:t>‹#›</a:t>
             </a:fld>
             <a:endParaRPr lang="zh-TW"/>
           </a:p>
@@ -7157,9 +7085,7 @@
               <a:defRPr/>
             </a:lvl9pPr>
           </a:lstStyle>
-          <a:p>
-            <a:endParaRPr/>
-          </a:p>
+          <a:p/>
         </p:txBody>
       </p:sp>
       <p:sp>
@@ -7299,9 +7225,7 @@
               <a:defRPr/>
             </a:lvl9pPr>
           </a:lstStyle>
-          <a:p>
-            <a:endParaRPr/>
-          </a:p>
+          <a:p/>
         </p:txBody>
       </p:sp>
       <p:sp>
@@ -7468,9 +7392,7 @@
               </a:defRPr>
             </a:lvl9pPr>
           </a:lstStyle>
-          <a:p>
-            <a:endParaRPr/>
-          </a:p>
+          <a:p/>
         </p:txBody>
       </p:sp>
       <p:sp>
@@ -7601,9 +7523,7 @@
               <a:defRPr/>
             </a:lvl9pPr>
           </a:lstStyle>
-          <a:p>
-            <a:endParaRPr/>
-          </a:p>
+          <a:p/>
         </p:txBody>
       </p:sp>
       <p:sp>
@@ -7734,9 +7654,7 @@
               <a:defRPr/>
             </a:lvl9pPr>
           </a:lstStyle>
-          <a:p>
-            <a:endParaRPr/>
-          </a:p>
+          <a:p/>
         </p:txBody>
       </p:sp>
       <p:sp>
@@ -7843,7 +7761,6 @@
             </a:pPr>
             <a:fld id="{00000000-1234-1234-1234-123412341234}" type="slidenum">
               <a:rPr lang="en-US" altLang="zh-TW"/>
-              <a:t>‹#›</a:t>
             </a:fld>
             <a:endParaRPr lang="zh-TW"/>
           </a:p>
@@ -8122,9 +8039,7 @@
               <a:defRPr/>
             </a:lvl9pPr>
           </a:lstStyle>
-          <a:p>
-            <a:endParaRPr/>
-          </a:p>
+          <a:p/>
         </p:txBody>
       </p:sp>
       <p:sp>
@@ -8291,9 +8206,7 @@
               </a:defRPr>
             </a:lvl9pPr>
           </a:lstStyle>
-          <a:p>
-            <a:endParaRPr/>
-          </a:p>
+          <a:p/>
         </p:txBody>
       </p:sp>
       <p:sp>
@@ -8424,9 +8337,7 @@
               <a:defRPr/>
             </a:lvl9pPr>
           </a:lstStyle>
-          <a:p>
-            <a:endParaRPr/>
-          </a:p>
+          <a:p/>
         </p:txBody>
       </p:sp>
       <p:sp>
@@ -8557,9 +8468,7 @@
               <a:defRPr/>
             </a:lvl9pPr>
           </a:lstStyle>
-          <a:p>
-            <a:endParaRPr/>
-          </a:p>
+          <a:p/>
         </p:txBody>
       </p:sp>
       <p:sp>
@@ -8666,7 +8575,6 @@
             </a:pPr>
             <a:fld id="{00000000-1234-1234-1234-123412341234}" type="slidenum">
               <a:rPr lang="en-US" altLang="zh-TW"/>
-              <a:t>‹#›</a:t>
             </a:fld>
             <a:endParaRPr lang="zh-TW"/>
           </a:p>
@@ -8829,9 +8737,7 @@
               <a:defRPr/>
             </a:lvl9pPr>
           </a:lstStyle>
-          <a:p>
-            <a:endParaRPr/>
-          </a:p>
+          <a:p/>
         </p:txBody>
       </p:sp>
       <p:sp>
@@ -8971,9 +8877,7 @@
               <a:defRPr/>
             </a:lvl9pPr>
           </a:lstStyle>
-          <a:p>
-            <a:endParaRPr/>
-          </a:p>
+          <a:p/>
         </p:txBody>
       </p:sp>
       <p:sp>
@@ -9140,9 +9044,7 @@
               </a:defRPr>
             </a:lvl9pPr>
           </a:lstStyle>
-          <a:p>
-            <a:endParaRPr/>
-          </a:p>
+          <a:p/>
         </p:txBody>
       </p:sp>
       <p:sp>
@@ -9273,9 +9175,7 @@
               <a:defRPr/>
             </a:lvl9pPr>
           </a:lstStyle>
-          <a:p>
-            <a:endParaRPr/>
-          </a:p>
+          <a:p/>
         </p:txBody>
       </p:sp>
       <p:sp>
@@ -9406,9 +9306,7 @@
               <a:defRPr/>
             </a:lvl9pPr>
           </a:lstStyle>
-          <a:p>
-            <a:endParaRPr/>
-          </a:p>
+          <a:p/>
         </p:txBody>
       </p:sp>
       <p:sp>
@@ -9515,7 +9413,6 @@
             </a:pPr>
             <a:fld id="{00000000-1234-1234-1234-123412341234}" type="slidenum">
               <a:rPr lang="en-US" altLang="zh-TW"/>
-              <a:t>‹#›</a:t>
             </a:fld>
             <a:endParaRPr lang="zh-TW"/>
           </a:p>
@@ -9794,9 +9691,7 @@
               <a:defRPr/>
             </a:lvl9pPr>
           </a:lstStyle>
-          <a:p>
-            <a:endParaRPr/>
-          </a:p>
+          <a:p/>
         </p:txBody>
       </p:sp>
       <p:sp>
@@ -9936,9 +9831,7 @@
               <a:defRPr/>
             </a:lvl9pPr>
           </a:lstStyle>
-          <a:p>
-            <a:endParaRPr/>
-          </a:p>
+          <a:p/>
         </p:txBody>
       </p:sp>
       <p:sp>
@@ -10105,9 +9998,7 @@
               </a:defRPr>
             </a:lvl9pPr>
           </a:lstStyle>
-          <a:p>
-            <a:endParaRPr/>
-          </a:p>
+          <a:p/>
         </p:txBody>
       </p:sp>
       <p:sp>
@@ -10238,9 +10129,7 @@
               <a:defRPr/>
             </a:lvl9pPr>
           </a:lstStyle>
-          <a:p>
-            <a:endParaRPr/>
-          </a:p>
+          <a:p/>
         </p:txBody>
       </p:sp>
       <p:sp>
@@ -10371,9 +10260,7 @@
               <a:defRPr/>
             </a:lvl9pPr>
           </a:lstStyle>
-          <a:p>
-            <a:endParaRPr/>
-          </a:p>
+          <a:p/>
         </p:txBody>
       </p:sp>
       <p:sp>
@@ -10480,7 +10367,6 @@
             </a:pPr>
             <a:fld id="{00000000-1234-1234-1234-123412341234}" type="slidenum">
               <a:rPr lang="en-US" altLang="zh-TW"/>
-              <a:t>‹#›</a:t>
             </a:fld>
             <a:endParaRPr lang="zh-TW"/>
           </a:p>
@@ -10495,7 +10381,7 @@
 </file>
 
 <file path=ppt/slideLayouts/slideLayout15.xml><?xml version="1.0" encoding="utf-8"?>
-<p:sldLayout xmlns:a="http://schemas.openxmlformats.org/drawingml/2006/main" xmlns:r="http://schemas.openxmlformats.org/officeDocument/2006/relationships" xmlns:p="http://schemas.openxmlformats.org/presentationml/2006/main" matchingName="標題及直排文字" type="vertTx">
+<p:sldLayout xmlns:a="http://schemas.openxmlformats.org/drawingml/2006/main" xmlns:r="http://schemas.openxmlformats.org/officeDocument/2006/relationships" xmlns:p="http://schemas.openxmlformats.org/presentationml/2006/main" type="vertTx" matchingName="標題及直排文字">
   <p:cSld name="VERTICAL_TEXT">
     <p:spTree>
       <p:nvGrpSpPr>
@@ -10642,9 +10528,7 @@
               <a:defRPr/>
             </a:lvl9pPr>
           </a:lstStyle>
-          <a:p>
-            <a:endParaRPr/>
-          </a:p>
+          <a:p/>
         </p:txBody>
       </p:sp>
       <p:sp>
@@ -10775,9 +10659,7 @@
               <a:defRPr/>
             </a:lvl9pPr>
           </a:lstStyle>
-          <a:p>
-            <a:endParaRPr/>
-          </a:p>
+          <a:p/>
         </p:txBody>
       </p:sp>
       <p:sp>
@@ -10908,9 +10790,7 @@
               <a:defRPr/>
             </a:lvl9pPr>
           </a:lstStyle>
-          <a:p>
-            <a:endParaRPr/>
-          </a:p>
+          <a:p/>
         </p:txBody>
       </p:sp>
       <p:sp>
@@ -11041,9 +10921,7 @@
               <a:defRPr/>
             </a:lvl9pPr>
           </a:lstStyle>
-          <a:p>
-            <a:endParaRPr/>
-          </a:p>
+          <a:p/>
         </p:txBody>
       </p:sp>
       <p:sp>
@@ -11150,7 +11028,6 @@
             </a:pPr>
             <a:fld id="{00000000-1234-1234-1234-123412341234}" type="slidenum">
               <a:rPr lang="en-US" altLang="zh-TW"/>
-              <a:t>‹#›</a:t>
             </a:fld>
             <a:endParaRPr lang="zh-TW"/>
           </a:p>
@@ -11165,7 +11042,7 @@
 </file>
 
 <file path=ppt/slideLayouts/slideLayout16.xml><?xml version="1.0" encoding="utf-8"?>
-<p:sldLayout xmlns:a="http://schemas.openxmlformats.org/drawingml/2006/main" xmlns:r="http://schemas.openxmlformats.org/officeDocument/2006/relationships" xmlns:p="http://schemas.openxmlformats.org/presentationml/2006/main" matchingName="直排標題及文字" type="vertTitleAndTx">
+<p:sldLayout xmlns:a="http://schemas.openxmlformats.org/drawingml/2006/main" xmlns:r="http://schemas.openxmlformats.org/officeDocument/2006/relationships" xmlns:p="http://schemas.openxmlformats.org/presentationml/2006/main" type="vertTitleAndTx" matchingName="直排標題及文字">
   <p:cSld name="VERTICAL_TITLE_AND_VERTICAL_TEXT">
     <p:spTree>
       <p:nvGrpSpPr>
@@ -11312,9 +11189,7 @@
               <a:defRPr/>
             </a:lvl9pPr>
           </a:lstStyle>
-          <a:p>
-            <a:endParaRPr/>
-          </a:p>
+          <a:p/>
         </p:txBody>
       </p:sp>
       <p:sp>
@@ -11445,9 +11320,7 @@
               <a:defRPr/>
             </a:lvl9pPr>
           </a:lstStyle>
-          <a:p>
-            <a:endParaRPr/>
-          </a:p>
+          <a:p/>
         </p:txBody>
       </p:sp>
       <p:sp>
@@ -11578,9 +11451,7 @@
               <a:defRPr/>
             </a:lvl9pPr>
           </a:lstStyle>
-          <a:p>
-            <a:endParaRPr/>
-          </a:p>
+          <a:p/>
         </p:txBody>
       </p:sp>
       <p:sp>
@@ -11711,9 +11582,7 @@
               <a:defRPr/>
             </a:lvl9pPr>
           </a:lstStyle>
-          <a:p>
-            <a:endParaRPr/>
-          </a:p>
+          <a:p/>
         </p:txBody>
       </p:sp>
       <p:sp>
@@ -11820,7 +11689,6 @@
             </a:pPr>
             <a:fld id="{00000000-1234-1234-1234-123412341234}" type="slidenum">
               <a:rPr lang="en-US" altLang="zh-TW"/>
-              <a:t>‹#›</a:t>
             </a:fld>
             <a:endParaRPr lang="zh-TW"/>
           </a:p>
@@ -11835,7 +11703,7 @@
 </file>
 
 <file path=ppt/slideLayouts/slideLayout2.xml><?xml version="1.0" encoding="utf-8"?>
-<p:sldLayout xmlns:a="http://schemas.openxmlformats.org/drawingml/2006/main" xmlns:r="http://schemas.openxmlformats.org/officeDocument/2006/relationships" xmlns:p="http://schemas.openxmlformats.org/presentationml/2006/main" matchingName="標題及內容" type="obj">
+<p:sldLayout xmlns:a="http://schemas.openxmlformats.org/drawingml/2006/main" xmlns:r="http://schemas.openxmlformats.org/officeDocument/2006/relationships" xmlns:p="http://schemas.openxmlformats.org/presentationml/2006/main" type="obj" matchingName="標題及內容">
   <p:cSld name="OBJECT">
     <p:spTree>
       <p:nvGrpSpPr>
@@ -11983,9 +11851,7 @@
               <a:defRPr/>
             </a:lvl9pPr>
           </a:lstStyle>
-          <a:p>
-            <a:endParaRPr/>
-          </a:p>
+          <a:p/>
         </p:txBody>
       </p:sp>
       <p:sp>
@@ -12116,9 +11982,7 @@
               <a:defRPr/>
             </a:lvl9pPr>
           </a:lstStyle>
-          <a:p>
-            <a:endParaRPr/>
-          </a:p>
+          <a:p/>
         </p:txBody>
       </p:sp>
       <p:sp>
@@ -12249,9 +12113,7 @@
               <a:defRPr/>
             </a:lvl9pPr>
           </a:lstStyle>
-          <a:p>
-            <a:endParaRPr/>
-          </a:p>
+          <a:p/>
         </p:txBody>
       </p:sp>
       <p:sp>
@@ -12382,9 +12244,7 @@
               <a:defRPr/>
             </a:lvl9pPr>
           </a:lstStyle>
-          <a:p>
-            <a:endParaRPr/>
-          </a:p>
+          <a:p/>
         </p:txBody>
       </p:sp>
       <p:sp>
@@ -12491,7 +12351,6 @@
             </a:pPr>
             <a:fld id="{00000000-1234-1234-1234-123412341234}" type="slidenum">
               <a:rPr lang="en-US" altLang="zh-TW"/>
-              <a:t>‹#›</a:t>
             </a:fld>
             <a:endParaRPr lang="zh-TW"/>
           </a:p>
@@ -12506,7 +12365,7 @@
 </file>
 
 <file path=ppt/slideLayouts/slideLayout3.xml><?xml version="1.0" encoding="utf-8"?>
-<p:sldLayout xmlns:a="http://schemas.openxmlformats.org/drawingml/2006/main" xmlns:r="http://schemas.openxmlformats.org/officeDocument/2006/relationships" xmlns:p="http://schemas.openxmlformats.org/presentationml/2006/main" matchingName="章節標題" type="secHead">
+<p:sldLayout xmlns:a="http://schemas.openxmlformats.org/drawingml/2006/main" xmlns:r="http://schemas.openxmlformats.org/officeDocument/2006/relationships" xmlns:p="http://schemas.openxmlformats.org/presentationml/2006/main" type="secHead" matchingName="章節標題">
   <p:cSld name="SECTION_HEADER">
     <p:spTree>
       <p:nvGrpSpPr>
@@ -12654,9 +12513,7 @@
               <a:defRPr/>
             </a:lvl9pPr>
           </a:lstStyle>
-          <a:p>
-            <a:endParaRPr/>
-          </a:p>
+          <a:p/>
         </p:txBody>
       </p:sp>
       <p:sp>
@@ -12823,9 +12680,7 @@
               </a:defRPr>
             </a:lvl9pPr>
           </a:lstStyle>
-          <a:p>
-            <a:endParaRPr/>
-          </a:p>
+          <a:p/>
         </p:txBody>
       </p:sp>
       <p:sp>
@@ -12956,9 +12811,7 @@
               <a:defRPr/>
             </a:lvl9pPr>
           </a:lstStyle>
-          <a:p>
-            <a:endParaRPr/>
-          </a:p>
+          <a:p/>
         </p:txBody>
       </p:sp>
       <p:sp>
@@ -13089,9 +12942,7 @@
               <a:defRPr/>
             </a:lvl9pPr>
           </a:lstStyle>
-          <a:p>
-            <a:endParaRPr/>
-          </a:p>
+          <a:p/>
         </p:txBody>
       </p:sp>
       <p:sp>
@@ -13198,7 +13049,6 @@
             </a:pPr>
             <a:fld id="{00000000-1234-1234-1234-123412341234}" type="slidenum">
               <a:rPr lang="en-US" altLang="zh-TW"/>
-              <a:t>‹#›</a:t>
             </a:fld>
             <a:endParaRPr lang="zh-TW"/>
           </a:p>
@@ -13213,7 +13063,7 @@
 </file>
 
 <file path=ppt/slideLayouts/slideLayout4.xml><?xml version="1.0" encoding="utf-8"?>
-<p:sldLayout xmlns:a="http://schemas.openxmlformats.org/drawingml/2006/main" xmlns:r="http://schemas.openxmlformats.org/officeDocument/2006/relationships" xmlns:p="http://schemas.openxmlformats.org/presentationml/2006/main" matchingName="兩個內容" type="twoObj">
+<p:sldLayout xmlns:a="http://schemas.openxmlformats.org/drawingml/2006/main" xmlns:r="http://schemas.openxmlformats.org/officeDocument/2006/relationships" xmlns:p="http://schemas.openxmlformats.org/presentationml/2006/main" type="twoObj" matchingName="兩個內容">
   <p:cSld name="TWO_OBJECTS">
     <p:spTree>
       <p:nvGrpSpPr>
@@ -13360,9 +13210,7 @@
               <a:defRPr/>
             </a:lvl9pPr>
           </a:lstStyle>
-          <a:p>
-            <a:endParaRPr/>
-          </a:p>
+          <a:p/>
         </p:txBody>
       </p:sp>
       <p:sp>
@@ -13493,9 +13341,7 @@
               <a:defRPr/>
             </a:lvl9pPr>
           </a:lstStyle>
-          <a:p>
-            <a:endParaRPr/>
-          </a:p>
+          <a:p/>
         </p:txBody>
       </p:sp>
       <p:sp>
@@ -13626,9 +13472,7 @@
               <a:defRPr/>
             </a:lvl9pPr>
           </a:lstStyle>
-          <a:p>
-            <a:endParaRPr/>
-          </a:p>
+          <a:p/>
         </p:txBody>
       </p:sp>
       <p:sp>
@@ -13759,9 +13603,7 @@
               <a:defRPr/>
             </a:lvl9pPr>
           </a:lstStyle>
-          <a:p>
-            <a:endParaRPr/>
-          </a:p>
+          <a:p/>
         </p:txBody>
       </p:sp>
       <p:sp>
@@ -13892,9 +13734,7 @@
               <a:defRPr/>
             </a:lvl9pPr>
           </a:lstStyle>
-          <a:p>
-            <a:endParaRPr/>
-          </a:p>
+          <a:p/>
         </p:txBody>
       </p:sp>
       <p:sp>
@@ -14001,7 +13841,6 @@
             </a:pPr>
             <a:fld id="{00000000-1234-1234-1234-123412341234}" type="slidenum">
               <a:rPr lang="en-US" altLang="zh-TW"/>
-              <a:t>‹#›</a:t>
             </a:fld>
             <a:endParaRPr lang="zh-TW"/>
           </a:p>
@@ -14016,7 +13855,7 @@
 </file>
 
 <file path=ppt/slideLayouts/slideLayout5.xml><?xml version="1.0" encoding="utf-8"?>
-<p:sldLayout xmlns:a="http://schemas.openxmlformats.org/drawingml/2006/main" xmlns:r="http://schemas.openxmlformats.org/officeDocument/2006/relationships" xmlns:p="http://schemas.openxmlformats.org/presentationml/2006/main" matchingName="比較" type="twoTxTwoObj">
+<p:sldLayout xmlns:a="http://schemas.openxmlformats.org/drawingml/2006/main" xmlns:r="http://schemas.openxmlformats.org/officeDocument/2006/relationships" xmlns:p="http://schemas.openxmlformats.org/presentationml/2006/main" type="twoTxTwoObj" matchingName="比較">
   <p:cSld name="TWO_OBJECTS_WITH_TEXT">
     <p:spTree>
       <p:nvGrpSpPr>
@@ -14164,9 +14003,7 @@
               <a:defRPr/>
             </a:lvl9pPr>
           </a:lstStyle>
-          <a:p>
-            <a:endParaRPr/>
-          </a:p>
+          <a:p/>
         </p:txBody>
       </p:sp>
       <p:sp>
@@ -14297,9 +14134,7 @@
               <a:defRPr sz="1200" b="1"/>
             </a:lvl9pPr>
           </a:lstStyle>
-          <a:p>
-            <a:endParaRPr/>
-          </a:p>
+          <a:p/>
         </p:txBody>
       </p:sp>
       <p:sp>
@@ -14430,9 +14265,7 @@
               <a:defRPr/>
             </a:lvl9pPr>
           </a:lstStyle>
-          <a:p>
-            <a:endParaRPr/>
-          </a:p>
+          <a:p/>
         </p:txBody>
       </p:sp>
       <p:sp>
@@ -14563,9 +14396,7 @@
               <a:defRPr sz="1200" b="1"/>
             </a:lvl9pPr>
           </a:lstStyle>
-          <a:p>
-            <a:endParaRPr/>
-          </a:p>
+          <a:p/>
         </p:txBody>
       </p:sp>
       <p:sp>
@@ -14696,9 +14527,7 @@
               <a:defRPr/>
             </a:lvl9pPr>
           </a:lstStyle>
-          <a:p>
-            <a:endParaRPr/>
-          </a:p>
+          <a:p/>
         </p:txBody>
       </p:sp>
       <p:sp>
@@ -14829,9 +14658,7 @@
               <a:defRPr/>
             </a:lvl9pPr>
           </a:lstStyle>
-          <a:p>
-            <a:endParaRPr/>
-          </a:p>
+          <a:p/>
         </p:txBody>
       </p:sp>
       <p:sp>
@@ -14962,9 +14789,7 @@
               <a:defRPr/>
             </a:lvl9pPr>
           </a:lstStyle>
-          <a:p>
-            <a:endParaRPr/>
-          </a:p>
+          <a:p/>
         </p:txBody>
       </p:sp>
       <p:sp>
@@ -15071,7 +14896,6 @@
             </a:pPr>
             <a:fld id="{00000000-1234-1234-1234-123412341234}" type="slidenum">
               <a:rPr lang="en-US" altLang="zh-TW"/>
-              <a:t>‹#›</a:t>
             </a:fld>
             <a:endParaRPr lang="zh-TW"/>
           </a:p>
@@ -15086,7 +14910,7 @@
 </file>
 
 <file path=ppt/slideLayouts/slideLayout6.xml><?xml version="1.0" encoding="utf-8"?>
-<p:sldLayout xmlns:a="http://schemas.openxmlformats.org/drawingml/2006/main" xmlns:r="http://schemas.openxmlformats.org/officeDocument/2006/relationships" xmlns:p="http://schemas.openxmlformats.org/presentationml/2006/main" matchingName="只有標題" type="titleOnly">
+<p:sldLayout xmlns:a="http://schemas.openxmlformats.org/drawingml/2006/main" xmlns:r="http://schemas.openxmlformats.org/officeDocument/2006/relationships" xmlns:p="http://schemas.openxmlformats.org/presentationml/2006/main" type="titleOnly" matchingName="只有標題">
   <p:cSld name="TITLE_ONLY">
     <p:spTree>
       <p:nvGrpSpPr>
@@ -15233,9 +15057,7 @@
               <a:defRPr/>
             </a:lvl9pPr>
           </a:lstStyle>
-          <a:p>
-            <a:endParaRPr/>
-          </a:p>
+          <a:p/>
         </p:txBody>
       </p:sp>
       <p:sp>
@@ -15366,9 +15188,7 @@
               <a:defRPr/>
             </a:lvl9pPr>
           </a:lstStyle>
-          <a:p>
-            <a:endParaRPr/>
-          </a:p>
+          <a:p/>
         </p:txBody>
       </p:sp>
       <p:sp>
@@ -15499,9 +15319,7 @@
               <a:defRPr/>
             </a:lvl9pPr>
           </a:lstStyle>
-          <a:p>
-            <a:endParaRPr/>
-          </a:p>
+          <a:p/>
         </p:txBody>
       </p:sp>
       <p:sp>
@@ -15608,7 +15426,6 @@
             </a:pPr>
             <a:fld id="{00000000-1234-1234-1234-123412341234}" type="slidenum">
               <a:rPr lang="en-US" altLang="zh-TW"/>
-              <a:t>‹#›</a:t>
             </a:fld>
             <a:endParaRPr lang="zh-TW"/>
           </a:p>
@@ -15623,7 +15440,7 @@
 </file>
 
 <file path=ppt/slideLayouts/slideLayout7.xml><?xml version="1.0" encoding="utf-8"?>
-<p:sldLayout xmlns:a="http://schemas.openxmlformats.org/drawingml/2006/main" xmlns:r="http://schemas.openxmlformats.org/officeDocument/2006/relationships" xmlns:p="http://schemas.openxmlformats.org/presentationml/2006/main" matchingName="空白" type="blank">
+<p:sldLayout xmlns:a="http://schemas.openxmlformats.org/drawingml/2006/main" xmlns:r="http://schemas.openxmlformats.org/officeDocument/2006/relationships" xmlns:p="http://schemas.openxmlformats.org/presentationml/2006/main" type="blank" matchingName="空白">
   <p:cSld name="BLANK">
     <p:spTree>
       <p:nvGrpSpPr>
@@ -15767,9 +15584,7 @@
               <a:defRPr/>
             </a:lvl9pPr>
           </a:lstStyle>
-          <a:p>
-            <a:endParaRPr/>
-          </a:p>
+          <a:p/>
         </p:txBody>
       </p:sp>
       <p:sp>
@@ -15900,9 +15715,7 @@
               <a:defRPr/>
             </a:lvl9pPr>
           </a:lstStyle>
-          <a:p>
-            <a:endParaRPr/>
-          </a:p>
+          <a:p/>
         </p:txBody>
       </p:sp>
       <p:sp>
@@ -16009,7 +15822,6 @@
             </a:pPr>
             <a:fld id="{00000000-1234-1234-1234-123412341234}" type="slidenum">
               <a:rPr lang="en-US" altLang="zh-TW"/>
-              <a:t>‹#›</a:t>
             </a:fld>
             <a:endParaRPr lang="zh-TW"/>
           </a:p>
@@ -16024,7 +15836,7 @@
 </file>
 
 <file path=ppt/slideLayouts/slideLayout8.xml><?xml version="1.0" encoding="utf-8"?>
-<p:sldLayout xmlns:a="http://schemas.openxmlformats.org/drawingml/2006/main" xmlns:r="http://schemas.openxmlformats.org/officeDocument/2006/relationships" xmlns:p="http://schemas.openxmlformats.org/presentationml/2006/main" matchingName="含輔助字幕的內容" type="objTx">
+<p:sldLayout xmlns:a="http://schemas.openxmlformats.org/drawingml/2006/main" xmlns:r="http://schemas.openxmlformats.org/officeDocument/2006/relationships" xmlns:p="http://schemas.openxmlformats.org/presentationml/2006/main" type="objTx" matchingName="含輔助字幕的內容">
   <p:cSld name="OBJECT_WITH_CAPTION_TEXT">
     <p:spTree>
       <p:nvGrpSpPr>
@@ -16172,9 +15984,7 @@
               <a:defRPr/>
             </a:lvl9pPr>
           </a:lstStyle>
-          <a:p>
-            <a:endParaRPr/>
-          </a:p>
+          <a:p/>
         </p:txBody>
       </p:sp>
       <p:sp>
@@ -16305,9 +16115,7 @@
               <a:defRPr/>
             </a:lvl9pPr>
           </a:lstStyle>
-          <a:p>
-            <a:endParaRPr/>
-          </a:p>
+          <a:p/>
         </p:txBody>
       </p:sp>
       <p:sp>
@@ -16438,9 +16246,7 @@
               <a:defRPr sz="800"/>
             </a:lvl9pPr>
           </a:lstStyle>
-          <a:p>
-            <a:endParaRPr/>
-          </a:p>
+          <a:p/>
         </p:txBody>
       </p:sp>
       <p:sp>
@@ -16571,9 +16377,7 @@
               <a:defRPr/>
             </a:lvl9pPr>
           </a:lstStyle>
-          <a:p>
-            <a:endParaRPr/>
-          </a:p>
+          <a:p/>
         </p:txBody>
       </p:sp>
       <p:sp>
@@ -16704,9 +16508,7 @@
               <a:defRPr/>
             </a:lvl9pPr>
           </a:lstStyle>
-          <a:p>
-            <a:endParaRPr/>
-          </a:p>
+          <a:p/>
         </p:txBody>
       </p:sp>
       <p:sp>
@@ -16813,7 +16615,6 @@
             </a:pPr>
             <a:fld id="{00000000-1234-1234-1234-123412341234}" type="slidenum">
               <a:rPr lang="en-US" altLang="zh-TW"/>
-              <a:t>‹#›</a:t>
             </a:fld>
             <a:endParaRPr lang="zh-TW"/>
           </a:p>
@@ -16828,7 +16629,7 @@
 </file>
 
 <file path=ppt/slideLayouts/slideLayout9.xml><?xml version="1.0" encoding="utf-8"?>
-<p:sldLayout xmlns:a="http://schemas.openxmlformats.org/drawingml/2006/main" xmlns:r="http://schemas.openxmlformats.org/officeDocument/2006/relationships" xmlns:p="http://schemas.openxmlformats.org/presentationml/2006/main" matchingName="含輔助字幕的圖片" type="picTx">
+<p:sldLayout xmlns:a="http://schemas.openxmlformats.org/drawingml/2006/main" xmlns:r="http://schemas.openxmlformats.org/officeDocument/2006/relationships" xmlns:p="http://schemas.openxmlformats.org/presentationml/2006/main" type="picTx" matchingName="含輔助字幕的圖片">
   <p:cSld name="PICTURE_WITH_CAPTION_TEXT">
     <p:spTree>
       <p:nvGrpSpPr>
@@ -16976,9 +16777,7 @@
               <a:defRPr/>
             </a:lvl9pPr>
           </a:lstStyle>
-          <a:p>
-            <a:endParaRPr/>
-          </a:p>
+          <a:p/>
         </p:txBody>
       </p:sp>
       <p:sp>
@@ -17133,9 +16932,7 @@
               <a:defRPr sz="700"/>
             </a:lvl9pPr>
           </a:lstStyle>
-          <a:p>
-            <a:endParaRPr/>
-          </a:p>
+          <a:p/>
         </p:txBody>
       </p:sp>
       <p:sp>
@@ -17266,9 +17063,7 @@
               <a:defRPr/>
             </a:lvl9pPr>
           </a:lstStyle>
-          <a:p>
-            <a:endParaRPr/>
-          </a:p>
+          <a:p/>
         </p:txBody>
       </p:sp>
       <p:sp>
@@ -17399,9 +17194,7 @@
               <a:defRPr/>
             </a:lvl9pPr>
           </a:lstStyle>
-          <a:p>
-            <a:endParaRPr/>
-          </a:p>
+          <a:p/>
         </p:txBody>
       </p:sp>
       <p:sp>
@@ -17508,7 +17301,6 @@
             </a:pPr>
             <a:fld id="{00000000-1234-1234-1234-123412341234}" type="slidenum">
               <a:rPr lang="en-US" altLang="zh-TW"/>
-              <a:t>‹#›</a:t>
             </a:fld>
             <a:endParaRPr lang="zh-TW"/>
           </a:p>
@@ -17749,7 +17541,6 @@
                 </a:spcAft>
                 <a:buNone/>
               </a:pPr>
-              <a:endParaRPr/>
             </a:p>
           </p:txBody>
         </p:sp>
@@ -17937,7 +17728,6 @@
                 </a:spcAft>
                 <a:buNone/>
               </a:pPr>
-              <a:endParaRPr/>
             </a:p>
           </p:txBody>
         </p:sp>
@@ -17981,7 +17771,6 @@
                 </a:spcAft>
                 <a:buNone/>
               </a:pPr>
-              <a:endParaRPr/>
             </a:p>
           </p:txBody>
         </p:sp>
@@ -18158,9 +17947,7 @@
               </a:defRPr>
             </a:lvl9pPr>
           </a:lstStyle>
-          <a:p>
-            <a:endParaRPr/>
-          </a:p>
+          <a:p/>
         </p:txBody>
       </p:sp>
       <p:sp>
@@ -18399,9 +18186,7 @@
               </a:defRPr>
             </a:lvl9pPr>
           </a:lstStyle>
-          <a:p>
-            <a:endParaRPr/>
-          </a:p>
+          <a:p/>
         </p:txBody>
       </p:sp>
       <p:sp>
@@ -18604,9 +18389,7 @@
               </a:defRPr>
             </a:lvl9pPr>
           </a:lstStyle>
-          <a:p>
-            <a:endParaRPr/>
-          </a:p>
+          <a:p/>
         </p:txBody>
       </p:sp>
       <p:sp>
@@ -18809,9 +18592,7 @@
               </a:defRPr>
             </a:lvl9pPr>
           </a:lstStyle>
-          <a:p>
-            <a:endParaRPr/>
-          </a:p>
+          <a:p/>
         </p:txBody>
       </p:sp>
       <p:sp>
@@ -18990,7 +18771,6 @@
             </a:pPr>
             <a:fld id="{00000000-1234-1234-1234-123412341234}" type="slidenum">
               <a:rPr lang="en-US" altLang="zh-TW"/>
-              <a:t>‹#›</a:t>
             </a:fld>
             <a:endParaRPr lang="zh-TW"/>
           </a:p>
@@ -19774,6 +19554,7 @@
               <a:rPr lang="zh-TW"/>
               <a:t>單元5.jenkins與docker的cicd使用</a:t>
             </a:r>
+            <a:endParaRPr lang="zh-TW"/>
           </a:p>
         </p:txBody>
       </p:sp>
@@ -19961,6 +19742,7 @@
               <a:rPr lang="zh-TW"/>
               <a:t>Jenkins安裝步驟</a:t>
             </a:r>
+            <a:endParaRPr lang="zh-TW"/>
           </a:p>
         </p:txBody>
       </p:sp>
@@ -20063,7 +19845,7 @@
                 <a:sym typeface="Aptos"/>
               </a:rPr>
             </a:br>
-            <a:r>
+            <a:br>
               <a:rPr lang="zh-TW">
                 <a:solidFill>
                   <a:srgbClr val="0F4761"/>
@@ -20073,9 +19855,8 @@
                 <a:cs typeface="Aptos"/>
                 <a:sym typeface="Aptos"/>
               </a:rPr>
-              <a:t/>
-            </a:r>
-            <a:br>
+            </a:br>
+            <a:r>
               <a:rPr lang="zh-TW">
                 <a:solidFill>
                   <a:srgbClr val="0F4761"/>
@@ -20085,8 +19866,9 @@
                 <a:cs typeface="Aptos"/>
                 <a:sym typeface="Aptos"/>
               </a:rPr>
-            </a:br>
-            <a:r>
+              <a:t>這邊要選擇Jave21安裝的路徑</a:t>
+            </a:r>
+            <a:br>
               <a:rPr lang="zh-TW">
                 <a:solidFill>
                   <a:srgbClr val="0F4761"/>
@@ -20096,31 +19878,7 @@
                 <a:cs typeface="Aptos"/>
                 <a:sym typeface="Aptos"/>
               </a:rPr>
-              <a:t>這邊要選擇Jave21安裝的路徑</a:t>
-            </a:r>
-            <a:br>
-              <a:rPr lang="zh-TW">
-                <a:solidFill>
-                  <a:srgbClr val="0F4761"/>
-                </a:solidFill>
-                <a:latin typeface="Aptos"/>
-                <a:ea typeface="Aptos"/>
-                <a:cs typeface="Aptos"/>
-                <a:sym typeface="Aptos"/>
-              </a:rPr>
             </a:br>
-            <a:r>
-              <a:rPr lang="zh-TW">
-                <a:solidFill>
-                  <a:srgbClr val="0F4761"/>
-                </a:solidFill>
-                <a:latin typeface="Aptos"/>
-                <a:ea typeface="Aptos"/>
-                <a:cs typeface="Aptos"/>
-                <a:sym typeface="Aptos"/>
-              </a:rPr>
-              <a:t/>
-            </a:r>
             <a:br>
               <a:rPr lang="zh-TW">
                 <a:solidFill>
@@ -20276,7 +20034,7 @@
           <p:nvPr/>
         </p:nvPicPr>
         <p:blipFill>
-          <a:blip r:embed="rId3"/>
+          <a:blip r:embed="rId1"/>
           <a:stretch>
             <a:fillRect/>
           </a:stretch>
@@ -20374,6 +20132,7 @@
               <a:rPr lang="zh-TW"/>
               <a:t>Jenkins安裝步驟</a:t>
             </a:r>
+            <a:endParaRPr lang="zh-TW"/>
           </a:p>
         </p:txBody>
       </p:sp>
@@ -20730,6 +20489,7 @@
               <a:rPr lang="zh-TW"/>
               <a:t> Jenkins登入步驟</a:t>
             </a:r>
+            <a:endParaRPr lang="zh-TW"/>
           </a:p>
         </p:txBody>
       </p:sp>
@@ -21200,7 +20960,7 @@
           <p:nvPr/>
         </p:nvPicPr>
         <p:blipFill>
-          <a:blip r:embed="rId3"/>
+          <a:blip r:embed="rId1"/>
           <a:stretch>
             <a:fillRect/>
           </a:stretch>
@@ -21298,6 +21058,7 @@
               <a:rPr lang="zh-TW"/>
               <a:t> Jenkins登入步驟</a:t>
             </a:r>
+            <a:endParaRPr lang="zh-TW"/>
           </a:p>
         </p:txBody>
       </p:sp>
@@ -21630,7 +21391,7 @@
           <p:nvPr/>
         </p:nvPicPr>
         <p:blipFill>
-          <a:blip r:embed="rId3"/>
+          <a:blip r:embed="rId1"/>
           <a:stretch>
             <a:fillRect/>
           </a:stretch>
@@ -21656,7 +21417,7 @@
           <p:nvPr/>
         </p:nvPicPr>
         <p:blipFill>
-          <a:blip r:embed="rId4"/>
+          <a:blip r:embed="rId2"/>
           <a:stretch>
             <a:fillRect/>
           </a:stretch>
@@ -21893,7 +21654,7 @@
           <p:nvPr/>
         </p:nvPicPr>
         <p:blipFill>
-          <a:blip r:embed="rId3"/>
+          <a:blip r:embed="rId1"/>
           <a:stretch>
             <a:fillRect/>
           </a:stretch>
@@ -22147,7 +21908,7 @@
           <p:nvPr/>
         </p:nvPicPr>
         <p:blipFill>
-          <a:blip r:embed="rId3"/>
+          <a:blip r:embed="rId1"/>
           <a:stretch>
             <a:fillRect/>
           </a:stretch>
@@ -22401,7 +22162,7 @@
           <p:nvPr/>
         </p:nvPicPr>
         <p:blipFill>
-          <a:blip r:embed="rId3"/>
+          <a:blip r:embed="rId1"/>
           <a:stretch>
             <a:fillRect/>
           </a:stretch>
@@ -22638,7 +22399,7 @@
           <p:nvPr/>
         </p:nvPicPr>
         <p:blipFill>
-          <a:blip r:embed="rId3"/>
+          <a:blip r:embed="rId1"/>
           <a:stretch>
             <a:fillRect/>
           </a:stretch>
@@ -22957,7 +22718,7 @@
           <p:nvPr/>
         </p:nvPicPr>
         <p:blipFill>
-          <a:blip r:embed="rId3"/>
+          <a:blip r:embed="rId1"/>
           <a:stretch>
             <a:fillRect/>
           </a:stretch>
@@ -23193,18 +22954,6 @@
               </a:spcAft>
               <a:buNone/>
             </a:pPr>
-            <a:r>
-              <a:rPr lang="zh-TW" sz="1200">
-                <a:solidFill>
-                  <a:schemeClr val="dk1"/>
-                </a:solidFill>
-                <a:latin typeface="Aptos"/>
-                <a:ea typeface="Aptos"/>
-                <a:cs typeface="Aptos"/>
-                <a:sym typeface="Aptos"/>
-              </a:rPr>
-              <a:t/>
-            </a:r>
             <a:br>
               <a:rPr lang="zh-TW" sz="1200">
                 <a:solidFill>
@@ -23272,6 +23021,15 @@
               </a:rPr>
               <a:t>。</a:t>
             </a:r>
+            <a:endParaRPr lang="zh-TW" sz="1200">
+              <a:solidFill>
+                <a:schemeClr val="dk1"/>
+              </a:solidFill>
+              <a:latin typeface="Aptos"/>
+              <a:ea typeface="Aptos"/>
+              <a:cs typeface="Aptos"/>
+              <a:sym typeface="Aptos"/>
+            </a:endParaRPr>
           </a:p>
         </p:txBody>
       </p:sp>
@@ -23282,7 +23040,7 @@
           <p:nvPr/>
         </p:nvPicPr>
         <p:blipFill>
-          <a:blip r:embed="rId3"/>
+          <a:blip r:embed="rId1"/>
           <a:stretch>
             <a:fillRect/>
           </a:stretch>
@@ -23380,6 +23138,7 @@
               <a:rPr lang="zh-TW"/>
               <a:t>目錄:</a:t>
             </a:r>
+            <a:endParaRPr lang="zh-TW"/>
           </a:p>
         </p:txBody>
       </p:sp>
@@ -23826,10 +23585,6 @@
                 <a:sym typeface="Play" panose="00000500000000000000"/>
               </a:rPr>
               <a:t>pollSCM</a:t>
-            </a:r>
-            <a:r>
-              <a:rPr lang="zh-TW" altLang="zh-TW" sz="4000" dirty="0"/>
-              <a:t/>
             </a:r>
             <a:br>
               <a:rPr lang="zh-TW" altLang="zh-TW" sz="4000" dirty="0"/>
@@ -24473,19 +24228,6 @@
               </a:rPr>
               <a:t>槽建立兩個資料夾</a:t>
             </a:r>
-          </a:p>
-          <a:p>
-            <a:pPr marL="254000" lvl="0" indent="-244475" algn="just">
-              <a:lnSpc>
-                <a:spcPct val="115000"/>
-              </a:lnSpc>
-              <a:spcBef>
-                <a:spcPts val="0"/>
-              </a:spcBef>
-              <a:buSzPct val="55000"/>
-              <a:buFont typeface="Arial" panose="020B0604020202020204"/>
-              <a:buChar char="►"/>
-            </a:pPr>
             <a:endParaRPr lang="zh-TW" altLang="en-US" sz="1600" dirty="0">
               <a:solidFill>
                 <a:schemeClr val="dk1"/>
@@ -24508,6 +24250,28 @@
               <a:buFont typeface="Arial" panose="020B0604020202020204"/>
               <a:buChar char="►"/>
             </a:pPr>
+            <a:endParaRPr lang="zh-TW" altLang="en-US" sz="1600" dirty="0">
+              <a:solidFill>
+                <a:schemeClr val="dk1"/>
+              </a:solidFill>
+              <a:latin typeface="Arial" panose="020B0604020202020204"/>
+              <a:ea typeface="Arial" panose="020B0604020202020204"/>
+              <a:cs typeface="Arial" panose="020B0604020202020204"/>
+              <a:sym typeface="Arial" panose="020B0604020202020204"/>
+            </a:endParaRPr>
+          </a:p>
+          <a:p>
+            <a:pPr marL="254000" lvl="0" indent="-244475" algn="just">
+              <a:lnSpc>
+                <a:spcPct val="115000"/>
+              </a:lnSpc>
+              <a:spcBef>
+                <a:spcPts val="0"/>
+              </a:spcBef>
+              <a:buSzPct val="55000"/>
+              <a:buFont typeface="Arial" panose="020B0604020202020204"/>
+              <a:buChar char="►"/>
+            </a:pPr>
             <a:r>
               <a:rPr lang="zh-TW" altLang="en-US" sz="1600" dirty="0">
                 <a:solidFill>
@@ -24602,6 +24366,15 @@
               </a:rPr>
               <a:t>因為通常一班情況 是一台電腦在做開發 一台電腦是正式站部屬的機器</a:t>
             </a:r>
+            <a:endParaRPr lang="zh-TW" altLang="en-US" sz="1600" dirty="0">
+              <a:solidFill>
+                <a:schemeClr val="dk1"/>
+              </a:solidFill>
+              <a:latin typeface="Arial" panose="020B0604020202020204"/>
+              <a:ea typeface="Arial" panose="020B0604020202020204"/>
+              <a:cs typeface="Arial" panose="020B0604020202020204"/>
+              <a:sym typeface="Arial" panose="020B0604020202020204"/>
+            </a:endParaRPr>
           </a:p>
           <a:p>
             <a:pPr marL="254000" lvl="0" indent="-244475" algn="just">
@@ -24627,6 +24400,15 @@
               </a:rPr>
               <a:t>這邊我們模擬一下 假設兩台電腦都在同一台做操作 好 </a:t>
             </a:r>
+            <a:endParaRPr lang="zh-TW" altLang="en-US" sz="1600" dirty="0">
+              <a:solidFill>
+                <a:schemeClr val="dk1"/>
+              </a:solidFill>
+              <a:latin typeface="Arial" panose="020B0604020202020204"/>
+              <a:ea typeface="Arial" panose="020B0604020202020204"/>
+              <a:cs typeface="Arial" panose="020B0604020202020204"/>
+              <a:sym typeface="Arial" panose="020B0604020202020204"/>
+            </a:endParaRPr>
           </a:p>
           <a:p>
             <a:pPr marL="254000" lvl="0" indent="-244475" algn="just">
@@ -24980,18 +24762,6 @@
               <a:buSzPts val="1200"/>
               <a:buChar char="●"/>
             </a:pPr>
-            <a:r>
-              <a:rPr lang="zh-TW" sz="1200" dirty="0">
-                <a:solidFill>
-                  <a:schemeClr val="dk1"/>
-                </a:solidFill>
-                <a:latin typeface="Aptos"/>
-                <a:ea typeface="Aptos"/>
-                <a:cs typeface="Aptos"/>
-                <a:sym typeface="Aptos"/>
-              </a:rPr>
-              <a:t/>
-            </a:r>
             <a:br>
               <a:rPr lang="zh-TW" sz="1200" dirty="0">
                 <a:solidFill>
@@ -25096,7 +24866,7 @@
           <p:nvPr/>
         </p:nvPicPr>
         <p:blipFill>
-          <a:blip r:embed="rId3"/>
+          <a:blip r:embed="rId1"/>
           <a:stretch>
             <a:fillRect/>
           </a:stretch>
@@ -25286,18 +25056,6 @@
               <a:buSzPts val="1200"/>
               <a:buChar char="●"/>
             </a:pPr>
-            <a:r>
-              <a:rPr lang="zh-TW" sz="1200" dirty="0">
-                <a:solidFill>
-                  <a:schemeClr val="dk1"/>
-                </a:solidFill>
-                <a:latin typeface="Aptos"/>
-                <a:ea typeface="Aptos"/>
-                <a:cs typeface="Aptos"/>
-                <a:sym typeface="Aptos"/>
-              </a:rPr>
-              <a:t/>
-            </a:r>
             <a:br>
               <a:rPr lang="zh-TW" sz="1200" dirty="0">
                 <a:solidFill>
@@ -25401,7 +25159,7 @@
           <p:nvPr/>
         </p:nvPicPr>
         <p:blipFill>
-          <a:blip r:embed="rId3"/>
+          <a:blip r:embed="rId1"/>
           <a:stretch>
             <a:fillRect/>
           </a:stretch>
@@ -25591,18 +25349,6 @@
               <a:buSzPts val="1200"/>
               <a:buChar char="●"/>
             </a:pPr>
-            <a:r>
-              <a:rPr lang="zh-TW" sz="1200" dirty="0">
-                <a:solidFill>
-                  <a:schemeClr val="dk1"/>
-                </a:solidFill>
-                <a:latin typeface="Aptos"/>
-                <a:ea typeface="Aptos"/>
-                <a:cs typeface="Aptos"/>
-                <a:sym typeface="Aptos"/>
-              </a:rPr>
-              <a:t/>
-            </a:r>
             <a:br>
               <a:rPr lang="zh-TW" sz="1200" dirty="0">
                 <a:solidFill>
@@ -25706,7 +25452,7 @@
           <p:nvPr/>
         </p:nvPicPr>
         <p:blipFill>
-          <a:blip r:embed="rId3"/>
+          <a:blip r:embed="rId1"/>
           <a:stretch>
             <a:fillRect/>
           </a:stretch>
@@ -25937,7 +25683,7 @@
           <p:nvPr/>
         </p:nvPicPr>
         <p:blipFill>
-          <a:blip r:embed="rId3"/>
+          <a:blip r:embed="rId1"/>
           <a:stretch>
             <a:fillRect/>
           </a:stretch>
@@ -26412,7 +26158,7 @@
           <p:nvPr/>
         </p:nvPicPr>
         <p:blipFill>
-          <a:blip r:embed="rId3"/>
+          <a:blip r:embed="rId1"/>
           <a:stretch>
             <a:fillRect/>
           </a:stretch>
@@ -26584,6 +26330,15 @@
               </a:rPr>
               <a:t>語法</a:t>
             </a:r>
+            <a:endParaRPr lang="zh-TW" altLang="en-US" sz="900" dirty="0" smtClean="0">
+              <a:solidFill>
+                <a:srgbClr val="0F4761"/>
+              </a:solidFill>
+              <a:latin typeface="Aptos"/>
+              <a:ea typeface="Aptos"/>
+              <a:cs typeface="Aptos"/>
+              <a:sym typeface="Aptos"/>
+            </a:endParaRPr>
           </a:p>
           <a:p>
             <a:pPr lvl="0" indent="-293370">
@@ -26605,711 +26360,6 @@
               </a:rPr>
               <a:t>pipeline {</a:t>
             </a:r>
-          </a:p>
-          <a:p>
-            <a:pPr lvl="0" indent="-293370">
-              <a:buClr>
-                <a:schemeClr val="dk1"/>
-              </a:buClr>
-              <a:buSzPct val="86000"/>
-              <a:buChar char="●"/>
-            </a:pPr>
-            <a:r>
-              <a:rPr lang="en-US" altLang="zh-TW" sz="900" dirty="0">
-                <a:solidFill>
-                  <a:srgbClr val="0F4761"/>
-                </a:solidFill>
-                <a:latin typeface="Aptos"/>
-                <a:ea typeface="Aptos"/>
-                <a:cs typeface="Aptos"/>
-                <a:sym typeface="Aptos"/>
-              </a:rPr>
-              <a:t>  agent any</a:t>
-            </a:r>
-          </a:p>
-          <a:p>
-            <a:pPr lvl="0" indent="-293370">
-              <a:buClr>
-                <a:schemeClr val="dk1"/>
-              </a:buClr>
-              <a:buSzPct val="86000"/>
-              <a:buChar char="●"/>
-            </a:pPr>
-            <a:r>
-              <a:rPr lang="en-US" altLang="zh-TW" sz="900" dirty="0">
-                <a:solidFill>
-                  <a:srgbClr val="0F4761"/>
-                </a:solidFill>
-                <a:latin typeface="Aptos"/>
-                <a:ea typeface="Aptos"/>
-                <a:cs typeface="Aptos"/>
-                <a:sym typeface="Aptos"/>
-              </a:rPr>
-              <a:t>  stages {</a:t>
-            </a:r>
-          </a:p>
-          <a:p>
-            <a:pPr lvl="0" indent="-293370">
-              <a:buClr>
-                <a:schemeClr val="dk1"/>
-              </a:buClr>
-              <a:buSzPct val="86000"/>
-              <a:buChar char="●"/>
-            </a:pPr>
-            <a:r>
-              <a:rPr lang="en-US" altLang="zh-TW" sz="900" dirty="0">
-                <a:solidFill>
-                  <a:srgbClr val="0F4761"/>
-                </a:solidFill>
-                <a:latin typeface="Aptos"/>
-                <a:ea typeface="Aptos"/>
-                <a:cs typeface="Aptos"/>
-                <a:sym typeface="Aptos"/>
-              </a:rPr>
-              <a:t>     stage('start') {</a:t>
-            </a:r>
-          </a:p>
-          <a:p>
-            <a:pPr lvl="0" indent="-293370">
-              <a:buClr>
-                <a:schemeClr val="dk1"/>
-              </a:buClr>
-              <a:buSzPct val="86000"/>
-              <a:buChar char="●"/>
-            </a:pPr>
-            <a:r>
-              <a:rPr lang="en-US" altLang="zh-TW" sz="900" dirty="0">
-                <a:solidFill>
-                  <a:srgbClr val="0F4761"/>
-                </a:solidFill>
-                <a:latin typeface="Aptos"/>
-                <a:ea typeface="Aptos"/>
-                <a:cs typeface="Aptos"/>
-                <a:sym typeface="Aptos"/>
-              </a:rPr>
-              <a:t>      steps {</a:t>
-            </a:r>
-          </a:p>
-          <a:p>
-            <a:pPr lvl="0" indent="-293370">
-              <a:buClr>
-                <a:schemeClr val="dk1"/>
-              </a:buClr>
-              <a:buSzPct val="86000"/>
-              <a:buChar char="●"/>
-            </a:pPr>
-            <a:r>
-              <a:rPr lang="en-US" altLang="zh-TW" sz="900" dirty="0">
-                <a:solidFill>
-                  <a:srgbClr val="0F4761"/>
-                </a:solidFill>
-                <a:latin typeface="Aptos"/>
-                <a:ea typeface="Aptos"/>
-                <a:cs typeface="Aptos"/>
-                <a:sym typeface="Aptos"/>
-              </a:rPr>
-              <a:t>         echo "</a:t>
-            </a:r>
-            <a:r>
-              <a:rPr lang="zh-TW" altLang="en-US" sz="900" dirty="0">
-                <a:solidFill>
-                  <a:srgbClr val="0F4761"/>
-                </a:solidFill>
-                <a:latin typeface="Aptos"/>
-                <a:ea typeface="Aptos"/>
-                <a:cs typeface="Aptos"/>
-                <a:sym typeface="Aptos"/>
-              </a:rPr>
-              <a:t>開始部屬</a:t>
-            </a:r>
-            <a:r>
-              <a:rPr lang="en-US" altLang="zh-TW" sz="900" dirty="0">
-                <a:solidFill>
-                  <a:srgbClr val="0F4761"/>
-                </a:solidFill>
-                <a:latin typeface="Aptos"/>
-                <a:ea typeface="Aptos"/>
-                <a:cs typeface="Aptos"/>
-                <a:sym typeface="Aptos"/>
-              </a:rPr>
-              <a:t>"</a:t>
-            </a:r>
-          </a:p>
-          <a:p>
-            <a:pPr lvl="0" indent="-293370">
-              <a:buClr>
-                <a:schemeClr val="dk1"/>
-              </a:buClr>
-              <a:buSzPct val="86000"/>
-              <a:buChar char="●"/>
-            </a:pPr>
-            <a:r>
-              <a:rPr lang="en-US" altLang="zh-TW" sz="900" dirty="0">
-                <a:solidFill>
-                  <a:srgbClr val="0F4761"/>
-                </a:solidFill>
-                <a:latin typeface="Aptos"/>
-                <a:ea typeface="Aptos"/>
-                <a:cs typeface="Aptos"/>
-                <a:sym typeface="Aptos"/>
-              </a:rPr>
-              <a:t>      }</a:t>
-            </a:r>
-          </a:p>
-          <a:p>
-            <a:pPr lvl="0" indent="-293370">
-              <a:buClr>
-                <a:schemeClr val="dk1"/>
-              </a:buClr>
-              <a:buSzPct val="86000"/>
-              <a:buChar char="●"/>
-            </a:pPr>
-            <a:r>
-              <a:rPr lang="en-US" altLang="zh-TW" sz="900" dirty="0">
-                <a:solidFill>
-                  <a:srgbClr val="0F4761"/>
-                </a:solidFill>
-                <a:latin typeface="Aptos"/>
-                <a:ea typeface="Aptos"/>
-                <a:cs typeface="Aptos"/>
-                <a:sym typeface="Aptos"/>
-              </a:rPr>
-              <a:t>    }</a:t>
-            </a:r>
-          </a:p>
-          <a:p>
-            <a:pPr lvl="0" indent="-293370">
-              <a:buClr>
-                <a:schemeClr val="dk1"/>
-              </a:buClr>
-              <a:buSzPct val="86000"/>
-              <a:buChar char="●"/>
-            </a:pPr>
-            <a:r>
-              <a:rPr lang="en-US" altLang="zh-TW" sz="900" dirty="0">
-                <a:solidFill>
-                  <a:srgbClr val="0F4761"/>
-                </a:solidFill>
-                <a:latin typeface="Aptos"/>
-                <a:ea typeface="Aptos"/>
-                <a:cs typeface="Aptos"/>
-                <a:sym typeface="Aptos"/>
-              </a:rPr>
-              <a:t>    </a:t>
-            </a:r>
-          </a:p>
-          <a:p>
-            <a:pPr lvl="0" indent="-293370">
-              <a:buClr>
-                <a:schemeClr val="dk1"/>
-              </a:buClr>
-              <a:buSzPct val="86000"/>
-              <a:buChar char="●"/>
-            </a:pPr>
-            <a:r>
-              <a:rPr lang="en-US" altLang="zh-TW" sz="900" dirty="0">
-                <a:solidFill>
-                  <a:srgbClr val="0F4761"/>
-                </a:solidFill>
-                <a:latin typeface="Aptos"/>
-                <a:ea typeface="Aptos"/>
-                <a:cs typeface="Aptos"/>
-                <a:sym typeface="Aptos"/>
-              </a:rPr>
-              <a:t>    stage('</a:t>
-            </a:r>
-            <a:r>
-              <a:rPr lang="zh-TW" altLang="en-US" sz="900" dirty="0">
-                <a:solidFill>
-                  <a:srgbClr val="0F4761"/>
-                </a:solidFill>
-                <a:latin typeface="Aptos"/>
-                <a:ea typeface="Aptos"/>
-                <a:cs typeface="Aptos"/>
-                <a:sym typeface="Aptos"/>
-              </a:rPr>
-              <a:t>抓取</a:t>
-            </a:r>
-            <a:r>
-              <a:rPr lang="en-US" altLang="zh-TW" sz="900" dirty="0" err="1">
-                <a:solidFill>
-                  <a:srgbClr val="0F4761"/>
-                </a:solidFill>
-                <a:latin typeface="Aptos"/>
-                <a:ea typeface="Aptos"/>
-                <a:cs typeface="Aptos"/>
-                <a:sym typeface="Aptos"/>
-              </a:rPr>
-              <a:t>git</a:t>
-            </a:r>
-            <a:r>
-              <a:rPr lang="en-US" altLang="zh-TW" sz="900" dirty="0">
-                <a:solidFill>
-                  <a:srgbClr val="0F4761"/>
-                </a:solidFill>
-                <a:latin typeface="Aptos"/>
-                <a:ea typeface="Aptos"/>
-                <a:cs typeface="Aptos"/>
-                <a:sym typeface="Aptos"/>
-              </a:rPr>
-              <a:t>') {</a:t>
-            </a:r>
-          </a:p>
-          <a:p>
-            <a:pPr lvl="0" indent="-293370">
-              <a:buClr>
-                <a:schemeClr val="dk1"/>
-              </a:buClr>
-              <a:buSzPct val="86000"/>
-              <a:buChar char="●"/>
-            </a:pPr>
-            <a:r>
-              <a:rPr lang="en-US" altLang="zh-TW" sz="900" dirty="0">
-                <a:solidFill>
-                  <a:srgbClr val="0F4761"/>
-                </a:solidFill>
-                <a:latin typeface="Aptos"/>
-                <a:ea typeface="Aptos"/>
-                <a:cs typeface="Aptos"/>
-                <a:sym typeface="Aptos"/>
-              </a:rPr>
-              <a:t>      steps {</a:t>
-            </a:r>
-          </a:p>
-          <a:p>
-            <a:pPr lvl="0" indent="-293370">
-              <a:buClr>
-                <a:schemeClr val="dk1"/>
-              </a:buClr>
-              <a:buSzPct val="86000"/>
-              <a:buChar char="●"/>
-            </a:pPr>
-            <a:r>
-              <a:rPr lang="en-US" altLang="zh-TW" sz="900" dirty="0">
-                <a:solidFill>
-                  <a:srgbClr val="0F4761"/>
-                </a:solidFill>
-                <a:latin typeface="Aptos"/>
-                <a:ea typeface="Aptos"/>
-                <a:cs typeface="Aptos"/>
-                <a:sym typeface="Aptos"/>
-              </a:rPr>
-              <a:t>        </a:t>
-            </a:r>
-            <a:r>
-              <a:rPr lang="en-US" altLang="zh-TW" sz="900" dirty="0" err="1">
-                <a:solidFill>
-                  <a:srgbClr val="0F4761"/>
-                </a:solidFill>
-                <a:latin typeface="Aptos"/>
-                <a:ea typeface="Aptos"/>
-                <a:cs typeface="Aptos"/>
-                <a:sym typeface="Aptos"/>
-              </a:rPr>
-              <a:t>git</a:t>
-            </a:r>
-            <a:r>
-              <a:rPr lang="en-US" altLang="zh-TW" sz="900" dirty="0">
-                <a:solidFill>
-                  <a:srgbClr val="0F4761"/>
-                </a:solidFill>
-                <a:latin typeface="Aptos"/>
-                <a:ea typeface="Aptos"/>
-                <a:cs typeface="Aptos"/>
-                <a:sym typeface="Aptos"/>
-              </a:rPr>
-              <a:t> branch: 'main',</a:t>
-            </a:r>
-          </a:p>
-          <a:p>
-            <a:pPr lvl="0" indent="-293370">
-              <a:buClr>
-                <a:schemeClr val="dk1"/>
-              </a:buClr>
-              <a:buSzPct val="86000"/>
-              <a:buChar char="●"/>
-            </a:pPr>
-            <a:r>
-              <a:rPr lang="en-US" altLang="zh-TW" sz="900" dirty="0">
-                <a:solidFill>
-                  <a:srgbClr val="0F4761"/>
-                </a:solidFill>
-                <a:latin typeface="Aptos"/>
-                <a:ea typeface="Aptos"/>
-                <a:cs typeface="Aptos"/>
-                <a:sym typeface="Aptos"/>
-              </a:rPr>
-              <a:t>            </a:t>
-            </a:r>
-            <a:r>
-              <a:rPr lang="en-US" altLang="zh-TW" sz="900" dirty="0" err="1">
-                <a:solidFill>
-                  <a:srgbClr val="0F4761"/>
-                </a:solidFill>
-                <a:latin typeface="Aptos"/>
-                <a:ea typeface="Aptos"/>
-                <a:cs typeface="Aptos"/>
-                <a:sym typeface="Aptos"/>
-              </a:rPr>
-              <a:t>credentialsId</a:t>
-            </a:r>
-            <a:r>
-              <a:rPr lang="en-US" altLang="zh-TW" sz="900" dirty="0">
-                <a:solidFill>
-                  <a:srgbClr val="0F4761"/>
-                </a:solidFill>
-                <a:latin typeface="Aptos"/>
-                <a:ea typeface="Aptos"/>
-                <a:cs typeface="Aptos"/>
-                <a:sym typeface="Aptos"/>
-              </a:rPr>
-              <a:t>: '</a:t>
-            </a:r>
-            <a:r>
-              <a:rPr lang="en-US" altLang="zh-TW" sz="900" dirty="0" err="1">
-                <a:solidFill>
-                  <a:srgbClr val="0F4761"/>
-                </a:solidFill>
-                <a:latin typeface="Aptos"/>
-                <a:ea typeface="Aptos"/>
-                <a:cs typeface="Aptos"/>
-                <a:sym typeface="Aptos"/>
-              </a:rPr>
-              <a:t>githubuser</a:t>
-            </a:r>
-            <a:r>
-              <a:rPr lang="en-US" altLang="zh-TW" sz="900" dirty="0">
-                <a:solidFill>
-                  <a:srgbClr val="0F4761"/>
-                </a:solidFill>
-                <a:latin typeface="Aptos"/>
-                <a:ea typeface="Aptos"/>
-                <a:cs typeface="Aptos"/>
-                <a:sym typeface="Aptos"/>
-              </a:rPr>
-              <a:t>',</a:t>
-            </a:r>
-          </a:p>
-          <a:p>
-            <a:pPr lvl="0" indent="-293370">
-              <a:buClr>
-                <a:schemeClr val="dk1"/>
-              </a:buClr>
-              <a:buSzPct val="86000"/>
-              <a:buChar char="●"/>
-            </a:pPr>
-            <a:r>
-              <a:rPr lang="en-US" altLang="zh-TW" sz="900" dirty="0">
-                <a:solidFill>
-                  <a:srgbClr val="0F4761"/>
-                </a:solidFill>
-                <a:latin typeface="Aptos"/>
-                <a:ea typeface="Aptos"/>
-                <a:cs typeface="Aptos"/>
-                <a:sym typeface="Aptos"/>
-              </a:rPr>
-              <a:t>            url: 'https://github.com/</a:t>
-            </a:r>
-            <a:r>
-              <a:rPr lang="en-US" altLang="zh-TW" sz="900" dirty="0" err="1">
-                <a:solidFill>
-                  <a:srgbClr val="0F4761"/>
-                </a:solidFill>
-                <a:latin typeface="Aptos"/>
-                <a:ea typeface="Aptos"/>
-                <a:cs typeface="Aptos"/>
-                <a:sym typeface="Aptos"/>
-              </a:rPr>
-              <a:t>coolyuoo</a:t>
-            </a:r>
-            <a:r>
-              <a:rPr lang="en-US" altLang="zh-TW" sz="900" dirty="0">
-                <a:solidFill>
-                  <a:srgbClr val="0F4761"/>
-                </a:solidFill>
-                <a:latin typeface="Aptos"/>
-                <a:ea typeface="Aptos"/>
-                <a:cs typeface="Aptos"/>
-                <a:sym typeface="Aptos"/>
-              </a:rPr>
-              <a:t>/</a:t>
-            </a:r>
-            <a:r>
-              <a:rPr lang="en-US" altLang="zh-TW" sz="900" dirty="0" err="1">
-                <a:solidFill>
-                  <a:srgbClr val="0F4761"/>
-                </a:solidFill>
-                <a:latin typeface="Aptos"/>
-                <a:ea typeface="Aptos"/>
-                <a:cs typeface="Aptos"/>
-                <a:sym typeface="Aptos"/>
-              </a:rPr>
-              <a:t>ClassHello.git</a:t>
-            </a:r>
-            <a:r>
-              <a:rPr lang="en-US" altLang="zh-TW" sz="900" dirty="0">
-                <a:solidFill>
-                  <a:srgbClr val="0F4761"/>
-                </a:solidFill>
-                <a:latin typeface="Aptos"/>
-                <a:ea typeface="Aptos"/>
-                <a:cs typeface="Aptos"/>
-                <a:sym typeface="Aptos"/>
-              </a:rPr>
-              <a:t>'</a:t>
-            </a:r>
-          </a:p>
-          <a:p>
-            <a:pPr lvl="0" indent="-293370">
-              <a:buClr>
-                <a:schemeClr val="dk1"/>
-              </a:buClr>
-              <a:buSzPct val="86000"/>
-              <a:buChar char="●"/>
-            </a:pPr>
-            <a:r>
-              <a:rPr lang="en-US" altLang="zh-TW" sz="900" dirty="0">
-                <a:solidFill>
-                  <a:srgbClr val="0F4761"/>
-                </a:solidFill>
-                <a:latin typeface="Aptos"/>
-                <a:ea typeface="Aptos"/>
-                <a:cs typeface="Aptos"/>
-                <a:sym typeface="Aptos"/>
-              </a:rPr>
-              <a:t>      }</a:t>
-            </a:r>
-          </a:p>
-          <a:p>
-            <a:pPr lvl="0" indent="-293370">
-              <a:buClr>
-                <a:schemeClr val="dk1"/>
-              </a:buClr>
-              <a:buSzPct val="86000"/>
-              <a:buChar char="●"/>
-            </a:pPr>
-            <a:r>
-              <a:rPr lang="en-US" altLang="zh-TW" sz="900" dirty="0">
-                <a:solidFill>
-                  <a:srgbClr val="0F4761"/>
-                </a:solidFill>
-                <a:latin typeface="Aptos"/>
-                <a:ea typeface="Aptos"/>
-                <a:cs typeface="Aptos"/>
-                <a:sym typeface="Aptos"/>
-              </a:rPr>
-              <a:t>    }</a:t>
-            </a:r>
-          </a:p>
-          <a:p>
-            <a:pPr lvl="0" indent="-293370">
-              <a:buClr>
-                <a:schemeClr val="dk1"/>
-              </a:buClr>
-              <a:buSzPct val="86000"/>
-              <a:buChar char="●"/>
-            </a:pPr>
-            <a:r>
-              <a:rPr lang="en-US" altLang="zh-TW" sz="900" dirty="0">
-                <a:solidFill>
-                  <a:srgbClr val="0F4761"/>
-                </a:solidFill>
-                <a:latin typeface="Aptos"/>
-                <a:ea typeface="Aptos"/>
-                <a:cs typeface="Aptos"/>
-                <a:sym typeface="Aptos"/>
-              </a:rPr>
-              <a:t>    </a:t>
-            </a:r>
-          </a:p>
-          <a:p>
-            <a:pPr lvl="0" indent="-293370">
-              <a:buClr>
-                <a:schemeClr val="dk1"/>
-              </a:buClr>
-              <a:buSzPct val="86000"/>
-              <a:buChar char="●"/>
-            </a:pPr>
-            <a:r>
-              <a:rPr lang="en-US" altLang="zh-TW" sz="900" dirty="0">
-                <a:solidFill>
-                  <a:srgbClr val="0F4761"/>
-                </a:solidFill>
-                <a:latin typeface="Aptos"/>
-                <a:ea typeface="Aptos"/>
-                <a:cs typeface="Aptos"/>
-                <a:sym typeface="Aptos"/>
-              </a:rPr>
-              <a:t>     stage('</a:t>
-            </a:r>
-            <a:r>
-              <a:rPr lang="zh-TW" altLang="en-US" sz="900" dirty="0">
-                <a:solidFill>
-                  <a:srgbClr val="0F4761"/>
-                </a:solidFill>
-                <a:latin typeface="Aptos"/>
-                <a:ea typeface="Aptos"/>
-                <a:cs typeface="Aptos"/>
-                <a:sym typeface="Aptos"/>
-              </a:rPr>
-              <a:t>複製到正式站</a:t>
-            </a:r>
-            <a:r>
-              <a:rPr lang="en-US" altLang="zh-TW" sz="900" dirty="0">
-                <a:solidFill>
-                  <a:srgbClr val="0F4761"/>
-                </a:solidFill>
-                <a:latin typeface="Aptos"/>
-                <a:ea typeface="Aptos"/>
-                <a:cs typeface="Aptos"/>
-                <a:sym typeface="Aptos"/>
-              </a:rPr>
-              <a:t>') {</a:t>
-            </a:r>
-          </a:p>
-          <a:p>
-            <a:pPr lvl="0" indent="-293370">
-              <a:buClr>
-                <a:schemeClr val="dk1"/>
-              </a:buClr>
-              <a:buSzPct val="86000"/>
-              <a:buChar char="●"/>
-            </a:pPr>
-            <a:r>
-              <a:rPr lang="en-US" altLang="zh-TW" sz="900" dirty="0">
-                <a:solidFill>
-                  <a:srgbClr val="0F4761"/>
-                </a:solidFill>
-                <a:latin typeface="Aptos"/>
-                <a:ea typeface="Aptos"/>
-                <a:cs typeface="Aptos"/>
-                <a:sym typeface="Aptos"/>
-              </a:rPr>
-              <a:t>      steps {</a:t>
-            </a:r>
-          </a:p>
-          <a:p>
-            <a:pPr lvl="0" indent="-293370">
-              <a:buClr>
-                <a:schemeClr val="dk1"/>
-              </a:buClr>
-              <a:buSzPct val="86000"/>
-              <a:buChar char="●"/>
-            </a:pPr>
-            <a:r>
-              <a:rPr lang="en-US" altLang="zh-TW" sz="900" dirty="0">
-                <a:solidFill>
-                  <a:srgbClr val="0F4761"/>
-                </a:solidFill>
-                <a:latin typeface="Aptos"/>
-                <a:ea typeface="Aptos"/>
-                <a:cs typeface="Aptos"/>
-                <a:sym typeface="Aptos"/>
-              </a:rPr>
-              <a:t>        // </a:t>
-            </a:r>
-            <a:r>
-              <a:rPr lang="zh-TW" altLang="en-US" sz="900" dirty="0">
-                <a:solidFill>
-                  <a:srgbClr val="0F4761"/>
-                </a:solidFill>
-                <a:latin typeface="Aptos"/>
-                <a:ea typeface="Aptos"/>
-                <a:cs typeface="Aptos"/>
-                <a:sym typeface="Aptos"/>
-              </a:rPr>
-              <a:t>先確保目的地存在（可選）</a:t>
-            </a:r>
-          </a:p>
-          <a:p>
-            <a:pPr lvl="0" indent="-293370">
-              <a:buClr>
-                <a:schemeClr val="dk1"/>
-              </a:buClr>
-              <a:buSzPct val="86000"/>
-              <a:buChar char="●"/>
-            </a:pPr>
-            <a:r>
-              <a:rPr lang="zh-TW" altLang="en-US" sz="900" dirty="0">
-                <a:solidFill>
-                  <a:srgbClr val="0F4761"/>
-                </a:solidFill>
-                <a:latin typeface="Aptos"/>
-                <a:ea typeface="Aptos"/>
-                <a:cs typeface="Aptos"/>
-                <a:sym typeface="Aptos"/>
-              </a:rPr>
-              <a:t>        </a:t>
-            </a:r>
-            <a:r>
-              <a:rPr lang="en-US" altLang="zh-TW" sz="900" dirty="0">
-                <a:solidFill>
-                  <a:srgbClr val="0F4761"/>
-                </a:solidFill>
-                <a:latin typeface="Aptos"/>
-                <a:ea typeface="Aptos"/>
-                <a:cs typeface="Aptos"/>
-                <a:sym typeface="Aptos"/>
-              </a:rPr>
-              <a:t>bat '</a:t>
-            </a:r>
-            <a:r>
-              <a:rPr lang="en-US" altLang="zh-TW" sz="900" dirty="0" err="1">
-                <a:solidFill>
-                  <a:srgbClr val="0F4761"/>
-                </a:solidFill>
-                <a:latin typeface="Aptos"/>
-                <a:ea typeface="Aptos"/>
-                <a:cs typeface="Aptos"/>
-                <a:sym typeface="Aptos"/>
-              </a:rPr>
-              <a:t>mkdir</a:t>
-            </a:r>
-            <a:r>
-              <a:rPr lang="en-US" altLang="zh-TW" sz="900" dirty="0">
-                <a:solidFill>
-                  <a:srgbClr val="0F4761"/>
-                </a:solidFill>
-                <a:latin typeface="Aptos"/>
-                <a:ea typeface="Aptos"/>
-                <a:cs typeface="Aptos"/>
-                <a:sym typeface="Aptos"/>
-              </a:rPr>
-              <a:t> D:\\site 2&gt;NUL || </a:t>
-            </a:r>
-            <a:r>
-              <a:rPr lang="en-US" altLang="zh-TW" sz="900" dirty="0" err="1">
-                <a:solidFill>
-                  <a:srgbClr val="0F4761"/>
-                </a:solidFill>
-                <a:latin typeface="Aptos"/>
-                <a:ea typeface="Aptos"/>
-                <a:cs typeface="Aptos"/>
-                <a:sym typeface="Aptos"/>
-              </a:rPr>
-              <a:t>ver</a:t>
-            </a:r>
-            <a:r>
-              <a:rPr lang="en-US" altLang="zh-TW" sz="900" dirty="0">
-                <a:solidFill>
-                  <a:srgbClr val="0F4761"/>
-                </a:solidFill>
-                <a:latin typeface="Aptos"/>
-                <a:ea typeface="Aptos"/>
-                <a:cs typeface="Aptos"/>
-                <a:sym typeface="Aptos"/>
-              </a:rPr>
-              <a:t> &gt;NUL'</a:t>
-            </a:r>
-          </a:p>
-          <a:p>
-            <a:pPr lvl="0" indent="-293370">
-              <a:buClr>
-                <a:schemeClr val="dk1"/>
-              </a:buClr>
-              <a:buSzPct val="86000"/>
-              <a:buChar char="●"/>
-            </a:pPr>
             <a:endParaRPr lang="en-US" altLang="zh-TW" sz="900" dirty="0">
               <a:solidFill>
                 <a:srgbClr val="0F4761"/>
@@ -27338,32 +26388,17 @@
                 <a:cs typeface="Aptos"/>
                 <a:sym typeface="Aptos"/>
               </a:rPr>
-              <a:t>        </a:t>
-            </a:r>
-            <a:r>
-              <a:rPr lang="en-US" altLang="zh-TW" sz="900" dirty="0" err="1">
-                <a:solidFill>
-                  <a:srgbClr val="0F4761"/>
-                </a:solidFill>
-                <a:latin typeface="Aptos"/>
-                <a:ea typeface="Aptos"/>
-                <a:cs typeface="Aptos"/>
-                <a:sym typeface="Aptos"/>
-              </a:rPr>
-              <a:t>fileOperations</a:t>
-            </a:r>
-            <a:r>
-              <a:rPr lang="en-US" altLang="zh-TW" sz="900" dirty="0">
-                <a:solidFill>
-                  <a:srgbClr val="0F4761"/>
-                </a:solidFill>
-                <a:latin typeface="Aptos"/>
-                <a:ea typeface="Aptos"/>
-                <a:cs typeface="Aptos"/>
-                <a:sym typeface="Aptos"/>
-              </a:rPr>
-              <a:t>([</a:t>
-            </a:r>
+              <a:t>  agent any</a:t>
+            </a:r>
+            <a:endParaRPr lang="en-US" altLang="zh-TW" sz="900" dirty="0">
+              <a:solidFill>
+                <a:srgbClr val="0F4761"/>
+              </a:solidFill>
+              <a:latin typeface="Aptos"/>
+              <a:ea typeface="Aptos"/>
+              <a:cs typeface="Aptos"/>
+              <a:sym typeface="Aptos"/>
+            </a:endParaRPr>
           </a:p>
           <a:p>
             <a:pPr lvl="0" indent="-293370">
@@ -27383,32 +26418,17 @@
                 <a:cs typeface="Aptos"/>
                 <a:sym typeface="Aptos"/>
               </a:rPr>
-              <a:t>          </a:t>
-            </a:r>
-            <a:r>
-              <a:rPr lang="en-US" altLang="zh-TW" sz="900" dirty="0" err="1">
-                <a:solidFill>
-                  <a:srgbClr val="0F4761"/>
-                </a:solidFill>
-                <a:latin typeface="Aptos"/>
-                <a:ea typeface="Aptos"/>
-                <a:cs typeface="Aptos"/>
-                <a:sym typeface="Aptos"/>
-              </a:rPr>
-              <a:t>folderCopyOperation</a:t>
-            </a:r>
-            <a:r>
-              <a:rPr lang="en-US" altLang="zh-TW" sz="900" dirty="0">
-                <a:solidFill>
-                  <a:srgbClr val="0F4761"/>
-                </a:solidFill>
-                <a:latin typeface="Aptos"/>
-                <a:ea typeface="Aptos"/>
-                <a:cs typeface="Aptos"/>
-                <a:sym typeface="Aptos"/>
-              </a:rPr>
-              <a:t>(</a:t>
-            </a:r>
+              <a:t>  stages {</a:t>
+            </a:r>
+            <a:endParaRPr lang="en-US" altLang="zh-TW" sz="900" dirty="0">
+              <a:solidFill>
+                <a:srgbClr val="0F4761"/>
+              </a:solidFill>
+              <a:latin typeface="Aptos"/>
+              <a:ea typeface="Aptos"/>
+              <a:cs typeface="Aptos"/>
+              <a:sym typeface="Aptos"/>
+            </a:endParaRPr>
           </a:p>
           <a:p>
             <a:pPr lvl="0" indent="-293370">
@@ -27428,68 +26448,17 @@
                 <a:cs typeface="Aptos"/>
                 <a:sym typeface="Aptos"/>
               </a:rPr>
-              <a:t>            </a:t>
-            </a:r>
-            <a:r>
-              <a:rPr lang="en-US" altLang="zh-TW" sz="900" dirty="0" err="1">
-                <a:solidFill>
-                  <a:srgbClr val="0F4761"/>
-                </a:solidFill>
-                <a:latin typeface="Aptos"/>
-                <a:ea typeface="Aptos"/>
-                <a:cs typeface="Aptos"/>
-                <a:sym typeface="Aptos"/>
-              </a:rPr>
-              <a:t>sourceFolderPath</a:t>
-            </a:r>
-            <a:r>
-              <a:rPr lang="en-US" altLang="zh-TW" sz="900" dirty="0">
-                <a:solidFill>
-                  <a:srgbClr val="0F4761"/>
-                </a:solidFill>
-                <a:latin typeface="Aptos"/>
-                <a:ea typeface="Aptos"/>
-                <a:cs typeface="Aptos"/>
-                <a:sym typeface="Aptos"/>
-              </a:rPr>
-              <a:t>: '.',          // </a:t>
-            </a:r>
-            <a:r>
-              <a:rPr lang="zh-TW" altLang="en-US" sz="900" dirty="0">
-                <a:solidFill>
-                  <a:srgbClr val="0F4761"/>
-                </a:solidFill>
-                <a:latin typeface="Aptos"/>
-                <a:ea typeface="Aptos"/>
-                <a:cs typeface="Aptos"/>
-                <a:sym typeface="Aptos"/>
-              </a:rPr>
-              <a:t>以 </a:t>
-            </a:r>
-            <a:r>
-              <a:rPr lang="en-US" altLang="zh-TW" sz="900" dirty="0">
-                <a:solidFill>
-                  <a:srgbClr val="0F4761"/>
-                </a:solidFill>
-                <a:latin typeface="Aptos"/>
-                <a:ea typeface="Aptos"/>
-                <a:cs typeface="Aptos"/>
-                <a:sym typeface="Aptos"/>
-              </a:rPr>
-              <a:t>workspace </a:t>
-            </a:r>
-            <a:r>
-              <a:rPr lang="zh-TW" altLang="en-US" sz="900" dirty="0">
-                <a:solidFill>
-                  <a:srgbClr val="0F4761"/>
-                </a:solidFill>
-                <a:latin typeface="Aptos"/>
-                <a:ea typeface="Aptos"/>
-                <a:cs typeface="Aptos"/>
-                <a:sym typeface="Aptos"/>
-              </a:rPr>
-              <a:t>為相對路徑</a:t>
-            </a:r>
+              <a:t>     stage('start') {</a:t>
+            </a:r>
+            <a:endParaRPr lang="en-US" altLang="zh-TW" sz="900" dirty="0">
+              <a:solidFill>
+                <a:srgbClr val="0F4761"/>
+              </a:solidFill>
+              <a:latin typeface="Aptos"/>
+              <a:ea typeface="Aptos"/>
+              <a:cs typeface="Aptos"/>
+              <a:sym typeface="Aptos"/>
+            </a:endParaRPr>
           </a:p>
           <a:p>
             <a:pPr lvl="0" indent="-293370">
@@ -27500,7 +26469,7 @@
               <a:buChar char="●"/>
             </a:pPr>
             <a:r>
-              <a:rPr lang="zh-TW" altLang="en-US" sz="900" dirty="0">
+              <a:rPr lang="en-US" altLang="zh-TW" sz="900" dirty="0">
                 <a:solidFill>
                   <a:srgbClr val="0F4761"/>
                 </a:solidFill>
@@ -27509,68 +26478,17 @@
                 <a:cs typeface="Aptos"/>
                 <a:sym typeface="Aptos"/>
               </a:rPr>
-              <a:t>            </a:t>
-            </a:r>
-            <a:r>
-              <a:rPr lang="en-US" altLang="zh-TW" sz="900" dirty="0" err="1">
-                <a:solidFill>
-                  <a:srgbClr val="0F4761"/>
-                </a:solidFill>
-                <a:latin typeface="Aptos"/>
-                <a:ea typeface="Aptos"/>
-                <a:cs typeface="Aptos"/>
-                <a:sym typeface="Aptos"/>
-              </a:rPr>
-              <a:t>destinationFolderPath</a:t>
-            </a:r>
-            <a:r>
-              <a:rPr lang="en-US" altLang="zh-TW" sz="900" dirty="0">
-                <a:solidFill>
-                  <a:srgbClr val="0F4761"/>
-                </a:solidFill>
-                <a:latin typeface="Aptos"/>
-                <a:ea typeface="Aptos"/>
-                <a:cs typeface="Aptos"/>
-                <a:sym typeface="Aptos"/>
-              </a:rPr>
-              <a:t>: 'D:/site'// Windows </a:t>
-            </a:r>
-            <a:r>
-              <a:rPr lang="zh-TW" altLang="en-US" sz="900" dirty="0">
-                <a:solidFill>
-                  <a:srgbClr val="0F4761"/>
-                </a:solidFill>
-                <a:latin typeface="Aptos"/>
-                <a:ea typeface="Aptos"/>
-                <a:cs typeface="Aptos"/>
-                <a:sym typeface="Aptos"/>
-              </a:rPr>
-              <a:t>用 </a:t>
-            </a:r>
-            <a:r>
-              <a:rPr lang="en-US" altLang="zh-TW" sz="900" dirty="0">
-                <a:solidFill>
-                  <a:srgbClr val="0F4761"/>
-                </a:solidFill>
-                <a:latin typeface="Aptos"/>
-                <a:ea typeface="Aptos"/>
-                <a:cs typeface="Aptos"/>
-                <a:sym typeface="Aptos"/>
-              </a:rPr>
-              <a:t>/ </a:t>
-            </a:r>
-            <a:r>
-              <a:rPr lang="zh-TW" altLang="en-US" sz="900" dirty="0">
-                <a:solidFill>
-                  <a:srgbClr val="0F4761"/>
-                </a:solidFill>
-                <a:latin typeface="Aptos"/>
-                <a:ea typeface="Aptos"/>
-                <a:cs typeface="Aptos"/>
-                <a:sym typeface="Aptos"/>
-              </a:rPr>
-              <a:t>最穩</a:t>
-            </a:r>
+              <a:t>      steps {</a:t>
+            </a:r>
+            <a:endParaRPr lang="en-US" altLang="zh-TW" sz="900" dirty="0">
+              <a:solidFill>
+                <a:srgbClr val="0F4761"/>
+              </a:solidFill>
+              <a:latin typeface="Aptos"/>
+              <a:ea typeface="Aptos"/>
+              <a:cs typeface="Aptos"/>
+              <a:sym typeface="Aptos"/>
+            </a:endParaRPr>
           </a:p>
           <a:p>
             <a:pPr lvl="0" indent="-293370">
@@ -27581,7 +26499,7 @@
               <a:buChar char="●"/>
             </a:pPr>
             <a:r>
-              <a:rPr lang="zh-TW" altLang="en-US" sz="900" dirty="0">
+              <a:rPr lang="en-US" altLang="zh-TW" sz="900" dirty="0">
                 <a:solidFill>
                   <a:srgbClr val="0F4761"/>
                 </a:solidFill>
@@ -27590,10 +26508,10 @@
                 <a:cs typeface="Aptos"/>
                 <a:sym typeface="Aptos"/>
               </a:rPr>
-              <a:t>          </a:t>
-            </a:r>
-            <a:r>
-              <a:rPr lang="en-US" altLang="zh-TW" sz="900" dirty="0">
+              <a:t>         echo "</a:t>
+            </a:r>
+            <a:r>
+              <a:rPr lang="zh-TW" altLang="en-US" sz="900" dirty="0">
                 <a:solidFill>
                   <a:srgbClr val="0F4761"/>
                 </a:solidFill>
@@ -27602,8 +26520,29 @@
                 <a:cs typeface="Aptos"/>
                 <a:sym typeface="Aptos"/>
               </a:rPr>
-              <a:t>)</a:t>
-            </a:r>
+              <a:t>開始部屬</a:t>
+            </a:r>
+            <a:r>
+              <a:rPr lang="en-US" altLang="zh-TW" sz="900" dirty="0">
+                <a:solidFill>
+                  <a:srgbClr val="0F4761"/>
+                </a:solidFill>
+                <a:latin typeface="Aptos"/>
+                <a:ea typeface="Aptos"/>
+                <a:cs typeface="Aptos"/>
+                <a:sym typeface="Aptos"/>
+              </a:rPr>
+              <a:t>"</a:t>
+            </a:r>
+            <a:endParaRPr lang="en-US" altLang="zh-TW" sz="900" dirty="0">
+              <a:solidFill>
+                <a:srgbClr val="0F4761"/>
+              </a:solidFill>
+              <a:latin typeface="Aptos"/>
+              <a:ea typeface="Aptos"/>
+              <a:cs typeface="Aptos"/>
+              <a:sym typeface="Aptos"/>
+            </a:endParaRPr>
           </a:p>
           <a:p>
             <a:pPr lvl="0" indent="-293370">
@@ -27623,8 +26562,17 @@
                 <a:cs typeface="Aptos"/>
                 <a:sym typeface="Aptos"/>
               </a:rPr>
-              <a:t>        ])</a:t>
-            </a:r>
+              <a:t>      }</a:t>
+            </a:r>
+            <a:endParaRPr lang="en-US" altLang="zh-TW" sz="900" dirty="0">
+              <a:solidFill>
+                <a:srgbClr val="0F4761"/>
+              </a:solidFill>
+              <a:latin typeface="Aptos"/>
+              <a:ea typeface="Aptos"/>
+              <a:cs typeface="Aptos"/>
+              <a:sym typeface="Aptos"/>
+            </a:endParaRPr>
           </a:p>
           <a:p>
             <a:pPr lvl="0" indent="-293370">
@@ -27644,8 +26592,17 @@
                 <a:cs typeface="Aptos"/>
                 <a:sym typeface="Aptos"/>
               </a:rPr>
-              <a:t>      }</a:t>
-            </a:r>
+              <a:t>    }</a:t>
+            </a:r>
+            <a:endParaRPr lang="en-US" altLang="zh-TW" sz="900" dirty="0">
+              <a:solidFill>
+                <a:srgbClr val="0F4761"/>
+              </a:solidFill>
+              <a:latin typeface="Aptos"/>
+              <a:ea typeface="Aptos"/>
+              <a:cs typeface="Aptos"/>
+              <a:sym typeface="Aptos"/>
+            </a:endParaRPr>
           </a:p>
           <a:p>
             <a:pPr lvl="0" indent="-293370">
@@ -27665,8 +26622,17 @@
                 <a:cs typeface="Aptos"/>
                 <a:sym typeface="Aptos"/>
               </a:rPr>
-              <a:t>    }</a:t>
-            </a:r>
+              <a:t>    </a:t>
+            </a:r>
+            <a:endParaRPr lang="en-US" altLang="zh-TW" sz="900" dirty="0">
+              <a:solidFill>
+                <a:srgbClr val="0F4761"/>
+              </a:solidFill>
+              <a:latin typeface="Aptos"/>
+              <a:ea typeface="Aptos"/>
+              <a:cs typeface="Aptos"/>
+              <a:sym typeface="Aptos"/>
+            </a:endParaRPr>
           </a:p>
           <a:p>
             <a:pPr lvl="0" indent="-293370">
@@ -27686,8 +26652,53 @@
                 <a:cs typeface="Aptos"/>
                 <a:sym typeface="Aptos"/>
               </a:rPr>
-              <a:t>  }</a:t>
-            </a:r>
+              <a:t>    stage('</a:t>
+            </a:r>
+            <a:r>
+              <a:rPr lang="zh-TW" altLang="en-US" sz="900" dirty="0">
+                <a:solidFill>
+                  <a:srgbClr val="0F4761"/>
+                </a:solidFill>
+                <a:latin typeface="Aptos"/>
+                <a:ea typeface="Aptos"/>
+                <a:cs typeface="Aptos"/>
+                <a:sym typeface="Aptos"/>
+              </a:rPr>
+              <a:t>抓取</a:t>
+            </a:r>
+            <a:r>
+              <a:rPr lang="en-US" altLang="zh-TW" sz="900" dirty="0" err="1">
+                <a:solidFill>
+                  <a:srgbClr val="0F4761"/>
+                </a:solidFill>
+                <a:latin typeface="Aptos"/>
+                <a:ea typeface="Aptos"/>
+                <a:cs typeface="Aptos"/>
+                <a:sym typeface="Aptos"/>
+              </a:rPr>
+              <a:t>git</a:t>
+            </a:r>
+            <a:r>
+              <a:rPr lang="en-US" altLang="zh-TW" sz="900" dirty="0">
+                <a:solidFill>
+                  <a:srgbClr val="0F4761"/>
+                </a:solidFill>
+                <a:latin typeface="Aptos"/>
+                <a:ea typeface="Aptos"/>
+                <a:cs typeface="Aptos"/>
+                <a:sym typeface="Aptos"/>
+              </a:rPr>
+              <a:t>') {</a:t>
+            </a:r>
+            <a:endParaRPr lang="en-US" altLang="zh-TW" sz="900" dirty="0">
+              <a:solidFill>
+                <a:srgbClr val="0F4761"/>
+              </a:solidFill>
+              <a:latin typeface="Aptos"/>
+              <a:ea typeface="Aptos"/>
+              <a:cs typeface="Aptos"/>
+              <a:sym typeface="Aptos"/>
+            </a:endParaRPr>
           </a:p>
           <a:p>
             <a:pPr lvl="0" indent="-293370">
@@ -27707,8 +26718,17 @@
                 <a:cs typeface="Aptos"/>
                 <a:sym typeface="Aptos"/>
               </a:rPr>
-              <a:t>  post {</a:t>
-            </a:r>
+              <a:t>      steps {</a:t>
+            </a:r>
+            <a:endParaRPr lang="en-US" altLang="zh-TW" sz="900" dirty="0">
+              <a:solidFill>
+                <a:srgbClr val="0F4761"/>
+              </a:solidFill>
+              <a:latin typeface="Aptos"/>
+              <a:ea typeface="Aptos"/>
+              <a:cs typeface="Aptos"/>
+              <a:sym typeface="Aptos"/>
+            </a:endParaRPr>
           </a:p>
           <a:p>
             <a:pPr lvl="0" indent="-293370">
@@ -27728,10 +26748,10 @@
                 <a:cs typeface="Aptos"/>
                 <a:sym typeface="Aptos"/>
               </a:rPr>
-              <a:t>    success { echo '✅ </a:t>
-            </a:r>
-            <a:r>
-              <a:rPr lang="zh-TW" altLang="en-US" sz="900" dirty="0">
+              <a:t>        </a:t>
+            </a:r>
+            <a:r>
+              <a:rPr lang="en-US" altLang="zh-TW" sz="900" dirty="0" err="1">
                 <a:solidFill>
                   <a:srgbClr val="0F4761"/>
                 </a:solidFill>
@@ -27740,7 +26760,7 @@
                 <a:cs typeface="Aptos"/>
                 <a:sym typeface="Aptos"/>
               </a:rPr>
-              <a:t>專案已成功複製到 </a:t>
+              <a:t>git</a:t>
             </a:r>
             <a:r>
               <a:rPr lang="en-US" altLang="zh-TW" sz="900" dirty="0">
@@ -27752,8 +26772,17 @@
                 <a:cs typeface="Aptos"/>
                 <a:sym typeface="Aptos"/>
               </a:rPr>
-              <a:t>D:\\site' }</a:t>
-            </a:r>
+              <a:t> branch: 'main',</a:t>
+            </a:r>
+            <a:endParaRPr lang="en-US" altLang="zh-TW" sz="900" dirty="0">
+              <a:solidFill>
+                <a:srgbClr val="0F4761"/>
+              </a:solidFill>
+              <a:latin typeface="Aptos"/>
+              <a:ea typeface="Aptos"/>
+              <a:cs typeface="Aptos"/>
+              <a:sym typeface="Aptos"/>
+            </a:endParaRPr>
           </a:p>
           <a:p>
             <a:pPr lvl="0" indent="-293370">
@@ -27773,10 +26802,10 @@
                 <a:cs typeface="Aptos"/>
                 <a:sym typeface="Aptos"/>
               </a:rPr>
-              <a:t>    failure { echo '❌ </a:t>
-            </a:r>
-            <a:r>
-              <a:rPr lang="zh-TW" altLang="en-US" sz="900" dirty="0">
+              <a:t>            </a:t>
+            </a:r>
+            <a:r>
+              <a:rPr lang="en-US" altLang="zh-TW" sz="900" dirty="0" err="1">
                 <a:solidFill>
                   <a:srgbClr val="0F4761"/>
                 </a:solidFill>
@@ -27785,7 +26814,7 @@
                 <a:cs typeface="Aptos"/>
                 <a:sym typeface="Aptos"/>
               </a:rPr>
-              <a:t>發生錯誤，請檢查 </a:t>
+              <a:t>credentialsId</a:t>
             </a:r>
             <a:r>
               <a:rPr lang="en-US" altLang="zh-TW" sz="900" dirty="0">
@@ -27797,8 +26826,41 @@
                 <a:cs typeface="Aptos"/>
                 <a:sym typeface="Aptos"/>
               </a:rPr>
-              <a:t>Jenkins Log' }</a:t>
-            </a:r>
+              <a:t>: '</a:t>
+            </a:r>
+            <a:r>
+              <a:rPr lang="en-US" altLang="zh-TW" sz="900" dirty="0" err="1">
+                <a:solidFill>
+                  <a:srgbClr val="0F4761"/>
+                </a:solidFill>
+                <a:latin typeface="Aptos"/>
+                <a:ea typeface="Aptos"/>
+                <a:cs typeface="Aptos"/>
+                <a:sym typeface="Aptos"/>
+              </a:rPr>
+              <a:t>githubuser</a:t>
+            </a:r>
+            <a:r>
+              <a:rPr lang="en-US" altLang="zh-TW" sz="900" dirty="0">
+                <a:solidFill>
+                  <a:srgbClr val="0F4761"/>
+                </a:solidFill>
+                <a:latin typeface="Aptos"/>
+                <a:ea typeface="Aptos"/>
+                <a:cs typeface="Aptos"/>
+                <a:sym typeface="Aptos"/>
+              </a:rPr>
+              <a:t>',</a:t>
+            </a:r>
+            <a:endParaRPr lang="en-US" altLang="zh-TW" sz="900" dirty="0">
+              <a:solidFill>
+                <a:srgbClr val="0F4761"/>
+              </a:solidFill>
+              <a:latin typeface="Aptos"/>
+              <a:ea typeface="Aptos"/>
+              <a:cs typeface="Aptos"/>
+              <a:sym typeface="Aptos"/>
+            </a:endParaRPr>
           </a:p>
           <a:p>
             <a:pPr lvl="0" indent="-293370">
@@ -27818,8 +26880,65 @@
                 <a:cs typeface="Aptos"/>
                 <a:sym typeface="Aptos"/>
               </a:rPr>
-              <a:t>  }</a:t>
-            </a:r>
+              <a:t>            url: 'https://github.com/</a:t>
+            </a:r>
+            <a:r>
+              <a:rPr lang="en-US" altLang="zh-TW" sz="900" dirty="0" err="1">
+                <a:solidFill>
+                  <a:srgbClr val="0F4761"/>
+                </a:solidFill>
+                <a:latin typeface="Aptos"/>
+                <a:ea typeface="Aptos"/>
+                <a:cs typeface="Aptos"/>
+                <a:sym typeface="Aptos"/>
+              </a:rPr>
+              <a:t>coolyuoo</a:t>
+            </a:r>
+            <a:r>
+              <a:rPr lang="en-US" altLang="zh-TW" sz="900" dirty="0">
+                <a:solidFill>
+                  <a:srgbClr val="0F4761"/>
+                </a:solidFill>
+                <a:latin typeface="Aptos"/>
+                <a:ea typeface="Aptos"/>
+                <a:cs typeface="Aptos"/>
+                <a:sym typeface="Aptos"/>
+              </a:rPr>
+              <a:t>/</a:t>
+            </a:r>
+            <a:r>
+              <a:rPr lang="en-US" altLang="zh-TW" sz="900" dirty="0" err="1">
+                <a:solidFill>
+                  <a:srgbClr val="0F4761"/>
+                </a:solidFill>
+                <a:latin typeface="Aptos"/>
+                <a:ea typeface="Aptos"/>
+                <a:cs typeface="Aptos"/>
+                <a:sym typeface="Aptos"/>
+              </a:rPr>
+              <a:t>ClassHello.git</a:t>
+            </a:r>
+            <a:r>
+              <a:rPr lang="en-US" altLang="zh-TW" sz="900" dirty="0">
+                <a:solidFill>
+                  <a:srgbClr val="0F4761"/>
+                </a:solidFill>
+                <a:latin typeface="Aptos"/>
+                <a:ea typeface="Aptos"/>
+                <a:cs typeface="Aptos"/>
+                <a:sym typeface="Aptos"/>
+              </a:rPr>
+              <a:t>'</a:t>
+            </a:r>
+            <a:endParaRPr lang="en-US" altLang="zh-TW" sz="900" dirty="0">
+              <a:solidFill>
+                <a:srgbClr val="0F4761"/>
+              </a:solidFill>
+              <a:latin typeface="Aptos"/>
+              <a:ea typeface="Aptos"/>
+              <a:cs typeface="Aptos"/>
+              <a:sym typeface="Aptos"/>
+            </a:endParaRPr>
           </a:p>
           <a:p>
             <a:pPr lvl="0" indent="-293370">
@@ -27839,8 +26958,983 @@
                 <a:cs typeface="Aptos"/>
                 <a:sym typeface="Aptos"/>
               </a:rPr>
+              <a:t>      }</a:t>
+            </a:r>
+            <a:endParaRPr lang="en-US" altLang="zh-TW" sz="900" dirty="0">
+              <a:solidFill>
+                <a:srgbClr val="0F4761"/>
+              </a:solidFill>
+              <a:latin typeface="Aptos"/>
+              <a:ea typeface="Aptos"/>
+              <a:cs typeface="Aptos"/>
+              <a:sym typeface="Aptos"/>
+            </a:endParaRPr>
+          </a:p>
+          <a:p>
+            <a:pPr lvl="0" indent="-293370">
+              <a:buClr>
+                <a:schemeClr val="dk1"/>
+              </a:buClr>
+              <a:buSzPct val="86000"/>
+              <a:buChar char="●"/>
+            </a:pPr>
+            <a:r>
+              <a:rPr lang="en-US" altLang="zh-TW" sz="900" dirty="0">
+                <a:solidFill>
+                  <a:srgbClr val="0F4761"/>
+                </a:solidFill>
+                <a:latin typeface="Aptos"/>
+                <a:ea typeface="Aptos"/>
+                <a:cs typeface="Aptos"/>
+                <a:sym typeface="Aptos"/>
+              </a:rPr>
+              <a:t>    }</a:t>
+            </a:r>
+            <a:endParaRPr lang="en-US" altLang="zh-TW" sz="900" dirty="0">
+              <a:solidFill>
+                <a:srgbClr val="0F4761"/>
+              </a:solidFill>
+              <a:latin typeface="Aptos"/>
+              <a:ea typeface="Aptos"/>
+              <a:cs typeface="Aptos"/>
+              <a:sym typeface="Aptos"/>
+            </a:endParaRPr>
+          </a:p>
+          <a:p>
+            <a:pPr lvl="0" indent="-293370">
+              <a:buClr>
+                <a:schemeClr val="dk1"/>
+              </a:buClr>
+              <a:buSzPct val="86000"/>
+              <a:buChar char="●"/>
+            </a:pPr>
+            <a:r>
+              <a:rPr lang="en-US" altLang="zh-TW" sz="900" dirty="0">
+                <a:solidFill>
+                  <a:srgbClr val="0F4761"/>
+                </a:solidFill>
+                <a:latin typeface="Aptos"/>
+                <a:ea typeface="Aptos"/>
+                <a:cs typeface="Aptos"/>
+                <a:sym typeface="Aptos"/>
+              </a:rPr>
+              <a:t>    </a:t>
+            </a:r>
+            <a:endParaRPr lang="en-US" altLang="zh-TW" sz="900" dirty="0">
+              <a:solidFill>
+                <a:srgbClr val="0F4761"/>
+              </a:solidFill>
+              <a:latin typeface="Aptos"/>
+              <a:ea typeface="Aptos"/>
+              <a:cs typeface="Aptos"/>
+              <a:sym typeface="Aptos"/>
+            </a:endParaRPr>
+          </a:p>
+          <a:p>
+            <a:pPr lvl="0" indent="-293370">
+              <a:buClr>
+                <a:schemeClr val="dk1"/>
+              </a:buClr>
+              <a:buSzPct val="86000"/>
+              <a:buChar char="●"/>
+            </a:pPr>
+            <a:r>
+              <a:rPr lang="en-US" altLang="zh-TW" sz="900" dirty="0">
+                <a:solidFill>
+                  <a:srgbClr val="0F4761"/>
+                </a:solidFill>
+                <a:latin typeface="Aptos"/>
+                <a:ea typeface="Aptos"/>
+                <a:cs typeface="Aptos"/>
+                <a:sym typeface="Aptos"/>
+              </a:rPr>
+              <a:t>     stage('</a:t>
+            </a:r>
+            <a:r>
+              <a:rPr lang="zh-TW" altLang="en-US" sz="900" dirty="0">
+                <a:solidFill>
+                  <a:srgbClr val="0F4761"/>
+                </a:solidFill>
+                <a:latin typeface="Aptos"/>
+                <a:ea typeface="Aptos"/>
+                <a:cs typeface="Aptos"/>
+                <a:sym typeface="Aptos"/>
+              </a:rPr>
+              <a:t>複製到正式站</a:t>
+            </a:r>
+            <a:r>
+              <a:rPr lang="en-US" altLang="zh-TW" sz="900" dirty="0">
+                <a:solidFill>
+                  <a:srgbClr val="0F4761"/>
+                </a:solidFill>
+                <a:latin typeface="Aptos"/>
+                <a:ea typeface="Aptos"/>
+                <a:cs typeface="Aptos"/>
+                <a:sym typeface="Aptos"/>
+              </a:rPr>
+              <a:t>') {</a:t>
+            </a:r>
+            <a:endParaRPr lang="en-US" altLang="zh-TW" sz="900" dirty="0">
+              <a:solidFill>
+                <a:srgbClr val="0F4761"/>
+              </a:solidFill>
+              <a:latin typeface="Aptos"/>
+              <a:ea typeface="Aptos"/>
+              <a:cs typeface="Aptos"/>
+              <a:sym typeface="Aptos"/>
+            </a:endParaRPr>
+          </a:p>
+          <a:p>
+            <a:pPr lvl="0" indent="-293370">
+              <a:buClr>
+                <a:schemeClr val="dk1"/>
+              </a:buClr>
+              <a:buSzPct val="86000"/>
+              <a:buChar char="●"/>
+            </a:pPr>
+            <a:r>
+              <a:rPr lang="en-US" altLang="zh-TW" sz="900" dirty="0">
+                <a:solidFill>
+                  <a:srgbClr val="0F4761"/>
+                </a:solidFill>
+                <a:latin typeface="Aptos"/>
+                <a:ea typeface="Aptos"/>
+                <a:cs typeface="Aptos"/>
+                <a:sym typeface="Aptos"/>
+              </a:rPr>
+              <a:t>      steps {</a:t>
+            </a:r>
+            <a:endParaRPr lang="en-US" altLang="zh-TW" sz="900" dirty="0">
+              <a:solidFill>
+                <a:srgbClr val="0F4761"/>
+              </a:solidFill>
+              <a:latin typeface="Aptos"/>
+              <a:ea typeface="Aptos"/>
+              <a:cs typeface="Aptos"/>
+              <a:sym typeface="Aptos"/>
+            </a:endParaRPr>
+          </a:p>
+          <a:p>
+            <a:pPr lvl="0" indent="-293370">
+              <a:buClr>
+                <a:schemeClr val="dk1"/>
+              </a:buClr>
+              <a:buSzPct val="86000"/>
+              <a:buChar char="●"/>
+            </a:pPr>
+            <a:r>
+              <a:rPr lang="en-US" altLang="zh-TW" sz="900" dirty="0">
+                <a:solidFill>
+                  <a:srgbClr val="0F4761"/>
+                </a:solidFill>
+                <a:latin typeface="Aptos"/>
+                <a:ea typeface="Aptos"/>
+                <a:cs typeface="Aptos"/>
+                <a:sym typeface="Aptos"/>
+              </a:rPr>
+              <a:t>        // </a:t>
+            </a:r>
+            <a:r>
+              <a:rPr lang="zh-TW" altLang="en-US" sz="900" dirty="0">
+                <a:solidFill>
+                  <a:srgbClr val="0F4761"/>
+                </a:solidFill>
+                <a:latin typeface="Aptos"/>
+                <a:ea typeface="Aptos"/>
+                <a:cs typeface="Aptos"/>
+                <a:sym typeface="Aptos"/>
+              </a:rPr>
+              <a:t>先確保目的地存在（可選）</a:t>
+            </a:r>
+            <a:endParaRPr lang="zh-TW" altLang="en-US" sz="900" dirty="0">
+              <a:solidFill>
+                <a:srgbClr val="0F4761"/>
+              </a:solidFill>
+              <a:latin typeface="Aptos"/>
+              <a:ea typeface="Aptos"/>
+              <a:cs typeface="Aptos"/>
+              <a:sym typeface="Aptos"/>
+            </a:endParaRPr>
+          </a:p>
+          <a:p>
+            <a:pPr lvl="0" indent="-293370">
+              <a:buClr>
+                <a:schemeClr val="dk1"/>
+              </a:buClr>
+              <a:buSzPct val="86000"/>
+              <a:buChar char="●"/>
+            </a:pPr>
+            <a:r>
+              <a:rPr lang="zh-TW" altLang="en-US" sz="900" dirty="0">
+                <a:solidFill>
+                  <a:srgbClr val="0F4761"/>
+                </a:solidFill>
+                <a:latin typeface="Aptos"/>
+                <a:ea typeface="Aptos"/>
+                <a:cs typeface="Aptos"/>
+                <a:sym typeface="Aptos"/>
+              </a:rPr>
+              <a:t>        </a:t>
+            </a:r>
+            <a:r>
+              <a:rPr lang="en-US" altLang="zh-TW" sz="900" dirty="0">
+                <a:solidFill>
+                  <a:srgbClr val="0F4761"/>
+                </a:solidFill>
+                <a:latin typeface="Aptos"/>
+                <a:ea typeface="Aptos"/>
+                <a:cs typeface="Aptos"/>
+                <a:sym typeface="Aptos"/>
+              </a:rPr>
+              <a:t>bat '</a:t>
+            </a:r>
+            <a:r>
+              <a:rPr lang="en-US" altLang="zh-TW" sz="900" dirty="0" err="1">
+                <a:solidFill>
+                  <a:srgbClr val="0F4761"/>
+                </a:solidFill>
+                <a:latin typeface="Aptos"/>
+                <a:ea typeface="Aptos"/>
+                <a:cs typeface="Aptos"/>
+                <a:sym typeface="Aptos"/>
+              </a:rPr>
+              <a:t>mkdir</a:t>
+            </a:r>
+            <a:r>
+              <a:rPr lang="en-US" altLang="zh-TW" sz="900" dirty="0">
+                <a:solidFill>
+                  <a:srgbClr val="0F4761"/>
+                </a:solidFill>
+                <a:latin typeface="Aptos"/>
+                <a:ea typeface="Aptos"/>
+                <a:cs typeface="Aptos"/>
+                <a:sym typeface="Aptos"/>
+              </a:rPr>
+              <a:t> D:\\site 2&gt;NUL || </a:t>
+            </a:r>
+            <a:r>
+              <a:rPr lang="en-US" altLang="zh-TW" sz="900" dirty="0" err="1">
+                <a:solidFill>
+                  <a:srgbClr val="0F4761"/>
+                </a:solidFill>
+                <a:latin typeface="Aptos"/>
+                <a:ea typeface="Aptos"/>
+                <a:cs typeface="Aptos"/>
+                <a:sym typeface="Aptos"/>
+              </a:rPr>
+              <a:t>ver</a:t>
+            </a:r>
+            <a:r>
+              <a:rPr lang="en-US" altLang="zh-TW" sz="900" dirty="0">
+                <a:solidFill>
+                  <a:srgbClr val="0F4761"/>
+                </a:solidFill>
+                <a:latin typeface="Aptos"/>
+                <a:ea typeface="Aptos"/>
+                <a:cs typeface="Aptos"/>
+                <a:sym typeface="Aptos"/>
+              </a:rPr>
+              <a:t> &gt;NUL'</a:t>
+            </a:r>
+            <a:endParaRPr lang="en-US" altLang="zh-TW" sz="900" dirty="0">
+              <a:solidFill>
+                <a:srgbClr val="0F4761"/>
+              </a:solidFill>
+              <a:latin typeface="Aptos"/>
+              <a:ea typeface="Aptos"/>
+              <a:cs typeface="Aptos"/>
+              <a:sym typeface="Aptos"/>
+            </a:endParaRPr>
+          </a:p>
+          <a:p>
+            <a:pPr lvl="0" indent="-293370">
+              <a:buClr>
+                <a:schemeClr val="dk1"/>
+              </a:buClr>
+              <a:buSzPct val="86000"/>
+              <a:buChar char="●"/>
+            </a:pPr>
+            <a:endParaRPr lang="en-US" altLang="zh-TW" sz="900" dirty="0">
+              <a:solidFill>
+                <a:srgbClr val="0F4761"/>
+              </a:solidFill>
+              <a:latin typeface="Aptos"/>
+              <a:ea typeface="Aptos"/>
+              <a:cs typeface="Aptos"/>
+              <a:sym typeface="Aptos"/>
+            </a:endParaRPr>
+          </a:p>
+          <a:p>
+            <a:pPr lvl="0" indent="-293370">
+              <a:buClr>
+                <a:schemeClr val="dk1"/>
+              </a:buClr>
+              <a:buSzPct val="86000"/>
+              <a:buChar char="●"/>
+            </a:pPr>
+            <a:r>
+              <a:rPr lang="en-US" altLang="zh-TW" sz="900" dirty="0">
+                <a:solidFill>
+                  <a:srgbClr val="0F4761"/>
+                </a:solidFill>
+                <a:latin typeface="Aptos"/>
+                <a:ea typeface="Aptos"/>
+                <a:cs typeface="Aptos"/>
+                <a:sym typeface="Aptos"/>
+              </a:rPr>
+              <a:t>        </a:t>
+            </a:r>
+            <a:r>
+              <a:rPr lang="en-US" altLang="zh-TW" sz="900" dirty="0" err="1">
+                <a:solidFill>
+                  <a:srgbClr val="0F4761"/>
+                </a:solidFill>
+                <a:latin typeface="Aptos"/>
+                <a:ea typeface="Aptos"/>
+                <a:cs typeface="Aptos"/>
+                <a:sym typeface="Aptos"/>
+              </a:rPr>
+              <a:t>fileOperations</a:t>
+            </a:r>
+            <a:r>
+              <a:rPr lang="en-US" altLang="zh-TW" sz="900" dirty="0">
+                <a:solidFill>
+                  <a:srgbClr val="0F4761"/>
+                </a:solidFill>
+                <a:latin typeface="Aptos"/>
+                <a:ea typeface="Aptos"/>
+                <a:cs typeface="Aptos"/>
+                <a:sym typeface="Aptos"/>
+              </a:rPr>
+              <a:t>([</a:t>
+            </a:r>
+            <a:endParaRPr lang="en-US" altLang="zh-TW" sz="900" dirty="0">
+              <a:solidFill>
+                <a:srgbClr val="0F4761"/>
+              </a:solidFill>
+              <a:latin typeface="Aptos"/>
+              <a:ea typeface="Aptos"/>
+              <a:cs typeface="Aptos"/>
+              <a:sym typeface="Aptos"/>
+            </a:endParaRPr>
+          </a:p>
+          <a:p>
+            <a:pPr lvl="0" indent="-293370">
+              <a:buClr>
+                <a:schemeClr val="dk1"/>
+              </a:buClr>
+              <a:buSzPct val="86000"/>
+              <a:buChar char="●"/>
+            </a:pPr>
+            <a:r>
+              <a:rPr lang="en-US" altLang="zh-TW" sz="900" dirty="0">
+                <a:solidFill>
+                  <a:srgbClr val="0F4761"/>
+                </a:solidFill>
+                <a:latin typeface="Aptos"/>
+                <a:ea typeface="Aptos"/>
+                <a:cs typeface="Aptos"/>
+                <a:sym typeface="Aptos"/>
+              </a:rPr>
+              <a:t>          </a:t>
+            </a:r>
+            <a:r>
+              <a:rPr lang="en-US" altLang="zh-TW" sz="900" dirty="0" err="1">
+                <a:solidFill>
+                  <a:srgbClr val="0F4761"/>
+                </a:solidFill>
+                <a:latin typeface="Aptos"/>
+                <a:ea typeface="Aptos"/>
+                <a:cs typeface="Aptos"/>
+                <a:sym typeface="Aptos"/>
+              </a:rPr>
+              <a:t>folderCopyOperation</a:t>
+            </a:r>
+            <a:r>
+              <a:rPr lang="en-US" altLang="zh-TW" sz="900" dirty="0">
+                <a:solidFill>
+                  <a:srgbClr val="0F4761"/>
+                </a:solidFill>
+                <a:latin typeface="Aptos"/>
+                <a:ea typeface="Aptos"/>
+                <a:cs typeface="Aptos"/>
+                <a:sym typeface="Aptos"/>
+              </a:rPr>
+              <a:t>(</a:t>
+            </a:r>
+            <a:endParaRPr lang="en-US" altLang="zh-TW" sz="900" dirty="0">
+              <a:solidFill>
+                <a:srgbClr val="0F4761"/>
+              </a:solidFill>
+              <a:latin typeface="Aptos"/>
+              <a:ea typeface="Aptos"/>
+              <a:cs typeface="Aptos"/>
+              <a:sym typeface="Aptos"/>
+            </a:endParaRPr>
+          </a:p>
+          <a:p>
+            <a:pPr lvl="0" indent="-293370">
+              <a:buClr>
+                <a:schemeClr val="dk1"/>
+              </a:buClr>
+              <a:buSzPct val="86000"/>
+              <a:buChar char="●"/>
+            </a:pPr>
+            <a:r>
+              <a:rPr lang="en-US" altLang="zh-TW" sz="900" dirty="0">
+                <a:solidFill>
+                  <a:srgbClr val="0F4761"/>
+                </a:solidFill>
+                <a:latin typeface="Aptos"/>
+                <a:ea typeface="Aptos"/>
+                <a:cs typeface="Aptos"/>
+                <a:sym typeface="Aptos"/>
+              </a:rPr>
+              <a:t>            </a:t>
+            </a:r>
+            <a:r>
+              <a:rPr lang="en-US" altLang="zh-TW" sz="900" dirty="0" err="1">
+                <a:solidFill>
+                  <a:srgbClr val="0F4761"/>
+                </a:solidFill>
+                <a:latin typeface="Aptos"/>
+                <a:ea typeface="Aptos"/>
+                <a:cs typeface="Aptos"/>
+                <a:sym typeface="Aptos"/>
+              </a:rPr>
+              <a:t>sourceFolderPath</a:t>
+            </a:r>
+            <a:r>
+              <a:rPr lang="en-US" altLang="zh-TW" sz="900" dirty="0">
+                <a:solidFill>
+                  <a:srgbClr val="0F4761"/>
+                </a:solidFill>
+                <a:latin typeface="Aptos"/>
+                <a:ea typeface="Aptos"/>
+                <a:cs typeface="Aptos"/>
+                <a:sym typeface="Aptos"/>
+              </a:rPr>
+              <a:t>: '.',          // </a:t>
+            </a:r>
+            <a:r>
+              <a:rPr lang="zh-TW" altLang="en-US" sz="900" dirty="0">
+                <a:solidFill>
+                  <a:srgbClr val="0F4761"/>
+                </a:solidFill>
+                <a:latin typeface="Aptos"/>
+                <a:ea typeface="Aptos"/>
+                <a:cs typeface="Aptos"/>
+                <a:sym typeface="Aptos"/>
+              </a:rPr>
+              <a:t>以 </a:t>
+            </a:r>
+            <a:r>
+              <a:rPr lang="en-US" altLang="zh-TW" sz="900" dirty="0">
+                <a:solidFill>
+                  <a:srgbClr val="0F4761"/>
+                </a:solidFill>
+                <a:latin typeface="Aptos"/>
+                <a:ea typeface="Aptos"/>
+                <a:cs typeface="Aptos"/>
+                <a:sym typeface="Aptos"/>
+              </a:rPr>
+              <a:t>workspace </a:t>
+            </a:r>
+            <a:r>
+              <a:rPr lang="zh-TW" altLang="en-US" sz="900" dirty="0">
+                <a:solidFill>
+                  <a:srgbClr val="0F4761"/>
+                </a:solidFill>
+                <a:latin typeface="Aptos"/>
+                <a:ea typeface="Aptos"/>
+                <a:cs typeface="Aptos"/>
+                <a:sym typeface="Aptos"/>
+              </a:rPr>
+              <a:t>為相對路徑</a:t>
+            </a:r>
+            <a:endParaRPr lang="zh-TW" altLang="en-US" sz="900" dirty="0">
+              <a:solidFill>
+                <a:srgbClr val="0F4761"/>
+              </a:solidFill>
+              <a:latin typeface="Aptos"/>
+              <a:ea typeface="Aptos"/>
+              <a:cs typeface="Aptos"/>
+              <a:sym typeface="Aptos"/>
+            </a:endParaRPr>
+          </a:p>
+          <a:p>
+            <a:pPr lvl="0" indent="-293370">
+              <a:buClr>
+                <a:schemeClr val="dk1"/>
+              </a:buClr>
+              <a:buSzPct val="86000"/>
+              <a:buChar char="●"/>
+            </a:pPr>
+            <a:r>
+              <a:rPr lang="zh-TW" altLang="en-US" sz="900" dirty="0">
+                <a:solidFill>
+                  <a:srgbClr val="0F4761"/>
+                </a:solidFill>
+                <a:latin typeface="Aptos"/>
+                <a:ea typeface="Aptos"/>
+                <a:cs typeface="Aptos"/>
+                <a:sym typeface="Aptos"/>
+              </a:rPr>
+              <a:t>            </a:t>
+            </a:r>
+            <a:r>
+              <a:rPr lang="en-US" altLang="zh-TW" sz="900" dirty="0" err="1">
+                <a:solidFill>
+                  <a:srgbClr val="0F4761"/>
+                </a:solidFill>
+                <a:latin typeface="Aptos"/>
+                <a:ea typeface="Aptos"/>
+                <a:cs typeface="Aptos"/>
+                <a:sym typeface="Aptos"/>
+              </a:rPr>
+              <a:t>destinationFolderPath</a:t>
+            </a:r>
+            <a:r>
+              <a:rPr lang="en-US" altLang="zh-TW" sz="900" dirty="0">
+                <a:solidFill>
+                  <a:srgbClr val="0F4761"/>
+                </a:solidFill>
+                <a:latin typeface="Aptos"/>
+                <a:ea typeface="Aptos"/>
+                <a:cs typeface="Aptos"/>
+                <a:sym typeface="Aptos"/>
+              </a:rPr>
+              <a:t>: 'D:/</a:t>
+            </a:r>
+            <a:r>
+              <a:rPr lang="en-US" altLang="zh-TW" sz="900" dirty="0" err="1">
+                <a:solidFill>
+                  <a:schemeClr val="dk1"/>
+                </a:solidFill>
+                <a:latin typeface="Arial" panose="020B0604020202020204"/>
+                <a:ea typeface="Arial" panose="020B0604020202020204"/>
+                <a:cs typeface="Arial" panose="020B0604020202020204"/>
+                <a:sym typeface="Arial" panose="020B0604020202020204"/>
+              </a:rPr>
+              <a:t>OfficialWebsite</a:t>
+            </a:r>
+            <a:r>
+              <a:rPr lang="en-US" altLang="zh-TW" sz="900" dirty="0">
+                <a:solidFill>
+                  <a:srgbClr val="0F4761"/>
+                </a:solidFill>
+                <a:latin typeface="Aptos"/>
+                <a:ea typeface="Aptos"/>
+                <a:cs typeface="Aptos"/>
+                <a:sym typeface="Aptos"/>
+              </a:rPr>
+              <a:t>'// Windows </a:t>
+            </a:r>
+            <a:r>
+              <a:rPr lang="zh-TW" altLang="en-US" sz="900" dirty="0">
+                <a:solidFill>
+                  <a:srgbClr val="0F4761"/>
+                </a:solidFill>
+                <a:latin typeface="Aptos"/>
+                <a:ea typeface="Aptos"/>
+                <a:cs typeface="Aptos"/>
+                <a:sym typeface="Aptos"/>
+              </a:rPr>
+              <a:t>用 </a:t>
+            </a:r>
+            <a:r>
+              <a:rPr lang="en-US" altLang="zh-TW" sz="900" dirty="0">
+                <a:solidFill>
+                  <a:srgbClr val="0F4761"/>
+                </a:solidFill>
+                <a:latin typeface="Aptos"/>
+                <a:ea typeface="Aptos"/>
+                <a:cs typeface="Aptos"/>
+                <a:sym typeface="Aptos"/>
+              </a:rPr>
+              <a:t>/ </a:t>
+            </a:r>
+            <a:r>
+              <a:rPr lang="zh-TW" altLang="en-US" sz="900" dirty="0">
+                <a:solidFill>
+                  <a:srgbClr val="0F4761"/>
+                </a:solidFill>
+                <a:latin typeface="Aptos"/>
+                <a:ea typeface="Aptos"/>
+                <a:cs typeface="Aptos"/>
+                <a:sym typeface="Aptos"/>
+              </a:rPr>
+              <a:t>最穩</a:t>
+            </a:r>
+            <a:endParaRPr lang="zh-TW" altLang="en-US" sz="900" dirty="0">
+              <a:solidFill>
+                <a:srgbClr val="0F4761"/>
+              </a:solidFill>
+              <a:latin typeface="Aptos"/>
+              <a:ea typeface="Aptos"/>
+              <a:cs typeface="Aptos"/>
+              <a:sym typeface="Aptos"/>
+            </a:endParaRPr>
+          </a:p>
+          <a:p>
+            <a:pPr lvl="0" indent="-293370">
+              <a:buClr>
+                <a:schemeClr val="dk1"/>
+              </a:buClr>
+              <a:buSzPct val="86000"/>
+              <a:buChar char="●"/>
+            </a:pPr>
+            <a:r>
+              <a:rPr lang="zh-TW" altLang="en-US" sz="900" dirty="0">
+                <a:solidFill>
+                  <a:srgbClr val="0F4761"/>
+                </a:solidFill>
+                <a:latin typeface="Aptos"/>
+                <a:ea typeface="Aptos"/>
+                <a:cs typeface="Aptos"/>
+                <a:sym typeface="Aptos"/>
+              </a:rPr>
+              <a:t>          </a:t>
+            </a:r>
+            <a:r>
+              <a:rPr lang="en-US" altLang="zh-TW" sz="900" dirty="0">
+                <a:solidFill>
+                  <a:srgbClr val="0F4761"/>
+                </a:solidFill>
+                <a:latin typeface="Aptos"/>
+                <a:ea typeface="Aptos"/>
+                <a:cs typeface="Aptos"/>
+                <a:sym typeface="Aptos"/>
+              </a:rPr>
+              <a:t>)</a:t>
+            </a:r>
+            <a:endParaRPr lang="en-US" altLang="zh-TW" sz="900" dirty="0">
+              <a:solidFill>
+                <a:srgbClr val="0F4761"/>
+              </a:solidFill>
+              <a:latin typeface="Aptos"/>
+              <a:ea typeface="Aptos"/>
+              <a:cs typeface="Aptos"/>
+              <a:sym typeface="Aptos"/>
+            </a:endParaRPr>
+          </a:p>
+          <a:p>
+            <a:pPr lvl="0" indent="-293370">
+              <a:buClr>
+                <a:schemeClr val="dk1"/>
+              </a:buClr>
+              <a:buSzPct val="86000"/>
+              <a:buChar char="●"/>
+            </a:pPr>
+            <a:r>
+              <a:rPr lang="en-US" altLang="zh-TW" sz="900" dirty="0">
+                <a:solidFill>
+                  <a:srgbClr val="0F4761"/>
+                </a:solidFill>
+                <a:latin typeface="Aptos"/>
+                <a:ea typeface="Aptos"/>
+                <a:cs typeface="Aptos"/>
+                <a:sym typeface="Aptos"/>
+              </a:rPr>
+              <a:t>        ])</a:t>
+            </a:r>
+            <a:endParaRPr lang="en-US" altLang="zh-TW" sz="900" dirty="0">
+              <a:solidFill>
+                <a:srgbClr val="0F4761"/>
+              </a:solidFill>
+              <a:latin typeface="Aptos"/>
+              <a:ea typeface="Aptos"/>
+              <a:cs typeface="Aptos"/>
+              <a:sym typeface="Aptos"/>
+            </a:endParaRPr>
+          </a:p>
+          <a:p>
+            <a:pPr lvl="0" indent="-293370">
+              <a:buClr>
+                <a:schemeClr val="dk1"/>
+              </a:buClr>
+              <a:buSzPct val="86000"/>
+              <a:buChar char="●"/>
+            </a:pPr>
+            <a:r>
+              <a:rPr lang="en-US" altLang="zh-TW" sz="900" dirty="0">
+                <a:solidFill>
+                  <a:srgbClr val="0F4761"/>
+                </a:solidFill>
+                <a:latin typeface="Aptos"/>
+                <a:ea typeface="Aptos"/>
+                <a:cs typeface="Aptos"/>
+                <a:sym typeface="Aptos"/>
+              </a:rPr>
+              <a:t>      }</a:t>
+            </a:r>
+            <a:endParaRPr lang="en-US" altLang="zh-TW" sz="900" dirty="0">
+              <a:solidFill>
+                <a:srgbClr val="0F4761"/>
+              </a:solidFill>
+              <a:latin typeface="Aptos"/>
+              <a:ea typeface="Aptos"/>
+              <a:cs typeface="Aptos"/>
+              <a:sym typeface="Aptos"/>
+            </a:endParaRPr>
+          </a:p>
+          <a:p>
+            <a:pPr lvl="0" indent="-293370">
+              <a:buClr>
+                <a:schemeClr val="dk1"/>
+              </a:buClr>
+              <a:buSzPct val="86000"/>
+              <a:buChar char="●"/>
+            </a:pPr>
+            <a:r>
+              <a:rPr lang="en-US" altLang="zh-TW" sz="900" dirty="0">
+                <a:solidFill>
+                  <a:srgbClr val="0F4761"/>
+                </a:solidFill>
+                <a:latin typeface="Aptos"/>
+                <a:ea typeface="Aptos"/>
+                <a:cs typeface="Aptos"/>
+                <a:sym typeface="Aptos"/>
+              </a:rPr>
+              <a:t>    }</a:t>
+            </a:r>
+            <a:endParaRPr lang="en-US" altLang="zh-TW" sz="900" dirty="0">
+              <a:solidFill>
+                <a:srgbClr val="0F4761"/>
+              </a:solidFill>
+              <a:latin typeface="Aptos"/>
+              <a:ea typeface="Aptos"/>
+              <a:cs typeface="Aptos"/>
+              <a:sym typeface="Aptos"/>
+            </a:endParaRPr>
+          </a:p>
+          <a:p>
+            <a:pPr lvl="0" indent="-293370">
+              <a:buClr>
+                <a:schemeClr val="dk1"/>
+              </a:buClr>
+              <a:buSzPct val="86000"/>
+              <a:buChar char="●"/>
+            </a:pPr>
+            <a:r>
+              <a:rPr lang="en-US" altLang="zh-TW" sz="900" dirty="0">
+                <a:solidFill>
+                  <a:srgbClr val="0F4761"/>
+                </a:solidFill>
+                <a:latin typeface="Aptos"/>
+                <a:ea typeface="Aptos"/>
+                <a:cs typeface="Aptos"/>
+                <a:sym typeface="Aptos"/>
+              </a:rPr>
+              <a:t>  }</a:t>
+            </a:r>
+            <a:endParaRPr lang="en-US" altLang="zh-TW" sz="900" dirty="0">
+              <a:solidFill>
+                <a:srgbClr val="0F4761"/>
+              </a:solidFill>
+              <a:latin typeface="Aptos"/>
+              <a:ea typeface="Aptos"/>
+              <a:cs typeface="Aptos"/>
+              <a:sym typeface="Aptos"/>
+            </a:endParaRPr>
+          </a:p>
+          <a:p>
+            <a:pPr lvl="0" indent="-293370">
+              <a:buClr>
+                <a:schemeClr val="dk1"/>
+              </a:buClr>
+              <a:buSzPct val="86000"/>
+              <a:buChar char="●"/>
+            </a:pPr>
+            <a:r>
+              <a:rPr lang="en-US" altLang="zh-TW" sz="900" dirty="0">
+                <a:solidFill>
+                  <a:srgbClr val="0F4761"/>
+                </a:solidFill>
+                <a:latin typeface="Aptos"/>
+                <a:ea typeface="Aptos"/>
+                <a:cs typeface="Aptos"/>
+                <a:sym typeface="Aptos"/>
+              </a:rPr>
+              <a:t>  post {</a:t>
+            </a:r>
+            <a:endParaRPr lang="en-US" altLang="zh-TW" sz="900" dirty="0">
+              <a:solidFill>
+                <a:srgbClr val="0F4761"/>
+              </a:solidFill>
+              <a:latin typeface="Aptos"/>
+              <a:ea typeface="Aptos"/>
+              <a:cs typeface="Aptos"/>
+              <a:sym typeface="Aptos"/>
+            </a:endParaRPr>
+          </a:p>
+          <a:p>
+            <a:pPr lvl="0" indent="-293370">
+              <a:buClr>
+                <a:schemeClr val="dk1"/>
+              </a:buClr>
+              <a:buSzPct val="86000"/>
+              <a:buChar char="●"/>
+            </a:pPr>
+            <a:r>
+              <a:rPr lang="en-US" altLang="zh-TW" sz="900" dirty="0">
+                <a:solidFill>
+                  <a:srgbClr val="0F4761"/>
+                </a:solidFill>
+                <a:latin typeface="Aptos"/>
+                <a:ea typeface="Aptos"/>
+                <a:cs typeface="Aptos"/>
+                <a:sym typeface="Aptos"/>
+              </a:rPr>
+              <a:t>    success { echo '✅ </a:t>
+            </a:r>
+            <a:r>
+              <a:rPr lang="zh-TW" altLang="en-US" sz="900" dirty="0">
+                <a:solidFill>
+                  <a:srgbClr val="0F4761"/>
+                </a:solidFill>
+                <a:latin typeface="Aptos"/>
+                <a:ea typeface="Aptos"/>
+                <a:cs typeface="Aptos"/>
+                <a:sym typeface="Aptos"/>
+              </a:rPr>
+              <a:t>專案已成功複製到 </a:t>
+            </a:r>
+            <a:r>
+              <a:rPr lang="en-US" altLang="zh-TW" sz="900" dirty="0">
+                <a:solidFill>
+                  <a:srgbClr val="0F4761"/>
+                </a:solidFill>
+                <a:latin typeface="Aptos"/>
+                <a:ea typeface="Aptos"/>
+                <a:cs typeface="Aptos"/>
+                <a:sym typeface="Aptos"/>
+              </a:rPr>
+              <a:t>D:\\site' }</a:t>
+            </a:r>
+            <a:endParaRPr lang="en-US" altLang="zh-TW" sz="900" dirty="0">
+              <a:solidFill>
+                <a:srgbClr val="0F4761"/>
+              </a:solidFill>
+              <a:latin typeface="Aptos"/>
+              <a:ea typeface="Aptos"/>
+              <a:cs typeface="Aptos"/>
+              <a:sym typeface="Aptos"/>
+            </a:endParaRPr>
+          </a:p>
+          <a:p>
+            <a:pPr lvl="0" indent="-293370">
+              <a:buClr>
+                <a:schemeClr val="dk1"/>
+              </a:buClr>
+              <a:buSzPct val="86000"/>
+              <a:buChar char="●"/>
+            </a:pPr>
+            <a:r>
+              <a:rPr lang="en-US" altLang="zh-TW" sz="900" dirty="0">
+                <a:solidFill>
+                  <a:srgbClr val="0F4761"/>
+                </a:solidFill>
+                <a:latin typeface="Aptos"/>
+                <a:ea typeface="Aptos"/>
+                <a:cs typeface="Aptos"/>
+                <a:sym typeface="Aptos"/>
+              </a:rPr>
+              <a:t>    failure { echo '❌ </a:t>
+            </a:r>
+            <a:r>
+              <a:rPr lang="zh-TW" altLang="en-US" sz="900" dirty="0">
+                <a:solidFill>
+                  <a:srgbClr val="0F4761"/>
+                </a:solidFill>
+                <a:latin typeface="Aptos"/>
+                <a:ea typeface="Aptos"/>
+                <a:cs typeface="Aptos"/>
+                <a:sym typeface="Aptos"/>
+              </a:rPr>
+              <a:t>發生錯誤，請檢查 </a:t>
+            </a:r>
+            <a:r>
+              <a:rPr lang="en-US" altLang="zh-TW" sz="900" dirty="0">
+                <a:solidFill>
+                  <a:srgbClr val="0F4761"/>
+                </a:solidFill>
+                <a:latin typeface="Aptos"/>
+                <a:ea typeface="Aptos"/>
+                <a:cs typeface="Aptos"/>
+                <a:sym typeface="Aptos"/>
+              </a:rPr>
+              <a:t>Jenkins Log' }</a:t>
+            </a:r>
+            <a:endParaRPr lang="en-US" altLang="zh-TW" sz="900" dirty="0">
+              <a:solidFill>
+                <a:srgbClr val="0F4761"/>
+              </a:solidFill>
+              <a:latin typeface="Aptos"/>
+              <a:ea typeface="Aptos"/>
+              <a:cs typeface="Aptos"/>
+              <a:sym typeface="Aptos"/>
+            </a:endParaRPr>
+          </a:p>
+          <a:p>
+            <a:pPr lvl="0" indent="-293370">
+              <a:buClr>
+                <a:schemeClr val="dk1"/>
+              </a:buClr>
+              <a:buSzPct val="86000"/>
+              <a:buChar char="●"/>
+            </a:pPr>
+            <a:r>
+              <a:rPr lang="en-US" altLang="zh-TW" sz="900" dirty="0">
+                <a:solidFill>
+                  <a:srgbClr val="0F4761"/>
+                </a:solidFill>
+                <a:latin typeface="Aptos"/>
+                <a:ea typeface="Aptos"/>
+                <a:cs typeface="Aptos"/>
+                <a:sym typeface="Aptos"/>
+              </a:rPr>
+              <a:t>  }</a:t>
+            </a:r>
+            <a:endParaRPr lang="en-US" altLang="zh-TW" sz="900" dirty="0">
+              <a:solidFill>
+                <a:srgbClr val="0F4761"/>
+              </a:solidFill>
+              <a:latin typeface="Aptos"/>
+              <a:ea typeface="Aptos"/>
+              <a:cs typeface="Aptos"/>
+              <a:sym typeface="Aptos"/>
+            </a:endParaRPr>
+          </a:p>
+          <a:p>
+            <a:pPr lvl="0" indent="-293370">
+              <a:buClr>
+                <a:schemeClr val="dk1"/>
+              </a:buClr>
+              <a:buSzPct val="86000"/>
+              <a:buChar char="●"/>
+            </a:pPr>
+            <a:r>
+              <a:rPr lang="en-US" altLang="zh-TW" sz="900" dirty="0">
+                <a:solidFill>
+                  <a:srgbClr val="0F4761"/>
+                </a:solidFill>
+                <a:latin typeface="Aptos"/>
+                <a:ea typeface="Aptos"/>
+                <a:cs typeface="Aptos"/>
+                <a:sym typeface="Aptos"/>
+              </a:rPr>
               <a:t>}</a:t>
             </a:r>
+            <a:endParaRPr lang="en-US" altLang="zh-TW" sz="900" dirty="0">
+              <a:solidFill>
+                <a:srgbClr val="0F4761"/>
+              </a:solidFill>
+              <a:latin typeface="Aptos"/>
+              <a:ea typeface="Aptos"/>
+              <a:cs typeface="Aptos"/>
+              <a:sym typeface="Aptos"/>
+            </a:endParaRPr>
           </a:p>
           <a:p>
             <a:pPr lvl="0" indent="-293370">
@@ -28141,18 +28235,6 @@
               <a:buSzPts val="1200"/>
               <a:buChar char="●"/>
             </a:pPr>
-            <a:r>
-              <a:rPr lang="zh-TW" sz="1200" dirty="0">
-                <a:solidFill>
-                  <a:schemeClr val="dk1"/>
-                </a:solidFill>
-                <a:latin typeface="Aptos"/>
-                <a:ea typeface="Aptos"/>
-                <a:cs typeface="Aptos"/>
-                <a:sym typeface="Aptos"/>
-              </a:rPr>
-              <a:t/>
-            </a:r>
             <a:br>
               <a:rPr lang="zh-TW" sz="1200" dirty="0">
                 <a:solidFill>
@@ -28819,7 +28901,7 @@
           <p:nvPr/>
         </p:nvPicPr>
         <p:blipFill>
-          <a:blip r:embed="rId3"/>
+          <a:blip r:embed="rId1"/>
           <a:stretch>
             <a:fillRect/>
           </a:stretch>
@@ -28913,6 +28995,7 @@
               <a:rPr lang="zh-TW"/>
               <a:t>課程導入</a:t>
             </a:r>
+            <a:endParaRPr lang="zh-TW"/>
           </a:p>
         </p:txBody>
       </p:sp>
@@ -28959,6 +29042,7 @@
               <a:rPr lang="zh-TW"/>
               <a:t>學習JENKINS 基本操作</a:t>
             </a:r>
+            <a:endParaRPr lang="zh-TW"/>
           </a:p>
           <a:p>
             <a:pPr marL="254000" lvl="0" indent="-260350" algn="l" rtl="0">
@@ -28975,6 +29059,7 @@
               <a:rPr lang="zh-TW"/>
               <a:t>學會PIPELINE流水線腳本</a:t>
             </a:r>
+            <a:endParaRPr lang="zh-TW"/>
           </a:p>
           <a:p>
             <a:pPr marL="254000" lvl="0" indent="-260350" algn="l" rtl="0">
@@ -28991,6 +29076,7 @@
               <a:rPr lang="zh-TW"/>
               <a:t>PIPELINE的傳統部屬與容器化部屬方式</a:t>
             </a:r>
+            <a:endParaRPr lang="zh-TW"/>
           </a:p>
         </p:txBody>
       </p:sp>
@@ -29160,10 +29246,6 @@
               </a:rPr>
               <a:t>執行 CICD 流程：容器化部屬</a:t>
             </a:r>
-            <a:r>
-              <a:rPr lang="zh-TW"/>
-              <a:t/>
-            </a:r>
             <a:br>
               <a:rPr lang="zh-TW"/>
             </a:br>
@@ -29498,6 +29580,15 @@
               </a:rPr>
               <a:t> 啟動新容器。</a:t>
             </a:r>
+            <a:endParaRPr lang="zh-TW" sz="1200">
+              <a:solidFill>
+                <a:schemeClr val="dk1"/>
+              </a:solidFill>
+              <a:latin typeface="Aptos"/>
+              <a:ea typeface="Aptos"/>
+              <a:cs typeface="Aptos"/>
+              <a:sym typeface="Aptos"/>
+            </a:endParaRPr>
           </a:p>
           <a:p>
             <a:pPr marL="254000" lvl="0" indent="-190500" algn="l" rtl="0">
@@ -29606,10 +29697,6 @@
               </a:rPr>
               <a:t>執行 CICD 流程：容器化部屬</a:t>
             </a:r>
-            <a:r>
-              <a:rPr lang="zh-TW"/>
-              <a:t/>
-            </a:r>
             <a:br>
               <a:rPr lang="zh-TW"/>
             </a:br>
@@ -29707,45 +29794,6 @@
               </a:rPr>
               <a:t>pipeline {</a:t>
             </a:r>
-          </a:p>
-          <a:p>
-            <a:pPr marL="175260" lvl="0" indent="0">
-              <a:spcBef>
-                <a:spcPts val="400"/>
-              </a:spcBef>
-              <a:spcAft>
-                <a:spcPts val="1000"/>
-              </a:spcAft>
-              <a:buClr>
-                <a:schemeClr val="dk1"/>
-              </a:buClr>
-              <a:buSzPct val="109000"/>
-              <a:buNone/>
-            </a:pPr>
-            <a:r>
-              <a:rPr lang="en-US" altLang="zh-TW" sz="4400" dirty="0">
-                <a:solidFill>
-                  <a:schemeClr val="dk1"/>
-                </a:solidFill>
-                <a:latin typeface="Consolas" panose="020B0609020204030204"/>
-                <a:ea typeface="Consolas" panose="020B0609020204030204"/>
-                <a:cs typeface="Consolas" panose="020B0609020204030204"/>
-                <a:sym typeface="Consolas" panose="020B0609020204030204"/>
-              </a:rPr>
-              <a:t>  agent </a:t>
-            </a:r>
-            <a:r>
-              <a:rPr lang="en-US" altLang="zh-TW" sz="4400" dirty="0" smtClean="0">
-                <a:solidFill>
-                  <a:schemeClr val="dk1"/>
-                </a:solidFill>
-                <a:latin typeface="Consolas" panose="020B0609020204030204"/>
-                <a:ea typeface="Consolas" panose="020B0609020204030204"/>
-                <a:cs typeface="Consolas" panose="020B0609020204030204"/>
-                <a:sym typeface="Consolas" panose="020B0609020204030204"/>
-              </a:rPr>
-              <a:t>any</a:t>
-            </a:r>
             <a:endParaRPr lang="en-US" altLang="zh-TW" sz="4400" dirty="0">
               <a:solidFill>
                 <a:schemeClr val="dk1"/>
@@ -29780,25 +29828,10 @@
                 <a:cs typeface="Consolas" panose="020B0609020204030204"/>
                 <a:sym typeface="Consolas" panose="020B0609020204030204"/>
               </a:rPr>
-              <a:t>  stages {</a:t>
-            </a:r>
-          </a:p>
-          <a:p>
-            <a:pPr marL="175260" lvl="0" indent="0">
-              <a:spcBef>
-                <a:spcPts val="400"/>
-              </a:spcBef>
-              <a:spcAft>
-                <a:spcPts val="1000"/>
-              </a:spcAft>
-              <a:buClr>
-                <a:schemeClr val="dk1"/>
-              </a:buClr>
-              <a:buSzPct val="109000"/>
-              <a:buNone/>
-            </a:pPr>
-            <a:r>
-              <a:rPr lang="en-US" altLang="zh-TW" sz="4400" dirty="0">
+              <a:t>  agent </a:t>
+            </a:r>
+            <a:r>
+              <a:rPr lang="en-US" altLang="zh-TW" sz="4400" dirty="0" smtClean="0">
                 <a:solidFill>
                   <a:schemeClr val="dk1"/>
                 </a:solidFill>
@@ -29807,97 +29840,7 @@
                 <a:cs typeface="Consolas" panose="020B0609020204030204"/>
                 <a:sym typeface="Consolas" panose="020B0609020204030204"/>
               </a:rPr>
-              <a:t>    stage('start') {</a:t>
-            </a:r>
-          </a:p>
-          <a:p>
-            <a:pPr marL="175260" lvl="0" indent="0">
-              <a:spcBef>
-                <a:spcPts val="400"/>
-              </a:spcBef>
-              <a:spcAft>
-                <a:spcPts val="1000"/>
-              </a:spcAft>
-              <a:buClr>
-                <a:schemeClr val="dk1"/>
-              </a:buClr>
-              <a:buSzPct val="109000"/>
-              <a:buNone/>
-            </a:pPr>
-            <a:r>
-              <a:rPr lang="en-US" altLang="zh-TW" sz="4400" dirty="0">
-                <a:solidFill>
-                  <a:schemeClr val="dk1"/>
-                </a:solidFill>
-                <a:latin typeface="Consolas" panose="020B0609020204030204"/>
-                <a:ea typeface="Consolas" panose="020B0609020204030204"/>
-                <a:cs typeface="Consolas" panose="020B0609020204030204"/>
-                <a:sym typeface="Consolas" panose="020B0609020204030204"/>
-              </a:rPr>
-              <a:t>      steps { echo '</a:t>
-            </a:r>
-            <a:r>
-              <a:rPr lang="zh-TW" altLang="en-US" sz="4400" dirty="0">
-                <a:solidFill>
-                  <a:schemeClr val="dk1"/>
-                </a:solidFill>
-                <a:latin typeface="Consolas" panose="020B0609020204030204"/>
-                <a:ea typeface="Consolas" panose="020B0609020204030204"/>
-                <a:cs typeface="Consolas" panose="020B0609020204030204"/>
-                <a:sym typeface="Consolas" panose="020B0609020204030204"/>
-              </a:rPr>
-              <a:t>開始部屬</a:t>
-            </a:r>
-            <a:r>
-              <a:rPr lang="en-US" altLang="zh-TW" sz="4400" dirty="0">
-                <a:solidFill>
-                  <a:schemeClr val="dk1"/>
-                </a:solidFill>
-                <a:latin typeface="Consolas" panose="020B0609020204030204"/>
-                <a:ea typeface="Consolas" panose="020B0609020204030204"/>
-                <a:cs typeface="Consolas" panose="020B0609020204030204"/>
-                <a:sym typeface="Consolas" panose="020B0609020204030204"/>
-              </a:rPr>
-              <a:t>' }</a:t>
-            </a:r>
-          </a:p>
-          <a:p>
-            <a:pPr marL="175260" lvl="0" indent="0">
-              <a:spcBef>
-                <a:spcPts val="400"/>
-              </a:spcBef>
-              <a:spcAft>
-                <a:spcPts val="1000"/>
-              </a:spcAft>
-              <a:buClr>
-                <a:schemeClr val="dk1"/>
-              </a:buClr>
-              <a:buSzPct val="109000"/>
-              <a:buNone/>
-            </a:pPr>
-            <a:r>
-              <a:rPr lang="en-US" altLang="zh-TW" sz="4400" dirty="0">
-                <a:solidFill>
-                  <a:schemeClr val="dk1"/>
-                </a:solidFill>
-                <a:latin typeface="Consolas" panose="020B0609020204030204"/>
-                <a:ea typeface="Consolas" panose="020B0609020204030204"/>
-                <a:cs typeface="Consolas" panose="020B0609020204030204"/>
-                <a:sym typeface="Consolas" panose="020B0609020204030204"/>
-              </a:rPr>
-              <a:t>    </a:t>
-            </a:r>
-            <a:r>
-              <a:rPr lang="en-US" altLang="zh-TW" sz="4400" dirty="0" smtClean="0">
-                <a:solidFill>
-                  <a:schemeClr val="dk1"/>
-                </a:solidFill>
-                <a:latin typeface="Consolas" panose="020B0609020204030204"/>
-                <a:ea typeface="Consolas" panose="020B0609020204030204"/>
-                <a:cs typeface="Consolas" panose="020B0609020204030204"/>
-                <a:sym typeface="Consolas" panose="020B0609020204030204"/>
-              </a:rPr>
-              <a:t>}</a:t>
+              <a:t>any</a:t>
             </a:r>
             <a:endParaRPr lang="en-US" altLang="zh-TW" sz="4400" dirty="0">
               <a:solidFill>
@@ -29933,337 +29876,7 @@
                 <a:cs typeface="Consolas" panose="020B0609020204030204"/>
                 <a:sym typeface="Consolas" panose="020B0609020204030204"/>
               </a:rPr>
-              <a:t>    stage('</a:t>
-            </a:r>
-            <a:r>
-              <a:rPr lang="zh-TW" altLang="en-US" sz="4400" dirty="0">
-                <a:solidFill>
-                  <a:schemeClr val="dk1"/>
-                </a:solidFill>
-                <a:latin typeface="Consolas" panose="020B0609020204030204"/>
-                <a:ea typeface="Consolas" panose="020B0609020204030204"/>
-                <a:cs typeface="Consolas" panose="020B0609020204030204"/>
-                <a:sym typeface="Consolas" panose="020B0609020204030204"/>
-              </a:rPr>
-              <a:t>抓取</a:t>
-            </a:r>
-            <a:r>
-              <a:rPr lang="en-US" altLang="zh-TW" sz="4400" dirty="0" err="1">
-                <a:solidFill>
-                  <a:schemeClr val="dk1"/>
-                </a:solidFill>
-                <a:latin typeface="Consolas" panose="020B0609020204030204"/>
-                <a:ea typeface="Consolas" panose="020B0609020204030204"/>
-                <a:cs typeface="Consolas" panose="020B0609020204030204"/>
-                <a:sym typeface="Consolas" panose="020B0609020204030204"/>
-              </a:rPr>
-              <a:t>git</a:t>
-            </a:r>
-            <a:r>
-              <a:rPr lang="en-US" altLang="zh-TW" sz="4400" dirty="0">
-                <a:solidFill>
-                  <a:schemeClr val="dk1"/>
-                </a:solidFill>
-                <a:latin typeface="Consolas" panose="020B0609020204030204"/>
-                <a:ea typeface="Consolas" panose="020B0609020204030204"/>
-                <a:cs typeface="Consolas" panose="020B0609020204030204"/>
-                <a:sym typeface="Consolas" panose="020B0609020204030204"/>
-              </a:rPr>
-              <a:t>') {</a:t>
-            </a:r>
-          </a:p>
-          <a:p>
-            <a:pPr marL="175260" lvl="0" indent="0">
-              <a:spcBef>
-                <a:spcPts val="400"/>
-              </a:spcBef>
-              <a:spcAft>
-                <a:spcPts val="1000"/>
-              </a:spcAft>
-              <a:buClr>
-                <a:schemeClr val="dk1"/>
-              </a:buClr>
-              <a:buSzPct val="109000"/>
-              <a:buNone/>
-            </a:pPr>
-            <a:r>
-              <a:rPr lang="en-US" altLang="zh-TW" sz="4400" dirty="0">
-                <a:solidFill>
-                  <a:schemeClr val="dk1"/>
-                </a:solidFill>
-                <a:latin typeface="Consolas" panose="020B0609020204030204"/>
-                <a:ea typeface="Consolas" panose="020B0609020204030204"/>
-                <a:cs typeface="Consolas" panose="020B0609020204030204"/>
-                <a:sym typeface="Consolas" panose="020B0609020204030204"/>
-              </a:rPr>
-              <a:t>      steps {</a:t>
-            </a:r>
-          </a:p>
-          <a:p>
-            <a:pPr marL="175260" lvl="0" indent="0">
-              <a:spcBef>
-                <a:spcPts val="400"/>
-              </a:spcBef>
-              <a:spcAft>
-                <a:spcPts val="1000"/>
-              </a:spcAft>
-              <a:buClr>
-                <a:schemeClr val="dk1"/>
-              </a:buClr>
-              <a:buSzPct val="109000"/>
-              <a:buNone/>
-            </a:pPr>
-            <a:r>
-              <a:rPr lang="en-US" altLang="zh-TW" sz="4400" dirty="0">
-                <a:solidFill>
-                  <a:schemeClr val="dk1"/>
-                </a:solidFill>
-                <a:latin typeface="Consolas" panose="020B0609020204030204"/>
-                <a:ea typeface="Consolas" panose="020B0609020204030204"/>
-                <a:cs typeface="Consolas" panose="020B0609020204030204"/>
-                <a:sym typeface="Consolas" panose="020B0609020204030204"/>
-              </a:rPr>
-              <a:t>        </a:t>
-            </a:r>
-            <a:r>
-              <a:rPr lang="en-US" altLang="zh-TW" sz="4400" dirty="0" err="1">
-                <a:solidFill>
-                  <a:schemeClr val="dk1"/>
-                </a:solidFill>
-                <a:latin typeface="Consolas" panose="020B0609020204030204"/>
-                <a:ea typeface="Consolas" panose="020B0609020204030204"/>
-                <a:cs typeface="Consolas" panose="020B0609020204030204"/>
-                <a:sym typeface="Consolas" panose="020B0609020204030204"/>
-              </a:rPr>
-              <a:t>git</a:t>
-            </a:r>
-            <a:r>
-              <a:rPr lang="en-US" altLang="zh-TW" sz="4400" dirty="0">
-                <a:solidFill>
-                  <a:schemeClr val="dk1"/>
-                </a:solidFill>
-                <a:latin typeface="Consolas" panose="020B0609020204030204"/>
-                <a:ea typeface="Consolas" panose="020B0609020204030204"/>
-                <a:cs typeface="Consolas" panose="020B0609020204030204"/>
-                <a:sym typeface="Consolas" panose="020B0609020204030204"/>
-              </a:rPr>
-              <a:t> branch: 'main',</a:t>
-            </a:r>
-          </a:p>
-          <a:p>
-            <a:pPr marL="175260" lvl="0" indent="0">
-              <a:spcBef>
-                <a:spcPts val="400"/>
-              </a:spcBef>
-              <a:spcAft>
-                <a:spcPts val="1000"/>
-              </a:spcAft>
-              <a:buClr>
-                <a:schemeClr val="dk1"/>
-              </a:buClr>
-              <a:buSzPct val="109000"/>
-              <a:buNone/>
-            </a:pPr>
-            <a:r>
-              <a:rPr lang="en-US" altLang="zh-TW" sz="4400" dirty="0">
-                <a:solidFill>
-                  <a:schemeClr val="dk1"/>
-                </a:solidFill>
-                <a:latin typeface="Consolas" panose="020B0609020204030204"/>
-                <a:ea typeface="Consolas" panose="020B0609020204030204"/>
-                <a:cs typeface="Consolas" panose="020B0609020204030204"/>
-                <a:sym typeface="Consolas" panose="020B0609020204030204"/>
-              </a:rPr>
-              <a:t>            </a:t>
-            </a:r>
-            <a:r>
-              <a:rPr lang="en-US" altLang="zh-TW" sz="4400" dirty="0" err="1">
-                <a:solidFill>
-                  <a:schemeClr val="dk1"/>
-                </a:solidFill>
-                <a:latin typeface="Consolas" panose="020B0609020204030204"/>
-                <a:ea typeface="Consolas" panose="020B0609020204030204"/>
-                <a:cs typeface="Consolas" panose="020B0609020204030204"/>
-                <a:sym typeface="Consolas" panose="020B0609020204030204"/>
-              </a:rPr>
-              <a:t>credentialsId</a:t>
-            </a:r>
-            <a:r>
-              <a:rPr lang="en-US" altLang="zh-TW" sz="4400" dirty="0">
-                <a:solidFill>
-                  <a:schemeClr val="dk1"/>
-                </a:solidFill>
-                <a:latin typeface="Consolas" panose="020B0609020204030204"/>
-                <a:ea typeface="Consolas" panose="020B0609020204030204"/>
-                <a:cs typeface="Consolas" panose="020B0609020204030204"/>
-                <a:sym typeface="Consolas" panose="020B0609020204030204"/>
-              </a:rPr>
-              <a:t>: '</a:t>
-            </a:r>
-            <a:r>
-              <a:rPr lang="en-US" altLang="zh-TW" sz="4400" dirty="0" err="1">
-                <a:solidFill>
-                  <a:schemeClr val="dk1"/>
-                </a:solidFill>
-                <a:latin typeface="Consolas" panose="020B0609020204030204"/>
-                <a:ea typeface="Consolas" panose="020B0609020204030204"/>
-                <a:cs typeface="Consolas" panose="020B0609020204030204"/>
-                <a:sym typeface="Consolas" panose="020B0609020204030204"/>
-              </a:rPr>
-              <a:t>githubuser</a:t>
-            </a:r>
-            <a:r>
-              <a:rPr lang="en-US" altLang="zh-TW" sz="4400" dirty="0">
-                <a:solidFill>
-                  <a:schemeClr val="dk1"/>
-                </a:solidFill>
-                <a:latin typeface="Consolas" panose="020B0609020204030204"/>
-                <a:ea typeface="Consolas" panose="020B0609020204030204"/>
-                <a:cs typeface="Consolas" panose="020B0609020204030204"/>
-                <a:sym typeface="Consolas" panose="020B0609020204030204"/>
-              </a:rPr>
-              <a:t>',</a:t>
-            </a:r>
-          </a:p>
-          <a:p>
-            <a:pPr marL="175260" lvl="0" indent="0">
-              <a:spcBef>
-                <a:spcPts val="400"/>
-              </a:spcBef>
-              <a:spcAft>
-                <a:spcPts val="1000"/>
-              </a:spcAft>
-              <a:buClr>
-                <a:schemeClr val="dk1"/>
-              </a:buClr>
-              <a:buSzPct val="109000"/>
-              <a:buNone/>
-            </a:pPr>
-            <a:r>
-              <a:rPr lang="en-US" altLang="zh-TW" sz="4400" dirty="0">
-                <a:solidFill>
-                  <a:schemeClr val="dk1"/>
-                </a:solidFill>
-                <a:latin typeface="Consolas" panose="020B0609020204030204"/>
-                <a:ea typeface="Consolas" panose="020B0609020204030204"/>
-                <a:cs typeface="Consolas" panose="020B0609020204030204"/>
-                <a:sym typeface="Consolas" panose="020B0609020204030204"/>
-              </a:rPr>
-              <a:t>            url: 'https://github.com/</a:t>
-            </a:r>
-            <a:r>
-              <a:rPr lang="en-US" altLang="zh-TW" sz="4400" dirty="0" err="1">
-                <a:solidFill>
-                  <a:schemeClr val="dk1"/>
-                </a:solidFill>
-                <a:latin typeface="Consolas" panose="020B0609020204030204"/>
-                <a:ea typeface="Consolas" panose="020B0609020204030204"/>
-                <a:cs typeface="Consolas" panose="020B0609020204030204"/>
-                <a:sym typeface="Consolas" panose="020B0609020204030204"/>
-              </a:rPr>
-              <a:t>coolyuoo</a:t>
-            </a:r>
-            <a:r>
-              <a:rPr lang="en-US" altLang="zh-TW" sz="4400" dirty="0">
-                <a:solidFill>
-                  <a:schemeClr val="dk1"/>
-                </a:solidFill>
-                <a:latin typeface="Consolas" panose="020B0609020204030204"/>
-                <a:ea typeface="Consolas" panose="020B0609020204030204"/>
-                <a:cs typeface="Consolas" panose="020B0609020204030204"/>
-                <a:sym typeface="Consolas" panose="020B0609020204030204"/>
-              </a:rPr>
-              <a:t>/</a:t>
-            </a:r>
-            <a:r>
-              <a:rPr lang="en-US" altLang="zh-TW" sz="4400" dirty="0" err="1">
-                <a:solidFill>
-                  <a:schemeClr val="dk1"/>
-                </a:solidFill>
-                <a:latin typeface="Consolas" panose="020B0609020204030204"/>
-                <a:ea typeface="Consolas" panose="020B0609020204030204"/>
-                <a:cs typeface="Consolas" panose="020B0609020204030204"/>
-                <a:sym typeface="Consolas" panose="020B0609020204030204"/>
-              </a:rPr>
-              <a:t>ClassHello.git</a:t>
-            </a:r>
-            <a:r>
-              <a:rPr lang="en-US" altLang="zh-TW" sz="4400" dirty="0">
-                <a:solidFill>
-                  <a:schemeClr val="dk1"/>
-                </a:solidFill>
-                <a:latin typeface="Consolas" panose="020B0609020204030204"/>
-                <a:ea typeface="Consolas" panose="020B0609020204030204"/>
-                <a:cs typeface="Consolas" panose="020B0609020204030204"/>
-                <a:sym typeface="Consolas" panose="020B0609020204030204"/>
-              </a:rPr>
-              <a:t>'</a:t>
-            </a:r>
-          </a:p>
-          <a:p>
-            <a:pPr marL="175260" lvl="0" indent="0">
-              <a:spcBef>
-                <a:spcPts val="400"/>
-              </a:spcBef>
-              <a:spcAft>
-                <a:spcPts val="1000"/>
-              </a:spcAft>
-              <a:buClr>
-                <a:schemeClr val="dk1"/>
-              </a:buClr>
-              <a:buSzPct val="109000"/>
-              <a:buNone/>
-            </a:pPr>
-            <a:r>
-              <a:rPr lang="en-US" altLang="zh-TW" sz="4400" dirty="0">
-                <a:solidFill>
-                  <a:schemeClr val="dk1"/>
-                </a:solidFill>
-                <a:latin typeface="Consolas" panose="020B0609020204030204"/>
-                <a:ea typeface="Consolas" panose="020B0609020204030204"/>
-                <a:cs typeface="Consolas" panose="020B0609020204030204"/>
-                <a:sym typeface="Consolas" panose="020B0609020204030204"/>
-              </a:rPr>
-              <a:t>      }</a:t>
-            </a:r>
-          </a:p>
-          <a:p>
-            <a:pPr marL="175260" lvl="0" indent="0">
-              <a:spcBef>
-                <a:spcPts val="400"/>
-              </a:spcBef>
-              <a:spcAft>
-                <a:spcPts val="1000"/>
-              </a:spcAft>
-              <a:buClr>
-                <a:schemeClr val="dk1"/>
-              </a:buClr>
-              <a:buSzPct val="109000"/>
-              <a:buNone/>
-            </a:pPr>
-            <a:r>
-              <a:rPr lang="en-US" altLang="zh-TW" sz="4400" dirty="0">
-                <a:solidFill>
-                  <a:schemeClr val="dk1"/>
-                </a:solidFill>
-                <a:latin typeface="Consolas" panose="020B0609020204030204"/>
-                <a:ea typeface="Consolas" panose="020B0609020204030204"/>
-                <a:cs typeface="Consolas" panose="020B0609020204030204"/>
-                <a:sym typeface="Consolas" panose="020B0609020204030204"/>
-              </a:rPr>
-              <a:t>    </a:t>
-            </a:r>
-            <a:r>
-              <a:rPr lang="en-US" altLang="zh-TW" sz="4400" dirty="0" smtClean="0">
-                <a:solidFill>
-                  <a:schemeClr val="dk1"/>
-                </a:solidFill>
-                <a:latin typeface="Consolas" panose="020B0609020204030204"/>
-                <a:ea typeface="Consolas" panose="020B0609020204030204"/>
-                <a:cs typeface="Consolas" panose="020B0609020204030204"/>
-                <a:sym typeface="Consolas" panose="020B0609020204030204"/>
-              </a:rPr>
-              <a:t>}</a:t>
+              <a:t>  stages {</a:t>
             </a:r>
             <a:endParaRPr lang="en-US" altLang="zh-TW" sz="4400" dirty="0">
               <a:solidFill>
@@ -30299,199 +29912,7 @@
                 <a:cs typeface="Consolas" panose="020B0609020204030204"/>
                 <a:sym typeface="Consolas" panose="020B0609020204030204"/>
               </a:rPr>
-              <a:t>    stage('2. </a:t>
-            </a:r>
-            <a:r>
-              <a:rPr lang="zh-TW" altLang="en-US" sz="4400" dirty="0">
-                <a:solidFill>
-                  <a:schemeClr val="dk1"/>
-                </a:solidFill>
-                <a:latin typeface="Consolas" panose="020B0609020204030204"/>
-                <a:ea typeface="Consolas" panose="020B0609020204030204"/>
-                <a:cs typeface="Consolas" panose="020B0609020204030204"/>
-                <a:sym typeface="Consolas" panose="020B0609020204030204"/>
-              </a:rPr>
-              <a:t>建立 </a:t>
-            </a:r>
-            <a:r>
-              <a:rPr lang="en-US" altLang="zh-TW" sz="4400" dirty="0">
-                <a:solidFill>
-                  <a:schemeClr val="dk1"/>
-                </a:solidFill>
-                <a:latin typeface="Consolas" panose="020B0609020204030204"/>
-                <a:ea typeface="Consolas" panose="020B0609020204030204"/>
-                <a:cs typeface="Consolas" panose="020B0609020204030204"/>
-                <a:sym typeface="Consolas" panose="020B0609020204030204"/>
-              </a:rPr>
-              <a:t>Docker image') {</a:t>
-            </a:r>
-          </a:p>
-          <a:p>
-            <a:pPr marL="175260" lvl="0" indent="0">
-              <a:spcBef>
-                <a:spcPts val="400"/>
-              </a:spcBef>
-              <a:spcAft>
-                <a:spcPts val="1000"/>
-              </a:spcAft>
-              <a:buClr>
-                <a:schemeClr val="dk1"/>
-              </a:buClr>
-              <a:buSzPct val="109000"/>
-              <a:buNone/>
-            </a:pPr>
-            <a:r>
-              <a:rPr lang="en-US" altLang="zh-TW" sz="4400" dirty="0">
-                <a:solidFill>
-                  <a:schemeClr val="dk1"/>
-                </a:solidFill>
-                <a:latin typeface="Consolas" panose="020B0609020204030204"/>
-                <a:ea typeface="Consolas" panose="020B0609020204030204"/>
-                <a:cs typeface="Consolas" panose="020B0609020204030204"/>
-                <a:sym typeface="Consolas" panose="020B0609020204030204"/>
-              </a:rPr>
-              <a:t>      steps {</a:t>
-            </a:r>
-          </a:p>
-          <a:p>
-            <a:pPr marL="175260" lvl="0" indent="0">
-              <a:spcBef>
-                <a:spcPts val="400"/>
-              </a:spcBef>
-              <a:spcAft>
-                <a:spcPts val="1000"/>
-              </a:spcAft>
-              <a:buClr>
-                <a:schemeClr val="dk1"/>
-              </a:buClr>
-              <a:buSzPct val="109000"/>
-              <a:buNone/>
-            </a:pPr>
-            <a:r>
-              <a:rPr lang="en-US" altLang="zh-TW" sz="4400" dirty="0">
-                <a:solidFill>
-                  <a:schemeClr val="dk1"/>
-                </a:solidFill>
-                <a:latin typeface="Consolas" panose="020B0609020204030204"/>
-                <a:ea typeface="Consolas" panose="020B0609020204030204"/>
-                <a:cs typeface="Consolas" panose="020B0609020204030204"/>
-                <a:sym typeface="Consolas" panose="020B0609020204030204"/>
-              </a:rPr>
-              <a:t>        bat '</a:t>
-            </a:r>
-            <a:r>
-              <a:rPr lang="en-US" altLang="zh-TW" sz="4400" dirty="0" err="1">
-                <a:solidFill>
-                  <a:schemeClr val="dk1"/>
-                </a:solidFill>
-                <a:latin typeface="Consolas" panose="020B0609020204030204"/>
-                <a:ea typeface="Consolas" panose="020B0609020204030204"/>
-                <a:cs typeface="Consolas" panose="020B0609020204030204"/>
-                <a:sym typeface="Consolas" panose="020B0609020204030204"/>
-              </a:rPr>
-              <a:t>docker</a:t>
-            </a:r>
-            <a:r>
-              <a:rPr lang="en-US" altLang="zh-TW" sz="4400" dirty="0">
-                <a:solidFill>
-                  <a:schemeClr val="dk1"/>
-                </a:solidFill>
-                <a:latin typeface="Consolas" panose="020B0609020204030204"/>
-                <a:ea typeface="Consolas" panose="020B0609020204030204"/>
-                <a:cs typeface="Consolas" panose="020B0609020204030204"/>
-                <a:sym typeface="Consolas" panose="020B0609020204030204"/>
-              </a:rPr>
-              <a:t> build -t </a:t>
-            </a:r>
-            <a:r>
-              <a:rPr lang="en-US" altLang="zh-TW" sz="4400" dirty="0" err="1">
-                <a:solidFill>
-                  <a:schemeClr val="dk1"/>
-                </a:solidFill>
-                <a:latin typeface="Consolas" panose="020B0609020204030204"/>
-                <a:ea typeface="Consolas" panose="020B0609020204030204"/>
-                <a:cs typeface="Consolas" panose="020B0609020204030204"/>
-                <a:sym typeface="Consolas" panose="020B0609020204030204"/>
-              </a:rPr>
-              <a:t>hello:latest</a:t>
-            </a:r>
-            <a:r>
-              <a:rPr lang="en-US" altLang="zh-TW" sz="4400" dirty="0">
-                <a:solidFill>
-                  <a:schemeClr val="dk1"/>
-                </a:solidFill>
-                <a:latin typeface="Consolas" panose="020B0609020204030204"/>
-                <a:ea typeface="Consolas" panose="020B0609020204030204"/>
-                <a:cs typeface="Consolas" panose="020B0609020204030204"/>
-                <a:sym typeface="Consolas" panose="020B0609020204030204"/>
-              </a:rPr>
-              <a:t> .'</a:t>
-            </a:r>
-          </a:p>
-          <a:p>
-            <a:pPr marL="175260" lvl="0" indent="0">
-              <a:spcBef>
-                <a:spcPts val="400"/>
-              </a:spcBef>
-              <a:spcAft>
-                <a:spcPts val="1000"/>
-              </a:spcAft>
-              <a:buClr>
-                <a:schemeClr val="dk1"/>
-              </a:buClr>
-              <a:buSzPct val="109000"/>
-              <a:buNone/>
-            </a:pPr>
-            <a:r>
-              <a:rPr lang="en-US" altLang="zh-TW" sz="4400" dirty="0">
-                <a:solidFill>
-                  <a:schemeClr val="dk1"/>
-                </a:solidFill>
-                <a:latin typeface="Consolas" panose="020B0609020204030204"/>
-                <a:ea typeface="Consolas" panose="020B0609020204030204"/>
-                <a:cs typeface="Consolas" panose="020B0609020204030204"/>
-                <a:sym typeface="Consolas" panose="020B0609020204030204"/>
-              </a:rPr>
-              <a:t>      }</a:t>
-            </a:r>
-          </a:p>
-          <a:p>
-            <a:pPr marL="175260" lvl="0" indent="0">
-              <a:spcBef>
-                <a:spcPts val="400"/>
-              </a:spcBef>
-              <a:spcAft>
-                <a:spcPts val="1000"/>
-              </a:spcAft>
-              <a:buClr>
-                <a:schemeClr val="dk1"/>
-              </a:buClr>
-              <a:buSzPct val="109000"/>
-              <a:buNone/>
-            </a:pPr>
-            <a:r>
-              <a:rPr lang="en-US" altLang="zh-TW" sz="4400" dirty="0">
-                <a:solidFill>
-                  <a:schemeClr val="dk1"/>
-                </a:solidFill>
-                <a:latin typeface="Consolas" panose="020B0609020204030204"/>
-                <a:ea typeface="Consolas" panose="020B0609020204030204"/>
-                <a:cs typeface="Consolas" panose="020B0609020204030204"/>
-                <a:sym typeface="Consolas" panose="020B0609020204030204"/>
-              </a:rPr>
-              <a:t>    </a:t>
-            </a:r>
-            <a:r>
-              <a:rPr lang="en-US" altLang="zh-TW" sz="4400" dirty="0" smtClean="0">
-                <a:solidFill>
-                  <a:schemeClr val="dk1"/>
-                </a:solidFill>
-                <a:latin typeface="Consolas" panose="020B0609020204030204"/>
-                <a:ea typeface="Consolas" panose="020B0609020204030204"/>
-                <a:cs typeface="Consolas" panose="020B0609020204030204"/>
-                <a:sym typeface="Consolas" panose="020B0609020204030204"/>
-              </a:rPr>
-              <a:t>}</a:t>
+              <a:t>    stage('start') {</a:t>
             </a:r>
             <a:endParaRPr lang="en-US" altLang="zh-TW" sz="4400" dirty="0">
               <a:solidFill>
@@ -30527,7 +29948,7 @@
                 <a:cs typeface="Consolas" panose="020B0609020204030204"/>
                 <a:sym typeface="Consolas" panose="020B0609020204030204"/>
               </a:rPr>
-              <a:t>    stage('3. </a:t>
+              <a:t>      steps { echo '</a:t>
             </a:r>
             <a:r>
               <a:rPr lang="zh-TW" altLang="en-US" sz="4400" dirty="0">
@@ -30539,7 +29960,7 @@
                 <a:cs typeface="Consolas" panose="020B0609020204030204"/>
                 <a:sym typeface="Consolas" panose="020B0609020204030204"/>
               </a:rPr>
-              <a:t>停止舊容器</a:t>
+              <a:t>開始部屬</a:t>
             </a:r>
             <a:r>
               <a:rPr lang="en-US" altLang="zh-TW" sz="4400" dirty="0">
@@ -30551,226 +29972,7 @@
                 <a:cs typeface="Consolas" panose="020B0609020204030204"/>
                 <a:sym typeface="Consolas" panose="020B0609020204030204"/>
               </a:rPr>
-              <a:t>') {</a:t>
-            </a:r>
-          </a:p>
-          <a:p>
-            <a:pPr marL="175260" lvl="0" indent="0">
-              <a:spcBef>
-                <a:spcPts val="400"/>
-              </a:spcBef>
-              <a:spcAft>
-                <a:spcPts val="1000"/>
-              </a:spcAft>
-              <a:buClr>
-                <a:schemeClr val="dk1"/>
-              </a:buClr>
-              <a:buSzPct val="109000"/>
-              <a:buNone/>
-            </a:pPr>
-            <a:r>
-              <a:rPr lang="en-US" altLang="zh-TW" sz="4400" dirty="0">
-                <a:solidFill>
-                  <a:schemeClr val="dk1"/>
-                </a:solidFill>
-                <a:latin typeface="Consolas" panose="020B0609020204030204"/>
-                <a:ea typeface="Consolas" panose="020B0609020204030204"/>
-                <a:cs typeface="Consolas" panose="020B0609020204030204"/>
-                <a:sym typeface="Consolas" panose="020B0609020204030204"/>
-              </a:rPr>
-              <a:t>      steps {</a:t>
-            </a:r>
-          </a:p>
-          <a:p>
-            <a:pPr marL="175260" lvl="0" indent="0">
-              <a:spcBef>
-                <a:spcPts val="400"/>
-              </a:spcBef>
-              <a:spcAft>
-                <a:spcPts val="1000"/>
-              </a:spcAft>
-              <a:buClr>
-                <a:schemeClr val="dk1"/>
-              </a:buClr>
-              <a:buSzPct val="109000"/>
-              <a:buNone/>
-            </a:pPr>
-            <a:r>
-              <a:rPr lang="en-US" altLang="zh-TW" sz="4400" dirty="0">
-                <a:solidFill>
-                  <a:schemeClr val="dk1"/>
-                </a:solidFill>
-                <a:latin typeface="Consolas" panose="020B0609020204030204"/>
-                <a:ea typeface="Consolas" panose="020B0609020204030204"/>
-                <a:cs typeface="Consolas" panose="020B0609020204030204"/>
-                <a:sym typeface="Consolas" panose="020B0609020204030204"/>
-              </a:rPr>
-              <a:t>        // </a:t>
-            </a:r>
-            <a:r>
-              <a:rPr lang="zh-TW" altLang="en-US" sz="4400" dirty="0">
-                <a:solidFill>
-                  <a:schemeClr val="dk1"/>
-                </a:solidFill>
-                <a:latin typeface="Consolas" panose="020B0609020204030204"/>
-                <a:ea typeface="Consolas" panose="020B0609020204030204"/>
-                <a:cs typeface="Consolas" panose="020B0609020204030204"/>
-                <a:sym typeface="Consolas" panose="020B0609020204030204"/>
-              </a:rPr>
-              <a:t>若不存在不要讓 </a:t>
-            </a:r>
-            <a:r>
-              <a:rPr lang="en-US" altLang="zh-TW" sz="4400" dirty="0">
-                <a:solidFill>
-                  <a:schemeClr val="dk1"/>
-                </a:solidFill>
-                <a:latin typeface="Consolas" panose="020B0609020204030204"/>
-                <a:ea typeface="Consolas" panose="020B0609020204030204"/>
-                <a:cs typeface="Consolas" panose="020B0609020204030204"/>
-                <a:sym typeface="Consolas" panose="020B0609020204030204"/>
-              </a:rPr>
-              <a:t>pipeline </a:t>
-            </a:r>
-            <a:r>
-              <a:rPr lang="zh-TW" altLang="en-US" sz="4400" dirty="0">
-                <a:solidFill>
-                  <a:schemeClr val="dk1"/>
-                </a:solidFill>
-                <a:latin typeface="Consolas" panose="020B0609020204030204"/>
-                <a:ea typeface="Consolas" panose="020B0609020204030204"/>
-                <a:cs typeface="Consolas" panose="020B0609020204030204"/>
-                <a:sym typeface="Consolas" panose="020B0609020204030204"/>
-              </a:rPr>
-              <a:t>失敗</a:t>
-            </a:r>
-          </a:p>
-          <a:p>
-            <a:pPr marL="175260" lvl="0" indent="0">
-              <a:spcBef>
-                <a:spcPts val="400"/>
-              </a:spcBef>
-              <a:spcAft>
-                <a:spcPts val="1000"/>
-              </a:spcAft>
-              <a:buClr>
-                <a:schemeClr val="dk1"/>
-              </a:buClr>
-              <a:buSzPct val="109000"/>
-              <a:buNone/>
-            </a:pPr>
-            <a:r>
-              <a:rPr lang="zh-TW" altLang="en-US" sz="4400" dirty="0">
-                <a:solidFill>
-                  <a:schemeClr val="dk1"/>
-                </a:solidFill>
-                <a:latin typeface="Consolas" panose="020B0609020204030204"/>
-                <a:ea typeface="Consolas" panose="020B0609020204030204"/>
-                <a:cs typeface="Consolas" panose="020B0609020204030204"/>
-                <a:sym typeface="Consolas" panose="020B0609020204030204"/>
-              </a:rPr>
-              <a:t>        </a:t>
-            </a:r>
-            <a:r>
-              <a:rPr lang="en-US" altLang="zh-TW" sz="4400" dirty="0">
-                <a:solidFill>
-                  <a:schemeClr val="dk1"/>
-                </a:solidFill>
-                <a:latin typeface="Consolas" panose="020B0609020204030204"/>
-                <a:ea typeface="Consolas" panose="020B0609020204030204"/>
-                <a:cs typeface="Consolas" panose="020B0609020204030204"/>
-                <a:sym typeface="Consolas" panose="020B0609020204030204"/>
-              </a:rPr>
-              <a:t>bat '</a:t>
-            </a:r>
-            <a:r>
-              <a:rPr lang="en-US" altLang="zh-TW" sz="4400" dirty="0" err="1">
-                <a:solidFill>
-                  <a:schemeClr val="dk1"/>
-                </a:solidFill>
-                <a:latin typeface="Consolas" panose="020B0609020204030204"/>
-                <a:ea typeface="Consolas" panose="020B0609020204030204"/>
-                <a:cs typeface="Consolas" panose="020B0609020204030204"/>
-                <a:sym typeface="Consolas" panose="020B0609020204030204"/>
-              </a:rPr>
-              <a:t>docker</a:t>
-            </a:r>
-            <a:r>
-              <a:rPr lang="en-US" altLang="zh-TW" sz="4400" dirty="0">
-                <a:solidFill>
-                  <a:schemeClr val="dk1"/>
-                </a:solidFill>
-                <a:latin typeface="Consolas" panose="020B0609020204030204"/>
-                <a:ea typeface="Consolas" panose="020B0609020204030204"/>
-                <a:cs typeface="Consolas" panose="020B0609020204030204"/>
-                <a:sym typeface="Consolas" panose="020B0609020204030204"/>
-              </a:rPr>
-              <a:t> stop hello-c || exit /b 0'</a:t>
-            </a:r>
-          </a:p>
-          <a:p>
-            <a:pPr marL="175260" lvl="0" indent="0">
-              <a:spcBef>
-                <a:spcPts val="400"/>
-              </a:spcBef>
-              <a:spcAft>
-                <a:spcPts val="1000"/>
-              </a:spcAft>
-              <a:buClr>
-                <a:schemeClr val="dk1"/>
-              </a:buClr>
-              <a:buSzPct val="109000"/>
-              <a:buNone/>
-            </a:pPr>
-            <a:r>
-              <a:rPr lang="en-US" altLang="zh-TW" sz="4400" dirty="0">
-                <a:solidFill>
-                  <a:schemeClr val="dk1"/>
-                </a:solidFill>
-                <a:latin typeface="Consolas" panose="020B0609020204030204"/>
-                <a:ea typeface="Consolas" panose="020B0609020204030204"/>
-                <a:cs typeface="Consolas" panose="020B0609020204030204"/>
-                <a:sym typeface="Consolas" panose="020B0609020204030204"/>
-              </a:rPr>
-              <a:t>      }</a:t>
-            </a:r>
-          </a:p>
-          <a:p>
-            <a:pPr marL="175260" lvl="0" indent="0">
-              <a:spcBef>
-                <a:spcPts val="400"/>
-              </a:spcBef>
-              <a:spcAft>
-                <a:spcPts val="1000"/>
-              </a:spcAft>
-              <a:buClr>
-                <a:schemeClr val="dk1"/>
-              </a:buClr>
-              <a:buSzPct val="109000"/>
-              <a:buNone/>
-            </a:pPr>
-            <a:r>
-              <a:rPr lang="en-US" altLang="zh-TW" sz="4400" dirty="0">
-                <a:solidFill>
-                  <a:schemeClr val="dk1"/>
-                </a:solidFill>
-                <a:latin typeface="Consolas" panose="020B0609020204030204"/>
-                <a:ea typeface="Consolas" panose="020B0609020204030204"/>
-                <a:cs typeface="Consolas" panose="020B0609020204030204"/>
-                <a:sym typeface="Consolas" panose="020B0609020204030204"/>
-              </a:rPr>
-              <a:t>    </a:t>
-            </a:r>
-            <a:r>
-              <a:rPr lang="en-US" altLang="zh-TW" sz="4400" dirty="0" smtClean="0">
-                <a:solidFill>
-                  <a:schemeClr val="dk1"/>
-                </a:solidFill>
-                <a:latin typeface="Consolas" panose="020B0609020204030204"/>
-                <a:ea typeface="Consolas" panose="020B0609020204030204"/>
-                <a:cs typeface="Consolas" panose="020B0609020204030204"/>
-                <a:sym typeface="Consolas" panose="020B0609020204030204"/>
-              </a:rPr>
-              <a:t>}</a:t>
+              <a:t>' }</a:t>
             </a:r>
             <a:endParaRPr lang="en-US" altLang="zh-TW" sz="4400" dirty="0">
               <a:solidFill>
@@ -30806,186 +30008,6 @@
                 <a:cs typeface="Consolas" panose="020B0609020204030204"/>
                 <a:sym typeface="Consolas" panose="020B0609020204030204"/>
               </a:rPr>
-              <a:t>    stage('4. </a:t>
-            </a:r>
-            <a:r>
-              <a:rPr lang="zh-TW" altLang="en-US" sz="4400" dirty="0">
-                <a:solidFill>
-                  <a:schemeClr val="dk1"/>
-                </a:solidFill>
-                <a:latin typeface="Consolas" panose="020B0609020204030204"/>
-                <a:ea typeface="Consolas" panose="020B0609020204030204"/>
-                <a:cs typeface="Consolas" panose="020B0609020204030204"/>
-                <a:sym typeface="Consolas" panose="020B0609020204030204"/>
-              </a:rPr>
-              <a:t>刪除舊容器</a:t>
-            </a:r>
-            <a:r>
-              <a:rPr lang="en-US" altLang="zh-TW" sz="4400" dirty="0">
-                <a:solidFill>
-                  <a:schemeClr val="dk1"/>
-                </a:solidFill>
-                <a:latin typeface="Consolas" panose="020B0609020204030204"/>
-                <a:ea typeface="Consolas" panose="020B0609020204030204"/>
-                <a:cs typeface="Consolas" panose="020B0609020204030204"/>
-                <a:sym typeface="Consolas" panose="020B0609020204030204"/>
-              </a:rPr>
-              <a:t>') {</a:t>
-            </a:r>
-          </a:p>
-          <a:p>
-            <a:pPr marL="175260" lvl="0" indent="0">
-              <a:spcBef>
-                <a:spcPts val="400"/>
-              </a:spcBef>
-              <a:spcAft>
-                <a:spcPts val="1000"/>
-              </a:spcAft>
-              <a:buClr>
-                <a:schemeClr val="dk1"/>
-              </a:buClr>
-              <a:buSzPct val="109000"/>
-              <a:buNone/>
-            </a:pPr>
-            <a:r>
-              <a:rPr lang="en-US" altLang="zh-TW" sz="4400" dirty="0">
-                <a:solidFill>
-                  <a:schemeClr val="dk1"/>
-                </a:solidFill>
-                <a:latin typeface="Consolas" panose="020B0609020204030204"/>
-                <a:ea typeface="Consolas" panose="020B0609020204030204"/>
-                <a:cs typeface="Consolas" panose="020B0609020204030204"/>
-                <a:sym typeface="Consolas" panose="020B0609020204030204"/>
-              </a:rPr>
-              <a:t>      steps {</a:t>
-            </a:r>
-          </a:p>
-          <a:p>
-            <a:pPr marL="175260" lvl="0" indent="0">
-              <a:spcBef>
-                <a:spcPts val="400"/>
-              </a:spcBef>
-              <a:spcAft>
-                <a:spcPts val="1000"/>
-              </a:spcAft>
-              <a:buClr>
-                <a:schemeClr val="dk1"/>
-              </a:buClr>
-              <a:buSzPct val="109000"/>
-              <a:buNone/>
-            </a:pPr>
-            <a:r>
-              <a:rPr lang="en-US" altLang="zh-TW" sz="4400" dirty="0">
-                <a:solidFill>
-                  <a:schemeClr val="dk1"/>
-                </a:solidFill>
-                <a:latin typeface="Consolas" panose="020B0609020204030204"/>
-                <a:ea typeface="Consolas" panose="020B0609020204030204"/>
-                <a:cs typeface="Consolas" panose="020B0609020204030204"/>
-                <a:sym typeface="Consolas" panose="020B0609020204030204"/>
-              </a:rPr>
-              <a:t>        bat '</a:t>
-            </a:r>
-            <a:r>
-              <a:rPr lang="en-US" altLang="zh-TW" sz="4400" dirty="0" err="1">
-                <a:solidFill>
-                  <a:schemeClr val="dk1"/>
-                </a:solidFill>
-                <a:latin typeface="Consolas" panose="020B0609020204030204"/>
-                <a:ea typeface="Consolas" panose="020B0609020204030204"/>
-                <a:cs typeface="Consolas" panose="020B0609020204030204"/>
-                <a:sym typeface="Consolas" panose="020B0609020204030204"/>
-              </a:rPr>
-              <a:t>docker</a:t>
-            </a:r>
-            <a:r>
-              <a:rPr lang="en-US" altLang="zh-TW" sz="4400" dirty="0">
-                <a:solidFill>
-                  <a:schemeClr val="dk1"/>
-                </a:solidFill>
-                <a:latin typeface="Consolas" panose="020B0609020204030204"/>
-                <a:ea typeface="Consolas" panose="020B0609020204030204"/>
-                <a:cs typeface="Consolas" panose="020B0609020204030204"/>
-                <a:sym typeface="Consolas" panose="020B0609020204030204"/>
-              </a:rPr>
-              <a:t> </a:t>
-            </a:r>
-            <a:r>
-              <a:rPr lang="en-US" altLang="zh-TW" sz="4400" dirty="0" err="1">
-                <a:solidFill>
-                  <a:schemeClr val="dk1"/>
-                </a:solidFill>
-                <a:latin typeface="Consolas" panose="020B0609020204030204"/>
-                <a:ea typeface="Consolas" panose="020B0609020204030204"/>
-                <a:cs typeface="Consolas" panose="020B0609020204030204"/>
-                <a:sym typeface="Consolas" panose="020B0609020204030204"/>
-              </a:rPr>
-              <a:t>rm</a:t>
-            </a:r>
-            <a:r>
-              <a:rPr lang="en-US" altLang="zh-TW" sz="4400" dirty="0">
-                <a:solidFill>
-                  <a:schemeClr val="dk1"/>
-                </a:solidFill>
-                <a:latin typeface="Consolas" panose="020B0609020204030204"/>
-                <a:ea typeface="Consolas" panose="020B0609020204030204"/>
-                <a:cs typeface="Consolas" panose="020B0609020204030204"/>
-                <a:sym typeface="Consolas" panose="020B0609020204030204"/>
-              </a:rPr>
-              <a:t> hello-c || exit /b 0'</a:t>
-            </a:r>
-          </a:p>
-          <a:p>
-            <a:pPr marL="175260" lvl="0" indent="0">
-              <a:spcBef>
-                <a:spcPts val="400"/>
-              </a:spcBef>
-              <a:spcAft>
-                <a:spcPts val="1000"/>
-              </a:spcAft>
-              <a:buClr>
-                <a:schemeClr val="dk1"/>
-              </a:buClr>
-              <a:buSzPct val="109000"/>
-              <a:buNone/>
-            </a:pPr>
-            <a:r>
-              <a:rPr lang="en-US" altLang="zh-TW" sz="4400" dirty="0">
-                <a:solidFill>
-                  <a:schemeClr val="dk1"/>
-                </a:solidFill>
-                <a:latin typeface="Consolas" panose="020B0609020204030204"/>
-                <a:ea typeface="Consolas" panose="020B0609020204030204"/>
-                <a:cs typeface="Consolas" panose="020B0609020204030204"/>
-                <a:sym typeface="Consolas" panose="020B0609020204030204"/>
-              </a:rPr>
-              <a:t>      }</a:t>
-            </a:r>
-          </a:p>
-          <a:p>
-            <a:pPr marL="175260" lvl="0" indent="0">
-              <a:spcBef>
-                <a:spcPts val="400"/>
-              </a:spcBef>
-              <a:spcAft>
-                <a:spcPts val="1000"/>
-              </a:spcAft>
-              <a:buClr>
-                <a:schemeClr val="dk1"/>
-              </a:buClr>
-              <a:buSzPct val="109000"/>
-              <a:buNone/>
-            </a:pPr>
-            <a:r>
-              <a:rPr lang="en-US" altLang="zh-TW" sz="4400" dirty="0">
-                <a:solidFill>
-                  <a:schemeClr val="dk1"/>
-                </a:solidFill>
-                <a:latin typeface="Consolas" panose="020B0609020204030204"/>
-                <a:ea typeface="Consolas" panose="020B0609020204030204"/>
-                <a:cs typeface="Consolas" panose="020B0609020204030204"/>
-                <a:sym typeface="Consolas" panose="020B0609020204030204"/>
-              </a:rPr>
               <a:t>    </a:t>
             </a:r>
             <a:r>
@@ -31034,7 +30056,7 @@
                 <a:cs typeface="Consolas" panose="020B0609020204030204"/>
                 <a:sym typeface="Consolas" panose="020B0609020204030204"/>
               </a:rPr>
-              <a:t>    stage('5. </a:t>
+              <a:t>    stage('</a:t>
             </a:r>
             <a:r>
               <a:rPr lang="zh-TW" altLang="en-US" sz="4400" dirty="0">
@@ -31046,10 +30068,10 @@
                 <a:cs typeface="Consolas" panose="020B0609020204030204"/>
                 <a:sym typeface="Consolas" panose="020B0609020204030204"/>
               </a:rPr>
-              <a:t>啟動新容器</a:t>
-            </a:r>
-            <a:r>
-              <a:rPr lang="en-US" altLang="zh-TW" sz="4400" dirty="0">
+              <a:t>抓取</a:t>
+            </a:r>
+            <a:r>
+              <a:rPr lang="en-US" altLang="zh-TW" sz="4400" dirty="0" err="1">
                 <a:solidFill>
                   <a:schemeClr val="dk1"/>
                 </a:solidFill>
@@ -31058,23 +30080,8 @@
                 <a:cs typeface="Consolas" panose="020B0609020204030204"/>
                 <a:sym typeface="Consolas" panose="020B0609020204030204"/>
               </a:rPr>
-              <a:t>') {</a:t>
-            </a:r>
-          </a:p>
-          <a:p>
-            <a:pPr marL="175260" lvl="0" indent="0">
-              <a:spcBef>
-                <a:spcPts val="400"/>
-              </a:spcBef>
-              <a:spcAft>
-                <a:spcPts val="1000"/>
-              </a:spcAft>
-              <a:buClr>
-                <a:schemeClr val="dk1"/>
-              </a:buClr>
-              <a:buSzPct val="109000"/>
-              <a:buNone/>
-            </a:pPr>
+              <a:t>git</a:t>
+            </a:r>
             <a:r>
               <a:rPr lang="en-US" altLang="zh-TW" sz="4400" dirty="0">
                 <a:solidFill>
@@ -31085,274 +30092,7 @@
                 <a:cs typeface="Consolas" panose="020B0609020204030204"/>
                 <a:sym typeface="Consolas" panose="020B0609020204030204"/>
               </a:rPr>
-              <a:t>      steps {</a:t>
-            </a:r>
-          </a:p>
-          <a:p>
-            <a:pPr marL="175260" lvl="0" indent="0">
-              <a:spcBef>
-                <a:spcPts val="400"/>
-              </a:spcBef>
-              <a:spcAft>
-                <a:spcPts val="1000"/>
-              </a:spcAft>
-              <a:buClr>
-                <a:schemeClr val="dk1"/>
-              </a:buClr>
-              <a:buSzPct val="109000"/>
-              <a:buNone/>
-            </a:pPr>
-            <a:r>
-              <a:rPr lang="en-US" altLang="zh-TW" sz="4400" dirty="0">
-                <a:solidFill>
-                  <a:schemeClr val="dk1"/>
-                </a:solidFill>
-                <a:latin typeface="Consolas" panose="020B0609020204030204"/>
-                <a:ea typeface="Consolas" panose="020B0609020204030204"/>
-                <a:cs typeface="Consolas" panose="020B0609020204030204"/>
-                <a:sym typeface="Consolas" panose="020B0609020204030204"/>
-              </a:rPr>
-              <a:t>        // </a:t>
-            </a:r>
-            <a:r>
-              <a:rPr lang="zh-TW" altLang="en-US" sz="4400" dirty="0">
-                <a:solidFill>
-                  <a:schemeClr val="dk1"/>
-                </a:solidFill>
-                <a:latin typeface="Consolas" panose="020B0609020204030204"/>
-                <a:ea typeface="Consolas" panose="020B0609020204030204"/>
-                <a:cs typeface="Consolas" panose="020B0609020204030204"/>
-                <a:sym typeface="Consolas" panose="020B0609020204030204"/>
-              </a:rPr>
-              <a:t>名稱與映像一致；依你的 </a:t>
-            </a:r>
-            <a:r>
-              <a:rPr lang="en-US" altLang="zh-TW" sz="4400" dirty="0">
-                <a:solidFill>
-                  <a:schemeClr val="dk1"/>
-                </a:solidFill>
-                <a:latin typeface="Consolas" panose="020B0609020204030204"/>
-                <a:ea typeface="Consolas" panose="020B0609020204030204"/>
-                <a:cs typeface="Consolas" panose="020B0609020204030204"/>
-                <a:sym typeface="Consolas" panose="020B0609020204030204"/>
-              </a:rPr>
-              <a:t>app </a:t>
-            </a:r>
-            <a:r>
-              <a:rPr lang="zh-TW" altLang="en-US" sz="4400" dirty="0">
-                <a:solidFill>
-                  <a:schemeClr val="dk1"/>
-                </a:solidFill>
-                <a:latin typeface="Consolas" panose="020B0609020204030204"/>
-                <a:ea typeface="Consolas" panose="020B0609020204030204"/>
-                <a:cs typeface="Consolas" panose="020B0609020204030204"/>
-                <a:sym typeface="Consolas" panose="020B0609020204030204"/>
-              </a:rPr>
-              <a:t>調整對外</a:t>
-            </a:r>
-            <a:r>
-              <a:rPr lang="en-US" altLang="zh-TW" sz="4400" dirty="0">
-                <a:solidFill>
-                  <a:schemeClr val="dk1"/>
-                </a:solidFill>
-                <a:latin typeface="Consolas" panose="020B0609020204030204"/>
-                <a:ea typeface="Consolas" panose="020B0609020204030204"/>
-                <a:cs typeface="Consolas" panose="020B0609020204030204"/>
-                <a:sym typeface="Consolas" panose="020B0609020204030204"/>
-              </a:rPr>
-              <a:t>/</a:t>
-            </a:r>
-            <a:r>
-              <a:rPr lang="zh-TW" altLang="en-US" sz="4400" dirty="0">
-                <a:solidFill>
-                  <a:schemeClr val="dk1"/>
-                </a:solidFill>
-                <a:latin typeface="Consolas" panose="020B0609020204030204"/>
-                <a:ea typeface="Consolas" panose="020B0609020204030204"/>
-                <a:cs typeface="Consolas" panose="020B0609020204030204"/>
-                <a:sym typeface="Consolas" panose="020B0609020204030204"/>
-              </a:rPr>
-              <a:t>內部埠</a:t>
-            </a:r>
-          </a:p>
-          <a:p>
-            <a:pPr marL="175260" lvl="0" indent="0">
-              <a:spcBef>
-                <a:spcPts val="400"/>
-              </a:spcBef>
-              <a:spcAft>
-                <a:spcPts val="1000"/>
-              </a:spcAft>
-              <a:buClr>
-                <a:schemeClr val="dk1"/>
-              </a:buClr>
-              <a:buSzPct val="109000"/>
-              <a:buNone/>
-            </a:pPr>
-            <a:r>
-              <a:rPr lang="zh-TW" altLang="en-US" sz="4400" dirty="0">
-                <a:solidFill>
-                  <a:schemeClr val="dk1"/>
-                </a:solidFill>
-                <a:latin typeface="Consolas" panose="020B0609020204030204"/>
-                <a:ea typeface="Consolas" panose="020B0609020204030204"/>
-                <a:cs typeface="Consolas" panose="020B0609020204030204"/>
-                <a:sym typeface="Consolas" panose="020B0609020204030204"/>
-              </a:rPr>
-              <a:t>        </a:t>
-            </a:r>
-            <a:r>
-              <a:rPr lang="en-US" altLang="zh-TW" sz="4400" dirty="0">
-                <a:solidFill>
-                  <a:schemeClr val="dk1"/>
-                </a:solidFill>
-                <a:latin typeface="Consolas" panose="020B0609020204030204"/>
-                <a:ea typeface="Consolas" panose="020B0609020204030204"/>
-                <a:cs typeface="Consolas" panose="020B0609020204030204"/>
-                <a:sym typeface="Consolas" panose="020B0609020204030204"/>
-              </a:rPr>
-              <a:t>bat '</a:t>
-            </a:r>
-            <a:r>
-              <a:rPr lang="en-US" altLang="zh-TW" sz="4400" dirty="0" err="1">
-                <a:solidFill>
-                  <a:schemeClr val="dk1"/>
-                </a:solidFill>
-                <a:latin typeface="Consolas" panose="020B0609020204030204"/>
-                <a:ea typeface="Consolas" panose="020B0609020204030204"/>
-                <a:cs typeface="Consolas" panose="020B0609020204030204"/>
-                <a:sym typeface="Consolas" panose="020B0609020204030204"/>
-              </a:rPr>
-              <a:t>docker</a:t>
-            </a:r>
-            <a:r>
-              <a:rPr lang="en-US" altLang="zh-TW" sz="4400" dirty="0">
-                <a:solidFill>
-                  <a:schemeClr val="dk1"/>
-                </a:solidFill>
-                <a:latin typeface="Consolas" panose="020B0609020204030204"/>
-                <a:ea typeface="Consolas" panose="020B0609020204030204"/>
-                <a:cs typeface="Consolas" panose="020B0609020204030204"/>
-                <a:sym typeface="Consolas" panose="020B0609020204030204"/>
-              </a:rPr>
-              <a:t> run -d --restart unless-stopped -p 8095:8000 --name hello-c </a:t>
-            </a:r>
-            <a:r>
-              <a:rPr lang="en-US" altLang="zh-TW" sz="4400" dirty="0" err="1">
-                <a:solidFill>
-                  <a:schemeClr val="dk1"/>
-                </a:solidFill>
-                <a:latin typeface="Consolas" panose="020B0609020204030204"/>
-                <a:ea typeface="Consolas" panose="020B0609020204030204"/>
-                <a:cs typeface="Consolas" panose="020B0609020204030204"/>
-                <a:sym typeface="Consolas" panose="020B0609020204030204"/>
-              </a:rPr>
-              <a:t>hello:latest</a:t>
-            </a:r>
-            <a:r>
-              <a:rPr lang="en-US" altLang="zh-TW" sz="4400" dirty="0">
-                <a:solidFill>
-                  <a:schemeClr val="dk1"/>
-                </a:solidFill>
-                <a:latin typeface="Consolas" panose="020B0609020204030204"/>
-                <a:ea typeface="Consolas" panose="020B0609020204030204"/>
-                <a:cs typeface="Consolas" panose="020B0609020204030204"/>
-                <a:sym typeface="Consolas" panose="020B0609020204030204"/>
-              </a:rPr>
-              <a:t>'</a:t>
-            </a:r>
-          </a:p>
-          <a:p>
-            <a:pPr marL="175260" lvl="0" indent="0">
-              <a:spcBef>
-                <a:spcPts val="400"/>
-              </a:spcBef>
-              <a:spcAft>
-                <a:spcPts val="1000"/>
-              </a:spcAft>
-              <a:buClr>
-                <a:schemeClr val="dk1"/>
-              </a:buClr>
-              <a:buSzPct val="109000"/>
-              <a:buNone/>
-            </a:pPr>
-            <a:r>
-              <a:rPr lang="en-US" altLang="zh-TW" sz="4400" dirty="0">
-                <a:solidFill>
-                  <a:schemeClr val="dk1"/>
-                </a:solidFill>
-                <a:latin typeface="Consolas" panose="020B0609020204030204"/>
-                <a:ea typeface="Consolas" panose="020B0609020204030204"/>
-                <a:cs typeface="Consolas" panose="020B0609020204030204"/>
-                <a:sym typeface="Consolas" panose="020B0609020204030204"/>
-              </a:rPr>
-              <a:t>      }</a:t>
-            </a:r>
-          </a:p>
-          <a:p>
-            <a:pPr marL="175260" lvl="0" indent="0">
-              <a:spcBef>
-                <a:spcPts val="400"/>
-              </a:spcBef>
-              <a:spcAft>
-                <a:spcPts val="1000"/>
-              </a:spcAft>
-              <a:buClr>
-                <a:schemeClr val="dk1"/>
-              </a:buClr>
-              <a:buSzPct val="109000"/>
-              <a:buNone/>
-            </a:pPr>
-            <a:r>
-              <a:rPr lang="en-US" altLang="zh-TW" sz="4400" dirty="0">
-                <a:solidFill>
-                  <a:schemeClr val="dk1"/>
-                </a:solidFill>
-                <a:latin typeface="Consolas" panose="020B0609020204030204"/>
-                <a:ea typeface="Consolas" panose="020B0609020204030204"/>
-                <a:cs typeface="Consolas" panose="020B0609020204030204"/>
-                <a:sym typeface="Consolas" panose="020B0609020204030204"/>
-              </a:rPr>
-              <a:t>    }</a:t>
-            </a:r>
-          </a:p>
-          <a:p>
-            <a:pPr marL="175260" lvl="0" indent="0">
-              <a:spcBef>
-                <a:spcPts val="400"/>
-              </a:spcBef>
-              <a:spcAft>
-                <a:spcPts val="1000"/>
-              </a:spcAft>
-              <a:buClr>
-                <a:schemeClr val="dk1"/>
-              </a:buClr>
-              <a:buSzPct val="109000"/>
-              <a:buNone/>
-            </a:pPr>
-            <a:r>
-              <a:rPr lang="en-US" altLang="zh-TW" sz="4400" dirty="0">
-                <a:solidFill>
-                  <a:schemeClr val="dk1"/>
-                </a:solidFill>
-                <a:latin typeface="Consolas" panose="020B0609020204030204"/>
-                <a:ea typeface="Consolas" panose="020B0609020204030204"/>
-                <a:cs typeface="Consolas" panose="020B0609020204030204"/>
-                <a:sym typeface="Consolas" panose="020B0609020204030204"/>
-              </a:rPr>
-              <a:t>  </a:t>
-            </a:r>
-            <a:r>
-              <a:rPr lang="en-US" altLang="zh-TW" sz="4400" dirty="0" smtClean="0">
-                <a:solidFill>
-                  <a:schemeClr val="dk1"/>
-                </a:solidFill>
-                <a:latin typeface="Consolas" panose="020B0609020204030204"/>
-                <a:ea typeface="Consolas" panose="020B0609020204030204"/>
-                <a:cs typeface="Consolas" panose="020B0609020204030204"/>
-                <a:sym typeface="Consolas" panose="020B0609020204030204"/>
-              </a:rPr>
-              <a:t>}</a:t>
+              <a:t>') {</a:t>
             </a:r>
             <a:endParaRPr lang="en-US" altLang="zh-TW" sz="4400" dirty="0">
               <a:solidFill>
@@ -31388,8 +30128,17 @@
                 <a:cs typeface="Consolas" panose="020B0609020204030204"/>
                 <a:sym typeface="Consolas" panose="020B0609020204030204"/>
               </a:rPr>
-              <a:t>  post {</a:t>
-            </a:r>
+              <a:t>      steps {</a:t>
+            </a:r>
+            <a:endParaRPr lang="en-US" altLang="zh-TW" sz="4400" dirty="0">
+              <a:solidFill>
+                <a:schemeClr val="dk1"/>
+              </a:solidFill>
+              <a:latin typeface="Consolas" panose="020B0609020204030204"/>
+              <a:ea typeface="Consolas" panose="020B0609020204030204"/>
+              <a:cs typeface="Consolas" panose="020B0609020204030204"/>
+              <a:sym typeface="Consolas" panose="020B0609020204030204"/>
+            </a:endParaRPr>
           </a:p>
           <a:p>
             <a:pPr marL="175260" lvl="0" indent="0">
@@ -31415,10 +30164,10 @@
                 <a:cs typeface="Consolas" panose="020B0609020204030204"/>
                 <a:sym typeface="Consolas" panose="020B0609020204030204"/>
               </a:rPr>
-              <a:t>    success { echo '</a:t>
-            </a:r>
-            <a:r>
-              <a:rPr lang="zh-TW" altLang="en-US" sz="4400" dirty="0">
+              <a:t>        </a:t>
+            </a:r>
+            <a:r>
+              <a:rPr lang="en-US" altLang="zh-TW" sz="4400" dirty="0" err="1">
                 <a:solidFill>
                   <a:schemeClr val="dk1"/>
                 </a:solidFill>
@@ -31427,7 +30176,7 @@
                 <a:cs typeface="Consolas" panose="020B0609020204030204"/>
                 <a:sym typeface="Consolas" panose="020B0609020204030204"/>
               </a:rPr>
-              <a:t>✅ 部署完成，容器已啟動 </a:t>
+              <a:t>git</a:t>
             </a:r>
             <a:r>
               <a:rPr lang="en-US" altLang="zh-TW" sz="4400" dirty="0">
@@ -31439,8 +30188,17 @@
                 <a:cs typeface="Consolas" panose="020B0609020204030204"/>
                 <a:sym typeface="Consolas" panose="020B0609020204030204"/>
               </a:rPr>
-              <a:t>http://localhost:8080' }</a:t>
-            </a:r>
+              <a:t> branch: 'main',</a:t>
+            </a:r>
+            <a:endParaRPr lang="en-US" altLang="zh-TW" sz="4400" dirty="0">
+              <a:solidFill>
+                <a:schemeClr val="dk1"/>
+              </a:solidFill>
+              <a:latin typeface="Consolas" panose="020B0609020204030204"/>
+              <a:ea typeface="Consolas" panose="020B0609020204030204"/>
+              <a:cs typeface="Consolas" panose="020B0609020204030204"/>
+              <a:sym typeface="Consolas" panose="020B0609020204030204"/>
+            </a:endParaRPr>
           </a:p>
           <a:p>
             <a:pPr marL="175260" lvl="0" indent="0">
@@ -31466,10 +30224,10 @@
                 <a:cs typeface="Consolas" panose="020B0609020204030204"/>
                 <a:sym typeface="Consolas" panose="020B0609020204030204"/>
               </a:rPr>
-              <a:t>    failure { echo '</a:t>
-            </a:r>
-            <a:r>
-              <a:rPr lang="zh-TW" altLang="en-US" sz="4400" dirty="0">
+              <a:t>            </a:t>
+            </a:r>
+            <a:r>
+              <a:rPr lang="en-US" altLang="zh-TW" sz="4400" dirty="0" err="1">
                 <a:solidFill>
                   <a:schemeClr val="dk1"/>
                 </a:solidFill>
@@ -31478,7 +30236,7 @@
                 <a:cs typeface="Consolas" panose="020B0609020204030204"/>
                 <a:sym typeface="Consolas" panose="020B0609020204030204"/>
               </a:rPr>
-              <a:t>❌ 部署失敗，請檢查 </a:t>
+              <a:t>credentialsId</a:t>
             </a:r>
             <a:r>
               <a:rPr lang="en-US" altLang="zh-TW" sz="4400" dirty="0">
@@ -31490,10 +30248,10 @@
                 <a:cs typeface="Consolas" panose="020B0609020204030204"/>
                 <a:sym typeface="Consolas" panose="020B0609020204030204"/>
               </a:rPr>
-              <a:t>Jenkins Console </a:t>
-            </a:r>
-            <a:r>
-              <a:rPr lang="zh-TW" altLang="en-US" sz="4400" dirty="0">
+              <a:t>: '</a:t>
+            </a:r>
+            <a:r>
+              <a:rPr lang="en-US" altLang="zh-TW" sz="4400" dirty="0" err="1">
                 <a:solidFill>
                   <a:schemeClr val="dk1"/>
                 </a:solidFill>
@@ -31502,7 +30260,7 @@
                 <a:cs typeface="Consolas" panose="020B0609020204030204"/>
                 <a:sym typeface="Consolas" panose="020B0609020204030204"/>
               </a:rPr>
-              <a:t>輸出</a:t>
+              <a:t>githubuser</a:t>
             </a:r>
             <a:r>
               <a:rPr lang="en-US" altLang="zh-TW" sz="4400" dirty="0">
@@ -31514,8 +30272,17 @@
                 <a:cs typeface="Consolas" panose="020B0609020204030204"/>
                 <a:sym typeface="Consolas" panose="020B0609020204030204"/>
               </a:rPr>
-              <a:t>' }</a:t>
-            </a:r>
+              <a:t>',</a:t>
+            </a:r>
+            <a:endParaRPr lang="en-US" altLang="zh-TW" sz="4400" dirty="0">
+              <a:solidFill>
+                <a:schemeClr val="dk1"/>
+              </a:solidFill>
+              <a:latin typeface="Consolas" panose="020B0609020204030204"/>
+              <a:ea typeface="Consolas" panose="020B0609020204030204"/>
+              <a:cs typeface="Consolas" panose="020B0609020204030204"/>
+              <a:sym typeface="Consolas" panose="020B0609020204030204"/>
+            </a:endParaRPr>
           </a:p>
           <a:p>
             <a:pPr marL="175260" lvl="0" indent="0">
@@ -31541,8 +30308,65 @@
                 <a:cs typeface="Consolas" panose="020B0609020204030204"/>
                 <a:sym typeface="Consolas" panose="020B0609020204030204"/>
               </a:rPr>
-              <a:t>  }</a:t>
-            </a:r>
+              <a:t>            url: 'https://github.com/</a:t>
+            </a:r>
+            <a:r>
+              <a:rPr lang="en-US" altLang="zh-TW" sz="4400" dirty="0" err="1">
+                <a:solidFill>
+                  <a:schemeClr val="dk1"/>
+                </a:solidFill>
+                <a:latin typeface="Consolas" panose="020B0609020204030204"/>
+                <a:ea typeface="Consolas" panose="020B0609020204030204"/>
+                <a:cs typeface="Consolas" panose="020B0609020204030204"/>
+                <a:sym typeface="Consolas" panose="020B0609020204030204"/>
+              </a:rPr>
+              <a:t>coolyuoo</a:t>
+            </a:r>
+            <a:r>
+              <a:rPr lang="en-US" altLang="zh-TW" sz="4400" dirty="0">
+                <a:solidFill>
+                  <a:schemeClr val="dk1"/>
+                </a:solidFill>
+                <a:latin typeface="Consolas" panose="020B0609020204030204"/>
+                <a:ea typeface="Consolas" panose="020B0609020204030204"/>
+                <a:cs typeface="Consolas" panose="020B0609020204030204"/>
+                <a:sym typeface="Consolas" panose="020B0609020204030204"/>
+              </a:rPr>
+              <a:t>/</a:t>
+            </a:r>
+            <a:r>
+              <a:rPr lang="en-US" altLang="zh-TW" sz="4400" dirty="0" err="1">
+                <a:solidFill>
+                  <a:schemeClr val="dk1"/>
+                </a:solidFill>
+                <a:latin typeface="Consolas" panose="020B0609020204030204"/>
+                <a:ea typeface="Consolas" panose="020B0609020204030204"/>
+                <a:cs typeface="Consolas" panose="020B0609020204030204"/>
+                <a:sym typeface="Consolas" panose="020B0609020204030204"/>
+              </a:rPr>
+              <a:t>ClassHello.git</a:t>
+            </a:r>
+            <a:r>
+              <a:rPr lang="en-US" altLang="zh-TW" sz="4400" dirty="0">
+                <a:solidFill>
+                  <a:schemeClr val="dk1"/>
+                </a:solidFill>
+                <a:latin typeface="Consolas" panose="020B0609020204030204"/>
+                <a:ea typeface="Consolas" panose="020B0609020204030204"/>
+                <a:cs typeface="Consolas" panose="020B0609020204030204"/>
+                <a:sym typeface="Consolas" panose="020B0609020204030204"/>
+              </a:rPr>
+              <a:t>'</a:t>
+            </a:r>
+            <a:endParaRPr lang="en-US" altLang="zh-TW" sz="4400" dirty="0">
+              <a:solidFill>
+                <a:schemeClr val="dk1"/>
+              </a:solidFill>
+              <a:latin typeface="Consolas" panose="020B0609020204030204"/>
+              <a:ea typeface="Consolas" panose="020B0609020204030204"/>
+              <a:cs typeface="Consolas" panose="020B0609020204030204"/>
+              <a:sym typeface="Consolas" panose="020B0609020204030204"/>
+            </a:endParaRPr>
           </a:p>
           <a:p>
             <a:pPr marL="175260" lvl="0" indent="0">
@@ -31568,8 +30392,1601 @@
                 <a:cs typeface="Consolas" panose="020B0609020204030204"/>
                 <a:sym typeface="Consolas" panose="020B0609020204030204"/>
               </a:rPr>
+              <a:t>      }</a:t>
+            </a:r>
+            <a:endParaRPr lang="en-US" altLang="zh-TW" sz="4400" dirty="0">
+              <a:solidFill>
+                <a:schemeClr val="dk1"/>
+              </a:solidFill>
+              <a:latin typeface="Consolas" panose="020B0609020204030204"/>
+              <a:ea typeface="Consolas" panose="020B0609020204030204"/>
+              <a:cs typeface="Consolas" panose="020B0609020204030204"/>
+              <a:sym typeface="Consolas" panose="020B0609020204030204"/>
+            </a:endParaRPr>
+          </a:p>
+          <a:p>
+            <a:pPr marL="175260" lvl="0" indent="0">
+              <a:spcBef>
+                <a:spcPts val="400"/>
+              </a:spcBef>
+              <a:spcAft>
+                <a:spcPts val="1000"/>
+              </a:spcAft>
+              <a:buClr>
+                <a:schemeClr val="dk1"/>
+              </a:buClr>
+              <a:buSzPct val="109000"/>
+              <a:buNone/>
+            </a:pPr>
+            <a:r>
+              <a:rPr lang="en-US" altLang="zh-TW" sz="4400" dirty="0">
+                <a:solidFill>
+                  <a:schemeClr val="dk1"/>
+                </a:solidFill>
+                <a:latin typeface="Consolas" panose="020B0609020204030204"/>
+                <a:ea typeface="Consolas" panose="020B0609020204030204"/>
+                <a:cs typeface="Consolas" panose="020B0609020204030204"/>
+                <a:sym typeface="Consolas" panose="020B0609020204030204"/>
+              </a:rPr>
+              <a:t>    </a:t>
+            </a:r>
+            <a:r>
+              <a:rPr lang="en-US" altLang="zh-TW" sz="4400" dirty="0" smtClean="0">
+                <a:solidFill>
+                  <a:schemeClr val="dk1"/>
+                </a:solidFill>
+                <a:latin typeface="Consolas" panose="020B0609020204030204"/>
+                <a:ea typeface="Consolas" panose="020B0609020204030204"/>
+                <a:cs typeface="Consolas" panose="020B0609020204030204"/>
+                <a:sym typeface="Consolas" panose="020B0609020204030204"/>
+              </a:rPr>
               <a:t>}</a:t>
             </a:r>
+            <a:endParaRPr lang="en-US" altLang="zh-TW" sz="4400" dirty="0">
+              <a:solidFill>
+                <a:schemeClr val="dk1"/>
+              </a:solidFill>
+              <a:latin typeface="Consolas" panose="020B0609020204030204"/>
+              <a:ea typeface="Consolas" panose="020B0609020204030204"/>
+              <a:cs typeface="Consolas" panose="020B0609020204030204"/>
+              <a:sym typeface="Consolas" panose="020B0609020204030204"/>
+            </a:endParaRPr>
+          </a:p>
+          <a:p>
+            <a:pPr marL="175260" lvl="0" indent="0">
+              <a:spcBef>
+                <a:spcPts val="400"/>
+              </a:spcBef>
+              <a:spcAft>
+                <a:spcPts val="1000"/>
+              </a:spcAft>
+              <a:buClr>
+                <a:schemeClr val="dk1"/>
+              </a:buClr>
+              <a:buSzPct val="109000"/>
+              <a:buNone/>
+            </a:pPr>
+            <a:r>
+              <a:rPr lang="en-US" altLang="zh-TW" sz="4400" dirty="0">
+                <a:solidFill>
+                  <a:schemeClr val="dk1"/>
+                </a:solidFill>
+                <a:latin typeface="Consolas" panose="020B0609020204030204"/>
+                <a:ea typeface="Consolas" panose="020B0609020204030204"/>
+                <a:cs typeface="Consolas" panose="020B0609020204030204"/>
+                <a:sym typeface="Consolas" panose="020B0609020204030204"/>
+              </a:rPr>
+              <a:t>    stage('2. </a:t>
+            </a:r>
+            <a:r>
+              <a:rPr lang="zh-TW" altLang="en-US" sz="4400" dirty="0">
+                <a:solidFill>
+                  <a:schemeClr val="dk1"/>
+                </a:solidFill>
+                <a:latin typeface="Consolas" panose="020B0609020204030204"/>
+                <a:ea typeface="Consolas" panose="020B0609020204030204"/>
+                <a:cs typeface="Consolas" panose="020B0609020204030204"/>
+                <a:sym typeface="Consolas" panose="020B0609020204030204"/>
+              </a:rPr>
+              <a:t>建立 </a:t>
+            </a:r>
+            <a:r>
+              <a:rPr lang="en-US" altLang="zh-TW" sz="4400" dirty="0">
+                <a:solidFill>
+                  <a:schemeClr val="dk1"/>
+                </a:solidFill>
+                <a:latin typeface="Consolas" panose="020B0609020204030204"/>
+                <a:ea typeface="Consolas" panose="020B0609020204030204"/>
+                <a:cs typeface="Consolas" panose="020B0609020204030204"/>
+                <a:sym typeface="Consolas" panose="020B0609020204030204"/>
+              </a:rPr>
+              <a:t>Docker image') {</a:t>
+            </a:r>
+            <a:endParaRPr lang="en-US" altLang="zh-TW" sz="4400" dirty="0">
+              <a:solidFill>
+                <a:schemeClr val="dk1"/>
+              </a:solidFill>
+              <a:latin typeface="Consolas" panose="020B0609020204030204"/>
+              <a:ea typeface="Consolas" panose="020B0609020204030204"/>
+              <a:cs typeface="Consolas" panose="020B0609020204030204"/>
+              <a:sym typeface="Consolas" panose="020B0609020204030204"/>
+            </a:endParaRPr>
+          </a:p>
+          <a:p>
+            <a:pPr marL="175260" lvl="0" indent="0">
+              <a:spcBef>
+                <a:spcPts val="400"/>
+              </a:spcBef>
+              <a:spcAft>
+                <a:spcPts val="1000"/>
+              </a:spcAft>
+              <a:buClr>
+                <a:schemeClr val="dk1"/>
+              </a:buClr>
+              <a:buSzPct val="109000"/>
+              <a:buNone/>
+            </a:pPr>
+            <a:r>
+              <a:rPr lang="en-US" altLang="zh-TW" sz="4400" dirty="0">
+                <a:solidFill>
+                  <a:schemeClr val="dk1"/>
+                </a:solidFill>
+                <a:latin typeface="Consolas" panose="020B0609020204030204"/>
+                <a:ea typeface="Consolas" panose="020B0609020204030204"/>
+                <a:cs typeface="Consolas" panose="020B0609020204030204"/>
+                <a:sym typeface="Consolas" panose="020B0609020204030204"/>
+              </a:rPr>
+              <a:t>      steps {</a:t>
+            </a:r>
+            <a:endParaRPr lang="en-US" altLang="zh-TW" sz="4400" dirty="0">
+              <a:solidFill>
+                <a:schemeClr val="dk1"/>
+              </a:solidFill>
+              <a:latin typeface="Consolas" panose="020B0609020204030204"/>
+              <a:ea typeface="Consolas" panose="020B0609020204030204"/>
+              <a:cs typeface="Consolas" panose="020B0609020204030204"/>
+              <a:sym typeface="Consolas" panose="020B0609020204030204"/>
+            </a:endParaRPr>
+          </a:p>
+          <a:p>
+            <a:pPr marL="175260" lvl="0" indent="0">
+              <a:spcBef>
+                <a:spcPts val="400"/>
+              </a:spcBef>
+              <a:spcAft>
+                <a:spcPts val="1000"/>
+              </a:spcAft>
+              <a:buClr>
+                <a:schemeClr val="dk1"/>
+              </a:buClr>
+              <a:buSzPct val="109000"/>
+              <a:buNone/>
+            </a:pPr>
+            <a:r>
+              <a:rPr lang="en-US" altLang="zh-TW" sz="4400" dirty="0">
+                <a:solidFill>
+                  <a:schemeClr val="dk1"/>
+                </a:solidFill>
+                <a:latin typeface="Consolas" panose="020B0609020204030204"/>
+                <a:ea typeface="Consolas" panose="020B0609020204030204"/>
+                <a:cs typeface="Consolas" panose="020B0609020204030204"/>
+                <a:sym typeface="Consolas" panose="020B0609020204030204"/>
+              </a:rPr>
+              <a:t>        bat '</a:t>
+            </a:r>
+            <a:r>
+              <a:rPr lang="en-US" altLang="zh-TW" sz="4400" dirty="0" err="1">
+                <a:solidFill>
+                  <a:schemeClr val="dk1"/>
+                </a:solidFill>
+                <a:latin typeface="Consolas" panose="020B0609020204030204"/>
+                <a:ea typeface="Consolas" panose="020B0609020204030204"/>
+                <a:cs typeface="Consolas" panose="020B0609020204030204"/>
+                <a:sym typeface="Consolas" panose="020B0609020204030204"/>
+              </a:rPr>
+              <a:t>docker</a:t>
+            </a:r>
+            <a:r>
+              <a:rPr lang="en-US" altLang="zh-TW" sz="4400" dirty="0">
+                <a:solidFill>
+                  <a:schemeClr val="dk1"/>
+                </a:solidFill>
+                <a:latin typeface="Consolas" panose="020B0609020204030204"/>
+                <a:ea typeface="Consolas" panose="020B0609020204030204"/>
+                <a:cs typeface="Consolas" panose="020B0609020204030204"/>
+                <a:sym typeface="Consolas" panose="020B0609020204030204"/>
+              </a:rPr>
+              <a:t> build -t </a:t>
+            </a:r>
+            <a:r>
+              <a:rPr lang="en-US" altLang="zh-TW" sz="4400" dirty="0" err="1">
+                <a:solidFill>
+                  <a:schemeClr val="dk1"/>
+                </a:solidFill>
+                <a:latin typeface="Consolas" panose="020B0609020204030204"/>
+                <a:ea typeface="Consolas" panose="020B0609020204030204"/>
+                <a:cs typeface="Consolas" panose="020B0609020204030204"/>
+                <a:sym typeface="Consolas" panose="020B0609020204030204"/>
+              </a:rPr>
+              <a:t>hello:latest</a:t>
+            </a:r>
+            <a:r>
+              <a:rPr lang="en-US" altLang="zh-TW" sz="4400" dirty="0">
+                <a:solidFill>
+                  <a:schemeClr val="dk1"/>
+                </a:solidFill>
+                <a:latin typeface="Consolas" panose="020B0609020204030204"/>
+                <a:ea typeface="Consolas" panose="020B0609020204030204"/>
+                <a:cs typeface="Consolas" panose="020B0609020204030204"/>
+                <a:sym typeface="Consolas" panose="020B0609020204030204"/>
+              </a:rPr>
+              <a:t> .'</a:t>
+            </a:r>
+            <a:endParaRPr lang="en-US" altLang="zh-TW" sz="4400" dirty="0">
+              <a:solidFill>
+                <a:schemeClr val="dk1"/>
+              </a:solidFill>
+              <a:latin typeface="Consolas" panose="020B0609020204030204"/>
+              <a:ea typeface="Consolas" panose="020B0609020204030204"/>
+              <a:cs typeface="Consolas" panose="020B0609020204030204"/>
+              <a:sym typeface="Consolas" panose="020B0609020204030204"/>
+            </a:endParaRPr>
+          </a:p>
+          <a:p>
+            <a:pPr marL="175260" lvl="0" indent="0">
+              <a:spcBef>
+                <a:spcPts val="400"/>
+              </a:spcBef>
+              <a:spcAft>
+                <a:spcPts val="1000"/>
+              </a:spcAft>
+              <a:buClr>
+                <a:schemeClr val="dk1"/>
+              </a:buClr>
+              <a:buSzPct val="109000"/>
+              <a:buNone/>
+            </a:pPr>
+            <a:r>
+              <a:rPr lang="en-US" altLang="zh-TW" sz="4400" dirty="0">
+                <a:solidFill>
+                  <a:schemeClr val="dk1"/>
+                </a:solidFill>
+                <a:latin typeface="Consolas" panose="020B0609020204030204"/>
+                <a:ea typeface="Consolas" panose="020B0609020204030204"/>
+                <a:cs typeface="Consolas" panose="020B0609020204030204"/>
+                <a:sym typeface="Consolas" panose="020B0609020204030204"/>
+              </a:rPr>
+              <a:t>      }</a:t>
+            </a:r>
+            <a:endParaRPr lang="en-US" altLang="zh-TW" sz="4400" dirty="0">
+              <a:solidFill>
+                <a:schemeClr val="dk1"/>
+              </a:solidFill>
+              <a:latin typeface="Consolas" panose="020B0609020204030204"/>
+              <a:ea typeface="Consolas" panose="020B0609020204030204"/>
+              <a:cs typeface="Consolas" panose="020B0609020204030204"/>
+              <a:sym typeface="Consolas" panose="020B0609020204030204"/>
+            </a:endParaRPr>
+          </a:p>
+          <a:p>
+            <a:pPr marL="175260" lvl="0" indent="0">
+              <a:spcBef>
+                <a:spcPts val="400"/>
+              </a:spcBef>
+              <a:spcAft>
+                <a:spcPts val="1000"/>
+              </a:spcAft>
+              <a:buClr>
+                <a:schemeClr val="dk1"/>
+              </a:buClr>
+              <a:buSzPct val="109000"/>
+              <a:buNone/>
+            </a:pPr>
+            <a:r>
+              <a:rPr lang="en-US" altLang="zh-TW" sz="4400" dirty="0">
+                <a:solidFill>
+                  <a:schemeClr val="dk1"/>
+                </a:solidFill>
+                <a:latin typeface="Consolas" panose="020B0609020204030204"/>
+                <a:ea typeface="Consolas" panose="020B0609020204030204"/>
+                <a:cs typeface="Consolas" panose="020B0609020204030204"/>
+                <a:sym typeface="Consolas" panose="020B0609020204030204"/>
+              </a:rPr>
+              <a:t>    </a:t>
+            </a:r>
+            <a:r>
+              <a:rPr lang="en-US" altLang="zh-TW" sz="4400" dirty="0" smtClean="0">
+                <a:solidFill>
+                  <a:schemeClr val="dk1"/>
+                </a:solidFill>
+                <a:latin typeface="Consolas" panose="020B0609020204030204"/>
+                <a:ea typeface="Consolas" panose="020B0609020204030204"/>
+                <a:cs typeface="Consolas" panose="020B0609020204030204"/>
+                <a:sym typeface="Consolas" panose="020B0609020204030204"/>
+              </a:rPr>
+              <a:t>}</a:t>
+            </a:r>
+            <a:endParaRPr lang="en-US" altLang="zh-TW" sz="4400" dirty="0">
+              <a:solidFill>
+                <a:schemeClr val="dk1"/>
+              </a:solidFill>
+              <a:latin typeface="Consolas" panose="020B0609020204030204"/>
+              <a:ea typeface="Consolas" panose="020B0609020204030204"/>
+              <a:cs typeface="Consolas" panose="020B0609020204030204"/>
+              <a:sym typeface="Consolas" panose="020B0609020204030204"/>
+            </a:endParaRPr>
+          </a:p>
+          <a:p>
+            <a:pPr marL="175260" lvl="0" indent="0">
+              <a:spcBef>
+                <a:spcPts val="400"/>
+              </a:spcBef>
+              <a:spcAft>
+                <a:spcPts val="1000"/>
+              </a:spcAft>
+              <a:buClr>
+                <a:schemeClr val="dk1"/>
+              </a:buClr>
+              <a:buSzPct val="109000"/>
+              <a:buNone/>
+            </a:pPr>
+            <a:r>
+              <a:rPr lang="en-US" altLang="zh-TW" sz="4400" dirty="0">
+                <a:solidFill>
+                  <a:schemeClr val="dk1"/>
+                </a:solidFill>
+                <a:latin typeface="Consolas" panose="020B0609020204030204"/>
+                <a:ea typeface="Consolas" panose="020B0609020204030204"/>
+                <a:cs typeface="Consolas" panose="020B0609020204030204"/>
+                <a:sym typeface="Consolas" panose="020B0609020204030204"/>
+              </a:rPr>
+              <a:t>    stage('3. </a:t>
+            </a:r>
+            <a:r>
+              <a:rPr lang="zh-TW" altLang="en-US" sz="4400" dirty="0">
+                <a:solidFill>
+                  <a:schemeClr val="dk1"/>
+                </a:solidFill>
+                <a:latin typeface="Consolas" panose="020B0609020204030204"/>
+                <a:ea typeface="Consolas" panose="020B0609020204030204"/>
+                <a:cs typeface="Consolas" panose="020B0609020204030204"/>
+                <a:sym typeface="Consolas" panose="020B0609020204030204"/>
+              </a:rPr>
+              <a:t>停止舊容器</a:t>
+            </a:r>
+            <a:r>
+              <a:rPr lang="en-US" altLang="zh-TW" sz="4400" dirty="0">
+                <a:solidFill>
+                  <a:schemeClr val="dk1"/>
+                </a:solidFill>
+                <a:latin typeface="Consolas" panose="020B0609020204030204"/>
+                <a:ea typeface="Consolas" panose="020B0609020204030204"/>
+                <a:cs typeface="Consolas" panose="020B0609020204030204"/>
+                <a:sym typeface="Consolas" panose="020B0609020204030204"/>
+              </a:rPr>
+              <a:t>') {</a:t>
+            </a:r>
+            <a:endParaRPr lang="en-US" altLang="zh-TW" sz="4400" dirty="0">
+              <a:solidFill>
+                <a:schemeClr val="dk1"/>
+              </a:solidFill>
+              <a:latin typeface="Consolas" panose="020B0609020204030204"/>
+              <a:ea typeface="Consolas" panose="020B0609020204030204"/>
+              <a:cs typeface="Consolas" panose="020B0609020204030204"/>
+              <a:sym typeface="Consolas" panose="020B0609020204030204"/>
+            </a:endParaRPr>
+          </a:p>
+          <a:p>
+            <a:pPr marL="175260" lvl="0" indent="0">
+              <a:spcBef>
+                <a:spcPts val="400"/>
+              </a:spcBef>
+              <a:spcAft>
+                <a:spcPts val="1000"/>
+              </a:spcAft>
+              <a:buClr>
+                <a:schemeClr val="dk1"/>
+              </a:buClr>
+              <a:buSzPct val="109000"/>
+              <a:buNone/>
+            </a:pPr>
+            <a:r>
+              <a:rPr lang="en-US" altLang="zh-TW" sz="4400" dirty="0">
+                <a:solidFill>
+                  <a:schemeClr val="dk1"/>
+                </a:solidFill>
+                <a:latin typeface="Consolas" panose="020B0609020204030204"/>
+                <a:ea typeface="Consolas" panose="020B0609020204030204"/>
+                <a:cs typeface="Consolas" panose="020B0609020204030204"/>
+                <a:sym typeface="Consolas" panose="020B0609020204030204"/>
+              </a:rPr>
+              <a:t>      steps {</a:t>
+            </a:r>
+            <a:endParaRPr lang="en-US" altLang="zh-TW" sz="4400" dirty="0">
+              <a:solidFill>
+                <a:schemeClr val="dk1"/>
+              </a:solidFill>
+              <a:latin typeface="Consolas" panose="020B0609020204030204"/>
+              <a:ea typeface="Consolas" panose="020B0609020204030204"/>
+              <a:cs typeface="Consolas" panose="020B0609020204030204"/>
+              <a:sym typeface="Consolas" panose="020B0609020204030204"/>
+            </a:endParaRPr>
+          </a:p>
+          <a:p>
+            <a:pPr marL="175260" lvl="0" indent="0">
+              <a:spcBef>
+                <a:spcPts val="400"/>
+              </a:spcBef>
+              <a:spcAft>
+                <a:spcPts val="1000"/>
+              </a:spcAft>
+              <a:buClr>
+                <a:schemeClr val="dk1"/>
+              </a:buClr>
+              <a:buSzPct val="109000"/>
+              <a:buNone/>
+            </a:pPr>
+            <a:r>
+              <a:rPr lang="en-US" altLang="zh-TW" sz="4400" dirty="0">
+                <a:solidFill>
+                  <a:schemeClr val="dk1"/>
+                </a:solidFill>
+                <a:latin typeface="Consolas" panose="020B0609020204030204"/>
+                <a:ea typeface="Consolas" panose="020B0609020204030204"/>
+                <a:cs typeface="Consolas" panose="020B0609020204030204"/>
+                <a:sym typeface="Consolas" panose="020B0609020204030204"/>
+              </a:rPr>
+              <a:t>        // </a:t>
+            </a:r>
+            <a:r>
+              <a:rPr lang="zh-TW" altLang="en-US" sz="4400" dirty="0">
+                <a:solidFill>
+                  <a:schemeClr val="dk1"/>
+                </a:solidFill>
+                <a:latin typeface="Consolas" panose="020B0609020204030204"/>
+                <a:ea typeface="Consolas" panose="020B0609020204030204"/>
+                <a:cs typeface="Consolas" panose="020B0609020204030204"/>
+                <a:sym typeface="Consolas" panose="020B0609020204030204"/>
+              </a:rPr>
+              <a:t>若不存在不要讓 </a:t>
+            </a:r>
+            <a:r>
+              <a:rPr lang="en-US" altLang="zh-TW" sz="4400" dirty="0">
+                <a:solidFill>
+                  <a:schemeClr val="dk1"/>
+                </a:solidFill>
+                <a:latin typeface="Consolas" panose="020B0609020204030204"/>
+                <a:ea typeface="Consolas" panose="020B0609020204030204"/>
+                <a:cs typeface="Consolas" panose="020B0609020204030204"/>
+                <a:sym typeface="Consolas" panose="020B0609020204030204"/>
+              </a:rPr>
+              <a:t>pipeline </a:t>
+            </a:r>
+            <a:r>
+              <a:rPr lang="zh-TW" altLang="en-US" sz="4400" dirty="0">
+                <a:solidFill>
+                  <a:schemeClr val="dk1"/>
+                </a:solidFill>
+                <a:latin typeface="Consolas" panose="020B0609020204030204"/>
+                <a:ea typeface="Consolas" panose="020B0609020204030204"/>
+                <a:cs typeface="Consolas" panose="020B0609020204030204"/>
+                <a:sym typeface="Consolas" panose="020B0609020204030204"/>
+              </a:rPr>
+              <a:t>失敗</a:t>
+            </a:r>
+            <a:endParaRPr lang="zh-TW" altLang="en-US" sz="4400" dirty="0">
+              <a:solidFill>
+                <a:schemeClr val="dk1"/>
+              </a:solidFill>
+              <a:latin typeface="Consolas" panose="020B0609020204030204"/>
+              <a:ea typeface="Consolas" panose="020B0609020204030204"/>
+              <a:cs typeface="Consolas" panose="020B0609020204030204"/>
+              <a:sym typeface="Consolas" panose="020B0609020204030204"/>
+            </a:endParaRPr>
+          </a:p>
+          <a:p>
+            <a:pPr marL="175260" lvl="0" indent="0">
+              <a:spcBef>
+                <a:spcPts val="400"/>
+              </a:spcBef>
+              <a:spcAft>
+                <a:spcPts val="1000"/>
+              </a:spcAft>
+              <a:buClr>
+                <a:schemeClr val="dk1"/>
+              </a:buClr>
+              <a:buSzPct val="109000"/>
+              <a:buNone/>
+            </a:pPr>
+            <a:r>
+              <a:rPr lang="zh-TW" altLang="en-US" sz="4400" dirty="0">
+                <a:solidFill>
+                  <a:schemeClr val="dk1"/>
+                </a:solidFill>
+                <a:latin typeface="Consolas" panose="020B0609020204030204"/>
+                <a:ea typeface="Consolas" panose="020B0609020204030204"/>
+                <a:cs typeface="Consolas" panose="020B0609020204030204"/>
+                <a:sym typeface="Consolas" panose="020B0609020204030204"/>
+              </a:rPr>
+              <a:t>        </a:t>
+            </a:r>
+            <a:r>
+              <a:rPr lang="en-US" altLang="zh-TW" sz="4400" dirty="0">
+                <a:solidFill>
+                  <a:schemeClr val="dk1"/>
+                </a:solidFill>
+                <a:latin typeface="Consolas" panose="020B0609020204030204"/>
+                <a:ea typeface="Consolas" panose="020B0609020204030204"/>
+                <a:cs typeface="Consolas" panose="020B0609020204030204"/>
+                <a:sym typeface="Consolas" panose="020B0609020204030204"/>
+              </a:rPr>
+              <a:t>bat '</a:t>
+            </a:r>
+            <a:r>
+              <a:rPr lang="en-US" altLang="zh-TW" sz="4400" dirty="0" err="1">
+                <a:solidFill>
+                  <a:schemeClr val="dk1"/>
+                </a:solidFill>
+                <a:latin typeface="Consolas" panose="020B0609020204030204"/>
+                <a:ea typeface="Consolas" panose="020B0609020204030204"/>
+                <a:cs typeface="Consolas" panose="020B0609020204030204"/>
+                <a:sym typeface="Consolas" panose="020B0609020204030204"/>
+              </a:rPr>
+              <a:t>docker</a:t>
+            </a:r>
+            <a:r>
+              <a:rPr lang="en-US" altLang="zh-TW" sz="4400" dirty="0">
+                <a:solidFill>
+                  <a:schemeClr val="dk1"/>
+                </a:solidFill>
+                <a:latin typeface="Consolas" panose="020B0609020204030204"/>
+                <a:ea typeface="Consolas" panose="020B0609020204030204"/>
+                <a:cs typeface="Consolas" panose="020B0609020204030204"/>
+                <a:sym typeface="Consolas" panose="020B0609020204030204"/>
+              </a:rPr>
+              <a:t> stop hello-c'</a:t>
+            </a:r>
+            <a:endParaRPr lang="en-US" altLang="zh-TW" sz="4400" dirty="0">
+              <a:solidFill>
+                <a:schemeClr val="dk1"/>
+              </a:solidFill>
+              <a:latin typeface="Consolas" panose="020B0609020204030204"/>
+              <a:ea typeface="Consolas" panose="020B0609020204030204"/>
+              <a:cs typeface="Consolas" panose="020B0609020204030204"/>
+              <a:sym typeface="Consolas" panose="020B0609020204030204"/>
+            </a:endParaRPr>
+          </a:p>
+          <a:p>
+            <a:pPr marL="175260" lvl="0" indent="0">
+              <a:spcBef>
+                <a:spcPts val="400"/>
+              </a:spcBef>
+              <a:spcAft>
+                <a:spcPts val="1000"/>
+              </a:spcAft>
+              <a:buClr>
+                <a:schemeClr val="dk1"/>
+              </a:buClr>
+              <a:buSzPct val="109000"/>
+              <a:buNone/>
+            </a:pPr>
+            <a:r>
+              <a:rPr lang="en-US" altLang="zh-TW" sz="4400" dirty="0">
+                <a:solidFill>
+                  <a:schemeClr val="dk1"/>
+                </a:solidFill>
+                <a:latin typeface="Consolas" panose="020B0609020204030204"/>
+                <a:ea typeface="Consolas" panose="020B0609020204030204"/>
+                <a:cs typeface="Consolas" panose="020B0609020204030204"/>
+                <a:sym typeface="Consolas" panose="020B0609020204030204"/>
+              </a:rPr>
+              <a:t>      }</a:t>
+            </a:r>
+            <a:endParaRPr lang="en-US" altLang="zh-TW" sz="4400" dirty="0">
+              <a:solidFill>
+                <a:schemeClr val="dk1"/>
+              </a:solidFill>
+              <a:latin typeface="Consolas" panose="020B0609020204030204"/>
+              <a:ea typeface="Consolas" panose="020B0609020204030204"/>
+              <a:cs typeface="Consolas" panose="020B0609020204030204"/>
+              <a:sym typeface="Consolas" panose="020B0609020204030204"/>
+            </a:endParaRPr>
+          </a:p>
+          <a:p>
+            <a:pPr marL="175260" lvl="0" indent="0">
+              <a:spcBef>
+                <a:spcPts val="400"/>
+              </a:spcBef>
+              <a:spcAft>
+                <a:spcPts val="1000"/>
+              </a:spcAft>
+              <a:buClr>
+                <a:schemeClr val="dk1"/>
+              </a:buClr>
+              <a:buSzPct val="109000"/>
+              <a:buNone/>
+            </a:pPr>
+            <a:r>
+              <a:rPr lang="en-US" altLang="zh-TW" sz="4400" dirty="0">
+                <a:solidFill>
+                  <a:schemeClr val="dk1"/>
+                </a:solidFill>
+                <a:latin typeface="Consolas" panose="020B0609020204030204"/>
+                <a:ea typeface="Consolas" panose="020B0609020204030204"/>
+                <a:cs typeface="Consolas" panose="020B0609020204030204"/>
+                <a:sym typeface="Consolas" panose="020B0609020204030204"/>
+              </a:rPr>
+              <a:t>    </a:t>
+            </a:r>
+            <a:r>
+              <a:rPr lang="en-US" altLang="zh-TW" sz="4400" dirty="0" smtClean="0">
+                <a:solidFill>
+                  <a:schemeClr val="dk1"/>
+                </a:solidFill>
+                <a:latin typeface="Consolas" panose="020B0609020204030204"/>
+                <a:ea typeface="Consolas" panose="020B0609020204030204"/>
+                <a:cs typeface="Consolas" panose="020B0609020204030204"/>
+                <a:sym typeface="Consolas" panose="020B0609020204030204"/>
+              </a:rPr>
+              <a:t>}</a:t>
+            </a:r>
+            <a:endParaRPr lang="en-US" altLang="zh-TW" sz="4400" dirty="0">
+              <a:solidFill>
+                <a:schemeClr val="dk1"/>
+              </a:solidFill>
+              <a:latin typeface="Consolas" panose="020B0609020204030204"/>
+              <a:ea typeface="Consolas" panose="020B0609020204030204"/>
+              <a:cs typeface="Consolas" panose="020B0609020204030204"/>
+              <a:sym typeface="Consolas" panose="020B0609020204030204"/>
+            </a:endParaRPr>
+          </a:p>
+          <a:p>
+            <a:pPr marL="175260" lvl="0" indent="0">
+              <a:spcBef>
+                <a:spcPts val="400"/>
+              </a:spcBef>
+              <a:spcAft>
+                <a:spcPts val="1000"/>
+              </a:spcAft>
+              <a:buClr>
+                <a:schemeClr val="dk1"/>
+              </a:buClr>
+              <a:buSzPct val="109000"/>
+              <a:buNone/>
+            </a:pPr>
+            <a:r>
+              <a:rPr lang="en-US" altLang="zh-TW" sz="4400" dirty="0">
+                <a:solidFill>
+                  <a:schemeClr val="dk1"/>
+                </a:solidFill>
+                <a:latin typeface="Consolas" panose="020B0609020204030204"/>
+                <a:ea typeface="Consolas" panose="020B0609020204030204"/>
+                <a:cs typeface="Consolas" panose="020B0609020204030204"/>
+                <a:sym typeface="Consolas" panose="020B0609020204030204"/>
+              </a:rPr>
+              <a:t>    stage('4. </a:t>
+            </a:r>
+            <a:r>
+              <a:rPr lang="zh-TW" altLang="en-US" sz="4400" dirty="0">
+                <a:solidFill>
+                  <a:schemeClr val="dk1"/>
+                </a:solidFill>
+                <a:latin typeface="Consolas" panose="020B0609020204030204"/>
+                <a:ea typeface="Consolas" panose="020B0609020204030204"/>
+                <a:cs typeface="Consolas" panose="020B0609020204030204"/>
+                <a:sym typeface="Consolas" panose="020B0609020204030204"/>
+              </a:rPr>
+              <a:t>刪除舊容器</a:t>
+            </a:r>
+            <a:r>
+              <a:rPr lang="en-US" altLang="zh-TW" sz="4400" dirty="0">
+                <a:solidFill>
+                  <a:schemeClr val="dk1"/>
+                </a:solidFill>
+                <a:latin typeface="Consolas" panose="020B0609020204030204"/>
+                <a:ea typeface="Consolas" panose="020B0609020204030204"/>
+                <a:cs typeface="Consolas" panose="020B0609020204030204"/>
+                <a:sym typeface="Consolas" panose="020B0609020204030204"/>
+              </a:rPr>
+              <a:t>') {</a:t>
+            </a:r>
+            <a:endParaRPr lang="en-US" altLang="zh-TW" sz="4400" dirty="0">
+              <a:solidFill>
+                <a:schemeClr val="dk1"/>
+              </a:solidFill>
+              <a:latin typeface="Consolas" panose="020B0609020204030204"/>
+              <a:ea typeface="Consolas" panose="020B0609020204030204"/>
+              <a:cs typeface="Consolas" panose="020B0609020204030204"/>
+              <a:sym typeface="Consolas" panose="020B0609020204030204"/>
+            </a:endParaRPr>
+          </a:p>
+          <a:p>
+            <a:pPr marL="175260" lvl="0" indent="0">
+              <a:spcBef>
+                <a:spcPts val="400"/>
+              </a:spcBef>
+              <a:spcAft>
+                <a:spcPts val="1000"/>
+              </a:spcAft>
+              <a:buClr>
+                <a:schemeClr val="dk1"/>
+              </a:buClr>
+              <a:buSzPct val="109000"/>
+              <a:buNone/>
+            </a:pPr>
+            <a:r>
+              <a:rPr lang="en-US" altLang="zh-TW" sz="4400" dirty="0">
+                <a:solidFill>
+                  <a:schemeClr val="dk1"/>
+                </a:solidFill>
+                <a:latin typeface="Consolas" panose="020B0609020204030204"/>
+                <a:ea typeface="Consolas" panose="020B0609020204030204"/>
+                <a:cs typeface="Consolas" panose="020B0609020204030204"/>
+                <a:sym typeface="Consolas" panose="020B0609020204030204"/>
+              </a:rPr>
+              <a:t>      steps {</a:t>
+            </a:r>
+            <a:endParaRPr lang="en-US" altLang="zh-TW" sz="4400" dirty="0">
+              <a:solidFill>
+                <a:schemeClr val="dk1"/>
+              </a:solidFill>
+              <a:latin typeface="Consolas" panose="020B0609020204030204"/>
+              <a:ea typeface="Consolas" panose="020B0609020204030204"/>
+              <a:cs typeface="Consolas" panose="020B0609020204030204"/>
+              <a:sym typeface="Consolas" panose="020B0609020204030204"/>
+            </a:endParaRPr>
+          </a:p>
+          <a:p>
+            <a:pPr marL="175260" lvl="0" indent="0">
+              <a:spcBef>
+                <a:spcPts val="400"/>
+              </a:spcBef>
+              <a:spcAft>
+                <a:spcPts val="1000"/>
+              </a:spcAft>
+              <a:buClr>
+                <a:schemeClr val="dk1"/>
+              </a:buClr>
+              <a:buSzPct val="109000"/>
+              <a:buNone/>
+            </a:pPr>
+            <a:r>
+              <a:rPr lang="en-US" altLang="zh-TW" sz="4400" dirty="0">
+                <a:solidFill>
+                  <a:schemeClr val="dk1"/>
+                </a:solidFill>
+                <a:latin typeface="Consolas" panose="020B0609020204030204"/>
+                <a:ea typeface="Consolas" panose="020B0609020204030204"/>
+                <a:cs typeface="Consolas" panose="020B0609020204030204"/>
+                <a:sym typeface="Consolas" panose="020B0609020204030204"/>
+              </a:rPr>
+              <a:t>        bat '</a:t>
+            </a:r>
+            <a:r>
+              <a:rPr lang="en-US" altLang="zh-TW" sz="4400" dirty="0" err="1">
+                <a:solidFill>
+                  <a:schemeClr val="dk1"/>
+                </a:solidFill>
+                <a:latin typeface="Consolas" panose="020B0609020204030204"/>
+                <a:ea typeface="Consolas" panose="020B0609020204030204"/>
+                <a:cs typeface="Consolas" panose="020B0609020204030204"/>
+                <a:sym typeface="Consolas" panose="020B0609020204030204"/>
+              </a:rPr>
+              <a:t>docker</a:t>
+            </a:r>
+            <a:r>
+              <a:rPr lang="en-US" altLang="zh-TW" sz="4400" dirty="0">
+                <a:solidFill>
+                  <a:schemeClr val="dk1"/>
+                </a:solidFill>
+                <a:latin typeface="Consolas" panose="020B0609020204030204"/>
+                <a:ea typeface="Consolas" panose="020B0609020204030204"/>
+                <a:cs typeface="Consolas" panose="020B0609020204030204"/>
+                <a:sym typeface="Consolas" panose="020B0609020204030204"/>
+              </a:rPr>
+              <a:t> </a:t>
+            </a:r>
+            <a:r>
+              <a:rPr lang="en-US" altLang="zh-TW" sz="4400" dirty="0" err="1">
+                <a:solidFill>
+                  <a:schemeClr val="dk1"/>
+                </a:solidFill>
+                <a:latin typeface="Consolas" panose="020B0609020204030204"/>
+                <a:ea typeface="Consolas" panose="020B0609020204030204"/>
+                <a:cs typeface="Consolas" panose="020B0609020204030204"/>
+                <a:sym typeface="Consolas" panose="020B0609020204030204"/>
+              </a:rPr>
+              <a:t>rm</a:t>
+            </a:r>
+            <a:r>
+              <a:rPr lang="en-US" altLang="zh-TW" sz="4400" dirty="0">
+                <a:solidFill>
+                  <a:schemeClr val="dk1"/>
+                </a:solidFill>
+                <a:latin typeface="Consolas" panose="020B0609020204030204"/>
+                <a:ea typeface="Consolas" panose="020B0609020204030204"/>
+                <a:cs typeface="Consolas" panose="020B0609020204030204"/>
+                <a:sym typeface="Consolas" panose="020B0609020204030204"/>
+              </a:rPr>
+              <a:t> hello-c'</a:t>
+            </a:r>
+            <a:endParaRPr lang="en-US" altLang="zh-TW" sz="4400" dirty="0">
+              <a:solidFill>
+                <a:schemeClr val="dk1"/>
+              </a:solidFill>
+              <a:latin typeface="Consolas" panose="020B0609020204030204"/>
+              <a:ea typeface="Consolas" panose="020B0609020204030204"/>
+              <a:cs typeface="Consolas" panose="020B0609020204030204"/>
+              <a:sym typeface="Consolas" panose="020B0609020204030204"/>
+            </a:endParaRPr>
+          </a:p>
+          <a:p>
+            <a:pPr marL="175260" lvl="0" indent="0">
+              <a:spcBef>
+                <a:spcPts val="400"/>
+              </a:spcBef>
+              <a:spcAft>
+                <a:spcPts val="1000"/>
+              </a:spcAft>
+              <a:buClr>
+                <a:schemeClr val="dk1"/>
+              </a:buClr>
+              <a:buSzPct val="109000"/>
+              <a:buNone/>
+            </a:pPr>
+            <a:r>
+              <a:rPr lang="en-US" altLang="zh-TW" sz="4400" dirty="0">
+                <a:solidFill>
+                  <a:schemeClr val="dk1"/>
+                </a:solidFill>
+                <a:latin typeface="Consolas" panose="020B0609020204030204"/>
+                <a:ea typeface="Consolas" panose="020B0609020204030204"/>
+                <a:cs typeface="Consolas" panose="020B0609020204030204"/>
+                <a:sym typeface="Consolas" panose="020B0609020204030204"/>
+              </a:rPr>
+              <a:t>      }</a:t>
+            </a:r>
+            <a:endParaRPr lang="en-US" altLang="zh-TW" sz="4400" dirty="0">
+              <a:solidFill>
+                <a:schemeClr val="dk1"/>
+              </a:solidFill>
+              <a:latin typeface="Consolas" panose="020B0609020204030204"/>
+              <a:ea typeface="Consolas" panose="020B0609020204030204"/>
+              <a:cs typeface="Consolas" panose="020B0609020204030204"/>
+              <a:sym typeface="Consolas" panose="020B0609020204030204"/>
+            </a:endParaRPr>
+          </a:p>
+          <a:p>
+            <a:pPr marL="175260" lvl="0" indent="0">
+              <a:spcBef>
+                <a:spcPts val="400"/>
+              </a:spcBef>
+              <a:spcAft>
+                <a:spcPts val="1000"/>
+              </a:spcAft>
+              <a:buClr>
+                <a:schemeClr val="dk1"/>
+              </a:buClr>
+              <a:buSzPct val="109000"/>
+              <a:buNone/>
+            </a:pPr>
+            <a:r>
+              <a:rPr lang="en-US" altLang="zh-TW" sz="4400" dirty="0">
+                <a:solidFill>
+                  <a:schemeClr val="dk1"/>
+                </a:solidFill>
+                <a:latin typeface="Consolas" panose="020B0609020204030204"/>
+                <a:ea typeface="Consolas" panose="020B0609020204030204"/>
+                <a:cs typeface="Consolas" panose="020B0609020204030204"/>
+                <a:sym typeface="Consolas" panose="020B0609020204030204"/>
+              </a:rPr>
+              <a:t>    </a:t>
+            </a:r>
+            <a:r>
+              <a:rPr lang="en-US" altLang="zh-TW" sz="4400" dirty="0" smtClean="0">
+                <a:solidFill>
+                  <a:schemeClr val="dk1"/>
+                </a:solidFill>
+                <a:latin typeface="Consolas" panose="020B0609020204030204"/>
+                <a:ea typeface="Consolas" panose="020B0609020204030204"/>
+                <a:cs typeface="Consolas" panose="020B0609020204030204"/>
+                <a:sym typeface="Consolas" panose="020B0609020204030204"/>
+              </a:rPr>
+              <a:t>}</a:t>
+            </a:r>
+            <a:endParaRPr lang="en-US" altLang="zh-TW" sz="4400" dirty="0">
+              <a:solidFill>
+                <a:schemeClr val="dk1"/>
+              </a:solidFill>
+              <a:latin typeface="Consolas" panose="020B0609020204030204"/>
+              <a:ea typeface="Consolas" panose="020B0609020204030204"/>
+              <a:cs typeface="Consolas" panose="020B0609020204030204"/>
+              <a:sym typeface="Consolas" panose="020B0609020204030204"/>
+            </a:endParaRPr>
+          </a:p>
+          <a:p>
+            <a:pPr marL="175260" lvl="0" indent="0">
+              <a:spcBef>
+                <a:spcPts val="400"/>
+              </a:spcBef>
+              <a:spcAft>
+                <a:spcPts val="1000"/>
+              </a:spcAft>
+              <a:buClr>
+                <a:schemeClr val="dk1"/>
+              </a:buClr>
+              <a:buSzPct val="109000"/>
+              <a:buNone/>
+            </a:pPr>
+            <a:r>
+              <a:rPr lang="en-US" altLang="zh-TW" sz="4400" dirty="0">
+                <a:solidFill>
+                  <a:schemeClr val="dk1"/>
+                </a:solidFill>
+                <a:latin typeface="Consolas" panose="020B0609020204030204"/>
+                <a:ea typeface="Consolas" panose="020B0609020204030204"/>
+                <a:cs typeface="Consolas" panose="020B0609020204030204"/>
+                <a:sym typeface="Consolas" panose="020B0609020204030204"/>
+              </a:rPr>
+              <a:t>    stage('5. </a:t>
+            </a:r>
+            <a:r>
+              <a:rPr lang="zh-TW" altLang="en-US" sz="4400" dirty="0">
+                <a:solidFill>
+                  <a:schemeClr val="dk1"/>
+                </a:solidFill>
+                <a:latin typeface="Consolas" panose="020B0609020204030204"/>
+                <a:ea typeface="Consolas" panose="020B0609020204030204"/>
+                <a:cs typeface="Consolas" panose="020B0609020204030204"/>
+                <a:sym typeface="Consolas" panose="020B0609020204030204"/>
+              </a:rPr>
+              <a:t>啟動新容器</a:t>
+            </a:r>
+            <a:r>
+              <a:rPr lang="en-US" altLang="zh-TW" sz="4400" dirty="0">
+                <a:solidFill>
+                  <a:schemeClr val="dk1"/>
+                </a:solidFill>
+                <a:latin typeface="Consolas" panose="020B0609020204030204"/>
+                <a:ea typeface="Consolas" panose="020B0609020204030204"/>
+                <a:cs typeface="Consolas" panose="020B0609020204030204"/>
+                <a:sym typeface="Consolas" panose="020B0609020204030204"/>
+              </a:rPr>
+              <a:t>') {</a:t>
+            </a:r>
+            <a:endParaRPr lang="en-US" altLang="zh-TW" sz="4400" dirty="0">
+              <a:solidFill>
+                <a:schemeClr val="dk1"/>
+              </a:solidFill>
+              <a:latin typeface="Consolas" panose="020B0609020204030204"/>
+              <a:ea typeface="Consolas" panose="020B0609020204030204"/>
+              <a:cs typeface="Consolas" panose="020B0609020204030204"/>
+              <a:sym typeface="Consolas" panose="020B0609020204030204"/>
+            </a:endParaRPr>
+          </a:p>
+          <a:p>
+            <a:pPr marL="175260" lvl="0" indent="0">
+              <a:spcBef>
+                <a:spcPts val="400"/>
+              </a:spcBef>
+              <a:spcAft>
+                <a:spcPts val="1000"/>
+              </a:spcAft>
+              <a:buClr>
+                <a:schemeClr val="dk1"/>
+              </a:buClr>
+              <a:buSzPct val="109000"/>
+              <a:buNone/>
+            </a:pPr>
+            <a:r>
+              <a:rPr lang="en-US" altLang="zh-TW" sz="4400" dirty="0">
+                <a:solidFill>
+                  <a:schemeClr val="dk1"/>
+                </a:solidFill>
+                <a:latin typeface="Consolas" panose="020B0609020204030204"/>
+                <a:ea typeface="Consolas" panose="020B0609020204030204"/>
+                <a:cs typeface="Consolas" panose="020B0609020204030204"/>
+                <a:sym typeface="Consolas" panose="020B0609020204030204"/>
+              </a:rPr>
+              <a:t>      steps {</a:t>
+            </a:r>
+            <a:endParaRPr lang="en-US" altLang="zh-TW" sz="4400" dirty="0">
+              <a:solidFill>
+                <a:schemeClr val="dk1"/>
+              </a:solidFill>
+              <a:latin typeface="Consolas" panose="020B0609020204030204"/>
+              <a:ea typeface="Consolas" panose="020B0609020204030204"/>
+              <a:cs typeface="Consolas" panose="020B0609020204030204"/>
+              <a:sym typeface="Consolas" panose="020B0609020204030204"/>
+            </a:endParaRPr>
+          </a:p>
+          <a:p>
+            <a:pPr marL="175260" lvl="0" indent="0">
+              <a:spcBef>
+                <a:spcPts val="400"/>
+              </a:spcBef>
+              <a:spcAft>
+                <a:spcPts val="1000"/>
+              </a:spcAft>
+              <a:buClr>
+                <a:schemeClr val="dk1"/>
+              </a:buClr>
+              <a:buSzPct val="109000"/>
+              <a:buNone/>
+            </a:pPr>
+            <a:r>
+              <a:rPr lang="en-US" altLang="zh-TW" sz="4400" dirty="0">
+                <a:solidFill>
+                  <a:schemeClr val="dk1"/>
+                </a:solidFill>
+                <a:latin typeface="Consolas" panose="020B0609020204030204"/>
+                <a:ea typeface="Consolas" panose="020B0609020204030204"/>
+                <a:cs typeface="Consolas" panose="020B0609020204030204"/>
+                <a:sym typeface="Consolas" panose="020B0609020204030204"/>
+              </a:rPr>
+              <a:t>        // </a:t>
+            </a:r>
+            <a:r>
+              <a:rPr lang="zh-TW" altLang="en-US" sz="4400" dirty="0">
+                <a:solidFill>
+                  <a:schemeClr val="dk1"/>
+                </a:solidFill>
+                <a:latin typeface="Consolas" panose="020B0609020204030204"/>
+                <a:ea typeface="Consolas" panose="020B0609020204030204"/>
+                <a:cs typeface="Consolas" panose="020B0609020204030204"/>
+                <a:sym typeface="Consolas" panose="020B0609020204030204"/>
+              </a:rPr>
+              <a:t>名稱與映像一致；依你的 </a:t>
+            </a:r>
+            <a:r>
+              <a:rPr lang="en-US" altLang="zh-TW" sz="4400" dirty="0">
+                <a:solidFill>
+                  <a:schemeClr val="dk1"/>
+                </a:solidFill>
+                <a:latin typeface="Consolas" panose="020B0609020204030204"/>
+                <a:ea typeface="Consolas" panose="020B0609020204030204"/>
+                <a:cs typeface="Consolas" panose="020B0609020204030204"/>
+                <a:sym typeface="Consolas" panose="020B0609020204030204"/>
+              </a:rPr>
+              <a:t>app </a:t>
+            </a:r>
+            <a:r>
+              <a:rPr lang="zh-TW" altLang="en-US" sz="4400" dirty="0">
+                <a:solidFill>
+                  <a:schemeClr val="dk1"/>
+                </a:solidFill>
+                <a:latin typeface="Consolas" panose="020B0609020204030204"/>
+                <a:ea typeface="Consolas" panose="020B0609020204030204"/>
+                <a:cs typeface="Consolas" panose="020B0609020204030204"/>
+                <a:sym typeface="Consolas" panose="020B0609020204030204"/>
+              </a:rPr>
+              <a:t>調整對外</a:t>
+            </a:r>
+            <a:r>
+              <a:rPr lang="en-US" altLang="zh-TW" sz="4400" dirty="0">
+                <a:solidFill>
+                  <a:schemeClr val="dk1"/>
+                </a:solidFill>
+                <a:latin typeface="Consolas" panose="020B0609020204030204"/>
+                <a:ea typeface="Consolas" panose="020B0609020204030204"/>
+                <a:cs typeface="Consolas" panose="020B0609020204030204"/>
+                <a:sym typeface="Consolas" panose="020B0609020204030204"/>
+              </a:rPr>
+              <a:t>/</a:t>
+            </a:r>
+            <a:r>
+              <a:rPr lang="zh-TW" altLang="en-US" sz="4400" dirty="0">
+                <a:solidFill>
+                  <a:schemeClr val="dk1"/>
+                </a:solidFill>
+                <a:latin typeface="Consolas" panose="020B0609020204030204"/>
+                <a:ea typeface="Consolas" panose="020B0609020204030204"/>
+                <a:cs typeface="Consolas" panose="020B0609020204030204"/>
+                <a:sym typeface="Consolas" panose="020B0609020204030204"/>
+              </a:rPr>
+              <a:t>內部埠</a:t>
+            </a:r>
+            <a:endParaRPr lang="zh-TW" altLang="en-US" sz="4400" dirty="0">
+              <a:solidFill>
+                <a:schemeClr val="dk1"/>
+              </a:solidFill>
+              <a:latin typeface="Consolas" panose="020B0609020204030204"/>
+              <a:ea typeface="Consolas" panose="020B0609020204030204"/>
+              <a:cs typeface="Consolas" panose="020B0609020204030204"/>
+              <a:sym typeface="Consolas" panose="020B0609020204030204"/>
+            </a:endParaRPr>
+          </a:p>
+          <a:p>
+            <a:pPr marL="175260" lvl="0" indent="0">
+              <a:spcBef>
+                <a:spcPts val="400"/>
+              </a:spcBef>
+              <a:spcAft>
+                <a:spcPts val="1000"/>
+              </a:spcAft>
+              <a:buClr>
+                <a:schemeClr val="dk1"/>
+              </a:buClr>
+              <a:buSzPct val="109000"/>
+              <a:buNone/>
+            </a:pPr>
+            <a:r>
+              <a:rPr lang="zh-TW" altLang="en-US" sz="4400" dirty="0">
+                <a:solidFill>
+                  <a:schemeClr val="dk1"/>
+                </a:solidFill>
+                <a:latin typeface="Consolas" panose="020B0609020204030204"/>
+                <a:ea typeface="Consolas" panose="020B0609020204030204"/>
+                <a:cs typeface="Consolas" panose="020B0609020204030204"/>
+                <a:sym typeface="Consolas" panose="020B0609020204030204"/>
+              </a:rPr>
+              <a:t>        </a:t>
+            </a:r>
+            <a:r>
+              <a:rPr lang="en-US" altLang="zh-TW" sz="4400" dirty="0">
+                <a:solidFill>
+                  <a:schemeClr val="dk1"/>
+                </a:solidFill>
+                <a:latin typeface="Consolas" panose="020B0609020204030204"/>
+                <a:ea typeface="Consolas" panose="020B0609020204030204"/>
+                <a:cs typeface="Consolas" panose="020B0609020204030204"/>
+                <a:sym typeface="Consolas" panose="020B0609020204030204"/>
+              </a:rPr>
+              <a:t>bat '</a:t>
+            </a:r>
+            <a:r>
+              <a:rPr lang="en-US" altLang="zh-TW" sz="4400" dirty="0" err="1">
+                <a:solidFill>
+                  <a:schemeClr val="dk1"/>
+                </a:solidFill>
+                <a:latin typeface="Consolas" panose="020B0609020204030204"/>
+                <a:ea typeface="Consolas" panose="020B0609020204030204"/>
+                <a:cs typeface="Consolas" panose="020B0609020204030204"/>
+                <a:sym typeface="Consolas" panose="020B0609020204030204"/>
+              </a:rPr>
+              <a:t>docker</a:t>
+            </a:r>
+            <a:r>
+              <a:rPr lang="en-US" altLang="zh-TW" sz="4400" dirty="0">
+                <a:solidFill>
+                  <a:schemeClr val="dk1"/>
+                </a:solidFill>
+                <a:latin typeface="Consolas" panose="020B0609020204030204"/>
+                <a:ea typeface="Consolas" panose="020B0609020204030204"/>
+                <a:cs typeface="Consolas" panose="020B0609020204030204"/>
+                <a:sym typeface="Consolas" panose="020B0609020204030204"/>
+              </a:rPr>
+              <a:t> run -d -p 8095:8000 --name hello-c </a:t>
+            </a:r>
+            <a:r>
+              <a:rPr lang="en-US" altLang="zh-TW" sz="4400" dirty="0" err="1">
+                <a:solidFill>
+                  <a:schemeClr val="dk1"/>
+                </a:solidFill>
+                <a:latin typeface="Consolas" panose="020B0609020204030204"/>
+                <a:ea typeface="Consolas" panose="020B0609020204030204"/>
+                <a:cs typeface="Consolas" panose="020B0609020204030204"/>
+                <a:sym typeface="Consolas" panose="020B0609020204030204"/>
+              </a:rPr>
+              <a:t>hello:latest</a:t>
+            </a:r>
+            <a:r>
+              <a:rPr lang="en-US" altLang="zh-TW" sz="4400" dirty="0">
+                <a:solidFill>
+                  <a:schemeClr val="dk1"/>
+                </a:solidFill>
+                <a:latin typeface="Consolas" panose="020B0609020204030204"/>
+                <a:ea typeface="Consolas" panose="020B0609020204030204"/>
+                <a:cs typeface="Consolas" panose="020B0609020204030204"/>
+                <a:sym typeface="Consolas" panose="020B0609020204030204"/>
+              </a:rPr>
+              <a:t>'</a:t>
+            </a:r>
+            <a:endParaRPr lang="en-US" altLang="zh-TW" sz="4400" dirty="0">
+              <a:solidFill>
+                <a:schemeClr val="dk1"/>
+              </a:solidFill>
+              <a:latin typeface="Consolas" panose="020B0609020204030204"/>
+              <a:ea typeface="Consolas" panose="020B0609020204030204"/>
+              <a:cs typeface="Consolas" panose="020B0609020204030204"/>
+              <a:sym typeface="Consolas" panose="020B0609020204030204"/>
+            </a:endParaRPr>
+          </a:p>
+          <a:p>
+            <a:pPr marL="175260" lvl="0" indent="0">
+              <a:spcBef>
+                <a:spcPts val="400"/>
+              </a:spcBef>
+              <a:spcAft>
+                <a:spcPts val="1000"/>
+              </a:spcAft>
+              <a:buClr>
+                <a:schemeClr val="dk1"/>
+              </a:buClr>
+              <a:buSzPct val="109000"/>
+              <a:buNone/>
+            </a:pPr>
+            <a:r>
+              <a:rPr lang="en-US" altLang="zh-TW" sz="4400" dirty="0">
+                <a:solidFill>
+                  <a:schemeClr val="dk1"/>
+                </a:solidFill>
+                <a:latin typeface="Consolas" panose="020B0609020204030204"/>
+                <a:ea typeface="Consolas" panose="020B0609020204030204"/>
+                <a:cs typeface="Consolas" panose="020B0609020204030204"/>
+                <a:sym typeface="Consolas" panose="020B0609020204030204"/>
+              </a:rPr>
+              <a:t>      }</a:t>
+            </a:r>
+            <a:endParaRPr lang="en-US" altLang="zh-TW" sz="4400" dirty="0">
+              <a:solidFill>
+                <a:schemeClr val="dk1"/>
+              </a:solidFill>
+              <a:latin typeface="Consolas" panose="020B0609020204030204"/>
+              <a:ea typeface="Consolas" panose="020B0609020204030204"/>
+              <a:cs typeface="Consolas" panose="020B0609020204030204"/>
+              <a:sym typeface="Consolas" panose="020B0609020204030204"/>
+            </a:endParaRPr>
+          </a:p>
+          <a:p>
+            <a:pPr marL="175260" lvl="0" indent="0">
+              <a:spcBef>
+                <a:spcPts val="400"/>
+              </a:spcBef>
+              <a:spcAft>
+                <a:spcPts val="1000"/>
+              </a:spcAft>
+              <a:buClr>
+                <a:schemeClr val="dk1"/>
+              </a:buClr>
+              <a:buSzPct val="109000"/>
+              <a:buNone/>
+            </a:pPr>
+            <a:r>
+              <a:rPr lang="en-US" altLang="zh-TW" sz="4400" dirty="0">
+                <a:solidFill>
+                  <a:schemeClr val="dk1"/>
+                </a:solidFill>
+                <a:latin typeface="Consolas" panose="020B0609020204030204"/>
+                <a:ea typeface="Consolas" panose="020B0609020204030204"/>
+                <a:cs typeface="Consolas" panose="020B0609020204030204"/>
+                <a:sym typeface="Consolas" panose="020B0609020204030204"/>
+              </a:rPr>
+              <a:t>    }</a:t>
+            </a:r>
+            <a:endParaRPr lang="en-US" altLang="zh-TW" sz="4400" dirty="0">
+              <a:solidFill>
+                <a:schemeClr val="dk1"/>
+              </a:solidFill>
+              <a:latin typeface="Consolas" panose="020B0609020204030204"/>
+              <a:ea typeface="Consolas" panose="020B0609020204030204"/>
+              <a:cs typeface="Consolas" panose="020B0609020204030204"/>
+              <a:sym typeface="Consolas" panose="020B0609020204030204"/>
+            </a:endParaRPr>
+          </a:p>
+          <a:p>
+            <a:pPr marL="175260" lvl="0" indent="0">
+              <a:spcBef>
+                <a:spcPts val="400"/>
+              </a:spcBef>
+              <a:spcAft>
+                <a:spcPts val="1000"/>
+              </a:spcAft>
+              <a:buClr>
+                <a:schemeClr val="dk1"/>
+              </a:buClr>
+              <a:buSzPct val="109000"/>
+              <a:buNone/>
+            </a:pPr>
+            <a:r>
+              <a:rPr lang="en-US" altLang="zh-TW" sz="4400" dirty="0">
+                <a:solidFill>
+                  <a:schemeClr val="dk1"/>
+                </a:solidFill>
+                <a:latin typeface="Consolas" panose="020B0609020204030204"/>
+                <a:ea typeface="Consolas" panose="020B0609020204030204"/>
+                <a:cs typeface="Consolas" panose="020B0609020204030204"/>
+                <a:sym typeface="Consolas" panose="020B0609020204030204"/>
+              </a:rPr>
+              <a:t>  </a:t>
+            </a:r>
+            <a:r>
+              <a:rPr lang="en-US" altLang="zh-TW" sz="4400" dirty="0" smtClean="0">
+                <a:solidFill>
+                  <a:schemeClr val="dk1"/>
+                </a:solidFill>
+                <a:latin typeface="Consolas" panose="020B0609020204030204"/>
+                <a:ea typeface="Consolas" panose="020B0609020204030204"/>
+                <a:cs typeface="Consolas" panose="020B0609020204030204"/>
+                <a:sym typeface="Consolas" panose="020B0609020204030204"/>
+              </a:rPr>
+              <a:t>}</a:t>
+            </a:r>
+            <a:endParaRPr lang="en-US" altLang="zh-TW" sz="4400" dirty="0">
+              <a:solidFill>
+                <a:schemeClr val="dk1"/>
+              </a:solidFill>
+              <a:latin typeface="Consolas" panose="020B0609020204030204"/>
+              <a:ea typeface="Consolas" panose="020B0609020204030204"/>
+              <a:cs typeface="Consolas" panose="020B0609020204030204"/>
+              <a:sym typeface="Consolas" panose="020B0609020204030204"/>
+            </a:endParaRPr>
+          </a:p>
+          <a:p>
+            <a:pPr marL="175260" lvl="0" indent="0">
+              <a:spcBef>
+                <a:spcPts val="400"/>
+              </a:spcBef>
+              <a:spcAft>
+                <a:spcPts val="1000"/>
+              </a:spcAft>
+              <a:buClr>
+                <a:schemeClr val="dk1"/>
+              </a:buClr>
+              <a:buSzPct val="109000"/>
+              <a:buNone/>
+            </a:pPr>
+            <a:r>
+              <a:rPr lang="en-US" altLang="zh-TW" sz="4400" dirty="0">
+                <a:solidFill>
+                  <a:schemeClr val="dk1"/>
+                </a:solidFill>
+                <a:latin typeface="Consolas" panose="020B0609020204030204"/>
+                <a:ea typeface="Consolas" panose="020B0609020204030204"/>
+                <a:cs typeface="Consolas" panose="020B0609020204030204"/>
+                <a:sym typeface="Consolas" panose="020B0609020204030204"/>
+              </a:rPr>
+              <a:t>  post {</a:t>
+            </a:r>
+            <a:endParaRPr lang="en-US" altLang="zh-TW" sz="4400" dirty="0">
+              <a:solidFill>
+                <a:schemeClr val="dk1"/>
+              </a:solidFill>
+              <a:latin typeface="Consolas" panose="020B0609020204030204"/>
+              <a:ea typeface="Consolas" panose="020B0609020204030204"/>
+              <a:cs typeface="Consolas" panose="020B0609020204030204"/>
+              <a:sym typeface="Consolas" panose="020B0609020204030204"/>
+            </a:endParaRPr>
+          </a:p>
+          <a:p>
+            <a:pPr marL="175260" lvl="0" indent="0">
+              <a:spcBef>
+                <a:spcPts val="400"/>
+              </a:spcBef>
+              <a:spcAft>
+                <a:spcPts val="1000"/>
+              </a:spcAft>
+              <a:buClr>
+                <a:schemeClr val="dk1"/>
+              </a:buClr>
+              <a:buSzPct val="109000"/>
+              <a:buNone/>
+            </a:pPr>
+            <a:r>
+              <a:rPr lang="en-US" altLang="zh-TW" sz="4400" dirty="0">
+                <a:solidFill>
+                  <a:schemeClr val="dk1"/>
+                </a:solidFill>
+                <a:latin typeface="Consolas" panose="020B0609020204030204"/>
+                <a:ea typeface="Consolas" panose="020B0609020204030204"/>
+                <a:cs typeface="Consolas" panose="020B0609020204030204"/>
+                <a:sym typeface="Consolas" panose="020B0609020204030204"/>
+              </a:rPr>
+              <a:t>    success { echo '</a:t>
+            </a:r>
+            <a:r>
+              <a:rPr lang="zh-TW" altLang="en-US" sz="4400" dirty="0">
+                <a:solidFill>
+                  <a:schemeClr val="dk1"/>
+                </a:solidFill>
+                <a:latin typeface="Consolas" panose="020B0609020204030204"/>
+                <a:ea typeface="Consolas" panose="020B0609020204030204"/>
+                <a:cs typeface="Consolas" panose="020B0609020204030204"/>
+                <a:sym typeface="Consolas" panose="020B0609020204030204"/>
+              </a:rPr>
+              <a:t>✅ 部署完成，容器已啟動 </a:t>
+            </a:r>
+            <a:r>
+              <a:rPr lang="en-US" altLang="zh-TW" sz="4400" dirty="0">
+                <a:solidFill>
+                  <a:schemeClr val="dk1"/>
+                </a:solidFill>
+                <a:latin typeface="Consolas" panose="020B0609020204030204"/>
+                <a:ea typeface="Consolas" panose="020B0609020204030204"/>
+                <a:cs typeface="Consolas" panose="020B0609020204030204"/>
+                <a:sym typeface="Consolas" panose="020B0609020204030204"/>
+              </a:rPr>
+              <a:t>http://localhost:</a:t>
+            </a:r>
+            <a:r>
+              <a:rPr lang="en-US" altLang="zh-TW" sz="4400" dirty="0">
+                <a:solidFill>
+                  <a:schemeClr val="dk1"/>
+                </a:solidFill>
+                <a:latin typeface="Consolas" panose="020B0609020204030204"/>
+                <a:ea typeface="Consolas" panose="020B0609020204030204"/>
+                <a:cs typeface="Consolas" panose="020B0609020204030204"/>
+                <a:sym typeface="Consolas" panose="020B0609020204030204"/>
+              </a:rPr>
+              <a:t>8095'</a:t>
+            </a:r>
+            <a:r>
+              <a:rPr lang="en-US" altLang="zh-TW" sz="4400" dirty="0">
+                <a:solidFill>
+                  <a:schemeClr val="dk1"/>
+                </a:solidFill>
+                <a:latin typeface="Consolas" panose="020B0609020204030204"/>
+                <a:ea typeface="Consolas" panose="020B0609020204030204"/>
+                <a:cs typeface="Consolas" panose="020B0609020204030204"/>
+                <a:sym typeface="Consolas" panose="020B0609020204030204"/>
+              </a:rPr>
+              <a:t>}</a:t>
+            </a:r>
+            <a:endParaRPr lang="en-US" altLang="zh-TW" sz="4400" dirty="0">
+              <a:solidFill>
+                <a:schemeClr val="dk1"/>
+              </a:solidFill>
+              <a:latin typeface="Consolas" panose="020B0609020204030204"/>
+              <a:ea typeface="Consolas" panose="020B0609020204030204"/>
+              <a:cs typeface="Consolas" panose="020B0609020204030204"/>
+              <a:sym typeface="Consolas" panose="020B0609020204030204"/>
+            </a:endParaRPr>
+          </a:p>
+          <a:p>
+            <a:pPr marL="175260" lvl="0" indent="0">
+              <a:spcBef>
+                <a:spcPts val="400"/>
+              </a:spcBef>
+              <a:spcAft>
+                <a:spcPts val="1000"/>
+              </a:spcAft>
+              <a:buClr>
+                <a:schemeClr val="dk1"/>
+              </a:buClr>
+              <a:buSzPct val="109000"/>
+              <a:buNone/>
+            </a:pPr>
+            <a:r>
+              <a:rPr lang="en-US" altLang="zh-TW" sz="4400" dirty="0">
+                <a:solidFill>
+                  <a:schemeClr val="dk1"/>
+                </a:solidFill>
+                <a:latin typeface="Consolas" panose="020B0609020204030204"/>
+                <a:ea typeface="Consolas" panose="020B0609020204030204"/>
+                <a:cs typeface="Consolas" panose="020B0609020204030204"/>
+                <a:sym typeface="Consolas" panose="020B0609020204030204"/>
+              </a:rPr>
+              <a:t>    failure { echo '</a:t>
+            </a:r>
+            <a:r>
+              <a:rPr lang="zh-TW" altLang="en-US" sz="4400" dirty="0">
+                <a:solidFill>
+                  <a:schemeClr val="dk1"/>
+                </a:solidFill>
+                <a:latin typeface="Consolas" panose="020B0609020204030204"/>
+                <a:ea typeface="Consolas" panose="020B0609020204030204"/>
+                <a:cs typeface="Consolas" panose="020B0609020204030204"/>
+                <a:sym typeface="Consolas" panose="020B0609020204030204"/>
+              </a:rPr>
+              <a:t>❌ 部署失敗，請檢查 </a:t>
+            </a:r>
+            <a:r>
+              <a:rPr lang="en-US" altLang="zh-TW" sz="4400" dirty="0">
+                <a:solidFill>
+                  <a:schemeClr val="dk1"/>
+                </a:solidFill>
+                <a:latin typeface="Consolas" panose="020B0609020204030204"/>
+                <a:ea typeface="Consolas" panose="020B0609020204030204"/>
+                <a:cs typeface="Consolas" panose="020B0609020204030204"/>
+                <a:sym typeface="Consolas" panose="020B0609020204030204"/>
+              </a:rPr>
+              <a:t>Jenkins Console </a:t>
+            </a:r>
+            <a:r>
+              <a:rPr lang="zh-TW" altLang="en-US" sz="4400" dirty="0">
+                <a:solidFill>
+                  <a:schemeClr val="dk1"/>
+                </a:solidFill>
+                <a:latin typeface="Consolas" panose="020B0609020204030204"/>
+                <a:ea typeface="Consolas" panose="020B0609020204030204"/>
+                <a:cs typeface="Consolas" panose="020B0609020204030204"/>
+                <a:sym typeface="Consolas" panose="020B0609020204030204"/>
+              </a:rPr>
+              <a:t>輸出</a:t>
+            </a:r>
+            <a:r>
+              <a:rPr lang="en-US" altLang="zh-TW" sz="4400" dirty="0">
+                <a:solidFill>
+                  <a:schemeClr val="dk1"/>
+                </a:solidFill>
+                <a:latin typeface="Consolas" panose="020B0609020204030204"/>
+                <a:ea typeface="Consolas" panose="020B0609020204030204"/>
+                <a:cs typeface="Consolas" panose="020B0609020204030204"/>
+                <a:sym typeface="Consolas" panose="020B0609020204030204"/>
+              </a:rPr>
+              <a:t>' }</a:t>
+            </a:r>
+            <a:endParaRPr lang="en-US" altLang="zh-TW" sz="4400" dirty="0">
+              <a:solidFill>
+                <a:schemeClr val="dk1"/>
+              </a:solidFill>
+              <a:latin typeface="Consolas" panose="020B0609020204030204"/>
+              <a:ea typeface="Consolas" panose="020B0609020204030204"/>
+              <a:cs typeface="Consolas" panose="020B0609020204030204"/>
+              <a:sym typeface="Consolas" panose="020B0609020204030204"/>
+            </a:endParaRPr>
+          </a:p>
+          <a:p>
+            <a:pPr marL="175260" lvl="0" indent="0">
+              <a:spcBef>
+                <a:spcPts val="400"/>
+              </a:spcBef>
+              <a:spcAft>
+                <a:spcPts val="1000"/>
+              </a:spcAft>
+              <a:buClr>
+                <a:schemeClr val="dk1"/>
+              </a:buClr>
+              <a:buSzPct val="109000"/>
+              <a:buNone/>
+            </a:pPr>
+            <a:r>
+              <a:rPr lang="en-US" altLang="zh-TW" sz="4400" dirty="0">
+                <a:solidFill>
+                  <a:schemeClr val="dk1"/>
+                </a:solidFill>
+                <a:latin typeface="Consolas" panose="020B0609020204030204"/>
+                <a:ea typeface="Consolas" panose="020B0609020204030204"/>
+                <a:cs typeface="Consolas" panose="020B0609020204030204"/>
+                <a:sym typeface="Consolas" panose="020B0609020204030204"/>
+              </a:rPr>
+              <a:t>  }</a:t>
+            </a:r>
+            <a:endParaRPr lang="en-US" altLang="zh-TW" sz="4400" dirty="0">
+              <a:solidFill>
+                <a:schemeClr val="dk1"/>
+              </a:solidFill>
+              <a:latin typeface="Consolas" panose="020B0609020204030204"/>
+              <a:ea typeface="Consolas" panose="020B0609020204030204"/>
+              <a:cs typeface="Consolas" panose="020B0609020204030204"/>
+              <a:sym typeface="Consolas" panose="020B0609020204030204"/>
+            </a:endParaRPr>
+          </a:p>
+          <a:p>
+            <a:pPr marL="175260" lvl="0" indent="0">
+              <a:spcBef>
+                <a:spcPts val="400"/>
+              </a:spcBef>
+              <a:spcAft>
+                <a:spcPts val="1000"/>
+              </a:spcAft>
+              <a:buClr>
+                <a:schemeClr val="dk1"/>
+              </a:buClr>
+              <a:buSzPct val="109000"/>
+              <a:buNone/>
+            </a:pPr>
+            <a:r>
+              <a:rPr lang="en-US" altLang="zh-TW" sz="4400" dirty="0">
+                <a:solidFill>
+                  <a:schemeClr val="dk1"/>
+                </a:solidFill>
+                <a:latin typeface="Consolas" panose="020B0609020204030204"/>
+                <a:ea typeface="Consolas" panose="020B0609020204030204"/>
+                <a:cs typeface="Consolas" panose="020B0609020204030204"/>
+                <a:sym typeface="Consolas" panose="020B0609020204030204"/>
+              </a:rPr>
+              <a:t>}</a:t>
+            </a:r>
+            <a:endParaRPr lang="en-US" altLang="zh-TW" sz="4400" dirty="0">
+              <a:solidFill>
+                <a:schemeClr val="dk1"/>
+              </a:solidFill>
+              <a:latin typeface="Consolas" panose="020B0609020204030204"/>
+              <a:ea typeface="Consolas" panose="020B0609020204030204"/>
+              <a:cs typeface="Consolas" panose="020B0609020204030204"/>
+              <a:sym typeface="Consolas" panose="020B0609020204030204"/>
+            </a:endParaRPr>
           </a:p>
         </p:txBody>
       </p:sp>
@@ -31657,10 +32074,6 @@
               </a:rPr>
               <a:t>執行 CICD 流程：容器化部屬</a:t>
             </a:r>
-            <a:r>
-              <a:rPr lang="zh-TW"/>
-              <a:t/>
-            </a:r>
             <a:br>
               <a:rPr lang="zh-TW"/>
             </a:br>
@@ -31892,10 +32305,6 @@
               </a:rPr>
               <a:t>實務練習</a:t>
             </a:r>
-            <a:r>
-              <a:rPr lang="zh-TW"/>
-              <a:t/>
-            </a:r>
             <a:br>
               <a:rPr lang="zh-TW"/>
             </a:br>
@@ -32081,10 +32490,6 @@
               </a:rPr>
               <a:t>:</a:t>
             </a:r>
-            <a:r>
-              <a:rPr lang="zh-TW" dirty="0"/>
-              <a:t/>
-            </a:r>
             <a:br>
               <a:rPr lang="zh-TW" dirty="0"/>
             </a:br>
@@ -32139,7 +32544,7 @@
                 <a:ea typeface="PMingLiU" panose="02020500000000000000" charset="-120"/>
                 <a:cs typeface="PMingLiU" panose="02020500000000000000" charset="-120"/>
                 <a:sym typeface="PMingLiU" panose="02020500000000000000" charset="-120"/>
-                <a:hlinkClick r:id="rId3"/>
+                <a:hlinkClick r:id="rId1"/>
               </a:rPr>
               <a:t>https://</a:t>
             </a:r>
@@ -32152,7 +32557,7 @@
                 <a:ea typeface="PMingLiU" panose="02020500000000000000" charset="-120"/>
                 <a:cs typeface="PMingLiU" panose="02020500000000000000" charset="-120"/>
                 <a:sym typeface="PMingLiU" panose="02020500000000000000" charset="-120"/>
-                <a:hlinkClick r:id="rId3"/>
+                <a:hlinkClick r:id="rId1"/>
               </a:rPr>
               <a:t>www.youtube.com/channel/UCjguLQ886u9X-gSucGgmVFw</a:t>
             </a:r>
@@ -32213,11 +32618,6 @@
         </p:txBody>
       </p:sp>
     </p:spTree>
-    <p:extLst>
-      <p:ext uri="{BB962C8B-B14F-4D97-AF65-F5344CB8AC3E}">
-        <p14:creationId xmlns:p14="http://schemas.microsoft.com/office/powerpoint/2010/main" val="1770432517"/>
-      </p:ext>
-    </p:extLst>
   </p:cSld>
   <p:clrMapOvr>
     <a:masterClrMapping/>
@@ -32319,10 +32719,6 @@
               </a:rPr>
               <a:t>退版</a:t>
             </a:r>
-            <a:r>
-              <a:rPr lang="zh-TW"/>
-              <a:t/>
-            </a:r>
             <a:br>
               <a:rPr lang="zh-TW"/>
             </a:br>
@@ -32428,6 +32824,15 @@
               </a:rPr>
               <a:t>先執行退版的動作</a:t>
             </a:r>
+            <a:endParaRPr lang="zh-TW" altLang="en-US" sz="1200">
+              <a:solidFill>
+                <a:schemeClr val="dk1"/>
+              </a:solidFill>
+              <a:latin typeface="Aptos"/>
+              <a:ea typeface="Aptos"/>
+              <a:cs typeface="Aptos"/>
+              <a:sym typeface="Aptos"/>
+            </a:endParaRPr>
           </a:p>
           <a:p>
             <a:pPr marL="457200" lvl="0" indent="0" algn="l" rtl="0">
@@ -32487,6 +32892,15 @@
               </a:rPr>
               <a:t>This project is parameterized</a:t>
             </a:r>
+            <a:endParaRPr lang="en-US" altLang="zh-HK" sz="1200">
+              <a:solidFill>
+                <a:schemeClr val="dk1"/>
+              </a:solidFill>
+              <a:latin typeface="Aptos"/>
+              <a:ea typeface="Aptos"/>
+              <a:cs typeface="Aptos"/>
+              <a:sym typeface="Aptos"/>
+            </a:endParaRPr>
           </a:p>
           <a:p>
             <a:pPr marL="457200" lvl="0" indent="0" algn="l" rtl="0">
@@ -32575,7 +32989,7 @@
           <p:nvPr/>
         </p:nvPicPr>
         <p:blipFill>
-          <a:blip r:embed="rId3"/>
+          <a:blip r:embed="rId1"/>
           <a:stretch>
             <a:fillRect/>
           </a:stretch>
@@ -32692,10 +33106,6 @@
               </a:rPr>
               <a:t>退版</a:t>
             </a:r>
-            <a:r>
-              <a:rPr lang="zh-TW"/>
-              <a:t/>
-            </a:r>
             <a:br>
               <a:rPr lang="zh-TW"/>
             </a:br>
@@ -32801,6 +33211,15 @@
               </a:rPr>
               <a:t>先執行退版的動作</a:t>
             </a:r>
+            <a:endParaRPr lang="zh-TW" altLang="en-US" sz="1200">
+              <a:solidFill>
+                <a:schemeClr val="dk1"/>
+              </a:solidFill>
+              <a:latin typeface="Aptos"/>
+              <a:ea typeface="Aptos"/>
+              <a:cs typeface="Aptos"/>
+              <a:sym typeface="Aptos"/>
+            </a:endParaRPr>
           </a:p>
           <a:p>
             <a:pPr marL="457200" lvl="0" indent="0" algn="l" rtl="0">
@@ -32913,7 +33332,7 @@
           <p:nvPr/>
         </p:nvPicPr>
         <p:blipFill>
-          <a:blip r:embed="rId3"/>
+          <a:blip r:embed="rId1"/>
           <a:stretch>
             <a:fillRect/>
           </a:stretch>
@@ -33030,10 +33449,6 @@
               </a:rPr>
               <a:t>退版</a:t>
             </a:r>
-            <a:r>
-              <a:rPr lang="zh-TW" dirty="0"/>
-              <a:t/>
-            </a:r>
             <a:br>
               <a:rPr lang="zh-TW" dirty="0"/>
             </a:br>
@@ -33139,6 +33554,15 @@
               </a:rPr>
               <a:t>先執行退版的動作</a:t>
             </a:r>
+            <a:endParaRPr lang="zh-TW" altLang="en-US" sz="1200">
+              <a:solidFill>
+                <a:schemeClr val="dk1"/>
+              </a:solidFill>
+              <a:latin typeface="Aptos"/>
+              <a:ea typeface="Aptos"/>
+              <a:cs typeface="Aptos"/>
+              <a:sym typeface="Aptos"/>
+            </a:endParaRPr>
           </a:p>
           <a:p>
             <a:pPr marL="457200" lvl="0" indent="0" algn="l" rtl="0">
@@ -33186,6 +33610,15 @@
               </a:rPr>
               <a:t>插入以下這串</a:t>
             </a:r>
+            <a:endParaRPr lang="zh-TW" altLang="en-US" sz="1200">
+              <a:solidFill>
+                <a:schemeClr val="dk1"/>
+              </a:solidFill>
+              <a:latin typeface="Aptos"/>
+              <a:ea typeface="Aptos"/>
+              <a:cs typeface="Aptos"/>
+              <a:sym typeface="Aptos"/>
+            </a:endParaRPr>
           </a:p>
           <a:p>
             <a:pPr marL="457200" lvl="0" indent="0" algn="l" rtl="0">
@@ -33209,6 +33642,15 @@
               </a:rPr>
               <a:t>parameters {</a:t>
             </a:r>
+            <a:endParaRPr lang="en-US" altLang="zh-HK" sz="1200">
+              <a:solidFill>
+                <a:schemeClr val="dk1"/>
+              </a:solidFill>
+              <a:latin typeface="Aptos"/>
+              <a:ea typeface="Aptos"/>
+              <a:cs typeface="Aptos"/>
+              <a:sym typeface="Aptos"/>
+            </a:endParaRPr>
           </a:p>
           <a:p>
             <a:pPr marL="457200" lvl="0" indent="0" algn="l" rtl="0">
@@ -33304,6 +33746,15 @@
               </a:rPr>
               <a:t>')</a:t>
             </a:r>
+            <a:endParaRPr lang="en-US" altLang="zh-HK" sz="1200">
+              <a:solidFill>
+                <a:schemeClr val="dk1"/>
+              </a:solidFill>
+              <a:latin typeface="Aptos"/>
+              <a:ea typeface="Aptos"/>
+              <a:cs typeface="Aptos"/>
+              <a:sym typeface="Aptos"/>
+            </a:endParaRPr>
           </a:p>
           <a:p>
             <a:pPr marL="457200" lvl="0" indent="0" algn="l" rtl="0">
@@ -33327,6 +33778,15 @@
               </a:rPr>
               <a:t>    }</a:t>
             </a:r>
+            <a:endParaRPr lang="en-US" altLang="zh-HK" sz="1200">
+              <a:solidFill>
+                <a:schemeClr val="dk1"/>
+              </a:solidFill>
+              <a:latin typeface="Aptos"/>
+              <a:ea typeface="Aptos"/>
+              <a:cs typeface="Aptos"/>
+              <a:sym typeface="Aptos"/>
+            </a:endParaRPr>
           </a:p>
           <a:p>
             <a:pPr marL="457200" lvl="0" indent="0" algn="l" rtl="0">
@@ -33484,10 +33944,6 @@
               </a:rPr>
               <a:t>退版</a:t>
             </a:r>
-            <a:r>
-              <a:rPr lang="zh-TW"/>
-              <a:t/>
-            </a:r>
             <a:br>
               <a:rPr lang="zh-TW"/>
             </a:br>
@@ -33593,6 +34049,15 @@
               </a:rPr>
               <a:t>先執行退版的動作</a:t>
             </a:r>
+            <a:endParaRPr lang="zh-TW" altLang="en-US" sz="1200">
+              <a:solidFill>
+                <a:schemeClr val="dk1"/>
+              </a:solidFill>
+              <a:latin typeface="Aptos"/>
+              <a:ea typeface="Aptos"/>
+              <a:cs typeface="Aptos"/>
+              <a:sym typeface="Aptos"/>
+            </a:endParaRPr>
           </a:p>
           <a:p>
             <a:pPr marL="457200" lvl="0" indent="0" algn="l" rtl="0">
@@ -33640,6 +34105,15 @@
               </a:rPr>
               <a:t>回到上一頁</a:t>
             </a:r>
+            <a:endParaRPr lang="zh-TW" altLang="en-US" sz="1200">
+              <a:solidFill>
+                <a:schemeClr val="dk1"/>
+              </a:solidFill>
+              <a:latin typeface="Aptos"/>
+              <a:ea typeface="Aptos"/>
+              <a:cs typeface="Aptos"/>
+              <a:sym typeface="Aptos"/>
+            </a:endParaRPr>
           </a:p>
         </p:txBody>
       </p:sp>
@@ -33652,7 +34126,7 @@
           <p:nvPr/>
         </p:nvPicPr>
         <p:blipFill>
-          <a:blip r:embed="rId3"/>
+          <a:blip r:embed="rId1"/>
           <a:stretch>
             <a:fillRect/>
           </a:stretch>
@@ -33750,6 +34224,7 @@
               <a:rPr lang="zh-TW"/>
               <a:t>CICD是什麼</a:t>
             </a:r>
+            <a:endParaRPr lang="zh-TW"/>
           </a:p>
         </p:txBody>
       </p:sp>
@@ -34449,10 +34924,6 @@
               </a:rPr>
               <a:t>退版</a:t>
             </a:r>
-            <a:r>
-              <a:rPr lang="zh-TW"/>
-              <a:t/>
-            </a:r>
             <a:br>
               <a:rPr lang="zh-TW"/>
             </a:br>
@@ -34558,6 +35029,15 @@
               </a:rPr>
               <a:t>先執行退版的動作</a:t>
             </a:r>
+            <a:endParaRPr lang="zh-TW" altLang="en-US" sz="1200">
+              <a:solidFill>
+                <a:schemeClr val="dk1"/>
+              </a:solidFill>
+              <a:latin typeface="Aptos"/>
+              <a:ea typeface="Aptos"/>
+              <a:cs typeface="Aptos"/>
+              <a:sym typeface="Aptos"/>
+            </a:endParaRPr>
           </a:p>
           <a:p>
             <a:pPr marL="457200" lvl="0" indent="0" algn="l" rtl="0">
@@ -34617,6 +35097,15 @@
               </a:rPr>
               <a:t>git revision</a:t>
             </a:r>
+            <a:endParaRPr lang="en-US" altLang="zh-TW" sz="1200">
+              <a:solidFill>
+                <a:schemeClr val="dk1"/>
+              </a:solidFill>
+              <a:latin typeface="Aptos"/>
+              <a:ea typeface="Aptos"/>
+              <a:cs typeface="Aptos"/>
+              <a:sym typeface="Aptos"/>
+            </a:endParaRPr>
           </a:p>
         </p:txBody>
       </p:sp>
@@ -34629,7 +35118,7 @@
           <p:nvPr/>
         </p:nvPicPr>
         <p:blipFill>
-          <a:blip r:embed="rId3"/>
+          <a:blip r:embed="rId1"/>
           <a:stretch>
             <a:fillRect/>
           </a:stretch>
@@ -34746,10 +35235,6 @@
               </a:rPr>
               <a:t>退版</a:t>
             </a:r>
-            <a:r>
-              <a:rPr lang="zh-TW"/>
-              <a:t/>
-            </a:r>
             <a:br>
               <a:rPr lang="zh-TW"/>
             </a:br>
@@ -34855,6 +35340,15 @@
               </a:rPr>
               <a:t>先執行退版的動作</a:t>
             </a:r>
+            <a:endParaRPr lang="zh-TW" altLang="en-US" sz="1200" dirty="0">
+              <a:solidFill>
+                <a:schemeClr val="dk1"/>
+              </a:solidFill>
+              <a:latin typeface="Aptos"/>
+              <a:ea typeface="Aptos"/>
+              <a:cs typeface="Aptos"/>
+              <a:sym typeface="Aptos"/>
+            </a:endParaRPr>
           </a:p>
           <a:p>
             <a:pPr marL="457200" lvl="0" indent="0" algn="l" rtl="0">
@@ -34926,6 +35420,15 @@
               </a:rPr>
               <a:t>空格，</a:t>
             </a:r>
+            <a:endParaRPr lang="zh-TW" altLang="en-US" sz="1200" dirty="0">
+              <a:solidFill>
+                <a:schemeClr val="dk1"/>
+              </a:solidFill>
+              <a:latin typeface="Aptos"/>
+              <a:ea typeface="Aptos"/>
+              <a:cs typeface="Aptos"/>
+              <a:sym typeface="Aptos"/>
+            </a:endParaRPr>
           </a:p>
           <a:p>
             <a:pPr marL="457200" lvl="0" indent="0" algn="l" rtl="0">
@@ -34949,6 +35452,15 @@
               </a:rPr>
               <a:t>即可指定版本退版</a:t>
             </a:r>
+            <a:endParaRPr lang="zh-TW" altLang="en-US" sz="1200" dirty="0">
+              <a:solidFill>
+                <a:schemeClr val="dk1"/>
+              </a:solidFill>
+              <a:latin typeface="Aptos"/>
+              <a:ea typeface="Aptos"/>
+              <a:cs typeface="Aptos"/>
+              <a:sym typeface="Aptos"/>
+            </a:endParaRPr>
           </a:p>
         </p:txBody>
       </p:sp>
@@ -34961,7 +35473,7 @@
           <p:nvPr/>
         </p:nvPicPr>
         <p:blipFill>
-          <a:blip r:embed="rId3"/>
+          <a:blip r:embed="rId1"/>
           <a:stretch>
             <a:fillRect/>
           </a:stretch>
@@ -35078,10 +35590,6 @@
               </a:rPr>
               <a:t>pollSCM</a:t>
             </a:r>
-            <a:r>
-              <a:rPr lang="zh-TW" dirty="0"/>
-              <a:t/>
-            </a:r>
             <a:br>
               <a:rPr lang="zh-TW" dirty="0"/>
             </a:br>
@@ -35234,10 +35742,6 @@
               <a:rPr lang="zh-TW" altLang="en-US" dirty="0" smtClean="0"/>
               <a:t>即可</a:t>
             </a:r>
-            <a:r>
-              <a:rPr lang="en-US" altLang="zh-TW" dirty="0" smtClean="0"/>
-              <a:t/>
-            </a:r>
             <a:br>
               <a:rPr lang="en-US" altLang="zh-TW" dirty="0" smtClean="0"/>
             </a:br>
@@ -35262,7 +35766,7 @@
           <p:nvPr/>
         </p:nvPicPr>
         <p:blipFill>
-          <a:blip r:embed="rId3"/>
+          <a:blip r:embed="rId1"/>
           <a:stretch>
             <a:fillRect/>
           </a:stretch>
@@ -35278,11 +35782,6 @@
         </p:spPr>
       </p:pic>
     </p:spTree>
-    <p:extLst>
-      <p:ext uri="{BB962C8B-B14F-4D97-AF65-F5344CB8AC3E}">
-        <p14:creationId xmlns:p14="http://schemas.microsoft.com/office/powerpoint/2010/main" val="791385916"/>
-      </p:ext>
-    </p:extLst>
   </p:cSld>
   <p:clrMapOvr>
     <a:masterClrMapping/>
@@ -35384,10 +35883,6 @@
               </a:rPr>
               <a:t>pollSCM</a:t>
             </a:r>
-            <a:r>
-              <a:rPr lang="zh-TW" dirty="0"/>
-              <a:t/>
-            </a:r>
             <a:br>
               <a:rPr lang="zh-TW" dirty="0"/>
             </a:br>
@@ -35449,6 +35944,11 @@
               </a:rPr>
               <a:t>Stage View</a:t>
             </a:r>
+            <a:endParaRPr lang="en-US" altLang="zh-TW" sz="1200" dirty="0" smtClean="0">
+              <a:latin typeface="Aptos"/>
+              <a:cs typeface="Play" panose="00000500000000000000"/>
+              <a:sym typeface="Play" panose="00000500000000000000"/>
+            </a:endParaRPr>
           </a:p>
           <a:p>
             <a:pPr lvl="0" indent="0">
@@ -35466,10 +35966,6 @@
                 <a:sym typeface="Play" panose="00000500000000000000"/>
               </a:rPr>
               <a:t>每兩分鐘會部屬一次</a:t>
-            </a:r>
-            <a:r>
-              <a:rPr lang="en-US" altLang="zh-TW" dirty="0" smtClean="0"/>
-              <a:t/>
             </a:r>
             <a:br>
               <a:rPr lang="en-US" altLang="zh-TW" dirty="0" smtClean="0"/>
@@ -35495,7 +35991,7 @@
           <p:nvPr/>
         </p:nvPicPr>
         <p:blipFill>
-          <a:blip r:embed="rId3"/>
+          <a:blip r:embed="rId1"/>
           <a:stretch>
             <a:fillRect/>
           </a:stretch>
@@ -35511,11 +36007,6 @@
         </p:spPr>
       </p:pic>
     </p:spTree>
-    <p:extLst>
-      <p:ext uri="{BB962C8B-B14F-4D97-AF65-F5344CB8AC3E}">
-        <p14:creationId xmlns:p14="http://schemas.microsoft.com/office/powerpoint/2010/main" val="2903733225"/>
-      </p:ext>
-    </p:extLst>
   </p:cSld>
   <p:clrMapOvr>
     <a:masterClrMapping/>
@@ -35594,6 +36085,7 @@
               <a:rPr lang="zh-TW"/>
               <a:t>Jenkins是什麼</a:t>
             </a:r>
+            <a:endParaRPr lang="zh-TW"/>
           </a:p>
         </p:txBody>
       </p:sp>
@@ -36065,6 +36557,7 @@
               <a:rPr lang="zh-TW"/>
               <a:t>Jenkins安裝步驟</a:t>
             </a:r>
+            <a:endParaRPr lang="zh-TW"/>
           </a:p>
         </p:txBody>
       </p:sp>
@@ -36191,7 +36684,7 @@
                 <a:ea typeface="Aptos"/>
                 <a:cs typeface="Aptos"/>
                 <a:sym typeface="Aptos"/>
-                <a:hlinkClick r:id="rId3"/>
+                <a:hlinkClick r:id="rId1"/>
               </a:rPr>
               <a:t>Oracle JDK 21 下載頁面</a:t>
             </a:r>
@@ -36363,7 +36856,7 @@
           <p:nvPr/>
         </p:nvPicPr>
         <p:blipFill>
-          <a:blip r:embed="rId4"/>
+          <a:blip r:embed="rId2"/>
           <a:stretch>
             <a:fillRect/>
           </a:stretch>
@@ -36461,6 +36954,7 @@
               <a:rPr lang="zh-TW"/>
               <a:t>Jenkins安裝步驟</a:t>
             </a:r>
+            <a:endParaRPr lang="zh-TW"/>
           </a:p>
         </p:txBody>
       </p:sp>
@@ -36587,7 +37081,7 @@
                 <a:ea typeface="Aptos"/>
                 <a:cs typeface="Aptos"/>
                 <a:sym typeface="Aptos"/>
-                <a:hlinkClick r:id="rId3"/>
+                <a:hlinkClick r:id="rId1"/>
               </a:rPr>
               <a:t>https://www.jenkins.io/download/</a:t>
             </a:r>
@@ -36685,7 +37179,7 @@
           <p:nvPr/>
         </p:nvPicPr>
         <p:blipFill>
-          <a:blip r:embed="rId4"/>
+          <a:blip r:embed="rId2"/>
           <a:stretch>
             <a:fillRect/>
           </a:stretch>
@@ -36711,7 +37205,7 @@
           <p:nvPr/>
         </p:nvPicPr>
         <p:blipFill>
-          <a:blip r:embed="rId5"/>
+          <a:blip r:embed="rId3"/>
           <a:stretch>
             <a:fillRect/>
           </a:stretch>
@@ -36809,6 +37303,7 @@
               <a:rPr lang="zh-TW"/>
               <a:t>Jenkins安裝步驟</a:t>
             </a:r>
+            <a:endParaRPr lang="zh-TW"/>
           </a:p>
         </p:txBody>
       </p:sp>
@@ -37044,7 +37539,7 @@
           <p:nvPr/>
         </p:nvPicPr>
         <p:blipFill>
-          <a:blip r:embed="rId3"/>
+          <a:blip r:embed="rId1"/>
           <a:stretch>
             <a:fillRect/>
           </a:stretch>
@@ -37142,6 +37637,7 @@
               <a:rPr lang="zh-TW"/>
               <a:t>Jenkins安裝步驟</a:t>
             </a:r>
+            <a:endParaRPr lang="zh-TW"/>
           </a:p>
         </p:txBody>
       </p:sp>
@@ -37389,7 +37885,7 @@
           <p:nvPr/>
         </p:nvPicPr>
         <p:blipFill>
-          <a:blip r:embed="rId3"/>
+          <a:blip r:embed="rId1"/>
           <a:stretch>
             <a:fillRect/>
           </a:stretch>
@@ -37692,8 +38188,6 @@
       </a:bgFillStyleLst>
     </a:fmtScheme>
   </a:themeElements>
-  <a:objectDefaults/>
-  <a:extraClrSchemeLst/>
   <a:extLst>
     <a:ext uri="{05A4C25C-085E-4340-85A3-A5531E510DB2}">
       <thm15:themeFamily xmlns:thm15="http://schemas.microsoft.com/office/thememl/2012/main" name="Office Theme" id="{62F939B6-93AF-4DB8-9C6B-D6C7DFDC589F}" vid="{4A3C46E8-61CC-4603-A589-7422A47A8E4A}"/>
@@ -37978,8 +38472,6 @@
       </a:bgFillStyleLst>
     </a:fmtScheme>
   </a:themeElements>
-  <a:objectDefaults/>
-  <a:extraClrSchemeLst/>
   <a:extLst>
     <a:ext uri="{05A4C25C-085E-4340-85A3-A5531E510DB2}">
       <thm15:themeFamily xmlns:thm15="http://schemas.microsoft.com/office/thememl/2012/main" name="Office Theme" id="{62F939B6-93AF-4DB8-9C6B-D6C7DFDC589F}" vid="{4A3C46E8-61CC-4603-A589-7422A47A8E4A}"/>

--- a/單元5.Jenkins與Docker的CICD使用詳解.pptx
+++ b/單元5.Jenkins與Docker的CICD使用詳解.pptx
@@ -20348,7 +20348,118 @@
               </a:rPr>
               <a:t>若看到jenkins畫面，代表安裝成功。</a:t>
             </a:r>
-            <a:endParaRPr sz="1800">
+            <a:endParaRPr lang="zh-TW" sz="1200">
+              <a:solidFill>
+                <a:schemeClr val="dk1"/>
+              </a:solidFill>
+              <a:latin typeface="Aptos"/>
+              <a:ea typeface="Aptos"/>
+              <a:cs typeface="Aptos"/>
+              <a:sym typeface="Aptos"/>
+            </a:endParaRPr>
+          </a:p>
+          <a:p>
+            <a:pPr marL="0" lvl="0" indent="0" algn="l" rtl="0">
+              <a:spcBef>
+                <a:spcPts val="1000"/>
+              </a:spcBef>
+              <a:spcAft>
+                <a:spcPts val="0"/>
+              </a:spcAft>
+              <a:buClr>
+                <a:schemeClr val="dk1"/>
+              </a:buClr>
+              <a:buSzPts val="1100"/>
+              <a:buFont typeface="Arial" panose="020B0604020202020204"/>
+              <a:buNone/>
+            </a:pPr>
+            <a:endParaRPr lang="zh-TW" sz="1200">
+              <a:solidFill>
+                <a:schemeClr val="dk1"/>
+              </a:solidFill>
+              <a:latin typeface="Aptos"/>
+              <a:ea typeface="Aptos"/>
+              <a:cs typeface="Aptos"/>
+              <a:sym typeface="Aptos"/>
+            </a:endParaRPr>
+          </a:p>
+          <a:p>
+            <a:pPr marL="0" lvl="0" indent="0" algn="l" rtl="0">
+              <a:spcBef>
+                <a:spcPts val="1000"/>
+              </a:spcBef>
+              <a:spcAft>
+                <a:spcPts val="0"/>
+              </a:spcAft>
+              <a:buClr>
+                <a:schemeClr val="dk1"/>
+              </a:buClr>
+              <a:buSzPts val="1100"/>
+              <a:buFont typeface="Arial" panose="020B0604020202020204"/>
+              <a:buNone/>
+            </a:pPr>
+            <a:r>
+              <a:rPr lang="zh-TW" sz="1200">
+                <a:solidFill>
+                  <a:schemeClr val="dk1"/>
+                </a:solidFill>
+                <a:latin typeface="Aptos"/>
+                <a:ea typeface="Aptos"/>
+                <a:cs typeface="Aptos"/>
+                <a:sym typeface="Aptos"/>
+              </a:rPr>
+              <a:t>安裝教學影片</a:t>
+            </a:r>
+            <a:r>
+              <a:rPr lang="en-US" altLang="zh-TW" sz="1200">
+                <a:solidFill>
+                  <a:schemeClr val="dk1"/>
+                </a:solidFill>
+                <a:latin typeface="Aptos"/>
+                <a:ea typeface="Aptos"/>
+                <a:cs typeface="Aptos"/>
+                <a:sym typeface="Aptos"/>
+              </a:rPr>
+              <a:t>:</a:t>
+            </a:r>
+            <a:endParaRPr lang="zh-TW" sz="1200">
+              <a:solidFill>
+                <a:schemeClr val="dk1"/>
+              </a:solidFill>
+              <a:latin typeface="Aptos"/>
+              <a:ea typeface="Aptos"/>
+              <a:cs typeface="Aptos"/>
+              <a:sym typeface="Aptos"/>
+            </a:endParaRPr>
+          </a:p>
+          <a:p>
+            <a:pPr marL="0" lvl="0" indent="0" algn="l" rtl="0">
+              <a:spcBef>
+                <a:spcPts val="1000"/>
+              </a:spcBef>
+              <a:spcAft>
+                <a:spcPts val="0"/>
+              </a:spcAft>
+              <a:buClr>
+                <a:schemeClr val="dk1"/>
+              </a:buClr>
+              <a:buSzPts val="1100"/>
+              <a:buFont typeface="Arial" panose="020B0604020202020204"/>
+              <a:buNone/>
+            </a:pPr>
+            <a:r>
+              <a:rPr lang="en-US" altLang="zh-HK" sz="1800">
+                <a:solidFill>
+                  <a:srgbClr val="3F3F3F"/>
+                </a:solidFill>
+                <a:latin typeface="Trebuchet MS" panose="020B0603020202020204"/>
+                <a:ea typeface="Trebuchet MS" panose="020B0603020202020204"/>
+                <a:cs typeface="Trebuchet MS" panose="020B0603020202020204"/>
+                <a:sym typeface="Trebuchet MS" panose="020B0603020202020204"/>
+              </a:rPr>
+              <a:t>https://www.youtube.com/watch?v=k5fgRnTW3WY</a:t>
+            </a:r>
+            <a:endParaRPr lang="en-US" altLang="zh-HK" sz="1800">
               <a:solidFill>
                 <a:srgbClr val="3F3F3F"/>
               </a:solidFill>
@@ -36569,7 +36680,7 @@
         </p:nvSpPr>
         <p:spPr>
           <a:xfrm>
-            <a:off x="326750" y="1077700"/>
+            <a:off x="369295" y="1077700"/>
             <a:ext cx="8193900" cy="3885900"/>
           </a:xfrm>
           <a:prstGeom prst="rect">
@@ -36610,7 +36721,19 @@
                 <a:cs typeface="Aptos"/>
                 <a:sym typeface="Aptos"/>
               </a:rPr>
-              <a:t>🔹 步驟 1：安裝 Java 17</a:t>
+              <a:t>🔹 步驟 1：安裝 Java </a:t>
+            </a:r>
+            <a:r>
+              <a:rPr lang="en-US" altLang="zh-TW">
+                <a:solidFill>
+                  <a:srgbClr val="0F4761"/>
+                </a:solidFill>
+                <a:latin typeface="Aptos"/>
+                <a:ea typeface="Aptos"/>
+                <a:cs typeface="Aptos"/>
+                <a:sym typeface="Aptos"/>
+              </a:rPr>
+              <a:t>21</a:t>
             </a:r>
             <a:endParaRPr>
               <a:solidFill>
@@ -36688,7 +36811,48 @@
               </a:rPr>
               <a:t>Oracle JDK 21 下載頁面</a:t>
             </a:r>
-            <a:endParaRPr sz="1200">
+            <a:endParaRPr lang="zh-TW" sz="1200">
+              <a:solidFill>
+                <a:srgbClr val="156082"/>
+              </a:solidFill>
+              <a:uFill>
+                <a:noFill/>
+              </a:uFill>
+              <a:latin typeface="Aptos"/>
+              <a:ea typeface="Aptos"/>
+              <a:cs typeface="Aptos"/>
+              <a:sym typeface="Aptos"/>
+              <a:hlinkClick r:id="rId1"/>
+            </a:endParaRPr>
+          </a:p>
+          <a:p>
+            <a:pPr marL="0" lvl="0" indent="0" algn="l" rtl="0">
+              <a:spcBef>
+                <a:spcPts val="900"/>
+              </a:spcBef>
+              <a:spcAft>
+                <a:spcPts val="0"/>
+              </a:spcAft>
+              <a:buClr>
+                <a:schemeClr val="dk1"/>
+              </a:buClr>
+              <a:buSzPts val="1100"/>
+              <a:buFont typeface="Arial" panose="020B0604020202020204"/>
+              <a:buNone/>
+            </a:pPr>
+            <a:r>
+              <a:rPr lang="en-US" altLang="zh-HK" sz="1200">
+                <a:solidFill>
+                  <a:schemeClr val="dk1"/>
+                </a:solidFill>
+                <a:latin typeface="Aptos"/>
+                <a:ea typeface="Aptos"/>
+                <a:cs typeface="Aptos"/>
+                <a:sym typeface="Aptos"/>
+              </a:rPr>
+              <a:t>Windows x64 msi Installer</a:t>
+            </a:r>
+            <a:endParaRPr lang="en-US" altLang="zh-HK" sz="1200">
               <a:solidFill>
                 <a:schemeClr val="dk1"/>
               </a:solidFill>

--- a/單元5.Jenkins與Docker的CICD使用詳解.pptx
+++ b/單元5.Jenkins與Docker的CICD使用詳解.pptx
@@ -35,56 +35,57 @@
     <p:sldId id="281" r:id="rId28"/>
     <p:sldId id="282" r:id="rId29"/>
     <p:sldId id="283" r:id="rId30"/>
-    <p:sldId id="284" r:id="rId31"/>
-    <p:sldId id="290" r:id="rId32"/>
-    <p:sldId id="289" r:id="rId33"/>
-    <p:sldId id="285" r:id="rId34"/>
-    <p:sldId id="286" r:id="rId35"/>
-    <p:sldId id="287" r:id="rId36"/>
-    <p:sldId id="288" r:id="rId37"/>
-    <p:sldId id="299" r:id="rId38"/>
-    <p:sldId id="292" r:id="rId39"/>
-    <p:sldId id="291" r:id="rId40"/>
-    <p:sldId id="293" r:id="rId41"/>
-    <p:sldId id="294" r:id="rId42"/>
-    <p:sldId id="295" r:id="rId43"/>
-    <p:sldId id="296" r:id="rId44"/>
-    <p:sldId id="297" r:id="rId45"/>
-    <p:sldId id="298" r:id="rId46"/>
+    <p:sldId id="300" r:id="rId31"/>
+    <p:sldId id="284" r:id="rId32"/>
+    <p:sldId id="290" r:id="rId33"/>
+    <p:sldId id="289" r:id="rId34"/>
+    <p:sldId id="285" r:id="rId35"/>
+    <p:sldId id="286" r:id="rId36"/>
+    <p:sldId id="287" r:id="rId37"/>
+    <p:sldId id="288" r:id="rId38"/>
+    <p:sldId id="299" r:id="rId39"/>
+    <p:sldId id="292" r:id="rId40"/>
+    <p:sldId id="291" r:id="rId41"/>
+    <p:sldId id="293" r:id="rId42"/>
+    <p:sldId id="294" r:id="rId43"/>
+    <p:sldId id="295" r:id="rId44"/>
+    <p:sldId id="296" r:id="rId45"/>
+    <p:sldId id="297" r:id="rId46"/>
+    <p:sldId id="298" r:id="rId47"/>
   </p:sldIdLst>
   <p:sldSz cx="9144000" cy="5143500" type="screen16x9"/>
   <p:notesSz cx="6858000" cy="9144000"/>
   <p:embeddedFontLst>
     <p:embeddedFont>
       <p:font typeface="Trebuchet MS" panose="020B0603020202020204"/>
-      <p:regular r:id="rId50"/>
+      <p:regular r:id="rId51"/>
     </p:embeddedFont>
     <p:embeddedFont>
       <p:font typeface="Trebuchet MS" panose="020B0603020202020204" charset="0"/>
-      <p:regular r:id="rId51"/>
-      <p:bold r:id="rId52"/>
-      <p:italic r:id="rId53"/>
-      <p:boldItalic r:id="rId54"/>
+      <p:regular r:id="rId52"/>
+      <p:bold r:id="rId53"/>
+      <p:italic r:id="rId54"/>
+      <p:boldItalic r:id="rId55"/>
     </p:embeddedFont>
     <p:embeddedFont>
       <p:font typeface="Play" panose="00000500000000000000"/>
-      <p:regular r:id="rId55"/>
-      <p:bold r:id="rId56"/>
+      <p:regular r:id="rId56"/>
+      <p:bold r:id="rId57"/>
     </p:embeddedFont>
     <p:embeddedFont>
       <p:font typeface="Arial Rounded MT Bold" panose="020F0704030504030204" pitchFamily="34" charset="0"/>
-      <p:regular r:id="rId57"/>
+      <p:regular r:id="rId58"/>
     </p:embeddedFont>
     <p:embeddedFont>
       <p:font typeface="Consolas" panose="020B0609020204030204"/>
-      <p:regular r:id="rId58"/>
-      <p:bold r:id="rId59"/>
-      <p:italic r:id="rId60"/>
-      <p:boldItalic r:id="rId61"/>
+      <p:regular r:id="rId59"/>
+      <p:bold r:id="rId60"/>
+      <p:italic r:id="rId61"/>
+      <p:boldItalic r:id="rId62"/>
     </p:embeddedFont>
     <p:embeddedFont>
       <p:font typeface="PMingLiU" panose="02020500000000000000" charset="-120"/>
-      <p:regular r:id="rId62"/>
+      <p:regular r:id="rId63"/>
     </p:embeddedFont>
   </p:embeddedFontLst>
   <p:defaultTextStyle>
@@ -2839,7 +2840,7 @@
   <p:cSld>
     <p:spTree>
       <p:nvGrpSpPr>
-        <p:cNvPr id="1" name="Shape 372"/>
+        <p:cNvPr id="1" name="Shape 366"/>
         <p:cNvGrpSpPr/>
         <p:nvPr/>
       </p:nvGrpSpPr>
@@ -2853,7 +2854,7 @@
       </p:grpSpPr>
       <p:sp>
         <p:nvSpPr>
-          <p:cNvPr id="373" name="Google Shape;373;g3a0ca8545bc_0_87:notes"/>
+          <p:cNvPr id="367" name="Google Shape;367;g3a0ca8545bc_0_98:notes"/>
           <p:cNvSpPr txBox="1">
             <a:spLocks noGrp="1"/>
           </p:cNvSpPr>
@@ -2890,7 +2891,7 @@
       </p:sp>
       <p:sp>
         <p:nvSpPr>
-          <p:cNvPr id="374" name="Google Shape;374;g3a0ca8545bc_0_87:notes"/>
+          <p:cNvPr id="368" name="Google Shape;368;g3a0ca8545bc_0_98:notes"/>
           <p:cNvSpPr>
             <a:spLocks noGrp="1" noRot="1" noChangeAspect="1"/>
           </p:cNvSpPr>
@@ -3148,6 +3149,109 @@
   <p:cSld>
     <p:spTree>
       <p:nvGrpSpPr>
+        <p:cNvPr id="1" name="Shape 372"/>
+        <p:cNvGrpSpPr/>
+        <p:nvPr/>
+      </p:nvGrpSpPr>
+      <p:grpSpPr>
+        <a:xfrm>
+          <a:off x="0" y="0"/>
+          <a:ext cx="0" cy="0"/>
+          <a:chOff x="0" y="0"/>
+          <a:chExt cx="0" cy="0"/>
+        </a:xfrm>
+      </p:grpSpPr>
+      <p:sp>
+        <p:nvSpPr>
+          <p:cNvPr id="373" name="Google Shape;373;g3a0ca8545bc_0_87:notes"/>
+          <p:cNvSpPr txBox="1">
+            <a:spLocks noGrp="1"/>
+          </p:cNvSpPr>
+          <p:nvPr>
+            <p:ph type="body" idx="1"/>
+          </p:nvPr>
+        </p:nvSpPr>
+        <p:spPr>
+          <a:xfrm>
+            <a:off x="685800" y="4400550"/>
+            <a:ext cx="5486400" cy="3600600"/>
+          </a:xfrm>
+          <a:prstGeom prst="rect">
+            <a:avLst/>
+          </a:prstGeom>
+        </p:spPr>
+        <p:txBody>
+          <a:bodyPr spcFirstLastPara="1" wrap="square" lIns="91425" tIns="91425" rIns="91425" bIns="91425" anchor="t" anchorCtr="0">
+            <a:noAutofit/>
+          </a:bodyPr>
+          <a:lstStyle/>
+          <a:p>
+            <a:pPr marL="0" lvl="0" indent="0" algn="l" rtl="0">
+              <a:spcBef>
+                <a:spcPts val="0"/>
+              </a:spcBef>
+              <a:spcAft>
+                <a:spcPts val="0"/>
+              </a:spcAft>
+              <a:buNone/>
+            </a:pPr>
+          </a:p>
+        </p:txBody>
+      </p:sp>
+      <p:sp>
+        <p:nvSpPr>
+          <p:cNvPr id="374" name="Google Shape;374;g3a0ca8545bc_0_87:notes"/>
+          <p:cNvSpPr>
+            <a:spLocks noGrp="1" noRot="1" noChangeAspect="1"/>
+          </p:cNvSpPr>
+          <p:nvPr>
+            <p:ph type="sldImg" idx="2"/>
+          </p:nvPr>
+        </p:nvSpPr>
+        <p:spPr>
+          <a:xfrm>
+            <a:off x="685800" y="1143000"/>
+            <a:ext cx="5486400" cy="3086100"/>
+          </a:xfrm>
+          <a:custGeom>
+            <a:avLst/>
+            <a:gdLst/>
+            <a:ahLst/>
+            <a:cxnLst/>
+            <a:rect l="l" t="t" r="r" b="b"/>
+            <a:pathLst>
+              <a:path w="120000" h="120000" extrusionOk="0">
+                <a:moveTo>
+                  <a:pt x="0" y="0"/>
+                </a:moveTo>
+                <a:lnTo>
+                  <a:pt x="120000" y="0"/>
+                </a:lnTo>
+                <a:lnTo>
+                  <a:pt x="120000" y="120000"/>
+                </a:lnTo>
+                <a:lnTo>
+                  <a:pt x="0" y="120000"/>
+                </a:lnTo>
+                <a:close/>
+              </a:path>
+            </a:pathLst>
+          </a:custGeom>
+        </p:spPr>
+      </p:sp>
+    </p:spTree>
+  </p:cSld>
+  <p:clrMapOvr>
+    <a:masterClrMapping/>
+  </p:clrMapOvr>
+</p:notes>
+</file>
+
+<file path=ppt/notesSlides/notesSlide31.xml><?xml version="1.0" encoding="utf-8"?>
+<p:notes xmlns:a="http://schemas.openxmlformats.org/drawingml/2006/main" xmlns:r="http://schemas.openxmlformats.org/officeDocument/2006/relationships" xmlns:p="http://schemas.openxmlformats.org/presentationml/2006/main" showMasterPhAnim="0" showMasterSp="0">
+  <p:cSld>
+    <p:spTree>
+      <p:nvGrpSpPr>
         <p:cNvPr id="1" name="Shape 378"/>
         <p:cNvGrpSpPr/>
         <p:nvPr/>
@@ -3246,7 +3350,7 @@
 </p:notes>
 </file>
 
-<file path=ppt/notesSlides/notesSlide31.xml><?xml version="1.0" encoding="utf-8"?>
+<file path=ppt/notesSlides/notesSlide32.xml><?xml version="1.0" encoding="utf-8"?>
 <p:notes xmlns:a="http://schemas.openxmlformats.org/drawingml/2006/main" xmlns:r="http://schemas.openxmlformats.org/officeDocument/2006/relationships" xmlns:p="http://schemas.openxmlformats.org/presentationml/2006/main" showMasterPhAnim="0" showMasterSp="0">
   <p:cSld>
     <p:spTree>
@@ -3349,7 +3453,7 @@
 </p:notes>
 </file>
 
-<file path=ppt/notesSlides/notesSlide32.xml><?xml version="1.0" encoding="utf-8"?>
+<file path=ppt/notesSlides/notesSlide33.xml><?xml version="1.0" encoding="utf-8"?>
 <p:notes xmlns:a="http://schemas.openxmlformats.org/drawingml/2006/main" xmlns:r="http://schemas.openxmlformats.org/officeDocument/2006/relationships" xmlns:p="http://schemas.openxmlformats.org/presentationml/2006/main" showMasterPhAnim="0" showMasterSp="0">
   <p:cSld>
     <p:spTree>
@@ -3406,109 +3510,6 @@
       <p:sp>
         <p:nvSpPr>
           <p:cNvPr id="392" name="Google Shape;392;g3a0ca8545bc_0_147:notes"/>
-          <p:cNvSpPr>
-            <a:spLocks noGrp="1" noRot="1" noChangeAspect="1"/>
-          </p:cNvSpPr>
-          <p:nvPr>
-            <p:ph type="sldImg" idx="2"/>
-          </p:nvPr>
-        </p:nvSpPr>
-        <p:spPr>
-          <a:xfrm>
-            <a:off x="685800" y="1143000"/>
-            <a:ext cx="5486400" cy="3086100"/>
-          </a:xfrm>
-          <a:custGeom>
-            <a:avLst/>
-            <a:gdLst/>
-            <a:ahLst/>
-            <a:cxnLst/>
-            <a:rect l="l" t="t" r="r" b="b"/>
-            <a:pathLst>
-              <a:path w="120000" h="120000" extrusionOk="0">
-                <a:moveTo>
-                  <a:pt x="0" y="0"/>
-                </a:moveTo>
-                <a:lnTo>
-                  <a:pt x="120000" y="0"/>
-                </a:lnTo>
-                <a:lnTo>
-                  <a:pt x="120000" y="120000"/>
-                </a:lnTo>
-                <a:lnTo>
-                  <a:pt x="0" y="120000"/>
-                </a:lnTo>
-                <a:close/>
-              </a:path>
-            </a:pathLst>
-          </a:custGeom>
-        </p:spPr>
-      </p:sp>
-    </p:spTree>
-  </p:cSld>
-  <p:clrMapOvr>
-    <a:masterClrMapping/>
-  </p:clrMapOvr>
-</p:notes>
-</file>
-
-<file path=ppt/notesSlides/notesSlide33.xml><?xml version="1.0" encoding="utf-8"?>
-<p:notes xmlns:a="http://schemas.openxmlformats.org/drawingml/2006/main" xmlns:r="http://schemas.openxmlformats.org/officeDocument/2006/relationships" xmlns:p="http://schemas.openxmlformats.org/presentationml/2006/main" showMasterPhAnim="0" showMasterSp="0">
-  <p:cSld>
-    <p:spTree>
-      <p:nvGrpSpPr>
-        <p:cNvPr id="1" name="Shape 396"/>
-        <p:cNvGrpSpPr/>
-        <p:nvPr/>
-      </p:nvGrpSpPr>
-      <p:grpSpPr>
-        <a:xfrm>
-          <a:off x="0" y="0"/>
-          <a:ext cx="0" cy="0"/>
-          <a:chOff x="0" y="0"/>
-          <a:chExt cx="0" cy="0"/>
-        </a:xfrm>
-      </p:grpSpPr>
-      <p:sp>
-        <p:nvSpPr>
-          <p:cNvPr id="397" name="Google Shape;397;g3a0ca8545bc_0_152:notes"/>
-          <p:cNvSpPr txBox="1">
-            <a:spLocks noGrp="1"/>
-          </p:cNvSpPr>
-          <p:nvPr>
-            <p:ph type="body" idx="1"/>
-          </p:nvPr>
-        </p:nvSpPr>
-        <p:spPr>
-          <a:xfrm>
-            <a:off x="685800" y="4400550"/>
-            <a:ext cx="5486400" cy="3600600"/>
-          </a:xfrm>
-          <a:prstGeom prst="rect">
-            <a:avLst/>
-          </a:prstGeom>
-        </p:spPr>
-        <p:txBody>
-          <a:bodyPr spcFirstLastPara="1" wrap="square" lIns="91425" tIns="91425" rIns="91425" bIns="91425" anchor="t" anchorCtr="0">
-            <a:noAutofit/>
-          </a:bodyPr>
-          <a:lstStyle/>
-          <a:p>
-            <a:pPr marL="0" lvl="0" indent="0" algn="l" rtl="0">
-              <a:spcBef>
-                <a:spcPts val="0"/>
-              </a:spcBef>
-              <a:spcAft>
-                <a:spcPts val="0"/>
-              </a:spcAft>
-              <a:buNone/>
-            </a:pPr>
-          </a:p>
-        </p:txBody>
-      </p:sp>
-      <p:sp>
-        <p:nvSpPr>
-          <p:cNvPr id="398" name="Google Shape;398;g3a0ca8545bc_0_152:notes"/>
           <p:cNvSpPr>
             <a:spLocks noGrp="1" noRot="1" noChangeAspect="1"/>
           </p:cNvSpPr>
@@ -4483,6 +4484,109 @@
 </file>
 
 <file path=ppt/notesSlides/notesSlide42.xml><?xml version="1.0" encoding="utf-8"?>
+<p:notes xmlns:a="http://schemas.openxmlformats.org/drawingml/2006/main" xmlns:r="http://schemas.openxmlformats.org/officeDocument/2006/relationships" xmlns:p="http://schemas.openxmlformats.org/presentationml/2006/main" showMasterPhAnim="0" showMasterSp="0">
+  <p:cSld>
+    <p:spTree>
+      <p:nvGrpSpPr>
+        <p:cNvPr id="1" name="Shape 396"/>
+        <p:cNvGrpSpPr/>
+        <p:nvPr/>
+      </p:nvGrpSpPr>
+      <p:grpSpPr>
+        <a:xfrm>
+          <a:off x="0" y="0"/>
+          <a:ext cx="0" cy="0"/>
+          <a:chOff x="0" y="0"/>
+          <a:chExt cx="0" cy="0"/>
+        </a:xfrm>
+      </p:grpSpPr>
+      <p:sp>
+        <p:nvSpPr>
+          <p:cNvPr id="397" name="Google Shape;397;g3a0ca8545bc_0_152:notes"/>
+          <p:cNvSpPr txBox="1">
+            <a:spLocks noGrp="1"/>
+          </p:cNvSpPr>
+          <p:nvPr>
+            <p:ph type="body" idx="1"/>
+          </p:nvPr>
+        </p:nvSpPr>
+        <p:spPr>
+          <a:xfrm>
+            <a:off x="685800" y="4400550"/>
+            <a:ext cx="5486400" cy="3600600"/>
+          </a:xfrm>
+          <a:prstGeom prst="rect">
+            <a:avLst/>
+          </a:prstGeom>
+        </p:spPr>
+        <p:txBody>
+          <a:bodyPr spcFirstLastPara="1" wrap="square" lIns="91425" tIns="91425" rIns="91425" bIns="91425" anchor="t" anchorCtr="0">
+            <a:noAutofit/>
+          </a:bodyPr>
+          <a:lstStyle/>
+          <a:p>
+            <a:pPr marL="0" lvl="0" indent="0" algn="l" rtl="0">
+              <a:spcBef>
+                <a:spcPts val="0"/>
+              </a:spcBef>
+              <a:spcAft>
+                <a:spcPts val="0"/>
+              </a:spcAft>
+              <a:buNone/>
+            </a:pPr>
+          </a:p>
+        </p:txBody>
+      </p:sp>
+      <p:sp>
+        <p:nvSpPr>
+          <p:cNvPr id="398" name="Google Shape;398;g3a0ca8545bc_0_152:notes"/>
+          <p:cNvSpPr>
+            <a:spLocks noGrp="1" noRot="1" noChangeAspect="1"/>
+          </p:cNvSpPr>
+          <p:nvPr>
+            <p:ph type="sldImg" idx="2"/>
+          </p:nvPr>
+        </p:nvSpPr>
+        <p:spPr>
+          <a:xfrm>
+            <a:off x="685800" y="1143000"/>
+            <a:ext cx="5486400" cy="3086100"/>
+          </a:xfrm>
+          <a:custGeom>
+            <a:avLst/>
+            <a:gdLst/>
+            <a:ahLst/>
+            <a:cxnLst/>
+            <a:rect l="l" t="t" r="r" b="b"/>
+            <a:pathLst>
+              <a:path w="120000" h="120000" extrusionOk="0">
+                <a:moveTo>
+                  <a:pt x="0" y="0"/>
+                </a:moveTo>
+                <a:lnTo>
+                  <a:pt x="120000" y="0"/>
+                </a:lnTo>
+                <a:lnTo>
+                  <a:pt x="120000" y="120000"/>
+                </a:lnTo>
+                <a:lnTo>
+                  <a:pt x="0" y="120000"/>
+                </a:lnTo>
+                <a:close/>
+              </a:path>
+            </a:pathLst>
+          </a:custGeom>
+        </p:spPr>
+      </p:sp>
+    </p:spTree>
+  </p:cSld>
+  <p:clrMapOvr>
+    <a:masterClrMapping/>
+  </p:clrMapOvr>
+</p:notes>
+</file>
+
+<file path=ppt/notesSlides/notesSlide43.xml><?xml version="1.0" encoding="utf-8"?>
 <p:notes xmlns:a="http://schemas.openxmlformats.org/drawingml/2006/main" xmlns:r="http://schemas.openxmlformats.org/officeDocument/2006/relationships" xmlns:p="http://schemas.openxmlformats.org/presentationml/2006/main" showMasterPhAnim="0" showMasterSp="0">
   <p:cSld>
     <p:spTree>
@@ -24475,7 +24579,31 @@
                 <a:cs typeface="Arial" panose="020B0604020202020204"/>
                 <a:sym typeface="Arial" panose="020B0604020202020204"/>
               </a:rPr>
-              <a:t>因為通常一班情況 是一台電腦在做開發 一台電腦是正式站部屬的機器</a:t>
+              <a:t>因為通常一般情況，是一台電腦在做開發</a:t>
+            </a:r>
+            <a:r>
+              <a:rPr lang="zh-TW" altLang="en-US" sz="1600" dirty="0">
+                <a:solidFill>
+                  <a:schemeClr val="dk1"/>
+                </a:solidFill>
+                <a:latin typeface="Arial" panose="020B0604020202020204"/>
+                <a:ea typeface="Arial" panose="020B0604020202020204"/>
+                <a:cs typeface="Arial" panose="020B0604020202020204"/>
+                <a:sym typeface="Arial" panose="020B0604020202020204"/>
+              </a:rPr>
+              <a:t>，</a:t>
+            </a:r>
+            <a:r>
+              <a:rPr lang="zh-TW" altLang="en-US" sz="1600" dirty="0">
+                <a:solidFill>
+                  <a:schemeClr val="dk1"/>
+                </a:solidFill>
+                <a:latin typeface="Arial" panose="020B0604020202020204"/>
+                <a:ea typeface="Arial" panose="020B0604020202020204"/>
+                <a:cs typeface="Arial" panose="020B0604020202020204"/>
+                <a:sym typeface="Arial" panose="020B0604020202020204"/>
+              </a:rPr>
+              <a:t>一台電腦是正式站部屬的機器</a:t>
             </a:r>
             <a:endParaRPr lang="zh-TW" altLang="en-US" sz="1600" dirty="0">
               <a:solidFill>
@@ -28188,7 +28316,7 @@
   <p:cSld>
     <p:spTree>
       <p:nvGrpSpPr>
-        <p:cNvPr id="1" name="Shape 375"/>
+        <p:cNvPr id="1" name="Shape 369"/>
         <p:cNvGrpSpPr/>
         <p:nvPr/>
       </p:nvGrpSpPr>
@@ -28202,7 +28330,7 @@
       </p:grpSpPr>
       <p:sp>
         <p:nvSpPr>
-          <p:cNvPr id="376" name="Google Shape;376;p58"/>
+          <p:cNvPr id="370" name="Google Shape;370;p57"/>
           <p:cNvSpPr txBox="1">
             <a:spLocks noGrp="1"/>
           </p:cNvSpPr>
@@ -28212,7 +28340,7 @@
         </p:nvSpPr>
         <p:spPr>
           <a:xfrm>
-            <a:off x="508000" y="457200"/>
+            <a:off x="508000" y="110128"/>
             <a:ext cx="6447600" cy="990600"/>
           </a:xfrm>
           <a:prstGeom prst="rect">
@@ -28244,7 +28372,7 @@
               <a:buNone/>
             </a:pPr>
             <a:r>
-              <a:rPr lang="zh-TW" sz="3000">
+              <a:rPr lang="zh-TW" sz="3000" dirty="0">
                 <a:latin typeface="Play" panose="00000500000000000000"/>
                 <a:ea typeface="Play" panose="00000500000000000000"/>
                 <a:cs typeface="Play" panose="00000500000000000000"/>
@@ -28252,13 +28380,13 @@
               </a:rPr>
               <a:t>執行 CICD 流程：傳統部屬</a:t>
             </a:r>
-            <a:endParaRPr sz="3000"/>
+            <a:endParaRPr sz="3000" dirty="0"/>
           </a:p>
         </p:txBody>
       </p:sp>
       <p:sp>
         <p:nvSpPr>
-          <p:cNvPr id="377" name="Google Shape;377;p58"/>
+          <p:cNvPr id="371" name="Google Shape;371;p57"/>
           <p:cNvSpPr txBox="1">
             <a:spLocks noGrp="1"/>
           </p:cNvSpPr>
@@ -28268,8 +28396,8 @@
         </p:nvSpPr>
         <p:spPr>
           <a:xfrm>
-            <a:off x="457975" y="1051450"/>
-            <a:ext cx="6777000" cy="4047900"/>
+            <a:off x="507999" y="832359"/>
+            <a:ext cx="7634833" cy="4800879"/>
           </a:xfrm>
           <a:prstGeom prst="rect">
             <a:avLst/>
@@ -28281,25 +28409,19 @@
         </p:spPr>
         <p:txBody>
           <a:bodyPr spcFirstLastPara="1" wrap="square" lIns="68575" tIns="34275" rIns="68575" bIns="34275" anchor="t" anchorCtr="0">
-            <a:normAutofit/>
+            <a:noAutofit/>
           </a:bodyPr>
           <a:lstStyle/>
           <a:p>
-            <a:pPr marL="457200" lvl="0" indent="-304800" algn="l" rtl="0">
-              <a:spcBef>
-                <a:spcPts val="800"/>
-              </a:spcBef>
-              <a:spcAft>
-                <a:spcPts val="0"/>
-              </a:spcAft>
+            <a:pPr lvl="0" indent="-293370">
               <a:buClr>
                 <a:schemeClr val="dk1"/>
               </a:buClr>
-              <a:buSzPts val="1200"/>
+              <a:buSzPct val="86000"/>
               <a:buChar char="●"/>
             </a:pPr>
             <a:r>
-              <a:rPr lang="zh-TW" dirty="0" smtClean="0">
+              <a:rPr lang="zh-TW" altLang="en-US" sz="900" dirty="0" smtClean="0">
                 <a:solidFill>
                   <a:srgbClr val="0F4761"/>
                 </a:solidFill>
@@ -28308,10 +28430,10 @@
                 <a:cs typeface="Aptos"/>
                 <a:sym typeface="Aptos"/>
               </a:rPr>
-              <a:t> </a:t>
-            </a:r>
-            <a:r>
-              <a:rPr lang="zh-TW" dirty="0">
+              <a:t>實例：基本 </a:t>
+            </a:r>
+            <a:r>
+              <a:rPr lang="en-US" altLang="zh-TW" sz="900" dirty="0" smtClean="0">
                 <a:solidFill>
                   <a:srgbClr val="0F4761"/>
                 </a:solidFill>
@@ -28320,9 +28442,21 @@
                 <a:cs typeface="Aptos"/>
                 <a:sym typeface="Aptos"/>
               </a:rPr>
-              <a:t>實例：基本 Pipeline 語法</a:t>
-            </a:r>
-            <a:endParaRPr dirty="0">
+              <a:t>Pipeline </a:t>
+            </a:r>
+            <a:r>
+              <a:rPr lang="zh-TW" altLang="en-US" sz="900" dirty="0" smtClean="0">
+                <a:solidFill>
+                  <a:srgbClr val="0F4761"/>
+                </a:solidFill>
+                <a:latin typeface="Aptos"/>
+                <a:ea typeface="Aptos"/>
+                <a:cs typeface="Aptos"/>
+                <a:sym typeface="Aptos"/>
+              </a:rPr>
+              <a:t>語法</a:t>
+            </a:r>
+            <a:endParaRPr lang="zh-TW" altLang="en-US" sz="900" dirty="0" smtClean="0">
               <a:solidFill>
                 <a:srgbClr val="0F4761"/>
               </a:solidFill>
@@ -28333,43 +28467,26 @@
             </a:endParaRPr>
           </a:p>
           <a:p>
-            <a:pPr marL="457200" lvl="0" indent="-304800" algn="l" rtl="0">
-              <a:spcBef>
-                <a:spcPts val="800"/>
-              </a:spcBef>
-              <a:spcAft>
-                <a:spcPts val="0"/>
-              </a:spcAft>
+            <a:pPr lvl="0" indent="-293370">
               <a:buClr>
                 <a:schemeClr val="dk1"/>
               </a:buClr>
-              <a:buSzPts val="1200"/>
+              <a:buSzPct val="86000"/>
               <a:buChar char="●"/>
             </a:pPr>
-            <a:br>
-              <a:rPr lang="zh-TW" sz="1200" dirty="0">
-                <a:solidFill>
-                  <a:schemeClr val="dk1"/>
+            <a:r>
+              <a:rPr lang="en-US" altLang="zh-TW" sz="900" dirty="0">
+                <a:solidFill>
+                  <a:srgbClr val="0F4761"/>
                 </a:solidFill>
                 <a:latin typeface="Aptos"/>
                 <a:ea typeface="Aptos"/>
                 <a:cs typeface="Aptos"/>
                 <a:sym typeface="Aptos"/>
               </a:rPr>
-            </a:br>
-            <a:r>
-              <a:rPr lang="zh-TW" dirty="0">
-                <a:solidFill>
-                  <a:srgbClr val="0F4761"/>
-                </a:solidFill>
-                <a:latin typeface="Aptos"/>
-                <a:ea typeface="Aptos"/>
-                <a:cs typeface="Aptos"/>
-                <a:sym typeface="Aptos"/>
-              </a:rPr>
-              <a:t> 指令說明：</a:t>
-            </a:r>
-            <a:endParaRPr dirty="0">
+              <a:t>pipeline {</a:t>
+            </a:r>
+            <a:endParaRPr lang="en-US" altLang="zh-TW" sz="900" dirty="0">
               <a:solidFill>
                 <a:srgbClr val="0F4761"/>
               </a:solidFill>
@@ -28380,46 +28497,28 @@
             </a:endParaRPr>
           </a:p>
           <a:p>
-            <a:pPr marL="457200" lvl="0" indent="-304800" algn="l" rtl="0">
-              <a:spcBef>
-                <a:spcPts val="400"/>
-              </a:spcBef>
-              <a:spcAft>
-                <a:spcPts val="0"/>
-              </a:spcAft>
+            <a:pPr lvl="0" indent="-293370">
               <a:buClr>
                 <a:schemeClr val="dk1"/>
               </a:buClr>
-              <a:buSzPts val="1200"/>
+              <a:buSzPct val="86000"/>
               <a:buChar char="●"/>
             </a:pPr>
             <a:r>
-              <a:rPr lang="zh-TW" sz="1100" dirty="0">
-                <a:solidFill>
-                  <a:schemeClr val="dk1"/>
-                </a:solidFill>
-                <a:latin typeface="Consolas" panose="020B0609020204030204"/>
-                <a:ea typeface="Consolas" panose="020B0609020204030204"/>
-                <a:cs typeface="Consolas" panose="020B0609020204030204"/>
-                <a:sym typeface="Consolas" panose="020B0609020204030204"/>
-              </a:rPr>
-              <a:t>pipeline {}</a:t>
-            </a:r>
-            <a:r>
-              <a:rPr lang="zh-TW" sz="1200" dirty="0">
-                <a:solidFill>
-                  <a:schemeClr val="dk1"/>
+              <a:rPr lang="en-US" altLang="zh-TW" sz="900" dirty="0">
+                <a:solidFill>
+                  <a:srgbClr val="0F4761"/>
                 </a:solidFill>
                 <a:latin typeface="Aptos"/>
                 <a:ea typeface="Aptos"/>
                 <a:cs typeface="Aptos"/>
                 <a:sym typeface="Aptos"/>
               </a:rPr>
-              <a:t>：宣告式 Pipeline 主體。</a:t>
-            </a:r>
-            <a:endParaRPr sz="1200" dirty="0">
+              <a:t>  agent any</a:t>
+            </a:r>
+            <a:endParaRPr lang="en-US" altLang="zh-TW" sz="900" dirty="0">
               <a:solidFill>
-                <a:schemeClr val="dk1"/>
+                <a:srgbClr val="0F4761"/>
               </a:solidFill>
               <a:latin typeface="Aptos"/>
               <a:ea typeface="Aptos"/>
@@ -28428,46 +28527,28 @@
             </a:endParaRPr>
           </a:p>
           <a:p>
-            <a:pPr marL="457200" lvl="0" indent="-304800" algn="l" rtl="0">
-              <a:spcBef>
-                <a:spcPts val="180"/>
-              </a:spcBef>
-              <a:spcAft>
-                <a:spcPts val="0"/>
-              </a:spcAft>
+            <a:pPr lvl="0" indent="-293370">
               <a:buClr>
                 <a:schemeClr val="dk1"/>
               </a:buClr>
-              <a:buSzPts val="1200"/>
+              <a:buSzPct val="86000"/>
               <a:buChar char="●"/>
             </a:pPr>
             <a:r>
-              <a:rPr lang="zh-TW" sz="1100" dirty="0">
-                <a:solidFill>
-                  <a:schemeClr val="dk1"/>
-                </a:solidFill>
-                <a:latin typeface="Consolas" panose="020B0609020204030204"/>
-                <a:ea typeface="Consolas" panose="020B0609020204030204"/>
-                <a:cs typeface="Consolas" panose="020B0609020204030204"/>
-                <a:sym typeface="Consolas" panose="020B0609020204030204"/>
-              </a:rPr>
-              <a:t>agent any</a:t>
-            </a:r>
-            <a:r>
-              <a:rPr lang="zh-TW" sz="1200" dirty="0">
-                <a:solidFill>
-                  <a:schemeClr val="dk1"/>
+              <a:rPr lang="en-US" altLang="zh-TW" sz="900" dirty="0">
+                <a:solidFill>
+                  <a:srgbClr val="0F4761"/>
                 </a:solidFill>
                 <a:latin typeface="Aptos"/>
                 <a:ea typeface="Aptos"/>
                 <a:cs typeface="Aptos"/>
                 <a:sym typeface="Aptos"/>
               </a:rPr>
-              <a:t>：可在任意節點執行。</a:t>
-            </a:r>
-            <a:endParaRPr sz="1200" dirty="0">
+              <a:t>  stages {</a:t>
+            </a:r>
+            <a:endParaRPr lang="en-US" altLang="zh-TW" sz="900" dirty="0">
               <a:solidFill>
-                <a:schemeClr val="dk1"/>
+                <a:srgbClr val="0F4761"/>
               </a:solidFill>
               <a:latin typeface="Aptos"/>
               <a:ea typeface="Aptos"/>
@@ -28476,46 +28557,28 @@
             </a:endParaRPr>
           </a:p>
           <a:p>
-            <a:pPr marL="457200" lvl="0" indent="-304800" algn="l" rtl="0">
-              <a:spcBef>
-                <a:spcPts val="180"/>
-              </a:spcBef>
-              <a:spcAft>
-                <a:spcPts val="0"/>
-              </a:spcAft>
+            <a:pPr lvl="0" indent="-293370">
               <a:buClr>
                 <a:schemeClr val="dk1"/>
               </a:buClr>
-              <a:buSzPts val="1200"/>
+              <a:buSzPct val="86000"/>
               <a:buChar char="●"/>
             </a:pPr>
             <a:r>
-              <a:rPr lang="zh-TW" sz="1100" dirty="0">
-                <a:solidFill>
-                  <a:schemeClr val="dk1"/>
-                </a:solidFill>
-                <a:latin typeface="Consolas" panose="020B0609020204030204"/>
-                <a:ea typeface="Consolas" panose="020B0609020204030204"/>
-                <a:cs typeface="Consolas" panose="020B0609020204030204"/>
-                <a:sym typeface="Consolas" panose="020B0609020204030204"/>
-              </a:rPr>
-              <a:t>stages {}</a:t>
-            </a:r>
-            <a:r>
-              <a:rPr lang="zh-TW" sz="1200" dirty="0">
-                <a:solidFill>
-                  <a:schemeClr val="dk1"/>
+              <a:rPr lang="en-US" altLang="zh-TW" sz="900" dirty="0">
+                <a:solidFill>
+                  <a:srgbClr val="0F4761"/>
                 </a:solidFill>
                 <a:latin typeface="Aptos"/>
                 <a:ea typeface="Aptos"/>
                 <a:cs typeface="Aptos"/>
                 <a:sym typeface="Aptos"/>
               </a:rPr>
-              <a:t>：定義整個流程的階段。</a:t>
-            </a:r>
-            <a:endParaRPr sz="1200" dirty="0">
+              <a:t>     stage('start') {</a:t>
+            </a:r>
+            <a:endParaRPr lang="en-US" altLang="zh-TW" sz="900" dirty="0">
               <a:solidFill>
-                <a:schemeClr val="dk1"/>
+                <a:srgbClr val="0F4761"/>
               </a:solidFill>
               <a:latin typeface="Aptos"/>
               <a:ea typeface="Aptos"/>
@@ -28524,46 +28587,28 @@
             </a:endParaRPr>
           </a:p>
           <a:p>
-            <a:pPr marL="457200" lvl="0" indent="-304800" algn="l" rtl="0">
-              <a:spcBef>
-                <a:spcPts val="180"/>
-              </a:spcBef>
-              <a:spcAft>
-                <a:spcPts val="0"/>
-              </a:spcAft>
+            <a:pPr lvl="0" indent="-293370">
               <a:buClr>
                 <a:schemeClr val="dk1"/>
               </a:buClr>
-              <a:buSzPts val="1200"/>
+              <a:buSzPct val="86000"/>
               <a:buChar char="●"/>
             </a:pPr>
             <a:r>
-              <a:rPr lang="zh-TW" sz="1100" dirty="0">
-                <a:solidFill>
-                  <a:schemeClr val="dk1"/>
-                </a:solidFill>
-                <a:latin typeface="Consolas" panose="020B0609020204030204"/>
-                <a:ea typeface="Consolas" panose="020B0609020204030204"/>
-                <a:cs typeface="Consolas" panose="020B0609020204030204"/>
-                <a:sym typeface="Consolas" panose="020B0609020204030204"/>
-              </a:rPr>
-              <a:t>stage('名稱') { steps { ... } }</a:t>
-            </a:r>
-            <a:r>
-              <a:rPr lang="zh-TW" sz="1200" dirty="0">
-                <a:solidFill>
-                  <a:schemeClr val="dk1"/>
+              <a:rPr lang="en-US" altLang="zh-TW" sz="900" dirty="0">
+                <a:solidFill>
+                  <a:srgbClr val="0F4761"/>
                 </a:solidFill>
                 <a:latin typeface="Aptos"/>
                 <a:ea typeface="Aptos"/>
                 <a:cs typeface="Aptos"/>
                 <a:sym typeface="Aptos"/>
               </a:rPr>
-              <a:t>：一個階段與步驟。</a:t>
-            </a:r>
-            <a:endParaRPr sz="1200" dirty="0">
+              <a:t>      steps {</a:t>
+            </a:r>
+            <a:endParaRPr lang="en-US" altLang="zh-TW" sz="900" dirty="0">
               <a:solidFill>
-                <a:schemeClr val="dk1"/>
+                <a:srgbClr val="0F4761"/>
               </a:solidFill>
               <a:latin typeface="Aptos"/>
               <a:ea typeface="Aptos"/>
@@ -28572,46 +28617,52 @@
             </a:endParaRPr>
           </a:p>
           <a:p>
-            <a:pPr marL="457200" lvl="0" indent="-304800" algn="l" rtl="0">
-              <a:spcBef>
-                <a:spcPts val="180"/>
-              </a:spcBef>
-              <a:spcAft>
-                <a:spcPts val="0"/>
-              </a:spcAft>
+            <a:pPr lvl="0" indent="-293370">
               <a:buClr>
                 <a:schemeClr val="dk1"/>
               </a:buClr>
-              <a:buSzPts val="1200"/>
+              <a:buSzPct val="86000"/>
               <a:buChar char="●"/>
             </a:pPr>
             <a:r>
-              <a:rPr lang="zh-TW" sz="1100" dirty="0">
-                <a:solidFill>
-                  <a:schemeClr val="dk1"/>
-                </a:solidFill>
-                <a:latin typeface="Consolas" panose="020B0609020204030204"/>
-                <a:ea typeface="Consolas" panose="020B0609020204030204"/>
-                <a:cs typeface="Consolas" panose="020B0609020204030204"/>
-                <a:sym typeface="Consolas" panose="020B0609020204030204"/>
-              </a:rPr>
-              <a:t>bat</a:t>
-            </a:r>
-            <a:r>
-              <a:rPr lang="zh-TW" sz="1200" dirty="0">
-                <a:solidFill>
-                  <a:schemeClr val="dk1"/>
+              <a:rPr lang="en-US" altLang="zh-TW" sz="900" dirty="0">
+                <a:solidFill>
+                  <a:srgbClr val="0F4761"/>
                 </a:solidFill>
                 <a:latin typeface="Aptos"/>
                 <a:ea typeface="Aptos"/>
                 <a:cs typeface="Aptos"/>
                 <a:sym typeface="Aptos"/>
               </a:rPr>
-              <a:t>：Windows 系統執行命令。</a:t>
-            </a:r>
-            <a:endParaRPr sz="1200" dirty="0">
+              <a:t>         echo "</a:t>
+            </a:r>
+            <a:r>
+              <a:rPr lang="zh-TW" altLang="en-US" sz="900" dirty="0">
+                <a:solidFill>
+                  <a:srgbClr val="0F4761"/>
+                </a:solidFill>
+                <a:latin typeface="Aptos"/>
+                <a:ea typeface="Aptos"/>
+                <a:cs typeface="Aptos"/>
+                <a:sym typeface="Aptos"/>
+              </a:rPr>
+              <a:t>開始部屬</a:t>
+            </a:r>
+            <a:r>
+              <a:rPr lang="en-US" altLang="zh-TW" sz="900" dirty="0">
+                <a:solidFill>
+                  <a:srgbClr val="0F4761"/>
+                </a:solidFill>
+                <a:latin typeface="Aptos"/>
+                <a:ea typeface="Aptos"/>
+                <a:cs typeface="Aptos"/>
+                <a:sym typeface="Aptos"/>
+              </a:rPr>
+              <a:t>"</a:t>
+            </a:r>
+            <a:endParaRPr lang="en-US" altLang="zh-TW" sz="900" dirty="0">
               <a:solidFill>
-                <a:schemeClr val="dk1"/>
+                <a:srgbClr val="0F4761"/>
               </a:solidFill>
               <a:latin typeface="Aptos"/>
               <a:ea typeface="Aptos"/>
@@ -28620,46 +28671,28 @@
             </a:endParaRPr>
           </a:p>
           <a:p>
-            <a:pPr marL="457200" lvl="0" indent="-304800" algn="l" rtl="0">
-              <a:spcBef>
-                <a:spcPts val="180"/>
-              </a:spcBef>
-              <a:spcAft>
-                <a:spcPts val="0"/>
-              </a:spcAft>
+            <a:pPr lvl="0" indent="-293370">
               <a:buClr>
                 <a:schemeClr val="dk1"/>
               </a:buClr>
-              <a:buSzPts val="1200"/>
+              <a:buSzPct val="86000"/>
               <a:buChar char="●"/>
             </a:pPr>
             <a:r>
-              <a:rPr lang="zh-TW" sz="1100" dirty="0">
-                <a:solidFill>
-                  <a:schemeClr val="dk1"/>
-                </a:solidFill>
-                <a:latin typeface="Consolas" panose="020B0609020204030204"/>
-                <a:ea typeface="Consolas" panose="020B0609020204030204"/>
-                <a:cs typeface="Consolas" panose="020B0609020204030204"/>
-                <a:sym typeface="Consolas" panose="020B0609020204030204"/>
-              </a:rPr>
-              <a:t>fileOperations</a:t>
-            </a:r>
-            <a:r>
-              <a:rPr lang="zh-TW" sz="1200" dirty="0">
-                <a:solidFill>
-                  <a:schemeClr val="dk1"/>
+              <a:rPr lang="en-US" altLang="zh-TW" sz="900" dirty="0">
+                <a:solidFill>
+                  <a:srgbClr val="0F4761"/>
                 </a:solidFill>
                 <a:latin typeface="Aptos"/>
                 <a:ea typeface="Aptos"/>
                 <a:cs typeface="Aptos"/>
                 <a:sym typeface="Aptos"/>
               </a:rPr>
-              <a:t>：外掛功能，用於複製或搬移檔案。</a:t>
-            </a:r>
-            <a:endParaRPr sz="1200" dirty="0">
+              <a:t>      }</a:t>
+            </a:r>
+            <a:endParaRPr lang="en-US" altLang="zh-TW" sz="900" dirty="0">
               <a:solidFill>
-                <a:schemeClr val="dk1"/>
+                <a:srgbClr val="0F4761"/>
               </a:solidFill>
               <a:latin typeface="Aptos"/>
               <a:ea typeface="Aptos"/>
@@ -28668,102 +28701,28 @@
             </a:endParaRPr>
           </a:p>
           <a:p>
-            <a:pPr marL="0" lvl="0" indent="0" algn="l" rtl="0">
-              <a:spcBef>
-                <a:spcPts val="900"/>
-              </a:spcBef>
-              <a:spcAft>
-                <a:spcPts val="0"/>
-              </a:spcAft>
-              <a:buNone/>
-            </a:pPr>
-            <a:r>
-              <a:rPr lang="zh-TW" sz="1200" dirty="0">
-                <a:solidFill>
-                  <a:schemeClr val="dk1"/>
+            <a:pPr lvl="0" indent="-293370">
+              <a:buClr>
+                <a:schemeClr val="dk1"/>
+              </a:buClr>
+              <a:buSzPct val="86000"/>
+              <a:buChar char="●"/>
+            </a:pPr>
+            <a:r>
+              <a:rPr lang="en-US" altLang="zh-TW" sz="900" dirty="0">
+                <a:solidFill>
+                  <a:srgbClr val="0F4761"/>
                 </a:solidFill>
                 <a:latin typeface="Aptos"/>
                 <a:ea typeface="Aptos"/>
                 <a:cs typeface="Aptos"/>
                 <a:sym typeface="Aptos"/>
               </a:rPr>
-              <a:t>💡 </a:t>
-            </a:r>
-            <a:r>
-              <a:rPr lang="zh-TW" sz="1200" b="1" dirty="0">
-                <a:solidFill>
-                  <a:schemeClr val="dk1"/>
-                </a:solidFill>
-                <a:latin typeface="Aptos"/>
-                <a:ea typeface="Aptos"/>
-                <a:cs typeface="Aptos"/>
-                <a:sym typeface="Aptos"/>
-              </a:rPr>
-              <a:t>注意：</a:t>
-            </a:r>
-            <a:r>
-              <a:rPr lang="zh-TW" sz="1200" dirty="0">
-                <a:solidFill>
-                  <a:schemeClr val="dk1"/>
-                </a:solidFill>
-                <a:latin typeface="Aptos"/>
-                <a:ea typeface="Aptos"/>
-                <a:cs typeface="Aptos"/>
-                <a:sym typeface="Aptos"/>
-              </a:rPr>
-              <a:t> 若執行時出現 </a:t>
-            </a:r>
-            <a:r>
-              <a:rPr lang="zh-TW" sz="1100" dirty="0">
-                <a:solidFill>
-                  <a:schemeClr val="dk1"/>
-                </a:solidFill>
-                <a:latin typeface="Consolas" panose="020B0609020204030204"/>
-                <a:ea typeface="Consolas" panose="020B0609020204030204"/>
-                <a:cs typeface="Consolas" panose="020B0609020204030204"/>
-                <a:sym typeface="Consolas" panose="020B0609020204030204"/>
-              </a:rPr>
-              <a:t>Unknown step fileOperations</a:t>
-            </a:r>
-            <a:r>
-              <a:rPr lang="zh-TW" sz="1200" dirty="0">
-                <a:solidFill>
-                  <a:schemeClr val="dk1"/>
-                </a:solidFill>
-                <a:latin typeface="Aptos"/>
-                <a:ea typeface="Aptos"/>
-                <a:cs typeface="Aptos"/>
-                <a:sym typeface="Aptos"/>
-              </a:rPr>
-              <a:t>，需安裝 </a:t>
-            </a:r>
-            <a:r>
-              <a:rPr lang="zh-TW" sz="1200" b="1" dirty="0">
-                <a:solidFill>
-                  <a:schemeClr val="dk1"/>
-                </a:solidFill>
-                <a:latin typeface="Aptos"/>
-                <a:ea typeface="Aptos"/>
-                <a:cs typeface="Aptos"/>
-                <a:sym typeface="Aptos"/>
-              </a:rPr>
-              <a:t>File Operations</a:t>
-            </a:r>
-            <a:r>
-              <a:rPr lang="zh-TW" sz="1200" dirty="0">
-                <a:solidFill>
-                  <a:schemeClr val="dk1"/>
-                </a:solidFill>
-                <a:latin typeface="Aptos"/>
-                <a:ea typeface="Aptos"/>
-                <a:cs typeface="Aptos"/>
-                <a:sym typeface="Aptos"/>
-              </a:rPr>
-              <a:t>。</a:t>
-            </a:r>
-            <a:endParaRPr sz="1200" dirty="0">
+              <a:t>    }</a:t>
+            </a:r>
+            <a:endParaRPr lang="en-US" altLang="zh-TW" sz="900" dirty="0">
               <a:solidFill>
-                <a:schemeClr val="dk1"/>
+                <a:srgbClr val="0F4761"/>
               </a:solidFill>
               <a:latin typeface="Aptos"/>
               <a:ea typeface="Aptos"/>
@@ -28772,42 +28731,556 @@
             </a:endParaRPr>
           </a:p>
           <a:p>
-            <a:pPr marL="457200" lvl="0" indent="-298450" algn="l" rtl="0">
-              <a:spcBef>
-                <a:spcPts val="900"/>
-              </a:spcBef>
-              <a:spcAft>
-                <a:spcPts val="0"/>
-              </a:spcAft>
+            <a:pPr lvl="0" indent="-293370">
               <a:buClr>
                 <a:schemeClr val="dk1"/>
               </a:buClr>
-              <a:buSzPts val="1100"/>
-              <a:buFont typeface="Consolas" panose="020B0609020204030204"/>
+              <a:buSzPct val="86000"/>
               <a:buChar char="●"/>
             </a:pPr>
-            <a:endParaRPr sz="1100" dirty="0">
+            <a:r>
+              <a:rPr lang="en-US" altLang="zh-TW" sz="900" dirty="0">
+                <a:solidFill>
+                  <a:srgbClr val="0F4761"/>
+                </a:solidFill>
+                <a:latin typeface="Aptos"/>
+                <a:ea typeface="Aptos"/>
+                <a:cs typeface="Aptos"/>
+                <a:sym typeface="Aptos"/>
+              </a:rPr>
+              <a:t>    </a:t>
+            </a:r>
+            <a:endParaRPr lang="en-US" altLang="zh-TW" sz="900" dirty="0">
               <a:solidFill>
+                <a:srgbClr val="0F4761"/>
+              </a:solidFill>
+              <a:latin typeface="Aptos"/>
+              <a:ea typeface="Aptos"/>
+              <a:cs typeface="Aptos"/>
+              <a:sym typeface="Aptos"/>
+            </a:endParaRPr>
+          </a:p>
+          <a:p>
+            <a:pPr lvl="0" indent="-293370">
+              <a:buClr>
                 <a:schemeClr val="dk1"/>
+              </a:buClr>
+              <a:buSzPct val="86000"/>
+              <a:buChar char="●"/>
+            </a:pPr>
+            <a:r>
+              <a:rPr lang="en-US" altLang="zh-TW" sz="900" dirty="0">
+                <a:solidFill>
+                  <a:srgbClr val="0F4761"/>
+                </a:solidFill>
+                <a:latin typeface="Aptos"/>
+                <a:ea typeface="Aptos"/>
+                <a:cs typeface="Aptos"/>
+                <a:sym typeface="Aptos"/>
+              </a:rPr>
+              <a:t>    stage('</a:t>
+            </a:r>
+            <a:r>
+              <a:rPr lang="zh-TW" altLang="en-US" sz="900" dirty="0">
+                <a:solidFill>
+                  <a:srgbClr val="0F4761"/>
+                </a:solidFill>
+                <a:latin typeface="Aptos"/>
+                <a:ea typeface="Aptos"/>
+                <a:cs typeface="Aptos"/>
+                <a:sym typeface="Aptos"/>
+              </a:rPr>
+              <a:t>抓取</a:t>
+            </a:r>
+            <a:r>
+              <a:rPr lang="en-US" altLang="zh-TW" sz="900" dirty="0" err="1">
+                <a:solidFill>
+                  <a:srgbClr val="0F4761"/>
+                </a:solidFill>
+                <a:latin typeface="Aptos"/>
+                <a:ea typeface="Aptos"/>
+                <a:cs typeface="Aptos"/>
+                <a:sym typeface="Aptos"/>
+              </a:rPr>
+              <a:t>git</a:t>
+            </a:r>
+            <a:r>
+              <a:rPr lang="en-US" altLang="zh-TW" sz="900" dirty="0">
+                <a:solidFill>
+                  <a:srgbClr val="0F4761"/>
+                </a:solidFill>
+                <a:latin typeface="Aptos"/>
+                <a:ea typeface="Aptos"/>
+                <a:cs typeface="Aptos"/>
+                <a:sym typeface="Aptos"/>
+              </a:rPr>
+              <a:t>') {</a:t>
+            </a:r>
+            <a:endParaRPr lang="en-US" altLang="zh-TW" sz="900" dirty="0">
+              <a:solidFill>
+                <a:srgbClr val="0F4761"/>
               </a:solidFill>
-              <a:latin typeface="Consolas" panose="020B0609020204030204"/>
-              <a:ea typeface="Consolas" panose="020B0609020204030204"/>
-              <a:cs typeface="Consolas" panose="020B0609020204030204"/>
-              <a:sym typeface="Consolas" panose="020B0609020204030204"/>
+              <a:latin typeface="Aptos"/>
+              <a:ea typeface="Aptos"/>
+              <a:cs typeface="Aptos"/>
+              <a:sym typeface="Aptos"/>
             </a:endParaRPr>
           </a:p>
           <a:p>
-            <a:pPr marL="254000" lvl="0" indent="-260350" algn="l" rtl="0">
-              <a:spcBef>
-                <a:spcPts val="400"/>
-              </a:spcBef>
-              <a:spcAft>
-                <a:spcPts val="0"/>
-              </a:spcAft>
-              <a:buSzPts val="1100"/>
-              <a:buChar char="►"/>
-            </a:pPr>
-            <a:endParaRPr b="1" dirty="0"/>
+            <a:pPr lvl="0" indent="-293370">
+              <a:buClr>
+                <a:schemeClr val="dk1"/>
+              </a:buClr>
+              <a:buSzPct val="86000"/>
+              <a:buChar char="●"/>
+            </a:pPr>
+            <a:r>
+              <a:rPr lang="en-US" altLang="zh-TW" sz="900" dirty="0">
+                <a:solidFill>
+                  <a:srgbClr val="0F4761"/>
+                </a:solidFill>
+                <a:latin typeface="Aptos"/>
+                <a:ea typeface="Aptos"/>
+                <a:cs typeface="Aptos"/>
+                <a:sym typeface="Aptos"/>
+              </a:rPr>
+              <a:t>      steps {</a:t>
+            </a:r>
+            <a:endParaRPr lang="en-US" altLang="zh-TW" sz="900" dirty="0">
+              <a:solidFill>
+                <a:srgbClr val="0F4761"/>
+              </a:solidFill>
+              <a:latin typeface="Aptos"/>
+              <a:ea typeface="Aptos"/>
+              <a:cs typeface="Aptos"/>
+              <a:sym typeface="Aptos"/>
+            </a:endParaRPr>
+          </a:p>
+          <a:p>
+            <a:pPr lvl="0" indent="-293370">
+              <a:buClr>
+                <a:schemeClr val="dk1"/>
+              </a:buClr>
+              <a:buSzPct val="86000"/>
+              <a:buChar char="●"/>
+            </a:pPr>
+            <a:r>
+              <a:rPr lang="en-US" altLang="zh-TW" sz="900" dirty="0">
+                <a:solidFill>
+                  <a:srgbClr val="0F4761"/>
+                </a:solidFill>
+                <a:latin typeface="Aptos"/>
+                <a:ea typeface="Aptos"/>
+                <a:cs typeface="Aptos"/>
+                <a:sym typeface="Aptos"/>
+              </a:rPr>
+              <a:t>        </a:t>
+            </a:r>
+            <a:r>
+              <a:rPr lang="en-US" altLang="zh-TW" sz="900" dirty="0" err="1">
+                <a:solidFill>
+                  <a:srgbClr val="0F4761"/>
+                </a:solidFill>
+                <a:latin typeface="Aptos"/>
+                <a:ea typeface="Aptos"/>
+                <a:cs typeface="Aptos"/>
+                <a:sym typeface="Aptos"/>
+              </a:rPr>
+              <a:t>git</a:t>
+            </a:r>
+            <a:r>
+              <a:rPr lang="en-US" altLang="zh-TW" sz="900" dirty="0">
+                <a:solidFill>
+                  <a:srgbClr val="0F4761"/>
+                </a:solidFill>
+                <a:latin typeface="Aptos"/>
+                <a:ea typeface="Aptos"/>
+                <a:cs typeface="Aptos"/>
+                <a:sym typeface="Aptos"/>
+              </a:rPr>
+              <a:t> branch: 'main',</a:t>
+            </a:r>
+            <a:endParaRPr lang="en-US" altLang="zh-TW" sz="900" dirty="0">
+              <a:solidFill>
+                <a:srgbClr val="0F4761"/>
+              </a:solidFill>
+              <a:latin typeface="Aptos"/>
+              <a:ea typeface="Aptos"/>
+              <a:cs typeface="Aptos"/>
+              <a:sym typeface="Aptos"/>
+            </a:endParaRPr>
+          </a:p>
+          <a:p>
+            <a:pPr lvl="0" indent="-293370">
+              <a:buClr>
+                <a:schemeClr val="dk1"/>
+              </a:buClr>
+              <a:buSzPct val="86000"/>
+              <a:buChar char="●"/>
+            </a:pPr>
+            <a:r>
+              <a:rPr lang="en-US" altLang="zh-TW" sz="900" dirty="0">
+                <a:solidFill>
+                  <a:srgbClr val="0F4761"/>
+                </a:solidFill>
+                <a:latin typeface="Aptos"/>
+                <a:ea typeface="Aptos"/>
+                <a:cs typeface="Aptos"/>
+                <a:sym typeface="Aptos"/>
+              </a:rPr>
+              <a:t>            </a:t>
+            </a:r>
+            <a:r>
+              <a:rPr lang="en-US" altLang="zh-TW" sz="900" dirty="0" err="1">
+                <a:solidFill>
+                  <a:srgbClr val="0F4761"/>
+                </a:solidFill>
+                <a:latin typeface="Aptos"/>
+                <a:ea typeface="Aptos"/>
+                <a:cs typeface="Aptos"/>
+                <a:sym typeface="Aptos"/>
+              </a:rPr>
+              <a:t>credentialsId</a:t>
+            </a:r>
+            <a:r>
+              <a:rPr lang="en-US" altLang="zh-TW" sz="900" dirty="0">
+                <a:solidFill>
+                  <a:srgbClr val="0F4761"/>
+                </a:solidFill>
+                <a:latin typeface="Aptos"/>
+                <a:ea typeface="Aptos"/>
+                <a:cs typeface="Aptos"/>
+                <a:sym typeface="Aptos"/>
+              </a:rPr>
+              <a:t>: '</a:t>
+            </a:r>
+            <a:r>
+              <a:rPr lang="en-US" altLang="zh-TW" sz="900" dirty="0" err="1">
+                <a:solidFill>
+                  <a:srgbClr val="0F4761"/>
+                </a:solidFill>
+                <a:latin typeface="Aptos"/>
+                <a:ea typeface="Aptos"/>
+                <a:cs typeface="Aptos"/>
+                <a:sym typeface="Aptos"/>
+              </a:rPr>
+              <a:t>githubuser</a:t>
+            </a:r>
+            <a:r>
+              <a:rPr lang="en-US" altLang="zh-TW" sz="900" dirty="0">
+                <a:solidFill>
+                  <a:srgbClr val="0F4761"/>
+                </a:solidFill>
+                <a:latin typeface="Aptos"/>
+                <a:ea typeface="Aptos"/>
+                <a:cs typeface="Aptos"/>
+                <a:sym typeface="Aptos"/>
+              </a:rPr>
+              <a:t>',</a:t>
+            </a:r>
+            <a:endParaRPr lang="en-US" altLang="zh-TW" sz="900" dirty="0">
+              <a:solidFill>
+                <a:srgbClr val="0F4761"/>
+              </a:solidFill>
+              <a:latin typeface="Aptos"/>
+              <a:ea typeface="Aptos"/>
+              <a:cs typeface="Aptos"/>
+              <a:sym typeface="Aptos"/>
+            </a:endParaRPr>
+          </a:p>
+          <a:p>
+            <a:pPr lvl="0" indent="-293370">
+              <a:buClr>
+                <a:schemeClr val="dk1"/>
+              </a:buClr>
+              <a:buSzPct val="86000"/>
+              <a:buChar char="●"/>
+            </a:pPr>
+            <a:r>
+              <a:rPr lang="en-US" altLang="zh-TW" sz="900" dirty="0">
+                <a:solidFill>
+                  <a:srgbClr val="0F4761"/>
+                </a:solidFill>
+                <a:latin typeface="Aptos"/>
+                <a:ea typeface="Aptos"/>
+                <a:cs typeface="Aptos"/>
+                <a:sym typeface="Aptos"/>
+              </a:rPr>
+              <a:t>            url: 'https://github.com/</a:t>
+            </a:r>
+            <a:r>
+              <a:rPr lang="en-US" altLang="zh-TW" sz="900" dirty="0" err="1">
+                <a:solidFill>
+                  <a:srgbClr val="0F4761"/>
+                </a:solidFill>
+                <a:latin typeface="Aptos"/>
+                <a:ea typeface="Aptos"/>
+                <a:cs typeface="Aptos"/>
+                <a:sym typeface="Aptos"/>
+              </a:rPr>
+              <a:t>coolyuoo</a:t>
+            </a:r>
+            <a:r>
+              <a:rPr lang="en-US" altLang="zh-TW" sz="900" dirty="0">
+                <a:solidFill>
+                  <a:srgbClr val="0F4761"/>
+                </a:solidFill>
+                <a:latin typeface="Aptos"/>
+                <a:ea typeface="Aptos"/>
+                <a:cs typeface="Aptos"/>
+                <a:sym typeface="Aptos"/>
+              </a:rPr>
+              <a:t>/</a:t>
+            </a:r>
+            <a:r>
+              <a:rPr lang="en-US" altLang="zh-TW" sz="900" dirty="0" err="1">
+                <a:solidFill>
+                  <a:srgbClr val="0F4761"/>
+                </a:solidFill>
+                <a:latin typeface="Aptos"/>
+                <a:ea typeface="Aptos"/>
+                <a:cs typeface="Aptos"/>
+                <a:sym typeface="Aptos"/>
+              </a:rPr>
+              <a:t>ClassHello.git</a:t>
+            </a:r>
+            <a:r>
+              <a:rPr lang="en-US" altLang="zh-TW" sz="900" dirty="0">
+                <a:solidFill>
+                  <a:srgbClr val="0F4761"/>
+                </a:solidFill>
+                <a:latin typeface="Aptos"/>
+                <a:ea typeface="Aptos"/>
+                <a:cs typeface="Aptos"/>
+                <a:sym typeface="Aptos"/>
+              </a:rPr>
+              <a:t>'</a:t>
+            </a:r>
+            <a:endParaRPr lang="en-US" altLang="zh-TW" sz="900" dirty="0">
+              <a:solidFill>
+                <a:srgbClr val="0F4761"/>
+              </a:solidFill>
+              <a:latin typeface="Aptos"/>
+              <a:ea typeface="Aptos"/>
+              <a:cs typeface="Aptos"/>
+              <a:sym typeface="Aptos"/>
+            </a:endParaRPr>
+          </a:p>
+          <a:p>
+            <a:pPr lvl="0" indent="-293370">
+              <a:buClr>
+                <a:schemeClr val="dk1"/>
+              </a:buClr>
+              <a:buSzPct val="86000"/>
+              <a:buChar char="●"/>
+            </a:pPr>
+            <a:r>
+              <a:rPr lang="en-US" altLang="zh-TW" sz="900" dirty="0">
+                <a:solidFill>
+                  <a:srgbClr val="0F4761"/>
+                </a:solidFill>
+                <a:latin typeface="Aptos"/>
+                <a:ea typeface="Aptos"/>
+                <a:cs typeface="Aptos"/>
+                <a:sym typeface="Aptos"/>
+              </a:rPr>
+              <a:t>      }</a:t>
+            </a:r>
+            <a:endParaRPr lang="en-US" altLang="zh-TW" sz="900" dirty="0">
+              <a:solidFill>
+                <a:srgbClr val="0F4761"/>
+              </a:solidFill>
+              <a:latin typeface="Aptos"/>
+              <a:ea typeface="Aptos"/>
+              <a:cs typeface="Aptos"/>
+              <a:sym typeface="Aptos"/>
+            </a:endParaRPr>
+          </a:p>
+          <a:p>
+            <a:pPr lvl="0" indent="-293370">
+              <a:buClr>
+                <a:schemeClr val="dk1"/>
+              </a:buClr>
+              <a:buSzPct val="86000"/>
+              <a:buChar char="●"/>
+            </a:pPr>
+            <a:r>
+              <a:rPr lang="en-US" altLang="zh-TW" sz="900" dirty="0">
+                <a:solidFill>
+                  <a:srgbClr val="0F4761"/>
+                </a:solidFill>
+                <a:latin typeface="Aptos"/>
+                <a:ea typeface="Aptos"/>
+                <a:cs typeface="Aptos"/>
+                <a:sym typeface="Aptos"/>
+              </a:rPr>
+              <a:t>    }</a:t>
+            </a:r>
+            <a:endParaRPr lang="en-US" altLang="zh-TW" sz="900" dirty="0">
+              <a:solidFill>
+                <a:srgbClr val="0F4761"/>
+              </a:solidFill>
+              <a:latin typeface="Aptos"/>
+              <a:ea typeface="Aptos"/>
+              <a:cs typeface="Aptos"/>
+              <a:sym typeface="Aptos"/>
+            </a:endParaRPr>
+          </a:p>
+          <a:p>
+            <a:pPr lvl="0" indent="-293370">
+              <a:buClr>
+                <a:schemeClr val="dk1"/>
+              </a:buClr>
+              <a:buSzPct val="86000"/>
+              <a:buChar char="●"/>
+            </a:pPr>
+            <a:r>
+              <a:rPr lang="en-US" altLang="zh-TW" sz="900" dirty="0">
+                <a:solidFill>
+                  <a:srgbClr val="0F4761"/>
+                </a:solidFill>
+                <a:latin typeface="Aptos"/>
+                <a:ea typeface="Aptos"/>
+                <a:cs typeface="Aptos"/>
+                <a:sym typeface="Aptos"/>
+              </a:rPr>
+              <a:t>   }</a:t>
+            </a:r>
+            <a:endParaRPr lang="en-US" altLang="zh-TW" sz="900" dirty="0">
+              <a:solidFill>
+                <a:srgbClr val="0F4761"/>
+              </a:solidFill>
+              <a:latin typeface="Aptos"/>
+              <a:ea typeface="Aptos"/>
+              <a:cs typeface="Aptos"/>
+              <a:sym typeface="Aptos"/>
+            </a:endParaRPr>
+          </a:p>
+          <a:p>
+            <a:pPr lvl="0" indent="-293370">
+              <a:buClr>
+                <a:schemeClr val="dk1"/>
+              </a:buClr>
+              <a:buSzPct val="86000"/>
+              <a:buChar char="●"/>
+            </a:pPr>
+            <a:endParaRPr lang="en-US" altLang="zh-TW" sz="900" dirty="0">
+              <a:solidFill>
+                <a:srgbClr val="0F4761"/>
+              </a:solidFill>
+              <a:latin typeface="Aptos"/>
+              <a:ea typeface="Aptos"/>
+              <a:cs typeface="Aptos"/>
+              <a:sym typeface="Aptos"/>
+            </a:endParaRPr>
+          </a:p>
+          <a:p>
+            <a:pPr lvl="0" indent="-293370">
+              <a:buClr>
+                <a:schemeClr val="dk1"/>
+              </a:buClr>
+              <a:buSzPct val="86000"/>
+              <a:buChar char="●"/>
+            </a:pPr>
+            <a:endParaRPr lang="en-US" altLang="zh-TW" sz="900" dirty="0">
+              <a:solidFill>
+                <a:srgbClr val="0F4761"/>
+              </a:solidFill>
+              <a:latin typeface="Aptos"/>
+              <a:ea typeface="Aptos"/>
+              <a:cs typeface="Aptos"/>
+              <a:sym typeface="Aptos"/>
+            </a:endParaRPr>
+          </a:p>
+          <a:p>
+            <a:pPr lvl="0" indent="-293370">
+              <a:buClr>
+                <a:schemeClr val="dk1"/>
+              </a:buClr>
+              <a:buSzPct val="86000"/>
+              <a:buChar char="●"/>
+            </a:pPr>
+            <a:endParaRPr lang="en-US" altLang="zh-TW" sz="900" dirty="0">
+              <a:solidFill>
+                <a:srgbClr val="0F4761"/>
+              </a:solidFill>
+              <a:latin typeface="Aptos"/>
+              <a:ea typeface="Aptos"/>
+              <a:cs typeface="Aptos"/>
+              <a:sym typeface="Aptos"/>
+            </a:endParaRPr>
+          </a:p>
+          <a:p>
+            <a:pPr marL="163830" lvl="0" indent="0">
+              <a:buClr>
+                <a:schemeClr val="dk1"/>
+              </a:buClr>
+              <a:buSzPct val="86000"/>
+              <a:buNone/>
+            </a:pPr>
+            <a:endParaRPr lang="en-US" altLang="zh-TW" sz="900" dirty="0" smtClean="0">
+              <a:solidFill>
+                <a:srgbClr val="0F4761"/>
+              </a:solidFill>
+              <a:latin typeface="Aptos"/>
+              <a:ea typeface="Aptos"/>
+              <a:cs typeface="Aptos"/>
+              <a:sym typeface="Aptos"/>
+            </a:endParaRPr>
+          </a:p>
+          <a:p>
+            <a:pPr lvl="0" indent="-293370">
+              <a:buClr>
+                <a:schemeClr val="dk1"/>
+              </a:buClr>
+              <a:buSzPct val="86000"/>
+              <a:buChar char="●"/>
+            </a:pPr>
+            <a:endParaRPr lang="en-US" altLang="zh-TW" sz="900" dirty="0" smtClean="0">
+              <a:solidFill>
+                <a:srgbClr val="0F4761"/>
+              </a:solidFill>
+              <a:latin typeface="Aptos"/>
+              <a:ea typeface="Aptos"/>
+              <a:cs typeface="Aptos"/>
+              <a:sym typeface="Aptos"/>
+            </a:endParaRPr>
+          </a:p>
+          <a:p>
+            <a:pPr lvl="0" indent="-293370">
+              <a:buClr>
+                <a:schemeClr val="dk1"/>
+              </a:buClr>
+              <a:buSzPct val="86000"/>
+              <a:buChar char="●"/>
+            </a:pPr>
+            <a:endParaRPr lang="en-US" altLang="zh-TW" sz="900" dirty="0" smtClean="0">
+              <a:solidFill>
+                <a:srgbClr val="0F4761"/>
+              </a:solidFill>
+              <a:latin typeface="Aptos"/>
+              <a:ea typeface="Aptos"/>
+              <a:cs typeface="Aptos"/>
+              <a:sym typeface="Aptos"/>
+            </a:endParaRPr>
+          </a:p>
+          <a:p>
+            <a:pPr lvl="0" indent="-293370">
+              <a:buClr>
+                <a:schemeClr val="dk1"/>
+              </a:buClr>
+              <a:buSzPct val="86000"/>
+              <a:buChar char="●"/>
+            </a:pPr>
+            <a:endParaRPr lang="en-US" altLang="zh-TW" sz="900" dirty="0">
+              <a:solidFill>
+                <a:srgbClr val="0F4761"/>
+              </a:solidFill>
+              <a:latin typeface="Aptos"/>
+              <a:ea typeface="Aptos"/>
+              <a:cs typeface="Aptos"/>
+              <a:sym typeface="Aptos"/>
+            </a:endParaRPr>
           </a:p>
         </p:txBody>
       </p:sp>
@@ -28921,7 +29394,13 @@
           </a:bodyPr>
           <a:lstStyle/>
           <a:p>
-            <a:pPr lvl="0" indent="-304800">
+            <a:pPr marL="457200" lvl="0" indent="-304800" algn="l" rtl="0">
+              <a:spcBef>
+                <a:spcPts val="800"/>
+              </a:spcBef>
+              <a:spcAft>
+                <a:spcPts val="0"/>
+              </a:spcAft>
               <a:buClr>
                 <a:schemeClr val="dk1"/>
               </a:buClr>
@@ -28941,33 +29420,90 @@
               <a:t> </a:t>
             </a:r>
             <a:r>
-              <a:rPr lang="en-US" altLang="zh-TW" sz="1100" dirty="0"/>
-              <a:t>Pipeline Stage View </a:t>
-            </a:r>
-            <a:r>
-              <a:rPr lang="zh-TW" altLang="en-US" sz="1100" dirty="0" smtClean="0"/>
-              <a:t>下載這個 </a:t>
-            </a:r>
-            <a:r>
-              <a:rPr lang="en-US" altLang="zh-TW" sz="1100" dirty="0"/>
-              <a:t>Plugin</a:t>
-            </a:r>
-            <a:r>
-              <a:rPr lang="zh-TW" altLang="en-US" sz="1100" dirty="0"/>
-              <a:t> </a:t>
-            </a:r>
-            <a:endParaRPr lang="en-US" altLang="zh-TW" sz="1100" dirty="0" smtClean="0"/>
-          </a:p>
-          <a:p>
-            <a:pPr lvl="0" indent="-304800">
+              <a:rPr lang="zh-TW" dirty="0">
+                <a:solidFill>
+                  <a:srgbClr val="0F4761"/>
+                </a:solidFill>
+                <a:latin typeface="Aptos"/>
+                <a:ea typeface="Aptos"/>
+                <a:cs typeface="Aptos"/>
+                <a:sym typeface="Aptos"/>
+              </a:rPr>
+              <a:t>實例：基本 Pipeline 語法</a:t>
+            </a:r>
+            <a:endParaRPr dirty="0">
+              <a:solidFill>
+                <a:srgbClr val="0F4761"/>
+              </a:solidFill>
+              <a:latin typeface="Aptos"/>
+              <a:ea typeface="Aptos"/>
+              <a:cs typeface="Aptos"/>
+              <a:sym typeface="Aptos"/>
+            </a:endParaRPr>
+          </a:p>
+          <a:p>
+            <a:pPr marL="457200" lvl="0" indent="-304800" algn="l" rtl="0">
+              <a:spcBef>
+                <a:spcPts val="800"/>
+              </a:spcBef>
+              <a:spcAft>
+                <a:spcPts val="0"/>
+              </a:spcAft>
               <a:buClr>
                 <a:schemeClr val="dk1"/>
               </a:buClr>
               <a:buSzPts val="1200"/>
               <a:buChar char="●"/>
             </a:pPr>
-            <a:r>
-              <a:rPr lang="zh-TW" altLang="en-US" sz="1100" dirty="0" smtClean="0">
+            <a:br>
+              <a:rPr lang="zh-TW" sz="1200" dirty="0">
+                <a:solidFill>
+                  <a:schemeClr val="dk1"/>
+                </a:solidFill>
+                <a:latin typeface="Aptos"/>
+                <a:ea typeface="Aptos"/>
+                <a:cs typeface="Aptos"/>
+                <a:sym typeface="Aptos"/>
+              </a:rPr>
+            </a:br>
+            <a:r>
+              <a:rPr lang="zh-TW" dirty="0">
+                <a:solidFill>
+                  <a:srgbClr val="0F4761"/>
+                </a:solidFill>
+                <a:latin typeface="Aptos"/>
+                <a:ea typeface="Aptos"/>
+                <a:cs typeface="Aptos"/>
+                <a:sym typeface="Aptos"/>
+              </a:rPr>
+              <a:t> 指令說明：</a:t>
+            </a:r>
+            <a:endParaRPr dirty="0">
+              <a:solidFill>
+                <a:srgbClr val="0F4761"/>
+              </a:solidFill>
+              <a:latin typeface="Aptos"/>
+              <a:ea typeface="Aptos"/>
+              <a:cs typeface="Aptos"/>
+              <a:sym typeface="Aptos"/>
+            </a:endParaRPr>
+          </a:p>
+          <a:p>
+            <a:pPr marL="457200" lvl="0" indent="-304800" algn="l" rtl="0">
+              <a:spcBef>
+                <a:spcPts val="400"/>
+              </a:spcBef>
+              <a:spcAft>
+                <a:spcPts val="0"/>
+              </a:spcAft>
+              <a:buClr>
+                <a:schemeClr val="dk1"/>
+              </a:buClr>
+              <a:buSzPts val="1200"/>
+              <a:buChar char="●"/>
+            </a:pPr>
+            <a:r>
+              <a:rPr lang="zh-TW" sz="1100" dirty="0">
                 <a:solidFill>
                   <a:schemeClr val="dk1"/>
                 </a:solidFill>
@@ -28976,8 +29512,389 @@
                 <a:cs typeface="Consolas" panose="020B0609020204030204"/>
                 <a:sym typeface="Consolas" panose="020B0609020204030204"/>
               </a:rPr>
-              <a:t>安裝完畢後，你的部屬流程就會出現視圖顯示</a:t>
-            </a:r>
+              <a:t>pipeline {}</a:t>
+            </a:r>
+            <a:r>
+              <a:rPr lang="zh-TW" sz="1200" dirty="0">
+                <a:solidFill>
+                  <a:schemeClr val="dk1"/>
+                </a:solidFill>
+                <a:latin typeface="Aptos"/>
+                <a:ea typeface="Aptos"/>
+                <a:cs typeface="Aptos"/>
+                <a:sym typeface="Aptos"/>
+              </a:rPr>
+              <a:t>：宣告式 Pipeline 主體。</a:t>
+            </a:r>
+            <a:endParaRPr sz="1200" dirty="0">
+              <a:solidFill>
+                <a:schemeClr val="dk1"/>
+              </a:solidFill>
+              <a:latin typeface="Aptos"/>
+              <a:ea typeface="Aptos"/>
+              <a:cs typeface="Aptos"/>
+              <a:sym typeface="Aptos"/>
+            </a:endParaRPr>
+          </a:p>
+          <a:p>
+            <a:pPr marL="457200" lvl="0" indent="-304800" algn="l" rtl="0">
+              <a:spcBef>
+                <a:spcPts val="180"/>
+              </a:spcBef>
+              <a:spcAft>
+                <a:spcPts val="0"/>
+              </a:spcAft>
+              <a:buClr>
+                <a:schemeClr val="dk1"/>
+              </a:buClr>
+              <a:buSzPts val="1200"/>
+              <a:buChar char="●"/>
+            </a:pPr>
+            <a:r>
+              <a:rPr lang="zh-TW" sz="1100" dirty="0">
+                <a:solidFill>
+                  <a:schemeClr val="dk1"/>
+                </a:solidFill>
+                <a:latin typeface="Consolas" panose="020B0609020204030204"/>
+                <a:ea typeface="Consolas" panose="020B0609020204030204"/>
+                <a:cs typeface="Consolas" panose="020B0609020204030204"/>
+                <a:sym typeface="Consolas" panose="020B0609020204030204"/>
+              </a:rPr>
+              <a:t>agent any</a:t>
+            </a:r>
+            <a:r>
+              <a:rPr lang="zh-TW" sz="1200" dirty="0">
+                <a:solidFill>
+                  <a:schemeClr val="dk1"/>
+                </a:solidFill>
+                <a:latin typeface="Aptos"/>
+                <a:ea typeface="Aptos"/>
+                <a:cs typeface="Aptos"/>
+                <a:sym typeface="Aptos"/>
+              </a:rPr>
+              <a:t>：可在任意節點執行。</a:t>
+            </a:r>
+            <a:endParaRPr sz="1200" dirty="0">
+              <a:solidFill>
+                <a:schemeClr val="dk1"/>
+              </a:solidFill>
+              <a:latin typeface="Aptos"/>
+              <a:ea typeface="Aptos"/>
+              <a:cs typeface="Aptos"/>
+              <a:sym typeface="Aptos"/>
+            </a:endParaRPr>
+          </a:p>
+          <a:p>
+            <a:pPr marL="457200" lvl="0" indent="-304800" algn="l" rtl="0">
+              <a:spcBef>
+                <a:spcPts val="180"/>
+              </a:spcBef>
+              <a:spcAft>
+                <a:spcPts val="0"/>
+              </a:spcAft>
+              <a:buClr>
+                <a:schemeClr val="dk1"/>
+              </a:buClr>
+              <a:buSzPts val="1200"/>
+              <a:buChar char="●"/>
+            </a:pPr>
+            <a:r>
+              <a:rPr lang="zh-TW" sz="1100" dirty="0">
+                <a:solidFill>
+                  <a:schemeClr val="dk1"/>
+                </a:solidFill>
+                <a:latin typeface="Consolas" panose="020B0609020204030204"/>
+                <a:ea typeface="Consolas" panose="020B0609020204030204"/>
+                <a:cs typeface="Consolas" panose="020B0609020204030204"/>
+                <a:sym typeface="Consolas" panose="020B0609020204030204"/>
+              </a:rPr>
+              <a:t>stages {}</a:t>
+            </a:r>
+            <a:r>
+              <a:rPr lang="zh-TW" sz="1200" dirty="0">
+                <a:solidFill>
+                  <a:schemeClr val="dk1"/>
+                </a:solidFill>
+                <a:latin typeface="Aptos"/>
+                <a:ea typeface="Aptos"/>
+                <a:cs typeface="Aptos"/>
+                <a:sym typeface="Aptos"/>
+              </a:rPr>
+              <a:t>：定義整個流程的階段。</a:t>
+            </a:r>
+            <a:endParaRPr sz="1200" dirty="0">
+              <a:solidFill>
+                <a:schemeClr val="dk1"/>
+              </a:solidFill>
+              <a:latin typeface="Aptos"/>
+              <a:ea typeface="Aptos"/>
+              <a:cs typeface="Aptos"/>
+              <a:sym typeface="Aptos"/>
+            </a:endParaRPr>
+          </a:p>
+          <a:p>
+            <a:pPr marL="457200" lvl="0" indent="-304800" algn="l" rtl="0">
+              <a:spcBef>
+                <a:spcPts val="180"/>
+              </a:spcBef>
+              <a:spcAft>
+                <a:spcPts val="0"/>
+              </a:spcAft>
+              <a:buClr>
+                <a:schemeClr val="dk1"/>
+              </a:buClr>
+              <a:buSzPts val="1200"/>
+              <a:buChar char="●"/>
+            </a:pPr>
+            <a:r>
+              <a:rPr lang="zh-TW" sz="1100" dirty="0">
+                <a:solidFill>
+                  <a:schemeClr val="dk1"/>
+                </a:solidFill>
+                <a:latin typeface="Consolas" panose="020B0609020204030204"/>
+                <a:ea typeface="Consolas" panose="020B0609020204030204"/>
+                <a:cs typeface="Consolas" panose="020B0609020204030204"/>
+                <a:sym typeface="Consolas" panose="020B0609020204030204"/>
+              </a:rPr>
+              <a:t>stage('名稱') { steps { ... } }</a:t>
+            </a:r>
+            <a:r>
+              <a:rPr lang="zh-TW" sz="1200" dirty="0">
+                <a:solidFill>
+                  <a:schemeClr val="dk1"/>
+                </a:solidFill>
+                <a:latin typeface="Aptos"/>
+                <a:ea typeface="Aptos"/>
+                <a:cs typeface="Aptos"/>
+                <a:sym typeface="Aptos"/>
+              </a:rPr>
+              <a:t>：一個階段與步驟。</a:t>
+            </a:r>
+            <a:endParaRPr sz="1200" dirty="0">
+              <a:solidFill>
+                <a:schemeClr val="dk1"/>
+              </a:solidFill>
+              <a:latin typeface="Aptos"/>
+              <a:ea typeface="Aptos"/>
+              <a:cs typeface="Aptos"/>
+              <a:sym typeface="Aptos"/>
+            </a:endParaRPr>
+          </a:p>
+          <a:p>
+            <a:pPr marL="457200" lvl="0" indent="-304800" algn="l" rtl="0">
+              <a:spcBef>
+                <a:spcPts val="180"/>
+              </a:spcBef>
+              <a:spcAft>
+                <a:spcPts val="0"/>
+              </a:spcAft>
+              <a:buClr>
+                <a:schemeClr val="dk1"/>
+              </a:buClr>
+              <a:buSzPts val="1200"/>
+              <a:buChar char="●"/>
+            </a:pPr>
+            <a:r>
+              <a:rPr lang="zh-TW" sz="1100" dirty="0">
+                <a:solidFill>
+                  <a:schemeClr val="dk1"/>
+                </a:solidFill>
+                <a:latin typeface="Consolas" panose="020B0609020204030204"/>
+                <a:ea typeface="Consolas" panose="020B0609020204030204"/>
+                <a:cs typeface="Consolas" panose="020B0609020204030204"/>
+                <a:sym typeface="Consolas" panose="020B0609020204030204"/>
+              </a:rPr>
+              <a:t>bat</a:t>
+            </a:r>
+            <a:r>
+              <a:rPr lang="zh-TW" sz="1200" dirty="0">
+                <a:solidFill>
+                  <a:schemeClr val="dk1"/>
+                </a:solidFill>
+                <a:latin typeface="Aptos"/>
+                <a:ea typeface="Aptos"/>
+                <a:cs typeface="Aptos"/>
+                <a:sym typeface="Aptos"/>
+              </a:rPr>
+              <a:t>：Windows 系統執行命令。</a:t>
+            </a:r>
+            <a:endParaRPr sz="1200" dirty="0">
+              <a:solidFill>
+                <a:schemeClr val="dk1"/>
+              </a:solidFill>
+              <a:latin typeface="Aptos"/>
+              <a:ea typeface="Aptos"/>
+              <a:cs typeface="Aptos"/>
+              <a:sym typeface="Aptos"/>
+            </a:endParaRPr>
+          </a:p>
+          <a:p>
+            <a:pPr marL="457200" lvl="0" indent="-304800" algn="l" rtl="0">
+              <a:spcBef>
+                <a:spcPts val="180"/>
+              </a:spcBef>
+              <a:spcAft>
+                <a:spcPts val="0"/>
+              </a:spcAft>
+              <a:buClr>
+                <a:schemeClr val="dk1"/>
+              </a:buClr>
+              <a:buSzPts val="1200"/>
+              <a:buChar char="●"/>
+            </a:pPr>
+            <a:r>
+              <a:rPr lang="zh-TW" sz="1100" dirty="0">
+                <a:solidFill>
+                  <a:schemeClr val="dk1"/>
+                </a:solidFill>
+                <a:latin typeface="Consolas" panose="020B0609020204030204"/>
+                <a:ea typeface="Consolas" panose="020B0609020204030204"/>
+                <a:cs typeface="Consolas" panose="020B0609020204030204"/>
+                <a:sym typeface="Consolas" panose="020B0609020204030204"/>
+              </a:rPr>
+              <a:t>fileOperations</a:t>
+            </a:r>
+            <a:r>
+              <a:rPr lang="zh-TW" sz="1200" dirty="0">
+                <a:solidFill>
+                  <a:schemeClr val="dk1"/>
+                </a:solidFill>
+                <a:latin typeface="Aptos"/>
+                <a:ea typeface="Aptos"/>
+                <a:cs typeface="Aptos"/>
+                <a:sym typeface="Aptos"/>
+              </a:rPr>
+              <a:t>：外掛功能，用於複製或搬移檔案。</a:t>
+            </a:r>
+            <a:endParaRPr sz="1200" dirty="0">
+              <a:solidFill>
+                <a:schemeClr val="dk1"/>
+              </a:solidFill>
+              <a:latin typeface="Aptos"/>
+              <a:ea typeface="Aptos"/>
+              <a:cs typeface="Aptos"/>
+              <a:sym typeface="Aptos"/>
+            </a:endParaRPr>
+          </a:p>
+          <a:p>
+            <a:pPr marL="0" lvl="0" indent="0" algn="l" rtl="0">
+              <a:spcBef>
+                <a:spcPts val="900"/>
+              </a:spcBef>
+              <a:spcAft>
+                <a:spcPts val="0"/>
+              </a:spcAft>
+              <a:buNone/>
+            </a:pPr>
+            <a:r>
+              <a:rPr lang="zh-TW" sz="1200" dirty="0">
+                <a:solidFill>
+                  <a:schemeClr val="dk1"/>
+                </a:solidFill>
+                <a:latin typeface="Aptos"/>
+                <a:ea typeface="Aptos"/>
+                <a:cs typeface="Aptos"/>
+                <a:sym typeface="Aptos"/>
+              </a:rPr>
+              <a:t>💡 </a:t>
+            </a:r>
+            <a:r>
+              <a:rPr lang="zh-TW" sz="1200" b="1" dirty="0">
+                <a:solidFill>
+                  <a:schemeClr val="dk1"/>
+                </a:solidFill>
+                <a:latin typeface="Aptos"/>
+                <a:ea typeface="Aptos"/>
+                <a:cs typeface="Aptos"/>
+                <a:sym typeface="Aptos"/>
+              </a:rPr>
+              <a:t>注意：</a:t>
+            </a:r>
+            <a:r>
+              <a:rPr lang="zh-TW" sz="1200" dirty="0">
+                <a:solidFill>
+                  <a:schemeClr val="dk1"/>
+                </a:solidFill>
+                <a:latin typeface="Aptos"/>
+                <a:ea typeface="Aptos"/>
+                <a:cs typeface="Aptos"/>
+                <a:sym typeface="Aptos"/>
+              </a:rPr>
+              <a:t> 若執行時出現 </a:t>
+            </a:r>
+            <a:r>
+              <a:rPr lang="zh-TW" sz="1100" dirty="0">
+                <a:solidFill>
+                  <a:schemeClr val="dk1"/>
+                </a:solidFill>
+                <a:latin typeface="Consolas" panose="020B0609020204030204"/>
+                <a:ea typeface="Consolas" panose="020B0609020204030204"/>
+                <a:cs typeface="Consolas" panose="020B0609020204030204"/>
+                <a:sym typeface="Consolas" panose="020B0609020204030204"/>
+              </a:rPr>
+              <a:t>Unknown step fileOperations</a:t>
+            </a:r>
+            <a:r>
+              <a:rPr lang="zh-TW" sz="1200" dirty="0">
+                <a:solidFill>
+                  <a:schemeClr val="dk1"/>
+                </a:solidFill>
+                <a:latin typeface="Aptos"/>
+                <a:ea typeface="Aptos"/>
+                <a:cs typeface="Aptos"/>
+                <a:sym typeface="Aptos"/>
+              </a:rPr>
+              <a:t>，需安裝 </a:t>
+            </a:r>
+            <a:r>
+              <a:rPr lang="zh-TW" sz="1200" b="1" dirty="0">
+                <a:solidFill>
+                  <a:schemeClr val="dk1"/>
+                </a:solidFill>
+                <a:latin typeface="Aptos"/>
+                <a:ea typeface="Aptos"/>
+                <a:cs typeface="Aptos"/>
+                <a:sym typeface="Aptos"/>
+              </a:rPr>
+              <a:t>File Operations</a:t>
+            </a:r>
+            <a:r>
+              <a:rPr lang="zh-TW" sz="1200" dirty="0">
+                <a:solidFill>
+                  <a:schemeClr val="dk1"/>
+                </a:solidFill>
+                <a:latin typeface="Aptos"/>
+                <a:ea typeface="Aptos"/>
+                <a:cs typeface="Aptos"/>
+                <a:sym typeface="Aptos"/>
+              </a:rPr>
+              <a:t>。</a:t>
+            </a:r>
+            <a:endParaRPr sz="1200" dirty="0">
+              <a:solidFill>
+                <a:schemeClr val="dk1"/>
+              </a:solidFill>
+              <a:latin typeface="Aptos"/>
+              <a:ea typeface="Aptos"/>
+              <a:cs typeface="Aptos"/>
+              <a:sym typeface="Aptos"/>
+            </a:endParaRPr>
+          </a:p>
+          <a:p>
+            <a:pPr marL="457200" lvl="0" indent="-298450" algn="l" rtl="0">
+              <a:spcBef>
+                <a:spcPts val="900"/>
+              </a:spcBef>
+              <a:spcAft>
+                <a:spcPts val="0"/>
+              </a:spcAft>
+              <a:buClr>
+                <a:schemeClr val="dk1"/>
+              </a:buClr>
+              <a:buSzPts val="1100"/>
+              <a:buFont typeface="Consolas" panose="020B0609020204030204"/>
+              <a:buChar char="●"/>
+            </a:pPr>
             <a:endParaRPr sz="1100" dirty="0">
               <a:solidFill>
                 <a:schemeClr val="dk1"/>
@@ -29003,42 +29920,11 @@
           </a:p>
         </p:txBody>
       </p:sp>
-      <p:pic>
-        <p:nvPicPr>
-          <p:cNvPr id="2" name="圖片 1"/>
-          <p:cNvPicPr>
-            <a:picLocks noChangeAspect="1"/>
-          </p:cNvPicPr>
-          <p:nvPr/>
-        </p:nvPicPr>
-        <p:blipFill>
-          <a:blip r:embed="rId1"/>
-          <a:stretch>
-            <a:fillRect/>
-          </a:stretch>
-        </p:blipFill>
-        <p:spPr>
-          <a:xfrm>
-            <a:off x="838291" y="2169196"/>
-            <a:ext cx="4741719" cy="2453997"/>
-          </a:xfrm>
-          <a:prstGeom prst="rect">
-            <a:avLst/>
-          </a:prstGeom>
-        </p:spPr>
-      </p:pic>
     </p:spTree>
   </p:cSld>
   <p:clrMapOvr>
     <a:masterClrMapping/>
   </p:clrMapOvr>
-  <p:timing>
-    <p:tnLst>
-      <p:par>
-        <p:cTn id="1" dur="indefinite" restart="never" nodeType="tmRoot"/>
-      </p:par>
-    </p:tnLst>
-  </p:timing>
 </p:sld>
 </file>
 
@@ -29211,6 +30097,229 @@
   <p:cSld>
     <p:spTree>
       <p:nvGrpSpPr>
+        <p:cNvPr id="1" name="Shape 375"/>
+        <p:cNvGrpSpPr/>
+        <p:nvPr/>
+      </p:nvGrpSpPr>
+      <p:grpSpPr>
+        <a:xfrm>
+          <a:off x="0" y="0"/>
+          <a:ext cx="0" cy="0"/>
+          <a:chOff x="0" y="0"/>
+          <a:chExt cx="0" cy="0"/>
+        </a:xfrm>
+      </p:grpSpPr>
+      <p:sp>
+        <p:nvSpPr>
+          <p:cNvPr id="376" name="Google Shape;376;p58"/>
+          <p:cNvSpPr txBox="1">
+            <a:spLocks noGrp="1"/>
+          </p:cNvSpPr>
+          <p:nvPr>
+            <p:ph type="title"/>
+          </p:nvPr>
+        </p:nvSpPr>
+        <p:spPr>
+          <a:xfrm>
+            <a:off x="508000" y="457200"/>
+            <a:ext cx="6447600" cy="990600"/>
+          </a:xfrm>
+          <a:prstGeom prst="rect">
+            <a:avLst/>
+          </a:prstGeom>
+          <a:noFill/>
+          <a:ln>
+            <a:noFill/>
+          </a:ln>
+        </p:spPr>
+        <p:txBody>
+          <a:bodyPr spcFirstLastPara="1" wrap="square" lIns="68575" tIns="34275" rIns="68575" bIns="34275" anchor="t" anchorCtr="0">
+            <a:normAutofit/>
+          </a:bodyPr>
+          <a:lstStyle/>
+          <a:p>
+            <a:pPr marL="0" lvl="0" indent="0" algn="l" rtl="0">
+              <a:spcBef>
+                <a:spcPts val="800"/>
+              </a:spcBef>
+              <a:spcAft>
+                <a:spcPts val="400"/>
+              </a:spcAft>
+              <a:buClr>
+                <a:schemeClr val="dk1"/>
+              </a:buClr>
+              <a:buSzPts val="1100"/>
+              <a:buFont typeface="Arial" panose="020B0604020202020204"/>
+              <a:buNone/>
+            </a:pPr>
+            <a:r>
+              <a:rPr lang="zh-TW" sz="3000">
+                <a:latin typeface="Play" panose="00000500000000000000"/>
+                <a:ea typeface="Play" panose="00000500000000000000"/>
+                <a:cs typeface="Play" panose="00000500000000000000"/>
+                <a:sym typeface="Play" panose="00000500000000000000"/>
+              </a:rPr>
+              <a:t>執行 CICD 流程：傳統部屬</a:t>
+            </a:r>
+            <a:endParaRPr sz="3000"/>
+          </a:p>
+        </p:txBody>
+      </p:sp>
+      <p:sp>
+        <p:nvSpPr>
+          <p:cNvPr id="377" name="Google Shape;377;p58"/>
+          <p:cNvSpPr txBox="1">
+            <a:spLocks noGrp="1"/>
+          </p:cNvSpPr>
+          <p:nvPr>
+            <p:ph type="body" idx="1"/>
+          </p:nvPr>
+        </p:nvSpPr>
+        <p:spPr>
+          <a:xfrm>
+            <a:off x="457975" y="1051450"/>
+            <a:ext cx="6777000" cy="4047900"/>
+          </a:xfrm>
+          <a:prstGeom prst="rect">
+            <a:avLst/>
+          </a:prstGeom>
+          <a:noFill/>
+          <a:ln>
+            <a:noFill/>
+          </a:ln>
+        </p:spPr>
+        <p:txBody>
+          <a:bodyPr spcFirstLastPara="1" wrap="square" lIns="68575" tIns="34275" rIns="68575" bIns="34275" anchor="t" anchorCtr="0">
+            <a:normAutofit/>
+          </a:bodyPr>
+          <a:lstStyle/>
+          <a:p>
+            <a:pPr lvl="0" indent="-304800">
+              <a:buClr>
+                <a:schemeClr val="dk1"/>
+              </a:buClr>
+              <a:buSzPts val="1200"/>
+              <a:buChar char="●"/>
+            </a:pPr>
+            <a:r>
+              <a:rPr lang="zh-TW" dirty="0" smtClean="0">
+                <a:solidFill>
+                  <a:srgbClr val="0F4761"/>
+                </a:solidFill>
+                <a:latin typeface="Aptos"/>
+                <a:ea typeface="Aptos"/>
+                <a:cs typeface="Aptos"/>
+                <a:sym typeface="Aptos"/>
+              </a:rPr>
+              <a:t> </a:t>
+            </a:r>
+            <a:r>
+              <a:rPr lang="en-US" altLang="zh-TW" sz="1100" dirty="0"/>
+              <a:t>Pipeline Stage View </a:t>
+            </a:r>
+            <a:r>
+              <a:rPr lang="zh-TW" altLang="en-US" sz="1100" dirty="0" smtClean="0"/>
+              <a:t>下載這個 </a:t>
+            </a:r>
+            <a:r>
+              <a:rPr lang="en-US" altLang="zh-TW" sz="1100" dirty="0"/>
+              <a:t>Plugin</a:t>
+            </a:r>
+            <a:r>
+              <a:rPr lang="zh-TW" altLang="en-US" sz="1100" dirty="0"/>
+              <a:t> </a:t>
+            </a:r>
+            <a:endParaRPr lang="en-US" altLang="zh-TW" sz="1100" dirty="0" smtClean="0"/>
+          </a:p>
+          <a:p>
+            <a:pPr lvl="0" indent="-304800">
+              <a:buClr>
+                <a:schemeClr val="dk1"/>
+              </a:buClr>
+              <a:buSzPts val="1200"/>
+              <a:buChar char="●"/>
+            </a:pPr>
+            <a:r>
+              <a:rPr lang="zh-TW" altLang="en-US" sz="1100" dirty="0" smtClean="0">
+                <a:solidFill>
+                  <a:schemeClr val="dk1"/>
+                </a:solidFill>
+                <a:latin typeface="Consolas" panose="020B0609020204030204"/>
+                <a:ea typeface="Consolas" panose="020B0609020204030204"/>
+                <a:cs typeface="Consolas" panose="020B0609020204030204"/>
+                <a:sym typeface="Consolas" panose="020B0609020204030204"/>
+              </a:rPr>
+              <a:t>安裝完畢後，你的部屬流程就會出現視圖顯示</a:t>
+            </a:r>
+            <a:endParaRPr sz="1100" dirty="0">
+              <a:solidFill>
+                <a:schemeClr val="dk1"/>
+              </a:solidFill>
+              <a:latin typeface="Consolas" panose="020B0609020204030204"/>
+              <a:ea typeface="Consolas" panose="020B0609020204030204"/>
+              <a:cs typeface="Consolas" panose="020B0609020204030204"/>
+              <a:sym typeface="Consolas" panose="020B0609020204030204"/>
+            </a:endParaRPr>
+          </a:p>
+          <a:p>
+            <a:pPr marL="254000" lvl="0" indent="-260350" algn="l" rtl="0">
+              <a:spcBef>
+                <a:spcPts val="400"/>
+              </a:spcBef>
+              <a:spcAft>
+                <a:spcPts val="0"/>
+              </a:spcAft>
+              <a:buSzPts val="1100"/>
+              <a:buChar char="►"/>
+            </a:pPr>
+            <a:endParaRPr b="1" dirty="0"/>
+          </a:p>
+        </p:txBody>
+      </p:sp>
+      <p:pic>
+        <p:nvPicPr>
+          <p:cNvPr id="2" name="圖片 1"/>
+          <p:cNvPicPr>
+            <a:picLocks noChangeAspect="1"/>
+          </p:cNvPicPr>
+          <p:nvPr/>
+        </p:nvPicPr>
+        <p:blipFill>
+          <a:blip r:embed="rId1"/>
+          <a:stretch>
+            <a:fillRect/>
+          </a:stretch>
+        </p:blipFill>
+        <p:spPr>
+          <a:xfrm>
+            <a:off x="838291" y="2169196"/>
+            <a:ext cx="4741719" cy="2453997"/>
+          </a:xfrm>
+          <a:prstGeom prst="rect">
+            <a:avLst/>
+          </a:prstGeom>
+        </p:spPr>
+      </p:pic>
+    </p:spTree>
+  </p:cSld>
+  <p:clrMapOvr>
+    <a:masterClrMapping/>
+  </p:clrMapOvr>
+  <p:timing>
+    <p:tnLst>
+      <p:par>
+        <p:cTn id="1" dur="indefinite" restart="never" nodeType="tmRoot"/>
+      </p:par>
+    </p:tnLst>
+  </p:timing>
+</p:sld>
+</file>
+
+<file path=ppt/slides/slide31.xml><?xml version="1.0" encoding="utf-8"?>
+<p:sld xmlns:a="http://schemas.openxmlformats.org/drawingml/2006/main" xmlns:r="http://schemas.openxmlformats.org/officeDocument/2006/relationships" xmlns:p="http://schemas.openxmlformats.org/presentationml/2006/main">
+  <p:cSld>
+    <p:spTree>
+      <p:nvGrpSpPr>
         <p:cNvPr id="1" name=""/>
         <p:cNvGrpSpPr/>
         <p:nvPr/>
@@ -29288,7 +30397,7 @@
 </p:sld>
 </file>
 
-<file path=ppt/slides/slide31.xml><?xml version="1.0" encoding="utf-8"?>
+<file path=ppt/slides/slide32.xml><?xml version="1.0" encoding="utf-8"?>
 <p:sld xmlns:a="http://schemas.openxmlformats.org/drawingml/2006/main" xmlns:r="http://schemas.openxmlformats.org/officeDocument/2006/relationships" xmlns:p="http://schemas.openxmlformats.org/presentationml/2006/main">
   <p:cSld>
     <p:spTree>
@@ -29739,7 +30848,7 @@
 </p:sld>
 </file>
 
-<file path=ppt/slides/slide32.xml><?xml version="1.0" encoding="utf-8"?>
+<file path=ppt/slides/slide33.xml><?xml version="1.0" encoding="utf-8"?>
 <p:sld xmlns:a="http://schemas.openxmlformats.org/drawingml/2006/main" xmlns:r="http://schemas.openxmlformats.org/officeDocument/2006/relationships" xmlns:p="http://schemas.openxmlformats.org/presentationml/2006/main">
   <p:cSld>
     <p:spTree>
@@ -32116,7 +33225,7 @@
 </p:sld>
 </file>
 
-<file path=ppt/slides/slide33.xml><?xml version="1.0" encoding="utf-8"?>
+<file path=ppt/slides/slide34.xml><?xml version="1.0" encoding="utf-8"?>
 <p:sld xmlns:a="http://schemas.openxmlformats.org/drawingml/2006/main" xmlns:r="http://schemas.openxmlformats.org/officeDocument/2006/relationships" xmlns:p="http://schemas.openxmlformats.org/presentationml/2006/main">
   <p:cSld>
     <p:spTree>
@@ -32323,182 +33432,6 @@
             <a:endParaRPr>
               <a:solidFill>
                 <a:srgbClr val="0F4761"/>
-              </a:solidFill>
-              <a:latin typeface="Aptos"/>
-              <a:ea typeface="Aptos"/>
-              <a:cs typeface="Aptos"/>
-              <a:sym typeface="Aptos"/>
-            </a:endParaRPr>
-          </a:p>
-        </p:txBody>
-      </p:sp>
-    </p:spTree>
-  </p:cSld>
-  <p:clrMapOvr>
-    <a:masterClrMapping/>
-  </p:clrMapOvr>
-  <p:timing>
-    <p:tnLst>
-      <p:par>
-        <p:cTn id="1" dur="indefinite" restart="never" nodeType="tmRoot"/>
-      </p:par>
-    </p:tnLst>
-  </p:timing>
-</p:sld>
-</file>
-
-<file path=ppt/slides/slide34.xml><?xml version="1.0" encoding="utf-8"?>
-<p:sld xmlns:a="http://schemas.openxmlformats.org/drawingml/2006/main" xmlns:r="http://schemas.openxmlformats.org/officeDocument/2006/relationships" xmlns:p="http://schemas.openxmlformats.org/presentationml/2006/main">
-  <p:cSld>
-    <p:spTree>
-      <p:nvGrpSpPr>
-        <p:cNvPr id="1" name="Shape 399"/>
-        <p:cNvGrpSpPr/>
-        <p:nvPr/>
-      </p:nvGrpSpPr>
-      <p:grpSpPr>
-        <a:xfrm>
-          <a:off x="0" y="0"/>
-          <a:ext cx="0" cy="0"/>
-          <a:chOff x="0" y="0"/>
-          <a:chExt cx="0" cy="0"/>
-        </a:xfrm>
-      </p:grpSpPr>
-      <p:sp>
-        <p:nvSpPr>
-          <p:cNvPr id="400" name="Google Shape;400;p62"/>
-          <p:cNvSpPr txBox="1">
-            <a:spLocks noGrp="1"/>
-          </p:cNvSpPr>
-          <p:nvPr>
-            <p:ph type="title"/>
-          </p:nvPr>
-        </p:nvSpPr>
-        <p:spPr>
-          <a:xfrm>
-            <a:off x="508000" y="54300"/>
-            <a:ext cx="6447600" cy="990600"/>
-          </a:xfrm>
-          <a:prstGeom prst="rect">
-            <a:avLst/>
-          </a:prstGeom>
-          <a:noFill/>
-          <a:ln>
-            <a:noFill/>
-          </a:ln>
-        </p:spPr>
-        <p:txBody>
-          <a:bodyPr spcFirstLastPara="1" wrap="square" lIns="68575" tIns="34275" rIns="68575" bIns="34275" anchor="t" anchorCtr="0">
-            <a:normAutofit/>
-          </a:bodyPr>
-          <a:lstStyle/>
-          <a:p>
-            <a:pPr marL="0" lvl="0" indent="0" algn="l" rtl="0">
-              <a:spcBef>
-                <a:spcPts val="0"/>
-              </a:spcBef>
-              <a:spcAft>
-                <a:spcPts val="0"/>
-              </a:spcAft>
-              <a:buClr>
-                <a:schemeClr val="accent1"/>
-              </a:buClr>
-              <a:buSzPts val="2700"/>
-              <a:buFont typeface="Trebuchet MS" panose="020B0603020202020204"/>
-              <a:buNone/>
-            </a:pPr>
-            <a:r>
-              <a:rPr lang="zh-TW" sz="3000">
-                <a:latin typeface="Play" panose="00000500000000000000"/>
-                <a:ea typeface="Play" panose="00000500000000000000"/>
-                <a:cs typeface="Play" panose="00000500000000000000"/>
-                <a:sym typeface="Play" panose="00000500000000000000"/>
-              </a:rPr>
-              <a:t>實務練習</a:t>
-            </a:r>
-            <a:br>
-              <a:rPr lang="zh-TW"/>
-            </a:br>
-            <a:endParaRPr lang="zh-TW"/>
-          </a:p>
-        </p:txBody>
-      </p:sp>
-      <p:sp>
-        <p:nvSpPr>
-          <p:cNvPr id="401" name="Google Shape;401;p62"/>
-          <p:cNvSpPr txBox="1">
-            <a:spLocks noGrp="1"/>
-          </p:cNvSpPr>
-          <p:nvPr>
-            <p:ph type="body" idx="1"/>
-          </p:nvPr>
-        </p:nvSpPr>
-        <p:spPr>
-          <a:xfrm>
-            <a:off x="451400" y="1792800"/>
-            <a:ext cx="7151100" cy="4625400"/>
-          </a:xfrm>
-          <a:prstGeom prst="rect">
-            <a:avLst/>
-          </a:prstGeom>
-          <a:noFill/>
-          <a:ln>
-            <a:noFill/>
-          </a:ln>
-        </p:spPr>
-        <p:txBody>
-          <a:bodyPr spcFirstLastPara="1" wrap="square" lIns="68575" tIns="34275" rIns="68575" bIns="34275" anchor="t" anchorCtr="0">
-            <a:normAutofit/>
-          </a:bodyPr>
-          <a:lstStyle/>
-          <a:p>
-            <a:pPr marL="457200" lvl="0" indent="0" algn="just" rtl="0">
-              <a:lnSpc>
-                <a:spcPct val="115000"/>
-              </a:lnSpc>
-              <a:spcBef>
-                <a:spcPts val="1200"/>
-              </a:spcBef>
-              <a:spcAft>
-                <a:spcPts val="0"/>
-              </a:spcAft>
-              <a:buNone/>
-            </a:pPr>
-            <a:r>
-              <a:rPr lang="zh-TW" sz="2000">
-                <a:solidFill>
-                  <a:schemeClr val="dk1"/>
-                </a:solidFill>
-                <a:latin typeface="PMingLiU" panose="02020500000000000000" charset="-120"/>
-                <a:ea typeface="PMingLiU" panose="02020500000000000000" charset="-120"/>
-                <a:cs typeface="PMingLiU" panose="02020500000000000000" charset="-120"/>
-                <a:sym typeface="PMingLiU" panose="02020500000000000000" charset="-120"/>
-              </a:rPr>
-              <a:t>準備兩台電腦，實務練習正式容器化部屬流程</a:t>
-            </a:r>
-            <a:endParaRPr sz="2000">
-              <a:solidFill>
-                <a:schemeClr val="dk1"/>
-              </a:solidFill>
-              <a:latin typeface="PMingLiU" panose="02020500000000000000" charset="-120"/>
-              <a:ea typeface="PMingLiU" panose="02020500000000000000" charset="-120"/>
-              <a:cs typeface="PMingLiU" panose="02020500000000000000" charset="-120"/>
-              <a:sym typeface="PMingLiU" panose="02020500000000000000" charset="-120"/>
-            </a:endParaRPr>
-          </a:p>
-          <a:p>
-            <a:pPr marL="457200" lvl="0" indent="0" algn="l" rtl="0">
-              <a:spcBef>
-                <a:spcPts val="1200"/>
-              </a:spcBef>
-              <a:spcAft>
-                <a:spcPts val="900"/>
-              </a:spcAft>
-              <a:buNone/>
-            </a:pPr>
-            <a:endParaRPr sz="1200">
-              <a:solidFill>
-                <a:schemeClr val="dk1"/>
               </a:solidFill>
               <a:latin typeface="Aptos"/>
               <a:ea typeface="Aptos"/>
@@ -32584,27 +33517,18 @@
               <a:buNone/>
             </a:pPr>
             <a:r>
-              <a:rPr lang="zh-TW" altLang="en-US" sz="3000" dirty="0" smtClean="0">
+              <a:rPr lang="zh-TW" sz="3000">
                 <a:latin typeface="Play" panose="00000500000000000000"/>
                 <a:ea typeface="Play" panose="00000500000000000000"/>
                 <a:cs typeface="Play" panose="00000500000000000000"/>
                 <a:sym typeface="Play" panose="00000500000000000000"/>
               </a:rPr>
-              <a:t>參考資料</a:t>
-            </a:r>
-            <a:r>
-              <a:rPr lang="en-US" altLang="zh-TW" sz="3000" dirty="0" smtClean="0">
-                <a:latin typeface="Play" panose="00000500000000000000"/>
-                <a:ea typeface="Play" panose="00000500000000000000"/>
-                <a:cs typeface="Play" panose="00000500000000000000"/>
-                <a:sym typeface="Play" panose="00000500000000000000"/>
-              </a:rPr>
-              <a:t>:</a:t>
+              <a:t>實務練習</a:t>
             </a:r>
             <a:br>
-              <a:rPr lang="zh-TW" dirty="0"/>
+              <a:rPr lang="zh-TW"/>
             </a:br>
-            <a:endParaRPr lang="zh-TW" dirty="0"/>
+            <a:endParaRPr lang="zh-TW"/>
           </a:p>
         </p:txBody>
       </p:sp>
@@ -32637,17 +33561,20 @@
           </a:bodyPr>
           <a:lstStyle/>
           <a:p>
-            <a:pPr lvl="0" indent="0" algn="just">
+            <a:pPr marL="457200" lvl="0" indent="0" algn="just" rtl="0">
               <a:lnSpc>
                 <a:spcPct val="115000"/>
               </a:lnSpc>
               <a:spcBef>
                 <a:spcPts val="1200"/>
               </a:spcBef>
-              <a:buNone/>
-            </a:pPr>
-            <a:r>
-              <a:rPr lang="en-US" altLang="zh-TW" sz="2000" dirty="0">
+              <a:spcAft>
+                <a:spcPts val="0"/>
+              </a:spcAft>
+              <a:buNone/>
+            </a:pPr>
+            <a:r>
+              <a:rPr lang="zh-TW" sz="2000">
                 <a:solidFill>
                   <a:schemeClr val="dk1"/>
                 </a:solidFill>
@@ -32655,24 +33582,10 @@
                 <a:ea typeface="PMingLiU" panose="02020500000000000000" charset="-120"/>
                 <a:cs typeface="PMingLiU" panose="02020500000000000000" charset="-120"/>
                 <a:sym typeface="PMingLiU" panose="02020500000000000000" charset="-120"/>
-                <a:hlinkClick r:id="rId1"/>
-              </a:rPr>
-              <a:t>https://</a:t>
-            </a:r>
-            <a:r>
-              <a:rPr lang="en-US" altLang="zh-TW" sz="2000" dirty="0" smtClean="0">
-                <a:solidFill>
-                  <a:schemeClr val="dk1"/>
-                </a:solidFill>
-                <a:latin typeface="PMingLiU" panose="02020500000000000000" charset="-120"/>
-                <a:ea typeface="PMingLiU" panose="02020500000000000000" charset="-120"/>
-                <a:cs typeface="PMingLiU" panose="02020500000000000000" charset="-120"/>
-                <a:sym typeface="PMingLiU" panose="02020500000000000000" charset="-120"/>
-                <a:hlinkClick r:id="rId1"/>
-              </a:rPr>
-              <a:t>www.youtube.com/channel/UCjguLQ886u9X-gSucGgmVFw</a:t>
-            </a:r>
-            <a:endParaRPr lang="en-US" altLang="zh-TW" sz="2000" dirty="0" smtClean="0">
+              </a:rPr>
+              <a:t>準備兩台電腦，實務練習正式容器化部屬流程</a:t>
+            </a:r>
+            <a:endParaRPr sz="2000">
               <a:solidFill>
                 <a:schemeClr val="dk1"/>
               </a:solidFill>
@@ -32683,40 +33596,16 @@
             </a:endParaRPr>
           </a:p>
           <a:p>
-            <a:pPr lvl="0" indent="0" algn="just">
-              <a:lnSpc>
-                <a:spcPct val="115000"/>
-              </a:lnSpc>
+            <a:pPr marL="457200" lvl="0" indent="0" algn="l" rtl="0">
               <a:spcBef>
                 <a:spcPts val="1200"/>
               </a:spcBef>
-              <a:buNone/>
-            </a:pPr>
-            <a:endParaRPr lang="en-US" sz="2000" dirty="0">
-              <a:solidFill>
-                <a:schemeClr val="dk1"/>
-              </a:solidFill>
-              <a:latin typeface="PMingLiU" panose="02020500000000000000" charset="-120"/>
-              <a:ea typeface="PMingLiU" panose="02020500000000000000" charset="-120"/>
-              <a:cs typeface="Aptos"/>
-              <a:sym typeface="PMingLiU" panose="02020500000000000000" charset="-120"/>
-            </a:endParaRPr>
-          </a:p>
-          <a:p>
-            <a:pPr lvl="0" indent="0" algn="just">
-              <a:lnSpc>
-                <a:spcPct val="115000"/>
-              </a:lnSpc>
-              <a:spcBef>
-                <a:spcPts val="1200"/>
-              </a:spcBef>
-              <a:buNone/>
-            </a:pPr>
-            <a:r>
-              <a:rPr lang="zh-TW" altLang="en-US" b="1"/>
-              <a:t>上班了啊哈</a:t>
-            </a:r>
-            <a:endParaRPr sz="1200" dirty="0">
+              <a:spcAft>
+                <a:spcPts val="900"/>
+              </a:spcAft>
+              <a:buNone/>
+            </a:pPr>
+            <a:endParaRPr sz="1200">
               <a:solidFill>
                 <a:schemeClr val="dk1"/>
               </a:solidFill>
@@ -32804,16 +33693,16 @@
               <a:buNone/>
             </a:pPr>
             <a:r>
-              <a:rPr lang="zh-TW" sz="3000">
+              <a:rPr lang="zh-TW" altLang="en-US" sz="3000" dirty="0" smtClean="0">
                 <a:latin typeface="Play" panose="00000500000000000000"/>
                 <a:ea typeface="Play" panose="00000500000000000000"/>
                 <a:cs typeface="Play" panose="00000500000000000000"/>
                 <a:sym typeface="Play" panose="00000500000000000000"/>
               </a:rPr>
-              <a:t>課程補充</a:t>
-            </a:r>
-            <a:r>
-              <a:rPr lang="en-US" altLang="zh-TW" sz="3000">
+              <a:t>參考資料</a:t>
+            </a:r>
+            <a:r>
+              <a:rPr lang="en-US" altLang="zh-TW" sz="3000" dirty="0" smtClean="0">
                 <a:latin typeface="Play" panose="00000500000000000000"/>
                 <a:ea typeface="Play" panose="00000500000000000000"/>
                 <a:cs typeface="Play" panose="00000500000000000000"/>
@@ -32821,19 +33710,10 @@
               </a:rPr>
               <a:t>:</a:t>
             </a:r>
-            <a:r>
-              <a:rPr lang="zh-TW" altLang="en-US" sz="3000">
-                <a:latin typeface="Play" panose="00000500000000000000"/>
-                <a:ea typeface="Play" panose="00000500000000000000"/>
-                <a:cs typeface="Play" panose="00000500000000000000"/>
-                <a:sym typeface="Play" panose="00000500000000000000"/>
-              </a:rPr>
-              <a:t>退版</a:t>
-            </a:r>
             <a:br>
-              <a:rPr lang="zh-TW"/>
+              <a:rPr lang="zh-TW" dirty="0"/>
             </a:br>
-            <a:endParaRPr lang="zh-TW"/>
+            <a:endParaRPr lang="zh-TW" dirty="0"/>
           </a:p>
         </p:txBody>
       </p:sp>
@@ -32849,7 +33729,7 @@
         </p:nvSpPr>
         <p:spPr>
           <a:xfrm>
-            <a:off x="451400" y="1045405"/>
+            <a:off x="451400" y="1792800"/>
             <a:ext cx="7151100" cy="4625400"/>
           </a:xfrm>
           <a:prstGeom prst="rect">
@@ -32866,76 +33746,86 @@
           </a:bodyPr>
           <a:lstStyle/>
           <a:p>
-            <a:pPr marL="457200" lvl="0" indent="0" algn="l" rtl="0">
+            <a:pPr lvl="0" indent="0" algn="just">
+              <a:lnSpc>
+                <a:spcPct val="115000"/>
+              </a:lnSpc>
               <a:spcBef>
                 <a:spcPts val="1200"/>
               </a:spcBef>
-              <a:spcAft>
-                <a:spcPts val="900"/>
-              </a:spcAft>
-              <a:buNone/>
-            </a:pPr>
-            <a:r>
-              <a:rPr lang="zh-TW" altLang="en-US" sz="1200">
+              <a:buNone/>
+            </a:pPr>
+            <a:r>
+              <a:rPr lang="en-US" altLang="zh-TW" sz="2000" dirty="0">
                 <a:solidFill>
                   <a:schemeClr val="dk1"/>
                 </a:solidFill>
-                <a:latin typeface="Aptos"/>
-                <a:ea typeface="Aptos"/>
-                <a:cs typeface="Aptos"/>
-                <a:sym typeface="Aptos"/>
-              </a:rPr>
-              <a:t>正式站檔案有問題，除了使用</a:t>
-            </a:r>
-            <a:r>
-              <a:rPr lang="en-US" altLang="zh-TW" sz="1200">
+                <a:latin typeface="PMingLiU" panose="02020500000000000000" charset="-120"/>
+                <a:ea typeface="PMingLiU" panose="02020500000000000000" charset="-120"/>
+                <a:cs typeface="PMingLiU" panose="02020500000000000000" charset="-120"/>
+                <a:sym typeface="PMingLiU" panose="02020500000000000000" charset="-120"/>
+                <a:hlinkClick r:id="rId1"/>
+              </a:rPr>
+              <a:t>https://</a:t>
+            </a:r>
+            <a:r>
+              <a:rPr lang="en-US" altLang="zh-TW" sz="2000" dirty="0" smtClean="0">
                 <a:solidFill>
                   <a:schemeClr val="dk1"/>
                 </a:solidFill>
-                <a:latin typeface="Aptos"/>
-                <a:ea typeface="Aptos"/>
-                <a:cs typeface="Aptos"/>
-                <a:sym typeface="Aptos"/>
-              </a:rPr>
-              <a:t>GIT</a:t>
-            </a:r>
-            <a:r>
-              <a:rPr lang="zh-TW" altLang="en-US" sz="1200">
-                <a:solidFill>
-                  <a:schemeClr val="dk1"/>
-                </a:solidFill>
-                <a:latin typeface="Aptos"/>
-                <a:ea typeface="Aptos"/>
-                <a:cs typeface="Aptos"/>
-                <a:sym typeface="Aptos"/>
-              </a:rPr>
-              <a:t>退版以外，還可以用</a:t>
-            </a:r>
-            <a:r>
-              <a:rPr lang="en-US" altLang="zh-TW" sz="1200">
-                <a:solidFill>
-                  <a:schemeClr val="dk1"/>
-                </a:solidFill>
-                <a:latin typeface="Aptos"/>
-                <a:ea typeface="Aptos"/>
-                <a:cs typeface="Aptos"/>
-                <a:sym typeface="Aptos"/>
-              </a:rPr>
-              <a:t>Jenkins</a:t>
-            </a:r>
-            <a:r>
-              <a:rPr lang="zh-TW" altLang="en-US" sz="1200">
-                <a:solidFill>
-                  <a:schemeClr val="dk1"/>
-                </a:solidFill>
-                <a:latin typeface="Aptos"/>
-                <a:ea typeface="Aptos"/>
-                <a:cs typeface="Aptos"/>
-                <a:sym typeface="Aptos"/>
-              </a:rPr>
-              <a:t>先執行退版的動作</a:t>
-            </a:r>
-            <a:endParaRPr lang="zh-TW" altLang="en-US" sz="1200">
+                <a:latin typeface="PMingLiU" panose="02020500000000000000" charset="-120"/>
+                <a:ea typeface="PMingLiU" panose="02020500000000000000" charset="-120"/>
+                <a:cs typeface="PMingLiU" panose="02020500000000000000" charset="-120"/>
+                <a:sym typeface="PMingLiU" panose="02020500000000000000" charset="-120"/>
+                <a:hlinkClick r:id="rId1"/>
+              </a:rPr>
+              <a:t>www.youtube.com/channel/UCjguLQ886u9X-gSucGgmVFw</a:t>
+            </a:r>
+            <a:endParaRPr lang="en-US" altLang="zh-TW" sz="2000" dirty="0" smtClean="0">
+              <a:solidFill>
+                <a:schemeClr val="dk1"/>
+              </a:solidFill>
+              <a:latin typeface="PMingLiU" panose="02020500000000000000" charset="-120"/>
+              <a:ea typeface="PMingLiU" panose="02020500000000000000" charset="-120"/>
+              <a:cs typeface="PMingLiU" panose="02020500000000000000" charset="-120"/>
+              <a:sym typeface="PMingLiU" panose="02020500000000000000" charset="-120"/>
+            </a:endParaRPr>
+          </a:p>
+          <a:p>
+            <a:pPr lvl="0" indent="0" algn="just">
+              <a:lnSpc>
+                <a:spcPct val="115000"/>
+              </a:lnSpc>
+              <a:spcBef>
+                <a:spcPts val="1200"/>
+              </a:spcBef>
+              <a:buNone/>
+            </a:pPr>
+            <a:endParaRPr lang="en-US" sz="2000" dirty="0">
+              <a:solidFill>
+                <a:schemeClr val="dk1"/>
+              </a:solidFill>
+              <a:latin typeface="PMingLiU" panose="02020500000000000000" charset="-120"/>
+              <a:ea typeface="PMingLiU" panose="02020500000000000000" charset="-120"/>
+              <a:cs typeface="Aptos"/>
+              <a:sym typeface="PMingLiU" panose="02020500000000000000" charset="-120"/>
+            </a:endParaRPr>
+          </a:p>
+          <a:p>
+            <a:pPr lvl="0" indent="0" algn="just">
+              <a:lnSpc>
+                <a:spcPct val="115000"/>
+              </a:lnSpc>
+              <a:spcBef>
+                <a:spcPts val="1200"/>
+              </a:spcBef>
+              <a:buNone/>
+            </a:pPr>
+            <a:r>
+              <a:rPr lang="zh-TW" altLang="en-US" b="1"/>
+              <a:t>上班了啊哈</a:t>
+            </a:r>
+            <a:endParaRPr sz="1200" dirty="0">
               <a:solidFill>
                 <a:schemeClr val="dk1"/>
               </a:solidFill>
@@ -32945,176 +33835,8 @@
               <a:sym typeface="Aptos"/>
             </a:endParaRPr>
           </a:p>
-          <a:p>
-            <a:pPr marL="457200" lvl="0" indent="0" algn="l" rtl="0">
-              <a:spcBef>
-                <a:spcPts val="1200"/>
-              </a:spcBef>
-              <a:spcAft>
-                <a:spcPts val="900"/>
-              </a:spcAft>
-              <a:buNone/>
-            </a:pPr>
-            <a:r>
-              <a:rPr lang="zh-TW" altLang="en-US" sz="1200">
-                <a:solidFill>
-                  <a:schemeClr val="dk1"/>
-                </a:solidFill>
-                <a:latin typeface="Aptos"/>
-                <a:ea typeface="Aptos"/>
-                <a:cs typeface="Aptos"/>
-                <a:sym typeface="Aptos"/>
-              </a:rPr>
-              <a:t>步驟</a:t>
-            </a:r>
-            <a:r>
-              <a:rPr lang="en-US" altLang="zh-TW" sz="1200">
-                <a:solidFill>
-                  <a:schemeClr val="dk1"/>
-                </a:solidFill>
-                <a:latin typeface="Aptos"/>
-                <a:ea typeface="Aptos"/>
-                <a:cs typeface="Aptos"/>
-                <a:sym typeface="Aptos"/>
-              </a:rPr>
-              <a:t>1. </a:t>
-            </a:r>
-            <a:r>
-              <a:rPr lang="zh-TW" altLang="en-US" sz="1200">
-                <a:solidFill>
-                  <a:schemeClr val="dk1"/>
-                </a:solidFill>
-                <a:latin typeface="Aptos"/>
-                <a:ea typeface="Aptos"/>
-                <a:cs typeface="Aptos"/>
-                <a:sym typeface="Aptos"/>
-              </a:rPr>
-              <a:t>打勾</a:t>
-            </a:r>
-            <a:r>
-              <a:rPr lang="en-US" altLang="zh-HK" sz="1200">
-                <a:solidFill>
-                  <a:schemeClr val="dk1"/>
-                </a:solidFill>
-                <a:latin typeface="Aptos"/>
-                <a:ea typeface="Aptos"/>
-                <a:cs typeface="Aptos"/>
-                <a:sym typeface="Aptos"/>
-              </a:rPr>
-              <a:t>This project is parameterized</a:t>
-            </a:r>
-            <a:endParaRPr lang="en-US" altLang="zh-HK" sz="1200">
-              <a:solidFill>
-                <a:schemeClr val="dk1"/>
-              </a:solidFill>
-              <a:latin typeface="Aptos"/>
-              <a:ea typeface="Aptos"/>
-              <a:cs typeface="Aptos"/>
-              <a:sym typeface="Aptos"/>
-            </a:endParaRPr>
-          </a:p>
-          <a:p>
-            <a:pPr marL="457200" lvl="0" indent="0" algn="l" rtl="0">
-              <a:spcBef>
-                <a:spcPts val="1200"/>
-              </a:spcBef>
-              <a:spcAft>
-                <a:spcPts val="900"/>
-              </a:spcAft>
-              <a:buNone/>
-            </a:pPr>
-            <a:r>
-              <a:rPr lang="en-US" altLang="zh-HK" sz="1200">
-                <a:solidFill>
-                  <a:schemeClr val="dk1"/>
-                </a:solidFill>
-                <a:latin typeface="Aptos"/>
-                <a:ea typeface="Aptos"/>
-                <a:cs typeface="Aptos"/>
-                <a:sym typeface="Aptos"/>
-              </a:rPr>
-              <a:t>           </a:t>
-            </a:r>
-            <a:r>
-              <a:rPr lang="zh-TW" altLang="en-US" sz="1200">
-                <a:solidFill>
-                  <a:schemeClr val="dk1"/>
-                </a:solidFill>
-                <a:latin typeface="Aptos"/>
-                <a:ea typeface="Aptos"/>
-                <a:cs typeface="Aptos"/>
-                <a:sym typeface="Aptos"/>
-              </a:rPr>
-              <a:t>選擇</a:t>
-            </a:r>
-            <a:r>
-              <a:rPr lang="en-US" altLang="zh-TW" sz="1200">
-                <a:solidFill>
-                  <a:schemeClr val="dk1"/>
-                </a:solidFill>
-                <a:latin typeface="Aptos"/>
-                <a:ea typeface="Aptos"/>
-                <a:cs typeface="Aptos"/>
-                <a:sym typeface="Aptos"/>
-              </a:rPr>
-              <a:t> String Parameter</a:t>
-            </a:r>
-            <a:endParaRPr lang="en-US" altLang="zh-HK" sz="1200">
-              <a:solidFill>
-                <a:schemeClr val="dk1"/>
-              </a:solidFill>
-              <a:latin typeface="Aptos"/>
-              <a:ea typeface="Aptos"/>
-              <a:cs typeface="Aptos"/>
-              <a:sym typeface="Aptos"/>
-            </a:endParaRPr>
-          </a:p>
-          <a:p>
-            <a:pPr marL="457200" lvl="0" indent="0" algn="l" rtl="0">
-              <a:spcBef>
-                <a:spcPts val="1200"/>
-              </a:spcBef>
-              <a:spcAft>
-                <a:spcPts val="900"/>
-              </a:spcAft>
-              <a:buNone/>
-            </a:pPr>
-            <a:endParaRPr lang="en-US" altLang="zh-TW" sz="1200">
-              <a:solidFill>
-                <a:schemeClr val="dk1"/>
-              </a:solidFill>
-              <a:latin typeface="Aptos"/>
-              <a:ea typeface="Aptos"/>
-              <a:cs typeface="Aptos"/>
-              <a:sym typeface="Aptos"/>
-            </a:endParaRPr>
-          </a:p>
         </p:txBody>
       </p:sp>
-      <p:pic>
-        <p:nvPicPr>
-          <p:cNvPr id="3" name="圖片 2"/>
-          <p:cNvPicPr>
-            <a:picLocks noChangeAspect="1"/>
-          </p:cNvPicPr>
-          <p:nvPr/>
-        </p:nvPicPr>
-        <p:blipFill>
-          <a:blip r:embed="rId1"/>
-          <a:stretch>
-            <a:fillRect/>
-          </a:stretch>
-        </p:blipFill>
-        <p:spPr>
-          <a:xfrm>
-            <a:off x="3893185" y="1712595"/>
-            <a:ext cx="2979420" cy="3040380"/>
-          </a:xfrm>
-          <a:prstGeom prst="rect">
-            <a:avLst/>
-          </a:prstGeom>
-        </p:spPr>
-      </p:pic>
     </p:spTree>
   </p:cSld>
   <p:clrMapOvr>
@@ -33364,7 +34086,7 @@
                 <a:cs typeface="Aptos"/>
                 <a:sym typeface="Aptos"/>
               </a:rPr>
-              <a:t>2. </a:t>
+              <a:t>1. </a:t>
             </a:r>
             <a:r>
               <a:rPr lang="zh-TW" altLang="en-US" sz="1200">
@@ -33376,10 +34098,10 @@
                 <a:cs typeface="Aptos"/>
                 <a:sym typeface="Aptos"/>
               </a:rPr>
-              <a:t>填入資料</a:t>
-            </a:r>
-            <a:r>
-              <a:rPr lang="en-US" altLang="zh-TW" sz="1200">
+              <a:t>打勾</a:t>
+            </a:r>
+            <a:r>
+              <a:rPr lang="en-US" altLang="zh-HK" sz="1200">
                 <a:solidFill>
                   <a:schemeClr val="dk1"/>
                 </a:solidFill>
@@ -33388,19 +34110,7 @@
                 <a:cs typeface="Aptos"/>
                 <a:sym typeface="Aptos"/>
               </a:rPr>
-              <a:t> Name</a:t>
-            </a:r>
-            <a:r>
-              <a:rPr lang="zh-TW" altLang="en-US" sz="1200">
-                <a:solidFill>
-                  <a:schemeClr val="dk1"/>
-                </a:solidFill>
-                <a:latin typeface="Aptos"/>
-                <a:ea typeface="Aptos"/>
-                <a:cs typeface="Aptos"/>
-                <a:sym typeface="Aptos"/>
-              </a:rPr>
-              <a:t>可以隨意打</a:t>
+              <a:t>This project is parameterized</a:t>
             </a:r>
             <a:endParaRPr lang="en-US" altLang="zh-HK" sz="1200">
               <a:solidFill>
@@ -33422,6 +34132,62 @@
               </a:spcAft>
               <a:buNone/>
             </a:pPr>
+            <a:r>
+              <a:rPr lang="en-US" altLang="zh-HK" sz="1200">
+                <a:solidFill>
+                  <a:schemeClr val="dk1"/>
+                </a:solidFill>
+                <a:latin typeface="Aptos"/>
+                <a:ea typeface="Aptos"/>
+                <a:cs typeface="Aptos"/>
+                <a:sym typeface="Aptos"/>
+              </a:rPr>
+              <a:t>           </a:t>
+            </a:r>
+            <a:r>
+              <a:rPr lang="zh-TW" altLang="en-US" sz="1200">
+                <a:solidFill>
+                  <a:schemeClr val="dk1"/>
+                </a:solidFill>
+                <a:latin typeface="Aptos"/>
+                <a:ea typeface="Aptos"/>
+                <a:cs typeface="Aptos"/>
+                <a:sym typeface="Aptos"/>
+              </a:rPr>
+              <a:t>選擇</a:t>
+            </a:r>
+            <a:r>
+              <a:rPr lang="en-US" altLang="zh-TW" sz="1200">
+                <a:solidFill>
+                  <a:schemeClr val="dk1"/>
+                </a:solidFill>
+                <a:latin typeface="Aptos"/>
+                <a:ea typeface="Aptos"/>
+                <a:cs typeface="Aptos"/>
+                <a:sym typeface="Aptos"/>
+              </a:rPr>
+              <a:t> String Parameter</a:t>
+            </a:r>
+            <a:endParaRPr lang="en-US" altLang="zh-HK" sz="1200">
+              <a:solidFill>
+                <a:schemeClr val="dk1"/>
+              </a:solidFill>
+              <a:latin typeface="Aptos"/>
+              <a:ea typeface="Aptos"/>
+              <a:cs typeface="Aptos"/>
+              <a:sym typeface="Aptos"/>
+            </a:endParaRPr>
+          </a:p>
+          <a:p>
+            <a:pPr marL="457200" lvl="0" indent="0" algn="l" rtl="0">
+              <a:spcBef>
+                <a:spcPts val="1200"/>
+              </a:spcBef>
+              <a:spcAft>
+                <a:spcPts val="900"/>
+              </a:spcAft>
+              <a:buNone/>
+            </a:pPr>
             <a:endParaRPr lang="en-US" altLang="zh-TW" sz="1200">
               <a:solidFill>
                 <a:schemeClr val="dk1"/>
@@ -33436,7 +34202,7 @@
       </p:sp>
       <p:pic>
         <p:nvPicPr>
-          <p:cNvPr id="2" name="圖片 1"/>
+          <p:cNvPr id="3" name="圖片 2"/>
           <p:cNvPicPr>
             <a:picLocks noChangeAspect="1"/>
           </p:cNvPicPr>
@@ -33450,8 +34216,8 @@
         </p:blipFill>
         <p:spPr>
           <a:xfrm>
-            <a:off x="1767840" y="1946275"/>
-            <a:ext cx="6539865" cy="2823210"/>
+            <a:off x="3893185" y="1712595"/>
+            <a:ext cx="2979420" cy="3040380"/>
           </a:xfrm>
           <a:prstGeom prst="rect">
             <a:avLst/>
@@ -33534,7 +34300,7 @@
               <a:buNone/>
             </a:pPr>
             <a:r>
-              <a:rPr lang="zh-TW" sz="3000" dirty="0">
+              <a:rPr lang="zh-TW" sz="3000">
                 <a:latin typeface="Play" panose="00000500000000000000"/>
                 <a:ea typeface="Play" panose="00000500000000000000"/>
                 <a:cs typeface="Play" panose="00000500000000000000"/>
@@ -33543,7 +34309,7 @@
               <a:t>課程補充</a:t>
             </a:r>
             <a:r>
-              <a:rPr lang="en-US" altLang="zh-TW" sz="3000" dirty="0">
+              <a:rPr lang="en-US" altLang="zh-TW" sz="3000">
                 <a:latin typeface="Play" panose="00000500000000000000"/>
                 <a:ea typeface="Play" panose="00000500000000000000"/>
                 <a:cs typeface="Play" panose="00000500000000000000"/>
@@ -33552,7 +34318,7 @@
               <a:t>:</a:t>
             </a:r>
             <a:r>
-              <a:rPr lang="zh-TW" altLang="en-US" sz="3000" dirty="0">
+              <a:rPr lang="zh-TW" altLang="en-US" sz="3000">
                 <a:latin typeface="Play" panose="00000500000000000000"/>
                 <a:ea typeface="Play" panose="00000500000000000000"/>
                 <a:cs typeface="Play" panose="00000500000000000000"/>
@@ -33561,9 +34327,9 @@
               <a:t>退版</a:t>
             </a:r>
             <a:br>
-              <a:rPr lang="zh-TW" dirty="0"/>
+              <a:rPr lang="zh-TW"/>
             </a:br>
-            <a:endParaRPr lang="zh-TW" dirty="0"/>
+            <a:endParaRPr lang="zh-TW"/>
           </a:p>
         </p:txBody>
       </p:sp>
@@ -33707,7 +34473,7 @@
                 <a:cs typeface="Aptos"/>
                 <a:sym typeface="Aptos"/>
               </a:rPr>
-              <a:t>3. pipeline </a:t>
+              <a:t>2. </a:t>
             </a:r>
             <a:r>
               <a:rPr lang="zh-TW" altLang="en-US" sz="1200">
@@ -33719,30 +34485,10 @@
                 <a:cs typeface="Aptos"/>
                 <a:sym typeface="Aptos"/>
               </a:rPr>
-              <a:t>插入以下這串</a:t>
-            </a:r>
-            <a:endParaRPr lang="zh-TW" altLang="en-US" sz="1200">
-              <a:solidFill>
-                <a:schemeClr val="dk1"/>
-              </a:solidFill>
-              <a:latin typeface="Aptos"/>
-              <a:ea typeface="Aptos"/>
-              <a:cs typeface="Aptos"/>
-              <a:sym typeface="Aptos"/>
-            </a:endParaRPr>
-          </a:p>
-          <a:p>
-            <a:pPr marL="457200" lvl="0" indent="0" algn="l" rtl="0">
-              <a:spcBef>
-                <a:spcPts val="1200"/>
-              </a:spcBef>
-              <a:spcAft>
-                <a:spcPts val="900"/>
-              </a:spcAft>
-              <a:buNone/>
-            </a:pPr>
-            <a:r>
-              <a:rPr lang="en-US" altLang="zh-HK" sz="1200">
+              <a:t>填入資料</a:t>
+            </a:r>
+            <a:r>
+              <a:rPr lang="en-US" altLang="zh-TW" sz="1200">
                 <a:solidFill>
                   <a:schemeClr val="dk1"/>
                 </a:solidFill>
@@ -33751,7 +34497,19 @@
                 <a:cs typeface="Aptos"/>
                 <a:sym typeface="Aptos"/>
               </a:rPr>
-              <a:t>parameters {</a:t>
+              <a:t> Name</a:t>
+            </a:r>
+            <a:r>
+              <a:rPr lang="zh-TW" altLang="en-US" sz="1200">
+                <a:solidFill>
+                  <a:schemeClr val="dk1"/>
+                </a:solidFill>
+                <a:latin typeface="Aptos"/>
+                <a:ea typeface="Aptos"/>
+                <a:cs typeface="Aptos"/>
+                <a:sym typeface="Aptos"/>
+              </a:rPr>
+              <a:t>可以隨意打</a:t>
             </a:r>
             <a:endParaRPr lang="en-US" altLang="zh-HK" sz="1200">
               <a:solidFill>
@@ -33773,174 +34531,6 @@
               </a:spcAft>
               <a:buNone/>
             </a:pPr>
-            <a:r>
-              <a:rPr lang="en-US" altLang="zh-HK" sz="1200">
-                <a:solidFill>
-                  <a:schemeClr val="dk1"/>
-                </a:solidFill>
-                <a:latin typeface="Aptos"/>
-                <a:ea typeface="Aptos"/>
-                <a:cs typeface="Aptos"/>
-                <a:sym typeface="Aptos"/>
-              </a:rPr>
-              <a:t>       string(name: 'VERSION', defaultValue: '', description: 'Git </a:t>
-            </a:r>
-            <a:r>
-              <a:rPr lang="zh-HK" altLang="en-US" sz="1200">
-                <a:solidFill>
-                  <a:schemeClr val="dk1"/>
-                </a:solidFill>
-                <a:latin typeface="Aptos"/>
-                <a:ea typeface="Aptos"/>
-                <a:cs typeface="Aptos"/>
-                <a:sym typeface="Aptos"/>
-              </a:rPr>
-              <a:t>版本（</a:t>
-            </a:r>
-            <a:r>
-              <a:rPr lang="en-US" altLang="zh-HK" sz="1200">
-                <a:solidFill>
-                  <a:schemeClr val="dk1"/>
-                </a:solidFill>
-                <a:latin typeface="Aptos"/>
-                <a:ea typeface="Aptos"/>
-                <a:cs typeface="Aptos"/>
-                <a:sym typeface="Aptos"/>
-              </a:rPr>
-              <a:t>commit id</a:t>
-            </a:r>
-            <a:r>
-              <a:rPr lang="zh-HK" altLang="en-US" sz="1200">
-                <a:solidFill>
-                  <a:schemeClr val="dk1"/>
-                </a:solidFill>
-                <a:latin typeface="Aptos"/>
-                <a:ea typeface="Aptos"/>
-                <a:cs typeface="Aptos"/>
-                <a:sym typeface="Aptos"/>
-              </a:rPr>
-              <a:t>）不輸入則抓取</a:t>
-            </a:r>
-            <a:r>
-              <a:rPr lang="en-US" altLang="zh-HK" sz="1200">
-                <a:solidFill>
-                  <a:schemeClr val="dk1"/>
-                </a:solidFill>
-                <a:latin typeface="Aptos"/>
-                <a:ea typeface="Aptos"/>
-                <a:cs typeface="Aptos"/>
-                <a:sym typeface="Aptos"/>
-              </a:rPr>
-              <a:t>	develop</a:t>
-            </a:r>
-            <a:r>
-              <a:rPr lang="zh-HK" altLang="en-US" sz="1200">
-                <a:solidFill>
-                  <a:schemeClr val="dk1"/>
-                </a:solidFill>
-                <a:latin typeface="Aptos"/>
-                <a:ea typeface="Aptos"/>
-                <a:cs typeface="Aptos"/>
-                <a:sym typeface="Aptos"/>
-              </a:rPr>
-              <a:t>最新版本</a:t>
-            </a:r>
-            <a:r>
-              <a:rPr lang="en-US" altLang="zh-HK" sz="1200">
-                <a:solidFill>
-                  <a:schemeClr val="dk1"/>
-                </a:solidFill>
-                <a:latin typeface="Aptos"/>
-                <a:ea typeface="Aptos"/>
-                <a:cs typeface="Aptos"/>
-                <a:sym typeface="Aptos"/>
-              </a:rPr>
-              <a:t>')</a:t>
-            </a:r>
-            <a:endParaRPr lang="en-US" altLang="zh-HK" sz="1200">
-              <a:solidFill>
-                <a:schemeClr val="dk1"/>
-              </a:solidFill>
-              <a:latin typeface="Aptos"/>
-              <a:ea typeface="Aptos"/>
-              <a:cs typeface="Aptos"/>
-              <a:sym typeface="Aptos"/>
-            </a:endParaRPr>
-          </a:p>
-          <a:p>
-            <a:pPr marL="457200" lvl="0" indent="0" algn="l" rtl="0">
-              <a:spcBef>
-                <a:spcPts val="1200"/>
-              </a:spcBef>
-              <a:spcAft>
-                <a:spcPts val="900"/>
-              </a:spcAft>
-              <a:buNone/>
-            </a:pPr>
-            <a:r>
-              <a:rPr lang="en-US" altLang="zh-HK" sz="1200">
-                <a:solidFill>
-                  <a:schemeClr val="dk1"/>
-                </a:solidFill>
-                <a:latin typeface="Aptos"/>
-                <a:ea typeface="Aptos"/>
-                <a:cs typeface="Aptos"/>
-                <a:sym typeface="Aptos"/>
-              </a:rPr>
-              <a:t>    }</a:t>
-            </a:r>
-            <a:endParaRPr lang="en-US" altLang="zh-HK" sz="1200">
-              <a:solidFill>
-                <a:schemeClr val="dk1"/>
-              </a:solidFill>
-              <a:latin typeface="Aptos"/>
-              <a:ea typeface="Aptos"/>
-              <a:cs typeface="Aptos"/>
-              <a:sym typeface="Aptos"/>
-            </a:endParaRPr>
-          </a:p>
-          <a:p>
-            <a:pPr marL="457200" lvl="0" indent="0" algn="l" rtl="0">
-              <a:spcBef>
-                <a:spcPts val="1200"/>
-              </a:spcBef>
-              <a:spcAft>
-                <a:spcPts val="900"/>
-              </a:spcAft>
-              <a:buNone/>
-            </a:pPr>
-            <a:r>
-              <a:rPr lang="zh-TW" altLang="en-US" sz="1200">
-                <a:solidFill>
-                  <a:schemeClr val="dk1"/>
-                </a:solidFill>
-                <a:latin typeface="Aptos"/>
-                <a:ea typeface="Aptos"/>
-                <a:cs typeface="Aptos"/>
-                <a:sym typeface="Aptos"/>
-              </a:rPr>
-              <a:t>要與上面設定的一樣，不然設定會跑掉</a:t>
-            </a:r>
-            <a:endParaRPr lang="en-US" altLang="zh-HK" sz="1200">
-              <a:solidFill>
-                <a:schemeClr val="dk1"/>
-              </a:solidFill>
-              <a:latin typeface="Aptos"/>
-              <a:ea typeface="Aptos"/>
-              <a:cs typeface="Aptos"/>
-              <a:sym typeface="Aptos"/>
-            </a:endParaRPr>
-          </a:p>
-          <a:p>
-            <a:pPr marL="457200" lvl="0" indent="0" algn="l" rtl="0">
-              <a:spcBef>
-                <a:spcPts val="1200"/>
-              </a:spcBef>
-              <a:spcAft>
-                <a:spcPts val="900"/>
-              </a:spcAft>
-              <a:buNone/>
-            </a:pPr>
             <a:endParaRPr lang="en-US" altLang="zh-TW" sz="1200">
               <a:solidFill>
                 <a:schemeClr val="dk1"/>
@@ -33953,6 +34543,30 @@
           </a:p>
         </p:txBody>
       </p:sp>
+      <p:pic>
+        <p:nvPicPr>
+          <p:cNvPr id="2" name="圖片 1"/>
+          <p:cNvPicPr>
+            <a:picLocks noChangeAspect="1"/>
+          </p:cNvPicPr>
+          <p:nvPr/>
+        </p:nvPicPr>
+        <p:blipFill>
+          <a:blip r:embed="rId1"/>
+          <a:stretch>
+            <a:fillRect/>
+          </a:stretch>
+        </p:blipFill>
+        <p:spPr>
+          <a:xfrm>
+            <a:off x="1767840" y="1946275"/>
+            <a:ext cx="6539865" cy="2823210"/>
+          </a:xfrm>
+          <a:prstGeom prst="rect">
+            <a:avLst/>
+          </a:prstGeom>
+        </p:spPr>
+      </p:pic>
     </p:spTree>
   </p:cSld>
   <p:clrMapOvr>
@@ -34029,7 +34643,7 @@
               <a:buNone/>
             </a:pPr>
             <a:r>
-              <a:rPr lang="zh-TW" sz="3000">
+              <a:rPr lang="zh-TW" sz="3000" dirty="0">
                 <a:latin typeface="Play" panose="00000500000000000000"/>
                 <a:ea typeface="Play" panose="00000500000000000000"/>
                 <a:cs typeface="Play" panose="00000500000000000000"/>
@@ -34038,7 +34652,7 @@
               <a:t>課程補充</a:t>
             </a:r>
             <a:r>
-              <a:rPr lang="en-US" altLang="zh-TW" sz="3000">
+              <a:rPr lang="en-US" altLang="zh-TW" sz="3000" dirty="0">
                 <a:latin typeface="Play" panose="00000500000000000000"/>
                 <a:ea typeface="Play" panose="00000500000000000000"/>
                 <a:cs typeface="Play" panose="00000500000000000000"/>
@@ -34047,7 +34661,7 @@
               <a:t>:</a:t>
             </a:r>
             <a:r>
-              <a:rPr lang="zh-TW" altLang="en-US" sz="3000">
+              <a:rPr lang="zh-TW" altLang="en-US" sz="3000" dirty="0">
                 <a:latin typeface="Play" panose="00000500000000000000"/>
                 <a:ea typeface="Play" panose="00000500000000000000"/>
                 <a:cs typeface="Play" panose="00000500000000000000"/>
@@ -34056,9 +34670,9 @@
               <a:t>退版</a:t>
             </a:r>
             <a:br>
-              <a:rPr lang="zh-TW"/>
+              <a:rPr lang="zh-TW" dirty="0"/>
             </a:br>
-            <a:endParaRPr lang="zh-TW"/>
+            <a:endParaRPr lang="zh-TW" dirty="0"/>
           </a:p>
         </p:txBody>
       </p:sp>
@@ -34202,7 +34816,7 @@
                 <a:cs typeface="Aptos"/>
                 <a:sym typeface="Aptos"/>
               </a:rPr>
-              <a:t>4. </a:t>
+              <a:t>3. pipeline </a:t>
             </a:r>
             <a:r>
               <a:rPr lang="zh-TW" altLang="en-US" sz="1200">
@@ -34214,7 +34828,7 @@
                 <a:cs typeface="Aptos"/>
                 <a:sym typeface="Aptos"/>
               </a:rPr>
-              <a:t>回到上一頁</a:t>
+              <a:t>插入以下這串</a:t>
             </a:r>
             <a:endParaRPr lang="zh-TW" altLang="en-US" sz="1200">
               <a:solidFill>
@@ -34226,32 +34840,228 @@
               <a:sym typeface="Aptos"/>
             </a:endParaRPr>
           </a:p>
+          <a:p>
+            <a:pPr marL="457200" lvl="0" indent="0" algn="l" rtl="0">
+              <a:spcBef>
+                <a:spcPts val="1200"/>
+              </a:spcBef>
+              <a:spcAft>
+                <a:spcPts val="900"/>
+              </a:spcAft>
+              <a:buNone/>
+            </a:pPr>
+            <a:r>
+              <a:rPr lang="en-US" altLang="zh-HK" sz="1200">
+                <a:solidFill>
+                  <a:schemeClr val="dk1"/>
+                </a:solidFill>
+                <a:latin typeface="Aptos"/>
+                <a:ea typeface="Aptos"/>
+                <a:cs typeface="Aptos"/>
+                <a:sym typeface="Aptos"/>
+              </a:rPr>
+              <a:t>parameters {</a:t>
+            </a:r>
+            <a:endParaRPr lang="en-US" altLang="zh-HK" sz="1200">
+              <a:solidFill>
+                <a:schemeClr val="dk1"/>
+              </a:solidFill>
+              <a:latin typeface="Aptos"/>
+              <a:ea typeface="Aptos"/>
+              <a:cs typeface="Aptos"/>
+              <a:sym typeface="Aptos"/>
+            </a:endParaRPr>
+          </a:p>
+          <a:p>
+            <a:pPr marL="457200" lvl="0" indent="0" algn="l" rtl="0">
+              <a:spcBef>
+                <a:spcPts val="1200"/>
+              </a:spcBef>
+              <a:spcAft>
+                <a:spcPts val="900"/>
+              </a:spcAft>
+              <a:buNone/>
+            </a:pPr>
+            <a:r>
+              <a:rPr lang="en-US" altLang="zh-HK" sz="1200">
+                <a:solidFill>
+                  <a:schemeClr val="dk1"/>
+                </a:solidFill>
+                <a:latin typeface="Aptos"/>
+                <a:ea typeface="Aptos"/>
+                <a:cs typeface="Aptos"/>
+                <a:sym typeface="Aptos"/>
+              </a:rPr>
+              <a:t>       string(name: 'VERSION', defaultValue: '', description: 'Git </a:t>
+            </a:r>
+            <a:r>
+              <a:rPr lang="zh-HK" altLang="en-US" sz="1200">
+                <a:solidFill>
+                  <a:schemeClr val="dk1"/>
+                </a:solidFill>
+                <a:latin typeface="Aptos"/>
+                <a:ea typeface="Aptos"/>
+                <a:cs typeface="Aptos"/>
+                <a:sym typeface="Aptos"/>
+              </a:rPr>
+              <a:t>版本（</a:t>
+            </a:r>
+            <a:r>
+              <a:rPr lang="en-US" altLang="zh-HK" sz="1200">
+                <a:solidFill>
+                  <a:schemeClr val="dk1"/>
+                </a:solidFill>
+                <a:latin typeface="Aptos"/>
+                <a:ea typeface="Aptos"/>
+                <a:cs typeface="Aptos"/>
+                <a:sym typeface="Aptos"/>
+              </a:rPr>
+              <a:t>commit id</a:t>
+            </a:r>
+            <a:r>
+              <a:rPr lang="zh-HK" altLang="en-US" sz="1200">
+                <a:solidFill>
+                  <a:schemeClr val="dk1"/>
+                </a:solidFill>
+                <a:latin typeface="Aptos"/>
+                <a:ea typeface="Aptos"/>
+                <a:cs typeface="Aptos"/>
+                <a:sym typeface="Aptos"/>
+              </a:rPr>
+              <a:t>）不輸入則抓取</a:t>
+            </a:r>
+            <a:r>
+              <a:rPr lang="en-US" altLang="zh-HK" sz="1200">
+                <a:solidFill>
+                  <a:schemeClr val="dk1"/>
+                </a:solidFill>
+                <a:latin typeface="Aptos"/>
+                <a:ea typeface="Aptos"/>
+                <a:cs typeface="Aptos"/>
+                <a:sym typeface="Aptos"/>
+              </a:rPr>
+              <a:t>	develop</a:t>
+            </a:r>
+            <a:r>
+              <a:rPr lang="zh-HK" altLang="en-US" sz="1200">
+                <a:solidFill>
+                  <a:schemeClr val="dk1"/>
+                </a:solidFill>
+                <a:latin typeface="Aptos"/>
+                <a:ea typeface="Aptos"/>
+                <a:cs typeface="Aptos"/>
+                <a:sym typeface="Aptos"/>
+              </a:rPr>
+              <a:t>最新版本</a:t>
+            </a:r>
+            <a:r>
+              <a:rPr lang="en-US" altLang="zh-HK" sz="1200">
+                <a:solidFill>
+                  <a:schemeClr val="dk1"/>
+                </a:solidFill>
+                <a:latin typeface="Aptos"/>
+                <a:ea typeface="Aptos"/>
+                <a:cs typeface="Aptos"/>
+                <a:sym typeface="Aptos"/>
+              </a:rPr>
+              <a:t>')</a:t>
+            </a:r>
+            <a:endParaRPr lang="en-US" altLang="zh-HK" sz="1200">
+              <a:solidFill>
+                <a:schemeClr val="dk1"/>
+              </a:solidFill>
+              <a:latin typeface="Aptos"/>
+              <a:ea typeface="Aptos"/>
+              <a:cs typeface="Aptos"/>
+              <a:sym typeface="Aptos"/>
+            </a:endParaRPr>
+          </a:p>
+          <a:p>
+            <a:pPr marL="457200" lvl="0" indent="0" algn="l" rtl="0">
+              <a:spcBef>
+                <a:spcPts val="1200"/>
+              </a:spcBef>
+              <a:spcAft>
+                <a:spcPts val="900"/>
+              </a:spcAft>
+              <a:buNone/>
+            </a:pPr>
+            <a:r>
+              <a:rPr lang="en-US" altLang="zh-HK" sz="1200">
+                <a:solidFill>
+                  <a:schemeClr val="dk1"/>
+                </a:solidFill>
+                <a:latin typeface="Aptos"/>
+                <a:ea typeface="Aptos"/>
+                <a:cs typeface="Aptos"/>
+                <a:sym typeface="Aptos"/>
+              </a:rPr>
+              <a:t>    }</a:t>
+            </a:r>
+            <a:endParaRPr lang="en-US" altLang="zh-HK" sz="1200">
+              <a:solidFill>
+                <a:schemeClr val="dk1"/>
+              </a:solidFill>
+              <a:latin typeface="Aptos"/>
+              <a:ea typeface="Aptos"/>
+              <a:cs typeface="Aptos"/>
+              <a:sym typeface="Aptos"/>
+            </a:endParaRPr>
+          </a:p>
+          <a:p>
+            <a:pPr marL="457200" lvl="0" indent="0" algn="l" rtl="0">
+              <a:spcBef>
+                <a:spcPts val="1200"/>
+              </a:spcBef>
+              <a:spcAft>
+                <a:spcPts val="900"/>
+              </a:spcAft>
+              <a:buNone/>
+            </a:pPr>
+            <a:r>
+              <a:rPr lang="zh-TW" altLang="en-US" sz="1200">
+                <a:solidFill>
+                  <a:schemeClr val="dk1"/>
+                </a:solidFill>
+                <a:latin typeface="Aptos"/>
+                <a:ea typeface="Aptos"/>
+                <a:cs typeface="Aptos"/>
+                <a:sym typeface="Aptos"/>
+              </a:rPr>
+              <a:t>要與上面設定的一樣，不然設定會跑掉</a:t>
+            </a:r>
+            <a:endParaRPr lang="en-US" altLang="zh-HK" sz="1200">
+              <a:solidFill>
+                <a:schemeClr val="dk1"/>
+              </a:solidFill>
+              <a:latin typeface="Aptos"/>
+              <a:ea typeface="Aptos"/>
+              <a:cs typeface="Aptos"/>
+              <a:sym typeface="Aptos"/>
+            </a:endParaRPr>
+          </a:p>
+          <a:p>
+            <a:pPr marL="457200" lvl="0" indent="0" algn="l" rtl="0">
+              <a:spcBef>
+                <a:spcPts val="1200"/>
+              </a:spcBef>
+              <a:spcAft>
+                <a:spcPts val="900"/>
+              </a:spcAft>
+              <a:buNone/>
+            </a:pPr>
+            <a:endParaRPr lang="en-US" altLang="zh-TW" sz="1200">
+              <a:solidFill>
+                <a:schemeClr val="dk1"/>
+              </a:solidFill>
+              <a:latin typeface="Aptos"/>
+              <a:ea typeface="Aptos"/>
+              <a:cs typeface="Aptos"/>
+              <a:sym typeface="Aptos"/>
+            </a:endParaRPr>
+          </a:p>
         </p:txBody>
       </p:sp>
-      <p:pic>
-        <p:nvPicPr>
-          <p:cNvPr id="2" name="圖片 1"/>
-          <p:cNvPicPr>
-            <a:picLocks noChangeAspect="1"/>
-          </p:cNvPicPr>
-          <p:nvPr/>
-        </p:nvPicPr>
-        <p:blipFill>
-          <a:blip r:embed="rId1"/>
-          <a:stretch>
-            <a:fillRect/>
-          </a:stretch>
-        </p:blipFill>
-        <p:spPr>
-          <a:xfrm>
-            <a:off x="571500" y="1955165"/>
-            <a:ext cx="4462780" cy="1813560"/>
-          </a:xfrm>
-          <a:prstGeom prst="rect">
-            <a:avLst/>
-          </a:prstGeom>
-        </p:spPr>
-      </p:pic>
     </p:spTree>
   </p:cSld>
   <p:clrMapOvr>
@@ -35182,7 +35992,7 @@
                 <a:cs typeface="Aptos"/>
                 <a:sym typeface="Aptos"/>
               </a:rPr>
-              <a:t>5. </a:t>
+              <a:t>4. </a:t>
             </a:r>
             <a:r>
               <a:rPr lang="zh-TW" altLang="en-US" sz="1200">
@@ -35194,21 +36004,9 @@
                 <a:cs typeface="Aptos"/>
                 <a:sym typeface="Aptos"/>
               </a:rPr>
-              <a:t>查找</a:t>
-            </a:r>
-            <a:r>
-              <a:rPr lang="en-US" altLang="zh-TW" sz="1200">
-                <a:solidFill>
-                  <a:schemeClr val="dk1"/>
-                </a:solidFill>
-                <a:latin typeface="Aptos"/>
-                <a:ea typeface="Aptos"/>
-                <a:cs typeface="Aptos"/>
-                <a:sym typeface="Aptos"/>
-              </a:rPr>
-              <a:t>git revision</a:t>
-            </a:r>
-            <a:endParaRPr lang="en-US" altLang="zh-TW" sz="1200">
+              <a:t>回到上一頁</a:t>
+            </a:r>
+            <a:endParaRPr lang="zh-TW" altLang="en-US" sz="1200">
               <a:solidFill>
                 <a:schemeClr val="dk1"/>
               </a:solidFill>
@@ -35222,7 +36020,7 @@
       </p:sp>
       <p:pic>
         <p:nvPicPr>
-          <p:cNvPr id="3" name="圖片 2"/>
+          <p:cNvPr id="2" name="圖片 1"/>
           <p:cNvPicPr>
             <a:picLocks noChangeAspect="1"/>
           </p:cNvPicPr>
@@ -35236,8 +36034,8 @@
         </p:blipFill>
         <p:spPr>
           <a:xfrm>
-            <a:off x="3522980" y="1388745"/>
-            <a:ext cx="4998720" cy="3573780"/>
+            <a:off x="571500" y="1955165"/>
+            <a:ext cx="4462780" cy="1813560"/>
           </a:xfrm>
           <a:prstGeom prst="rect">
             <a:avLst/>
@@ -35392,7 +36190,7 @@
               <a:buNone/>
             </a:pPr>
             <a:r>
-              <a:rPr lang="zh-TW" altLang="en-US" sz="1200" dirty="0">
+              <a:rPr lang="zh-TW" altLang="en-US" sz="1200">
                 <a:solidFill>
                   <a:schemeClr val="dk1"/>
                 </a:solidFill>
@@ -35404,7 +36202,7 @@
               <a:t>正式站檔案有問題，除了使用</a:t>
             </a:r>
             <a:r>
-              <a:rPr lang="en-US" altLang="zh-TW" sz="1200" dirty="0">
+              <a:rPr lang="en-US" altLang="zh-TW" sz="1200">
                 <a:solidFill>
                   <a:schemeClr val="dk1"/>
                 </a:solidFill>
@@ -35416,7 +36214,7 @@
               <a:t>GIT</a:t>
             </a:r>
             <a:r>
-              <a:rPr lang="zh-TW" altLang="en-US" sz="1200" dirty="0">
+              <a:rPr lang="zh-TW" altLang="en-US" sz="1200">
                 <a:solidFill>
                   <a:schemeClr val="dk1"/>
                 </a:solidFill>
@@ -35428,7 +36226,7 @@
               <a:t>退版以外，還可以用</a:t>
             </a:r>
             <a:r>
-              <a:rPr lang="en-US" altLang="zh-TW" sz="1200" dirty="0">
+              <a:rPr lang="en-US" altLang="zh-TW" sz="1200">
                 <a:solidFill>
                   <a:schemeClr val="dk1"/>
                 </a:solidFill>
@@ -35440,7 +36238,7 @@
               <a:t>Jenkins</a:t>
             </a:r>
             <a:r>
-              <a:rPr lang="zh-TW" altLang="en-US" sz="1200" dirty="0">
+              <a:rPr lang="zh-TW" altLang="en-US" sz="1200">
                 <a:solidFill>
                   <a:schemeClr val="dk1"/>
                 </a:solidFill>
@@ -35451,7 +36249,7 @@
               </a:rPr>
               <a:t>先執行退版的動作</a:t>
             </a:r>
-            <a:endParaRPr lang="zh-TW" altLang="en-US" sz="1200" dirty="0">
+            <a:endParaRPr lang="zh-TW" altLang="en-US" sz="1200">
               <a:solidFill>
                 <a:schemeClr val="dk1"/>
               </a:solidFill>
@@ -35472,7 +36270,7 @@
               <a:buNone/>
             </a:pPr>
             <a:r>
-              <a:rPr lang="zh-TW" altLang="en-US" sz="1200" dirty="0">
+              <a:rPr lang="zh-TW" altLang="en-US" sz="1200">
                 <a:solidFill>
                   <a:schemeClr val="dk1"/>
                 </a:solidFill>
@@ -35484,7 +36282,7 @@
               <a:t>步驟</a:t>
             </a:r>
             <a:r>
-              <a:rPr lang="en-US" altLang="zh-TW" sz="1200" dirty="0">
+              <a:rPr lang="en-US" altLang="zh-TW" sz="1200">
                 <a:solidFill>
                   <a:schemeClr val="dk1"/>
                 </a:solidFill>
@@ -35496,7 +36294,7 @@
               <a:t>5. </a:t>
             </a:r>
             <a:r>
-              <a:rPr lang="zh-TW" altLang="en-US" sz="1200" dirty="0">
+              <a:rPr lang="zh-TW" altLang="en-US" sz="1200">
                 <a:solidFill>
                   <a:schemeClr val="dk1"/>
                 </a:solidFill>
@@ -35505,10 +36303,10 @@
                 <a:cs typeface="Aptos"/>
                 <a:sym typeface="Aptos"/>
               </a:rPr>
-              <a:t>貼到</a:t>
-            </a:r>
-            <a:r>
-              <a:rPr lang="en-US" altLang="zh-TW" sz="1200" dirty="0">
+              <a:t>查找</a:t>
+            </a:r>
+            <a:r>
+              <a:rPr lang="en-US" altLang="zh-TW" sz="1200">
                 <a:solidFill>
                   <a:schemeClr val="dk1"/>
                 </a:solidFill>
@@ -35517,21 +36315,9 @@
                 <a:cs typeface="Aptos"/>
                 <a:sym typeface="Aptos"/>
               </a:rPr>
-              <a:t>build </a:t>
-            </a:r>
-            <a:r>
-              <a:rPr lang="zh-TW" altLang="en-US" sz="1200" dirty="0">
-                <a:solidFill>
-                  <a:schemeClr val="dk1"/>
-                </a:solidFill>
-                <a:latin typeface="Aptos"/>
-                <a:ea typeface="Aptos"/>
-                <a:cs typeface="Aptos"/>
-                <a:sym typeface="Aptos"/>
-              </a:rPr>
-              <a:t>空格，</a:t>
-            </a:r>
-            <a:endParaRPr lang="zh-TW" altLang="en-US" sz="1200" dirty="0">
+              <a:t>git revision</a:t>
+            </a:r>
+            <a:endParaRPr lang="en-US" altLang="zh-TW" sz="1200">
               <a:solidFill>
                 <a:schemeClr val="dk1"/>
               </a:solidFill>
@@ -35541,43 +36327,11 @@
               <a:sym typeface="Aptos"/>
             </a:endParaRPr>
           </a:p>
-          <a:p>
-            <a:pPr marL="457200" lvl="0" indent="0" algn="l" rtl="0">
-              <a:spcBef>
-                <a:spcPts val="1200"/>
-              </a:spcBef>
-              <a:spcAft>
-                <a:spcPts val="900"/>
-              </a:spcAft>
-              <a:buNone/>
-            </a:pPr>
-            <a:r>
-              <a:rPr lang="zh-TW" altLang="en-US" sz="1200" dirty="0">
-                <a:solidFill>
-                  <a:schemeClr val="dk1"/>
-                </a:solidFill>
-                <a:latin typeface="Aptos"/>
-                <a:ea typeface="Aptos"/>
-                <a:cs typeface="Aptos"/>
-                <a:sym typeface="Aptos"/>
-              </a:rPr>
-              <a:t>即可指定版本退版</a:t>
-            </a:r>
-            <a:endParaRPr lang="zh-TW" altLang="en-US" sz="1200" dirty="0">
-              <a:solidFill>
-                <a:schemeClr val="dk1"/>
-              </a:solidFill>
-              <a:latin typeface="Aptos"/>
-              <a:ea typeface="Aptos"/>
-              <a:cs typeface="Aptos"/>
-              <a:sym typeface="Aptos"/>
-            </a:endParaRPr>
-          </a:p>
         </p:txBody>
       </p:sp>
       <p:pic>
         <p:nvPicPr>
-          <p:cNvPr id="4" name="圖片 3"/>
+          <p:cNvPr id="3" name="圖片 2"/>
           <p:cNvPicPr>
             <a:picLocks noChangeAspect="1"/>
           </p:cNvPicPr>
@@ -35591,8 +36345,8 @@
         </p:blipFill>
         <p:spPr>
           <a:xfrm>
-            <a:off x="3214370" y="1501775"/>
-            <a:ext cx="3741420" cy="2987040"/>
+            <a:off x="3522980" y="1388745"/>
+            <a:ext cx="4998720" cy="3573780"/>
           </a:xfrm>
           <a:prstGeom prst="rect">
             <a:avLst/>
@@ -35675,6 +36429,361 @@
               <a:buNone/>
             </a:pPr>
             <a:r>
+              <a:rPr lang="zh-TW" sz="3000">
+                <a:latin typeface="Play" panose="00000500000000000000"/>
+                <a:ea typeface="Play" panose="00000500000000000000"/>
+                <a:cs typeface="Play" panose="00000500000000000000"/>
+                <a:sym typeface="Play" panose="00000500000000000000"/>
+              </a:rPr>
+              <a:t>課程補充</a:t>
+            </a:r>
+            <a:r>
+              <a:rPr lang="en-US" altLang="zh-TW" sz="3000">
+                <a:latin typeface="Play" panose="00000500000000000000"/>
+                <a:ea typeface="Play" panose="00000500000000000000"/>
+                <a:cs typeface="Play" panose="00000500000000000000"/>
+                <a:sym typeface="Play" panose="00000500000000000000"/>
+              </a:rPr>
+              <a:t>:</a:t>
+            </a:r>
+            <a:r>
+              <a:rPr lang="zh-TW" altLang="en-US" sz="3000">
+                <a:latin typeface="Play" panose="00000500000000000000"/>
+                <a:ea typeface="Play" panose="00000500000000000000"/>
+                <a:cs typeface="Play" panose="00000500000000000000"/>
+                <a:sym typeface="Play" panose="00000500000000000000"/>
+              </a:rPr>
+              <a:t>退版</a:t>
+            </a:r>
+            <a:br>
+              <a:rPr lang="zh-TW"/>
+            </a:br>
+            <a:endParaRPr lang="zh-TW"/>
+          </a:p>
+        </p:txBody>
+      </p:sp>
+      <p:sp>
+        <p:nvSpPr>
+          <p:cNvPr id="401" name="Google Shape;401;p62"/>
+          <p:cNvSpPr txBox="1">
+            <a:spLocks noGrp="1"/>
+          </p:cNvSpPr>
+          <p:nvPr>
+            <p:ph type="body" idx="1"/>
+          </p:nvPr>
+        </p:nvSpPr>
+        <p:spPr>
+          <a:xfrm>
+            <a:off x="451400" y="1045405"/>
+            <a:ext cx="7151100" cy="4625400"/>
+          </a:xfrm>
+          <a:prstGeom prst="rect">
+            <a:avLst/>
+          </a:prstGeom>
+          <a:noFill/>
+          <a:ln>
+            <a:noFill/>
+          </a:ln>
+        </p:spPr>
+        <p:txBody>
+          <a:bodyPr spcFirstLastPara="1" wrap="square" lIns="68575" tIns="34275" rIns="68575" bIns="34275" anchor="t" anchorCtr="0">
+            <a:normAutofit/>
+          </a:bodyPr>
+          <a:lstStyle/>
+          <a:p>
+            <a:pPr marL="457200" lvl="0" indent="0" algn="l" rtl="0">
+              <a:spcBef>
+                <a:spcPts val="1200"/>
+              </a:spcBef>
+              <a:spcAft>
+                <a:spcPts val="900"/>
+              </a:spcAft>
+              <a:buNone/>
+            </a:pPr>
+            <a:r>
+              <a:rPr lang="zh-TW" altLang="en-US" sz="1200" dirty="0">
+                <a:solidFill>
+                  <a:schemeClr val="dk1"/>
+                </a:solidFill>
+                <a:latin typeface="Aptos"/>
+                <a:ea typeface="Aptos"/>
+                <a:cs typeface="Aptos"/>
+                <a:sym typeface="Aptos"/>
+              </a:rPr>
+              <a:t>正式站檔案有問題，除了使用</a:t>
+            </a:r>
+            <a:r>
+              <a:rPr lang="en-US" altLang="zh-TW" sz="1200" dirty="0">
+                <a:solidFill>
+                  <a:schemeClr val="dk1"/>
+                </a:solidFill>
+                <a:latin typeface="Aptos"/>
+                <a:ea typeface="Aptos"/>
+                <a:cs typeface="Aptos"/>
+                <a:sym typeface="Aptos"/>
+              </a:rPr>
+              <a:t>GIT</a:t>
+            </a:r>
+            <a:r>
+              <a:rPr lang="zh-TW" altLang="en-US" sz="1200" dirty="0">
+                <a:solidFill>
+                  <a:schemeClr val="dk1"/>
+                </a:solidFill>
+                <a:latin typeface="Aptos"/>
+                <a:ea typeface="Aptos"/>
+                <a:cs typeface="Aptos"/>
+                <a:sym typeface="Aptos"/>
+              </a:rPr>
+              <a:t>退版以外，還可以用</a:t>
+            </a:r>
+            <a:r>
+              <a:rPr lang="en-US" altLang="zh-TW" sz="1200" dirty="0">
+                <a:solidFill>
+                  <a:schemeClr val="dk1"/>
+                </a:solidFill>
+                <a:latin typeface="Aptos"/>
+                <a:ea typeface="Aptos"/>
+                <a:cs typeface="Aptos"/>
+                <a:sym typeface="Aptos"/>
+              </a:rPr>
+              <a:t>Jenkins</a:t>
+            </a:r>
+            <a:r>
+              <a:rPr lang="zh-TW" altLang="en-US" sz="1200" dirty="0">
+                <a:solidFill>
+                  <a:schemeClr val="dk1"/>
+                </a:solidFill>
+                <a:latin typeface="Aptos"/>
+                <a:ea typeface="Aptos"/>
+                <a:cs typeface="Aptos"/>
+                <a:sym typeface="Aptos"/>
+              </a:rPr>
+              <a:t>先執行退版的動作</a:t>
+            </a:r>
+            <a:endParaRPr lang="zh-TW" altLang="en-US" sz="1200" dirty="0">
+              <a:solidFill>
+                <a:schemeClr val="dk1"/>
+              </a:solidFill>
+              <a:latin typeface="Aptos"/>
+              <a:ea typeface="Aptos"/>
+              <a:cs typeface="Aptos"/>
+              <a:sym typeface="Aptos"/>
+            </a:endParaRPr>
+          </a:p>
+          <a:p>
+            <a:pPr marL="457200" lvl="0" indent="0" algn="l" rtl="0">
+              <a:spcBef>
+                <a:spcPts val="1200"/>
+              </a:spcBef>
+              <a:spcAft>
+                <a:spcPts val="900"/>
+              </a:spcAft>
+              <a:buNone/>
+            </a:pPr>
+            <a:r>
+              <a:rPr lang="zh-TW" altLang="en-US" sz="1200" dirty="0">
+                <a:solidFill>
+                  <a:schemeClr val="dk1"/>
+                </a:solidFill>
+                <a:latin typeface="Aptos"/>
+                <a:ea typeface="Aptos"/>
+                <a:cs typeface="Aptos"/>
+                <a:sym typeface="Aptos"/>
+              </a:rPr>
+              <a:t>步驟</a:t>
+            </a:r>
+            <a:r>
+              <a:rPr lang="en-US" altLang="zh-TW" sz="1200" dirty="0">
+                <a:solidFill>
+                  <a:schemeClr val="dk1"/>
+                </a:solidFill>
+                <a:latin typeface="Aptos"/>
+                <a:ea typeface="Aptos"/>
+                <a:cs typeface="Aptos"/>
+                <a:sym typeface="Aptos"/>
+              </a:rPr>
+              <a:t>5. </a:t>
+            </a:r>
+            <a:r>
+              <a:rPr lang="zh-TW" altLang="en-US" sz="1200" dirty="0">
+                <a:solidFill>
+                  <a:schemeClr val="dk1"/>
+                </a:solidFill>
+                <a:latin typeface="Aptos"/>
+                <a:ea typeface="Aptos"/>
+                <a:cs typeface="Aptos"/>
+                <a:sym typeface="Aptos"/>
+              </a:rPr>
+              <a:t>貼到</a:t>
+            </a:r>
+            <a:r>
+              <a:rPr lang="en-US" altLang="zh-TW" sz="1200" dirty="0">
+                <a:solidFill>
+                  <a:schemeClr val="dk1"/>
+                </a:solidFill>
+                <a:latin typeface="Aptos"/>
+                <a:ea typeface="Aptos"/>
+                <a:cs typeface="Aptos"/>
+                <a:sym typeface="Aptos"/>
+              </a:rPr>
+              <a:t>build </a:t>
+            </a:r>
+            <a:r>
+              <a:rPr lang="zh-TW" altLang="en-US" sz="1200" dirty="0">
+                <a:solidFill>
+                  <a:schemeClr val="dk1"/>
+                </a:solidFill>
+                <a:latin typeface="Aptos"/>
+                <a:ea typeface="Aptos"/>
+                <a:cs typeface="Aptos"/>
+                <a:sym typeface="Aptos"/>
+              </a:rPr>
+              <a:t>空格，</a:t>
+            </a:r>
+            <a:endParaRPr lang="zh-TW" altLang="en-US" sz="1200" dirty="0">
+              <a:solidFill>
+                <a:schemeClr val="dk1"/>
+              </a:solidFill>
+              <a:latin typeface="Aptos"/>
+              <a:ea typeface="Aptos"/>
+              <a:cs typeface="Aptos"/>
+              <a:sym typeface="Aptos"/>
+            </a:endParaRPr>
+          </a:p>
+          <a:p>
+            <a:pPr marL="457200" lvl="0" indent="0" algn="l" rtl="0">
+              <a:spcBef>
+                <a:spcPts val="1200"/>
+              </a:spcBef>
+              <a:spcAft>
+                <a:spcPts val="900"/>
+              </a:spcAft>
+              <a:buNone/>
+            </a:pPr>
+            <a:r>
+              <a:rPr lang="zh-TW" altLang="en-US" sz="1200" dirty="0">
+                <a:solidFill>
+                  <a:schemeClr val="dk1"/>
+                </a:solidFill>
+                <a:latin typeface="Aptos"/>
+                <a:ea typeface="Aptos"/>
+                <a:cs typeface="Aptos"/>
+                <a:sym typeface="Aptos"/>
+              </a:rPr>
+              <a:t>即可指定版本退版</a:t>
+            </a:r>
+            <a:endParaRPr lang="zh-TW" altLang="en-US" sz="1200" dirty="0">
+              <a:solidFill>
+                <a:schemeClr val="dk1"/>
+              </a:solidFill>
+              <a:latin typeface="Aptos"/>
+              <a:ea typeface="Aptos"/>
+              <a:cs typeface="Aptos"/>
+              <a:sym typeface="Aptos"/>
+            </a:endParaRPr>
+          </a:p>
+        </p:txBody>
+      </p:sp>
+      <p:pic>
+        <p:nvPicPr>
+          <p:cNvPr id="4" name="圖片 3"/>
+          <p:cNvPicPr>
+            <a:picLocks noChangeAspect="1"/>
+          </p:cNvPicPr>
+          <p:nvPr/>
+        </p:nvPicPr>
+        <p:blipFill>
+          <a:blip r:embed="rId1"/>
+          <a:stretch>
+            <a:fillRect/>
+          </a:stretch>
+        </p:blipFill>
+        <p:spPr>
+          <a:xfrm>
+            <a:off x="3214370" y="1501775"/>
+            <a:ext cx="3741420" cy="2987040"/>
+          </a:xfrm>
+          <a:prstGeom prst="rect">
+            <a:avLst/>
+          </a:prstGeom>
+        </p:spPr>
+      </p:pic>
+    </p:spTree>
+  </p:cSld>
+  <p:clrMapOvr>
+    <a:masterClrMapping/>
+  </p:clrMapOvr>
+  <p:timing>
+    <p:tnLst>
+      <p:par>
+        <p:cTn id="1" dur="indefinite" restart="never" nodeType="tmRoot"/>
+      </p:par>
+    </p:tnLst>
+  </p:timing>
+</p:sld>
+</file>
+
+<file path=ppt/slides/slide43.xml><?xml version="1.0" encoding="utf-8"?>
+<p:sld xmlns:a="http://schemas.openxmlformats.org/drawingml/2006/main" xmlns:r="http://schemas.openxmlformats.org/officeDocument/2006/relationships" xmlns:p="http://schemas.openxmlformats.org/presentationml/2006/main">
+  <p:cSld>
+    <p:spTree>
+      <p:nvGrpSpPr>
+        <p:cNvPr id="1" name="Shape 399"/>
+        <p:cNvGrpSpPr/>
+        <p:nvPr/>
+      </p:nvGrpSpPr>
+      <p:grpSpPr>
+        <a:xfrm>
+          <a:off x="0" y="0"/>
+          <a:ext cx="0" cy="0"/>
+          <a:chOff x="0" y="0"/>
+          <a:chExt cx="0" cy="0"/>
+        </a:xfrm>
+      </p:grpSpPr>
+      <p:sp>
+        <p:nvSpPr>
+          <p:cNvPr id="400" name="Google Shape;400;p62"/>
+          <p:cNvSpPr txBox="1">
+            <a:spLocks noGrp="1"/>
+          </p:cNvSpPr>
+          <p:nvPr>
+            <p:ph type="title"/>
+          </p:nvPr>
+        </p:nvSpPr>
+        <p:spPr>
+          <a:xfrm>
+            <a:off x="508000" y="54300"/>
+            <a:ext cx="6447600" cy="990600"/>
+          </a:xfrm>
+          <a:prstGeom prst="rect">
+            <a:avLst/>
+          </a:prstGeom>
+          <a:noFill/>
+          <a:ln>
+            <a:noFill/>
+          </a:ln>
+        </p:spPr>
+        <p:txBody>
+          <a:bodyPr spcFirstLastPara="1" wrap="square" lIns="68575" tIns="34275" rIns="68575" bIns="34275" anchor="t" anchorCtr="0">
+            <a:normAutofit/>
+          </a:bodyPr>
+          <a:lstStyle/>
+          <a:p>
+            <a:pPr marL="0" lvl="0" indent="0" algn="l" rtl="0">
+              <a:spcBef>
+                <a:spcPts val="0"/>
+              </a:spcBef>
+              <a:spcAft>
+                <a:spcPts val="0"/>
+              </a:spcAft>
+              <a:buClr>
+                <a:schemeClr val="accent1"/>
+              </a:buClr>
+              <a:buSzPts val="2700"/>
+              <a:buFont typeface="Trebuchet MS" panose="020B0603020202020204"/>
+              <a:buNone/>
+            </a:pPr>
+            <a:r>
               <a:rPr lang="zh-TW" sz="3000" dirty="0">
                 <a:latin typeface="Play" panose="00000500000000000000"/>
                 <a:ea typeface="Play" panose="00000500000000000000"/>
@@ -35907,7 +37016,7 @@
 </p:sld>
 </file>
 
-<file path=ppt/slides/slide43.xml><?xml version="1.0" encoding="utf-8"?>
+<file path=ppt/slides/slide44.xml><?xml version="1.0" encoding="utf-8"?>
 <p:sld xmlns:a="http://schemas.openxmlformats.org/drawingml/2006/main" xmlns:r="http://schemas.openxmlformats.org/officeDocument/2006/relationships" xmlns:p="http://schemas.openxmlformats.org/presentationml/2006/main">
   <p:cSld>
     <p:spTree>

--- a/單元5.Jenkins與Docker的CICD使用詳解.pptx
+++ b/單元5.Jenkins與Docker的CICD使用詳解.pptx
@@ -27371,7 +27371,7 @@
                 <a:cs typeface="Aptos"/>
                 <a:sym typeface="Aptos"/>
               </a:rPr>
-              <a:t>        // </a:t>
+              <a:t>        </a:t>
             </a:r>
             <a:r>
               <a:rPr lang="zh-TW" altLang="en-US" sz="900" dirty="0">
@@ -27383,116 +27383,8 @@
                 <a:cs typeface="Aptos"/>
                 <a:sym typeface="Aptos"/>
               </a:rPr>
-              <a:t>先確保目的地存在（可選）</a:t>
-            </a:r>
-            <a:endParaRPr lang="zh-TW" altLang="en-US" sz="900" dirty="0">
-              <a:solidFill>
-                <a:srgbClr val="0F4761"/>
-              </a:solidFill>
-              <a:latin typeface="Aptos"/>
-              <a:ea typeface="Aptos"/>
-              <a:cs typeface="Aptos"/>
-              <a:sym typeface="Aptos"/>
-            </a:endParaRPr>
-          </a:p>
-          <a:p>
-            <a:pPr lvl="0" indent="-293370">
-              <a:buClr>
-                <a:schemeClr val="dk1"/>
-              </a:buClr>
-              <a:buSzPct val="86000"/>
-              <a:buChar char="●"/>
-            </a:pPr>
-            <a:r>
-              <a:rPr lang="zh-TW" altLang="en-US" sz="900" dirty="0">
-                <a:solidFill>
-                  <a:srgbClr val="0F4761"/>
-                </a:solidFill>
-                <a:latin typeface="Aptos"/>
-                <a:ea typeface="Aptos"/>
-                <a:cs typeface="Aptos"/>
-                <a:sym typeface="Aptos"/>
-              </a:rPr>
               <a:t>        </a:t>
             </a:r>
-            <a:r>
-              <a:rPr lang="en-US" altLang="zh-TW" sz="900" dirty="0">
-                <a:solidFill>
-                  <a:srgbClr val="0F4761"/>
-                </a:solidFill>
-                <a:latin typeface="Aptos"/>
-                <a:ea typeface="Aptos"/>
-                <a:cs typeface="Aptos"/>
-                <a:sym typeface="Aptos"/>
-              </a:rPr>
-              <a:t>bat '</a:t>
-            </a:r>
-            <a:r>
-              <a:rPr lang="en-US" altLang="zh-TW" sz="900" dirty="0" err="1">
-                <a:solidFill>
-                  <a:srgbClr val="0F4761"/>
-                </a:solidFill>
-                <a:latin typeface="Aptos"/>
-                <a:ea typeface="Aptos"/>
-                <a:cs typeface="Aptos"/>
-                <a:sym typeface="Aptos"/>
-              </a:rPr>
-              <a:t>mkdir</a:t>
-            </a:r>
-            <a:r>
-              <a:rPr lang="en-US" altLang="zh-TW" sz="900" dirty="0">
-                <a:solidFill>
-                  <a:srgbClr val="0F4761"/>
-                </a:solidFill>
-                <a:latin typeface="Aptos"/>
-                <a:ea typeface="Aptos"/>
-                <a:cs typeface="Aptos"/>
-                <a:sym typeface="Aptos"/>
-              </a:rPr>
-              <a:t> D:\\site 2&gt;NUL || </a:t>
-            </a:r>
-            <a:r>
-              <a:rPr lang="en-US" altLang="zh-TW" sz="900" dirty="0" err="1">
-                <a:solidFill>
-                  <a:srgbClr val="0F4761"/>
-                </a:solidFill>
-                <a:latin typeface="Aptos"/>
-                <a:ea typeface="Aptos"/>
-                <a:cs typeface="Aptos"/>
-                <a:sym typeface="Aptos"/>
-              </a:rPr>
-              <a:t>ver</a:t>
-            </a:r>
-            <a:r>
-              <a:rPr lang="en-US" altLang="zh-TW" sz="900" dirty="0">
-                <a:solidFill>
-                  <a:srgbClr val="0F4761"/>
-                </a:solidFill>
-                <a:latin typeface="Aptos"/>
-                <a:ea typeface="Aptos"/>
-                <a:cs typeface="Aptos"/>
-                <a:sym typeface="Aptos"/>
-              </a:rPr>
-              <a:t> &gt;NUL'</a:t>
-            </a:r>
-            <a:endParaRPr lang="en-US" altLang="zh-TW" sz="900" dirty="0">
-              <a:solidFill>
-                <a:srgbClr val="0F4761"/>
-              </a:solidFill>
-              <a:latin typeface="Aptos"/>
-              <a:ea typeface="Aptos"/>
-              <a:cs typeface="Aptos"/>
-              <a:sym typeface="Aptos"/>
-            </a:endParaRPr>
-          </a:p>
-          <a:p>
-            <a:pPr lvl="0" indent="-293370">
-              <a:buClr>
-                <a:schemeClr val="dk1"/>
-              </a:buClr>
-              <a:buSzPct val="86000"/>
-              <a:buChar char="●"/>
-            </a:pPr>
             <a:endParaRPr lang="en-US" altLang="zh-TW" sz="900" dirty="0">
               <a:solidFill>
                 <a:srgbClr val="0F4761"/>

--- a/單元5.Jenkins與Docker的CICD使用詳解.pptx
+++ b/單元5.Jenkins與Docker的CICD使用詳解.pptx
@@ -27941,7 +27941,43 @@
                 <a:cs typeface="Aptos"/>
                 <a:sym typeface="Aptos"/>
               </a:rPr>
-              <a:t>D:\\site' }</a:t>
+              <a:t>D:\\</a:t>
+            </a:r>
+            <a:r>
+              <a:rPr lang="en-US" altLang="zh-TW" sz="900" dirty="0" err="1">
+                <a:solidFill>
+                  <a:schemeClr val="dk1"/>
+                </a:solidFill>
+                <a:latin typeface="Arial" panose="020B0604020202020204"/>
+                <a:ea typeface="Arial" panose="020B0604020202020204"/>
+                <a:cs typeface="Arial" panose="020B0604020202020204"/>
+                <a:sym typeface="Arial" panose="020B0604020202020204"/>
+              </a:rPr>
+              <a:t>OfficialWebsite</a:t>
+            </a:r>
+            <a:r>
+              <a:rPr lang="en-US" altLang="zh-TW" sz="900" dirty="0">
+                <a:solidFill>
+                  <a:srgbClr val="0F4761"/>
+                </a:solidFill>
+                <a:latin typeface="Aptos"/>
+                <a:ea typeface="Aptos"/>
+                <a:cs typeface="Aptos"/>
+                <a:sym typeface="Aptos"/>
+              </a:rPr>
+              <a:t>'</a:t>
+            </a:r>
+            <a:r>
+              <a:rPr lang="en-US" altLang="zh-TW" sz="900" dirty="0">
+                <a:solidFill>
+                  <a:srgbClr val="0F4761"/>
+                </a:solidFill>
+                <a:latin typeface="Aptos"/>
+                <a:ea typeface="Aptos"/>
+                <a:cs typeface="Aptos"/>
+                <a:sym typeface="Aptos"/>
+              </a:rPr>
+              <a:t>}</a:t>
             </a:r>
             <a:endParaRPr lang="en-US" altLang="zh-TW" sz="900" dirty="0">
               <a:solidFill>
